--- a/Materials/250128.pptx
+++ b/Materials/250128.pptx
@@ -6,6 +6,8 @@
   </p:sldMasterIdLst>
   <p:sldIdLst>
     <p:sldId id="256" r:id="rId2"/>
+    <p:sldId id="257" r:id="rId3"/>
+    <p:sldId id="258" r:id="rId4"/>
   </p:sldIdLst>
   <p:sldSz cx="12192000" cy="6858000"/>
   <p:notesSz cx="6858000" cy="9144000"/>
@@ -104,6 +106,11 @@
       </a:defRPr>
     </a:lvl9pPr>
   </p:defaultTextStyle>
+  <p:extLst>
+    <p:ext uri="{EFAFB233-063F-42B5-8137-9DF3F51BA10A}">
+      <p15:sldGuideLst xmlns:p15="http://schemas.microsoft.com/office/powerpoint/2012/main"/>
+    </p:ext>
+  </p:extLst>
 </p:presentation>
 </file>
 
@@ -254,7 +261,7 @@
           <a:p>
             <a:fld id="{0A773714-39D8-450B-8E06-5E8298783117}" type="datetimeFigureOut">
               <a:rPr lang="ko-KR" altLang="en-US" smtClean="0"/>
-              <a:t>2025-01-28</a:t>
+              <a:t>2025-02-02</a:t>
             </a:fld>
             <a:endParaRPr lang="ko-KR" altLang="en-US"/>
           </a:p>
@@ -452,7 +459,7 @@
           <a:p>
             <a:fld id="{0A773714-39D8-450B-8E06-5E8298783117}" type="datetimeFigureOut">
               <a:rPr lang="ko-KR" altLang="en-US" smtClean="0"/>
-              <a:t>2025-01-28</a:t>
+              <a:t>2025-02-02</a:t>
             </a:fld>
             <a:endParaRPr lang="ko-KR" altLang="en-US"/>
           </a:p>
@@ -660,7 +667,7 @@
           <a:p>
             <a:fld id="{0A773714-39D8-450B-8E06-5E8298783117}" type="datetimeFigureOut">
               <a:rPr lang="ko-KR" altLang="en-US" smtClean="0"/>
-              <a:t>2025-01-28</a:t>
+              <a:t>2025-02-02</a:t>
             </a:fld>
             <a:endParaRPr lang="ko-KR" altLang="en-US"/>
           </a:p>
@@ -858,7 +865,7 @@
           <a:p>
             <a:fld id="{0A773714-39D8-450B-8E06-5E8298783117}" type="datetimeFigureOut">
               <a:rPr lang="ko-KR" altLang="en-US" smtClean="0"/>
-              <a:t>2025-01-28</a:t>
+              <a:t>2025-02-02</a:t>
             </a:fld>
             <a:endParaRPr lang="ko-KR" altLang="en-US"/>
           </a:p>
@@ -1133,7 +1140,7 @@
           <a:p>
             <a:fld id="{0A773714-39D8-450B-8E06-5E8298783117}" type="datetimeFigureOut">
               <a:rPr lang="ko-KR" altLang="en-US" smtClean="0"/>
-              <a:t>2025-01-28</a:t>
+              <a:t>2025-02-02</a:t>
             </a:fld>
             <a:endParaRPr lang="ko-KR" altLang="en-US"/>
           </a:p>
@@ -1398,7 +1405,7 @@
           <a:p>
             <a:fld id="{0A773714-39D8-450B-8E06-5E8298783117}" type="datetimeFigureOut">
               <a:rPr lang="ko-KR" altLang="en-US" smtClean="0"/>
-              <a:t>2025-01-28</a:t>
+              <a:t>2025-02-02</a:t>
             </a:fld>
             <a:endParaRPr lang="ko-KR" altLang="en-US"/>
           </a:p>
@@ -1810,7 +1817,7 @@
           <a:p>
             <a:fld id="{0A773714-39D8-450B-8E06-5E8298783117}" type="datetimeFigureOut">
               <a:rPr lang="ko-KR" altLang="en-US" smtClean="0"/>
-              <a:t>2025-01-28</a:t>
+              <a:t>2025-02-02</a:t>
             </a:fld>
             <a:endParaRPr lang="ko-KR" altLang="en-US"/>
           </a:p>
@@ -1951,7 +1958,7 @@
           <a:p>
             <a:fld id="{0A773714-39D8-450B-8E06-5E8298783117}" type="datetimeFigureOut">
               <a:rPr lang="ko-KR" altLang="en-US" smtClean="0"/>
-              <a:t>2025-01-28</a:t>
+              <a:t>2025-02-02</a:t>
             </a:fld>
             <a:endParaRPr lang="ko-KR" altLang="en-US"/>
           </a:p>
@@ -2064,7 +2071,7 @@
           <a:p>
             <a:fld id="{0A773714-39D8-450B-8E06-5E8298783117}" type="datetimeFigureOut">
               <a:rPr lang="ko-KR" altLang="en-US" smtClean="0"/>
-              <a:t>2025-01-28</a:t>
+              <a:t>2025-02-02</a:t>
             </a:fld>
             <a:endParaRPr lang="ko-KR" altLang="en-US"/>
           </a:p>
@@ -2375,7 +2382,7 @@
           <a:p>
             <a:fld id="{0A773714-39D8-450B-8E06-5E8298783117}" type="datetimeFigureOut">
               <a:rPr lang="ko-KR" altLang="en-US" smtClean="0"/>
-              <a:t>2025-01-28</a:t>
+              <a:t>2025-02-02</a:t>
             </a:fld>
             <a:endParaRPr lang="ko-KR" altLang="en-US"/>
           </a:p>
@@ -2663,7 +2670,7 @@
           <a:p>
             <a:fld id="{0A773714-39D8-450B-8E06-5E8298783117}" type="datetimeFigureOut">
               <a:rPr lang="ko-KR" altLang="en-US" smtClean="0"/>
-              <a:t>2025-01-28</a:t>
+              <a:t>2025-02-02</a:t>
             </a:fld>
             <a:endParaRPr lang="ko-KR" altLang="en-US"/>
           </a:p>
@@ -2904,7 +2911,7 @@
           <a:p>
             <a:fld id="{0A773714-39D8-450B-8E06-5E8298783117}" type="datetimeFigureOut">
               <a:rPr lang="ko-KR" altLang="en-US" smtClean="0"/>
-              <a:t>2025-01-28</a:t>
+              <a:t>2025-02-02</a:t>
             </a:fld>
             <a:endParaRPr lang="ko-KR" altLang="en-US"/>
           </a:p>
@@ -3323,10 +3330,1801 @@
       </p:grpSpPr>
       <p:sp>
         <p:nvSpPr>
+          <p:cNvPr id="3" name="TextBox 2">
+            <a:extLst>
+              <a:ext uri="{FF2B5EF4-FFF2-40B4-BE49-F238E27FC236}">
+                <a16:creationId xmlns:a16="http://schemas.microsoft.com/office/drawing/2014/main" id="{C543A809-6B36-9BFF-5ADC-43F084945485}"/>
+              </a:ext>
+            </a:extLst>
+          </p:cNvPr>
+          <p:cNvSpPr txBox="1"/>
+          <p:nvPr/>
+        </p:nvSpPr>
+        <p:spPr>
+          <a:xfrm>
+            <a:off x="0" y="0"/>
+            <a:ext cx="3385626" cy="4324261"/>
+          </a:xfrm>
+          <a:prstGeom prst="rect">
+            <a:avLst/>
+          </a:prstGeom>
+          <a:noFill/>
+        </p:spPr>
+        <p:txBody>
+          <a:bodyPr wrap="square">
+            <a:spAutoFit/>
+          </a:bodyPr>
+          <a:lstStyle/>
+          <a:p>
+            <a:r>
+              <a:rPr lang="en-US" altLang="ko-KR" sz="1100" dirty="0">
+                <a:latin typeface="굴림" panose="020B0600000101010101" pitchFamily="50" charset="-127"/>
+                <a:ea typeface="굴림" panose="020B0600000101010101" pitchFamily="50" charset="-127"/>
+              </a:rPr>
+              <a:t>{</a:t>
+            </a:r>
+          </a:p>
+          <a:p>
+            <a:r>
+              <a:rPr lang="en-US" altLang="ko-KR" sz="1100" dirty="0">
+                <a:latin typeface="굴림" panose="020B0600000101010101" pitchFamily="50" charset="-127"/>
+                <a:ea typeface="굴림" panose="020B0600000101010101" pitchFamily="50" charset="-127"/>
+              </a:rPr>
+              <a:t>  "name": "Kia_K5",</a:t>
+            </a:r>
+          </a:p>
+          <a:p>
+            <a:r>
+              <a:rPr lang="en-US" altLang="ko-KR" sz="1100" dirty="0">
+                <a:latin typeface="굴림" panose="020B0600000101010101" pitchFamily="50" charset="-127"/>
+                <a:ea typeface="굴림" panose="020B0600000101010101" pitchFamily="50" charset="-127"/>
+              </a:rPr>
+              <a:t>  "mass": 1850.0,</a:t>
+            </a:r>
+          </a:p>
+          <a:p>
+            <a:r>
+              <a:rPr lang="en-US" altLang="ko-KR" sz="1100" dirty="0">
+                <a:latin typeface="굴림" panose="020B0600000101010101" pitchFamily="50" charset="-127"/>
+                <a:ea typeface="굴림" panose="020B0600000101010101" pitchFamily="50" charset="-127"/>
+              </a:rPr>
+              <a:t>  "drag": 0.0099999997764825821,</a:t>
+            </a:r>
+          </a:p>
+          <a:p>
+            <a:r>
+              <a:rPr lang="en-US" altLang="ko-KR" sz="1100" dirty="0">
+                <a:latin typeface="굴림" panose="020B0600000101010101" pitchFamily="50" charset="-127"/>
+                <a:ea typeface="굴림" panose="020B0600000101010101" pitchFamily="50" charset="-127"/>
+              </a:rPr>
+              <a:t>  "</a:t>
+            </a:r>
+            <a:r>
+              <a:rPr lang="en-US" altLang="ko-KR" sz="1100" dirty="0" err="1">
+                <a:latin typeface="굴림" panose="020B0600000101010101" pitchFamily="50" charset="-127"/>
+                <a:ea typeface="굴림" panose="020B0600000101010101" pitchFamily="50" charset="-127"/>
+              </a:rPr>
+              <a:t>chassisDimensions</a:t>
+            </a:r>
+            <a:r>
+              <a:rPr lang="en-US" altLang="ko-KR" sz="1100" dirty="0">
+                <a:latin typeface="굴림" panose="020B0600000101010101" pitchFamily="50" charset="-127"/>
+                <a:ea typeface="굴림" panose="020B0600000101010101" pitchFamily="50" charset="-127"/>
+              </a:rPr>
+              <a:t>": {</a:t>
+            </a:r>
+          </a:p>
+          <a:p>
+            <a:r>
+              <a:rPr lang="en-US" altLang="ko-KR" sz="1100" dirty="0">
+                <a:latin typeface="굴림" panose="020B0600000101010101" pitchFamily="50" charset="-127"/>
+                <a:ea typeface="굴림" panose="020B0600000101010101" pitchFamily="50" charset="-127"/>
+              </a:rPr>
+              <a:t>    "x": 1.6514999866485596,</a:t>
+            </a:r>
+          </a:p>
+          <a:p>
+            <a:r>
+              <a:rPr lang="en-US" altLang="ko-KR" sz="1100" dirty="0">
+                <a:latin typeface="굴림" panose="020B0600000101010101" pitchFamily="50" charset="-127"/>
+                <a:ea typeface="굴림" panose="020B0600000101010101" pitchFamily="50" charset="-127"/>
+              </a:rPr>
+              <a:t>    "y": 0.5,</a:t>
+            </a:r>
+          </a:p>
+          <a:p>
+            <a:r>
+              <a:rPr lang="en-US" altLang="ko-KR" sz="1100" dirty="0">
+                <a:latin typeface="굴림" panose="020B0600000101010101" pitchFamily="50" charset="-127"/>
+                <a:ea typeface="굴림" panose="020B0600000101010101" pitchFamily="50" charset="-127"/>
+              </a:rPr>
+              <a:t>    "z": 3.820000171661377</a:t>
+            </a:r>
+          </a:p>
+          <a:p>
+            <a:r>
+              <a:rPr lang="ko-KR" altLang="en-US" sz="1100" dirty="0">
+                <a:latin typeface="굴림" panose="020B0600000101010101" pitchFamily="50" charset="-127"/>
+                <a:ea typeface="굴림" panose="020B0600000101010101" pitchFamily="50" charset="-127"/>
+              </a:rPr>
+              <a:t>  </a:t>
+            </a:r>
+            <a:r>
+              <a:rPr lang="en-US" altLang="ko-KR" sz="1100" dirty="0">
+                <a:latin typeface="굴림" panose="020B0600000101010101" pitchFamily="50" charset="-127"/>
+                <a:ea typeface="굴림" panose="020B0600000101010101" pitchFamily="50" charset="-127"/>
+              </a:rPr>
+              <a:t>},</a:t>
+            </a:r>
+          </a:p>
+          <a:p>
+            <a:r>
+              <a:rPr lang="en-US" altLang="ko-KR" sz="1100" dirty="0">
+                <a:latin typeface="굴림" panose="020B0600000101010101" pitchFamily="50" charset="-127"/>
+                <a:ea typeface="굴림" panose="020B0600000101010101" pitchFamily="50" charset="-127"/>
+              </a:rPr>
+              <a:t>  "</a:t>
+            </a:r>
+            <a:r>
+              <a:rPr lang="en-US" altLang="ko-KR" sz="1100" dirty="0" err="1">
+                <a:latin typeface="굴림" panose="020B0600000101010101" pitchFamily="50" charset="-127"/>
+                <a:ea typeface="굴림" panose="020B0600000101010101" pitchFamily="50" charset="-127"/>
+              </a:rPr>
+              <a:t>inertiaBias</a:t>
+            </a:r>
+            <a:r>
+              <a:rPr lang="en-US" altLang="ko-KR" sz="1100" dirty="0">
+                <a:latin typeface="굴림" panose="020B0600000101010101" pitchFamily="50" charset="-127"/>
+                <a:ea typeface="굴림" panose="020B0600000101010101" pitchFamily="50" charset="-127"/>
+              </a:rPr>
+              <a:t>": 0.0,</a:t>
+            </a:r>
+          </a:p>
+          <a:p>
+            <a:r>
+              <a:rPr lang="en-US" altLang="ko-KR" sz="1100" dirty="0">
+                <a:latin typeface="굴림" panose="020B0600000101010101" pitchFamily="50" charset="-127"/>
+                <a:ea typeface="굴림" panose="020B0600000101010101" pitchFamily="50" charset="-127"/>
+              </a:rPr>
+              <a:t>  "</a:t>
+            </a:r>
+            <a:r>
+              <a:rPr lang="en-US" altLang="ko-KR" sz="1100" dirty="0" err="1">
+                <a:latin typeface="굴림" panose="020B0600000101010101" pitchFamily="50" charset="-127"/>
+                <a:ea typeface="굴림" panose="020B0600000101010101" pitchFamily="50" charset="-127"/>
+              </a:rPr>
+              <a:t>gearRatio</a:t>
+            </a:r>
+            <a:r>
+              <a:rPr lang="en-US" altLang="ko-KR" sz="1100" dirty="0">
+                <a:latin typeface="굴림" panose="020B0600000101010101" pitchFamily="50" charset="-127"/>
+                <a:ea typeface="굴림" panose="020B0600000101010101" pitchFamily="50" charset="-127"/>
+              </a:rPr>
+              <a:t>": 4.4380002021789551,</a:t>
+            </a:r>
+          </a:p>
+          <a:p>
+            <a:r>
+              <a:rPr lang="en-US" altLang="ko-KR" sz="1100" dirty="0">
+                <a:latin typeface="굴림" panose="020B0600000101010101" pitchFamily="50" charset="-127"/>
+                <a:ea typeface="굴림" panose="020B0600000101010101" pitchFamily="50" charset="-127"/>
+              </a:rPr>
+              <a:t>  "</a:t>
+            </a:r>
+            <a:r>
+              <a:rPr lang="en-US" altLang="ko-KR" sz="1100" dirty="0" err="1">
+                <a:latin typeface="굴림" panose="020B0600000101010101" pitchFamily="50" charset="-127"/>
+                <a:ea typeface="굴림" panose="020B0600000101010101" pitchFamily="50" charset="-127"/>
+              </a:rPr>
+              <a:t>maxSteerAngle</a:t>
+            </a:r>
+            <a:r>
+              <a:rPr lang="en-US" altLang="ko-KR" sz="1100" dirty="0">
+                <a:latin typeface="굴림" panose="020B0600000101010101" pitchFamily="50" charset="-127"/>
+                <a:ea typeface="굴림" panose="020B0600000101010101" pitchFamily="50" charset="-127"/>
+              </a:rPr>
+              <a:t>": 31.151662826538086,</a:t>
+            </a:r>
+          </a:p>
+          <a:p>
+            <a:r>
+              <a:rPr lang="en-US" altLang="ko-KR" sz="1100" dirty="0">
+                <a:latin typeface="굴림" panose="020B0600000101010101" pitchFamily="50" charset="-127"/>
+                <a:ea typeface="굴림" panose="020B0600000101010101" pitchFamily="50" charset="-127"/>
+              </a:rPr>
+              <a:t>  "</a:t>
+            </a:r>
+            <a:r>
+              <a:rPr lang="en-US" altLang="ko-KR" sz="1100" dirty="0" err="1">
+                <a:latin typeface="굴림" panose="020B0600000101010101" pitchFamily="50" charset="-127"/>
+                <a:ea typeface="굴림" panose="020B0600000101010101" pitchFamily="50" charset="-127"/>
+              </a:rPr>
+              <a:t>toeAngle</a:t>
+            </a:r>
+            <a:r>
+              <a:rPr lang="en-US" altLang="ko-KR" sz="1100" dirty="0">
+                <a:latin typeface="굴림" panose="020B0600000101010101" pitchFamily="50" charset="-127"/>
+                <a:ea typeface="굴림" panose="020B0600000101010101" pitchFamily="50" charset="-127"/>
+              </a:rPr>
+              <a:t>": 0.019999999552965164,</a:t>
+            </a:r>
+          </a:p>
+          <a:p>
+            <a:r>
+              <a:rPr lang="en-US" altLang="ko-KR" sz="1100" dirty="0">
+                <a:highlight>
+                  <a:srgbClr val="FFFF00"/>
+                </a:highlight>
+                <a:latin typeface="굴림" panose="020B0600000101010101" pitchFamily="50" charset="-127"/>
+                <a:ea typeface="굴림" panose="020B0600000101010101" pitchFamily="50" charset="-127"/>
+              </a:rPr>
+              <a:t>  "</a:t>
+            </a:r>
+            <a:r>
+              <a:rPr lang="en-US" altLang="ko-KR" sz="1100" dirty="0" err="1">
+                <a:highlight>
+                  <a:srgbClr val="FFFF00"/>
+                </a:highlight>
+                <a:latin typeface="굴림" panose="020B0600000101010101" pitchFamily="50" charset="-127"/>
+                <a:ea typeface="굴림" panose="020B0600000101010101" pitchFamily="50" charset="-127"/>
+              </a:rPr>
+              <a:t>maxBrakeTorque</a:t>
+            </a:r>
+            <a:r>
+              <a:rPr lang="en-US" altLang="ko-KR" sz="1100" dirty="0">
+                <a:highlight>
+                  <a:srgbClr val="FFFF00"/>
+                </a:highlight>
+                <a:latin typeface="굴림" panose="020B0600000101010101" pitchFamily="50" charset="-127"/>
+                <a:ea typeface="굴림" panose="020B0600000101010101" pitchFamily="50" charset="-127"/>
+              </a:rPr>
+              <a:t>": 4800.0,</a:t>
+            </a:r>
+          </a:p>
+          <a:p>
+            <a:r>
+              <a:rPr lang="en-US" altLang="ko-KR" sz="1100" dirty="0">
+                <a:latin typeface="굴림" panose="020B0600000101010101" pitchFamily="50" charset="-127"/>
+                <a:ea typeface="굴림" panose="020B0600000101010101" pitchFamily="50" charset="-127"/>
+              </a:rPr>
+              <a:t>  "</a:t>
+            </a:r>
+            <a:r>
+              <a:rPr lang="en-US" altLang="ko-KR" sz="1100" dirty="0" err="1">
+                <a:latin typeface="굴림" panose="020B0600000101010101" pitchFamily="50" charset="-127"/>
+                <a:ea typeface="굴림" panose="020B0600000101010101" pitchFamily="50" charset="-127"/>
+              </a:rPr>
+              <a:t>brakeBias</a:t>
+            </a:r>
+            <a:r>
+              <a:rPr lang="en-US" altLang="ko-KR" sz="1100" dirty="0">
+                <a:latin typeface="굴림" panose="020B0600000101010101" pitchFamily="50" charset="-127"/>
+                <a:ea typeface="굴림" panose="020B0600000101010101" pitchFamily="50" charset="-127"/>
+              </a:rPr>
+              <a:t>": 0.699999988079071,</a:t>
+            </a:r>
+          </a:p>
+          <a:p>
+            <a:r>
+              <a:rPr lang="en-US" altLang="ko-KR" sz="1100" dirty="0">
+                <a:latin typeface="굴림" panose="020B0600000101010101" pitchFamily="50" charset="-127"/>
+                <a:ea typeface="굴림" panose="020B0600000101010101" pitchFamily="50" charset="-127"/>
+              </a:rPr>
+              <a:t>  "</a:t>
+            </a:r>
+            <a:r>
+              <a:rPr lang="en-US" altLang="ko-KR" sz="1100" dirty="0" err="1">
+                <a:latin typeface="굴림" panose="020B0600000101010101" pitchFamily="50" charset="-127"/>
+                <a:ea typeface="굴림" panose="020B0600000101010101" pitchFamily="50" charset="-127"/>
+              </a:rPr>
+              <a:t>handbrakeTorque</a:t>
+            </a:r>
+            <a:r>
+              <a:rPr lang="en-US" altLang="ko-KR" sz="1100" dirty="0">
+                <a:latin typeface="굴림" panose="020B0600000101010101" pitchFamily="50" charset="-127"/>
+                <a:ea typeface="굴림" panose="020B0600000101010101" pitchFamily="50" charset="-127"/>
+              </a:rPr>
+              <a:t>": 1500.0,</a:t>
+            </a:r>
+          </a:p>
+          <a:p>
+            <a:r>
+              <a:rPr lang="en-US" altLang="ko-KR" sz="1100" dirty="0">
+                <a:latin typeface="굴림" panose="020B0600000101010101" pitchFamily="50" charset="-127"/>
+                <a:ea typeface="굴림" panose="020B0600000101010101" pitchFamily="50" charset="-127"/>
+              </a:rPr>
+              <a:t>  "</a:t>
+            </a:r>
+            <a:r>
+              <a:rPr lang="en-US" altLang="ko-KR" sz="1100" dirty="0" err="1">
+                <a:latin typeface="굴림" panose="020B0600000101010101" pitchFamily="50" charset="-127"/>
+                <a:ea typeface="굴림" panose="020B0600000101010101" pitchFamily="50" charset="-127"/>
+              </a:rPr>
+              <a:t>adherentFriction</a:t>
+            </a:r>
+            <a:r>
+              <a:rPr lang="en-US" altLang="ko-KR" sz="1100" dirty="0">
+                <a:latin typeface="굴림" panose="020B0600000101010101" pitchFamily="50" charset="-127"/>
+                <a:ea typeface="굴림" panose="020B0600000101010101" pitchFamily="50" charset="-127"/>
+              </a:rPr>
+              <a:t>": 0.949999988079071,</a:t>
+            </a:r>
+          </a:p>
+          <a:p>
+            <a:r>
+              <a:rPr lang="en-US" altLang="ko-KR" sz="1100" dirty="0">
+                <a:latin typeface="굴림" panose="020B0600000101010101" pitchFamily="50" charset="-127"/>
+                <a:ea typeface="굴림" panose="020B0600000101010101" pitchFamily="50" charset="-127"/>
+              </a:rPr>
+              <a:t>  "peak": {</a:t>
+            </a:r>
+          </a:p>
+          <a:p>
+            <a:r>
+              <a:rPr lang="en-US" altLang="ko-KR" sz="1100" dirty="0">
+                <a:latin typeface="굴림" panose="020B0600000101010101" pitchFamily="50" charset="-127"/>
+                <a:ea typeface="굴림" panose="020B0600000101010101" pitchFamily="50" charset="-127"/>
+              </a:rPr>
+              <a:t>    "x": 1.5,</a:t>
+            </a:r>
+          </a:p>
+          <a:p>
+            <a:r>
+              <a:rPr lang="en-US" altLang="ko-KR" sz="1100" dirty="0">
+                <a:latin typeface="굴림" panose="020B0600000101010101" pitchFamily="50" charset="-127"/>
+                <a:ea typeface="굴림" panose="020B0600000101010101" pitchFamily="50" charset="-127"/>
+              </a:rPr>
+              <a:t>    "y": 1.2999999523162842</a:t>
+            </a:r>
+          </a:p>
+          <a:p>
+            <a:r>
+              <a:rPr lang="ko-KR" altLang="en-US" sz="1100" dirty="0">
+                <a:latin typeface="굴림" panose="020B0600000101010101" pitchFamily="50" charset="-127"/>
+                <a:ea typeface="굴림" panose="020B0600000101010101" pitchFamily="50" charset="-127"/>
+              </a:rPr>
+              <a:t>  </a:t>
+            </a:r>
+            <a:r>
+              <a:rPr lang="en-US" altLang="ko-KR" sz="1100" dirty="0">
+                <a:latin typeface="굴림" panose="020B0600000101010101" pitchFamily="50" charset="-127"/>
+                <a:ea typeface="굴림" panose="020B0600000101010101" pitchFamily="50" charset="-127"/>
+              </a:rPr>
+              <a:t>},</a:t>
+            </a:r>
+          </a:p>
+          <a:p>
+            <a:r>
+              <a:rPr lang="en-US" altLang="ko-KR" sz="1100" dirty="0">
+                <a:latin typeface="굴림" panose="020B0600000101010101" pitchFamily="50" charset="-127"/>
+                <a:ea typeface="굴림" panose="020B0600000101010101" pitchFamily="50" charset="-127"/>
+              </a:rPr>
+              <a:t>  "limit": {</a:t>
+            </a:r>
+          </a:p>
+          <a:p>
+            <a:r>
+              <a:rPr lang="en-US" altLang="ko-KR" sz="1100" dirty="0">
+                <a:latin typeface="굴림" panose="020B0600000101010101" pitchFamily="50" charset="-127"/>
+                <a:ea typeface="굴림" panose="020B0600000101010101" pitchFamily="50" charset="-127"/>
+              </a:rPr>
+              <a:t>    "x": 6.0,</a:t>
+            </a:r>
+          </a:p>
+          <a:p>
+            <a:r>
+              <a:rPr lang="en-US" altLang="ko-KR" sz="1100" dirty="0">
+                <a:latin typeface="굴림" panose="020B0600000101010101" pitchFamily="50" charset="-127"/>
+                <a:ea typeface="굴림" panose="020B0600000101010101" pitchFamily="50" charset="-127"/>
+              </a:rPr>
+              <a:t>    "y": 0.97500002384185791</a:t>
+            </a:r>
+          </a:p>
+          <a:p>
+            <a:r>
+              <a:rPr lang="ko-KR" altLang="en-US" sz="1100" dirty="0">
+                <a:latin typeface="굴림" panose="020B0600000101010101" pitchFamily="50" charset="-127"/>
+                <a:ea typeface="굴림" panose="020B0600000101010101" pitchFamily="50" charset="-127"/>
+              </a:rPr>
+              <a:t>  </a:t>
+            </a:r>
+            <a:r>
+              <a:rPr lang="en-US" altLang="ko-KR" sz="1100" dirty="0">
+                <a:latin typeface="굴림" panose="020B0600000101010101" pitchFamily="50" charset="-127"/>
+                <a:ea typeface="굴림" panose="020B0600000101010101" pitchFamily="50" charset="-127"/>
+              </a:rPr>
+              <a:t>},</a:t>
+            </a:r>
+          </a:p>
+        </p:txBody>
+      </p:sp>
+      <p:sp>
+        <p:nvSpPr>
+          <p:cNvPr id="8" name="TextBox 7">
+            <a:extLst>
+              <a:ext uri="{FF2B5EF4-FFF2-40B4-BE49-F238E27FC236}">
+                <a16:creationId xmlns:a16="http://schemas.microsoft.com/office/drawing/2014/main" id="{5912D5B3-4876-7D00-77D8-0F5B449851E9}"/>
+              </a:ext>
+            </a:extLst>
+          </p:cNvPr>
+          <p:cNvSpPr txBox="1"/>
+          <p:nvPr/>
+        </p:nvSpPr>
+        <p:spPr>
+          <a:xfrm>
+            <a:off x="4146701" y="0"/>
+            <a:ext cx="3773380" cy="6524863"/>
+          </a:xfrm>
+          <a:prstGeom prst="rect">
+            <a:avLst/>
+          </a:prstGeom>
+          <a:noFill/>
+        </p:spPr>
+        <p:txBody>
+          <a:bodyPr wrap="square">
+            <a:spAutoFit/>
+          </a:bodyPr>
+          <a:lstStyle/>
+          <a:p>
+            <a:r>
+              <a:rPr lang="en-US" altLang="ko-KR" sz="1100" dirty="0">
+                <a:latin typeface="굴림" panose="020B0600000101010101" pitchFamily="50" charset="-127"/>
+                <a:ea typeface="굴림" panose="020B0600000101010101" pitchFamily="50" charset="-127"/>
+              </a:rPr>
+              <a:t>"</a:t>
+            </a:r>
+            <a:r>
+              <a:rPr lang="en-US" altLang="ko-KR" sz="1100" dirty="0" err="1">
+                <a:latin typeface="굴림" panose="020B0600000101010101" pitchFamily="50" charset="-127"/>
+                <a:ea typeface="굴림" panose="020B0600000101010101" pitchFamily="50" charset="-127"/>
+              </a:rPr>
+              <a:t>wheelColliderInfoList</a:t>
+            </a:r>
+            <a:r>
+              <a:rPr lang="en-US" altLang="ko-KR" sz="1100" dirty="0">
+                <a:latin typeface="굴림" panose="020B0600000101010101" pitchFamily="50" charset="-127"/>
+                <a:ea typeface="굴림" panose="020B0600000101010101" pitchFamily="50" charset="-127"/>
+              </a:rPr>
+              <a:t>": [</a:t>
+            </a:r>
+          </a:p>
+          <a:p>
+            <a:r>
+              <a:rPr lang="ko-KR" altLang="en-US" sz="1100" dirty="0">
+                <a:latin typeface="굴림" panose="020B0600000101010101" pitchFamily="50" charset="-127"/>
+                <a:ea typeface="굴림" panose="020B0600000101010101" pitchFamily="50" charset="-127"/>
+              </a:rPr>
+              <a:t>    </a:t>
+            </a:r>
+            <a:r>
+              <a:rPr lang="en-US" altLang="ko-KR" sz="1100" dirty="0">
+                <a:latin typeface="굴림" panose="020B0600000101010101" pitchFamily="50" charset="-127"/>
+                <a:ea typeface="굴림" panose="020B0600000101010101" pitchFamily="50" charset="-127"/>
+              </a:rPr>
+              <a:t>{</a:t>
+            </a:r>
+          </a:p>
+          <a:p>
+            <a:r>
+              <a:rPr lang="en-US" altLang="ko-KR" sz="1100" dirty="0">
+                <a:latin typeface="굴림" panose="020B0600000101010101" pitchFamily="50" charset="-127"/>
+                <a:ea typeface="굴림" panose="020B0600000101010101" pitchFamily="50" charset="-127"/>
+              </a:rPr>
+              <a:t>      "name": "Wheel_F1L",</a:t>
+            </a:r>
+          </a:p>
+          <a:p>
+            <a:r>
+              <a:rPr lang="en-US" altLang="ko-KR" sz="1100" dirty="0">
+                <a:latin typeface="굴림" panose="020B0600000101010101" pitchFamily="50" charset="-127"/>
+                <a:ea typeface="굴림" panose="020B0600000101010101" pitchFamily="50" charset="-127"/>
+              </a:rPr>
+              <a:t>      "mass": 20.0,</a:t>
+            </a:r>
+          </a:p>
+          <a:p>
+            <a:r>
+              <a:rPr lang="en-US" altLang="ko-KR" sz="1100" dirty="0">
+                <a:latin typeface="굴림" panose="020B0600000101010101" pitchFamily="50" charset="-127"/>
+                <a:ea typeface="굴림" panose="020B0600000101010101" pitchFamily="50" charset="-127"/>
+              </a:rPr>
+              <a:t>      "radius": 0.31999999284744263,</a:t>
+            </a:r>
+          </a:p>
+          <a:p>
+            <a:r>
+              <a:rPr lang="en-US" altLang="ko-KR" sz="1100" dirty="0">
+                <a:latin typeface="굴림" panose="020B0600000101010101" pitchFamily="50" charset="-127"/>
+                <a:ea typeface="굴림" panose="020B0600000101010101" pitchFamily="50" charset="-127"/>
+              </a:rPr>
+              <a:t>      "</a:t>
+            </a:r>
+            <a:r>
+              <a:rPr lang="en-US" altLang="ko-KR" sz="1100" dirty="0" err="1">
+                <a:latin typeface="굴림" panose="020B0600000101010101" pitchFamily="50" charset="-127"/>
+                <a:ea typeface="굴림" panose="020B0600000101010101" pitchFamily="50" charset="-127"/>
+              </a:rPr>
+              <a:t>suspensionDistance</a:t>
+            </a:r>
+            <a:r>
+              <a:rPr lang="en-US" altLang="ko-KR" sz="1100" dirty="0">
+                <a:latin typeface="굴림" panose="020B0600000101010101" pitchFamily="50" charset="-127"/>
+                <a:ea typeface="굴림" panose="020B0600000101010101" pitchFamily="50" charset="-127"/>
+              </a:rPr>
+              <a:t>": 0.15000000596046448,</a:t>
+            </a:r>
+          </a:p>
+          <a:p>
+            <a:r>
+              <a:rPr lang="en-US" altLang="ko-KR" sz="1100" dirty="0">
+                <a:latin typeface="굴림" panose="020B0600000101010101" pitchFamily="50" charset="-127"/>
+                <a:ea typeface="굴림" panose="020B0600000101010101" pitchFamily="50" charset="-127"/>
+              </a:rPr>
+              <a:t>      "</a:t>
+            </a:r>
+            <a:r>
+              <a:rPr lang="en-US" altLang="ko-KR" sz="1100" dirty="0" err="1">
+                <a:latin typeface="굴림" panose="020B0600000101010101" pitchFamily="50" charset="-127"/>
+                <a:ea typeface="굴림" panose="020B0600000101010101" pitchFamily="50" charset="-127"/>
+              </a:rPr>
+              <a:t>suspensionAnchor</a:t>
+            </a:r>
+            <a:r>
+              <a:rPr lang="en-US" altLang="ko-KR" sz="1100" dirty="0">
+                <a:latin typeface="굴림" panose="020B0600000101010101" pitchFamily="50" charset="-127"/>
+                <a:ea typeface="굴림" panose="020B0600000101010101" pitchFamily="50" charset="-127"/>
+              </a:rPr>
+              <a:t>": 0.34999999403953552,</a:t>
+            </a:r>
+          </a:p>
+          <a:p>
+            <a:r>
+              <a:rPr lang="en-US" altLang="ko-KR" sz="1100" dirty="0">
+                <a:highlight>
+                  <a:srgbClr val="00FF00"/>
+                </a:highlight>
+                <a:latin typeface="굴림" panose="020B0600000101010101" pitchFamily="50" charset="-127"/>
+                <a:ea typeface="굴림" panose="020B0600000101010101" pitchFamily="50" charset="-127"/>
+              </a:rPr>
+              <a:t>      "</a:t>
+            </a:r>
+            <a:r>
+              <a:rPr lang="en-US" altLang="ko-KR" sz="1100" dirty="0" err="1">
+                <a:highlight>
+                  <a:srgbClr val="00FF00"/>
+                </a:highlight>
+                <a:latin typeface="굴림" panose="020B0600000101010101" pitchFamily="50" charset="-127"/>
+                <a:ea typeface="굴림" panose="020B0600000101010101" pitchFamily="50" charset="-127"/>
+              </a:rPr>
+              <a:t>springRate</a:t>
+            </a:r>
+            <a:r>
+              <a:rPr lang="en-US" altLang="ko-KR" sz="1100" dirty="0">
+                <a:highlight>
+                  <a:srgbClr val="00FF00"/>
+                </a:highlight>
+                <a:latin typeface="굴림" panose="020B0600000101010101" pitchFamily="50" charset="-127"/>
+                <a:ea typeface="굴림" panose="020B0600000101010101" pitchFamily="50" charset="-127"/>
+              </a:rPr>
+              <a:t>": 80000.0,</a:t>
+            </a:r>
+          </a:p>
+          <a:p>
+            <a:r>
+              <a:rPr lang="en-US" altLang="ko-KR" sz="1100" dirty="0">
+                <a:highlight>
+                  <a:srgbClr val="00FF00"/>
+                </a:highlight>
+                <a:latin typeface="굴림" panose="020B0600000101010101" pitchFamily="50" charset="-127"/>
+                <a:ea typeface="굴림" panose="020B0600000101010101" pitchFamily="50" charset="-127"/>
+              </a:rPr>
+              <a:t>      "</a:t>
+            </a:r>
+            <a:r>
+              <a:rPr lang="en-US" altLang="ko-KR" sz="1100" dirty="0" err="1">
+                <a:highlight>
+                  <a:srgbClr val="00FF00"/>
+                </a:highlight>
+                <a:latin typeface="굴림" panose="020B0600000101010101" pitchFamily="50" charset="-127"/>
+                <a:ea typeface="굴림" panose="020B0600000101010101" pitchFamily="50" charset="-127"/>
+              </a:rPr>
+              <a:t>damperRate</a:t>
+            </a:r>
+            <a:r>
+              <a:rPr lang="en-US" altLang="ko-KR" sz="1100" dirty="0">
+                <a:highlight>
+                  <a:srgbClr val="00FF00"/>
+                </a:highlight>
+                <a:latin typeface="굴림" panose="020B0600000101010101" pitchFamily="50" charset="-127"/>
+                <a:ea typeface="굴림" panose="020B0600000101010101" pitchFamily="50" charset="-127"/>
+              </a:rPr>
+              <a:t>": 5000.0</a:t>
+            </a:r>
+          </a:p>
+          <a:p>
+            <a:r>
+              <a:rPr lang="ko-KR" altLang="en-US" sz="1100" dirty="0">
+                <a:latin typeface="굴림" panose="020B0600000101010101" pitchFamily="50" charset="-127"/>
+                <a:ea typeface="굴림" panose="020B0600000101010101" pitchFamily="50" charset="-127"/>
+              </a:rPr>
+              <a:t>    </a:t>
+            </a:r>
+            <a:r>
+              <a:rPr lang="en-US" altLang="ko-KR" sz="1100" dirty="0">
+                <a:latin typeface="굴림" panose="020B0600000101010101" pitchFamily="50" charset="-127"/>
+                <a:ea typeface="굴림" panose="020B0600000101010101" pitchFamily="50" charset="-127"/>
+              </a:rPr>
+              <a:t>},</a:t>
+            </a:r>
+          </a:p>
+          <a:p>
+            <a:r>
+              <a:rPr lang="ko-KR" altLang="en-US" sz="1100" dirty="0">
+                <a:latin typeface="굴림" panose="020B0600000101010101" pitchFamily="50" charset="-127"/>
+                <a:ea typeface="굴림" panose="020B0600000101010101" pitchFamily="50" charset="-127"/>
+              </a:rPr>
+              <a:t>    </a:t>
+            </a:r>
+            <a:r>
+              <a:rPr lang="en-US" altLang="ko-KR" sz="1100" dirty="0">
+                <a:latin typeface="굴림" panose="020B0600000101010101" pitchFamily="50" charset="-127"/>
+                <a:ea typeface="굴림" panose="020B0600000101010101" pitchFamily="50" charset="-127"/>
+              </a:rPr>
+              <a:t>{</a:t>
+            </a:r>
+          </a:p>
+          <a:p>
+            <a:r>
+              <a:rPr lang="en-US" altLang="ko-KR" sz="1100" dirty="0">
+                <a:latin typeface="굴림" panose="020B0600000101010101" pitchFamily="50" charset="-127"/>
+                <a:ea typeface="굴림" panose="020B0600000101010101" pitchFamily="50" charset="-127"/>
+              </a:rPr>
+              <a:t>      "name": "Wheel_F1R",</a:t>
+            </a:r>
+          </a:p>
+          <a:p>
+            <a:r>
+              <a:rPr lang="en-US" altLang="ko-KR" sz="1100" dirty="0">
+                <a:latin typeface="굴림" panose="020B0600000101010101" pitchFamily="50" charset="-127"/>
+                <a:ea typeface="굴림" panose="020B0600000101010101" pitchFamily="50" charset="-127"/>
+              </a:rPr>
+              <a:t>      "mass": 20.0,</a:t>
+            </a:r>
+          </a:p>
+          <a:p>
+            <a:r>
+              <a:rPr lang="en-US" altLang="ko-KR" sz="1100" dirty="0">
+                <a:latin typeface="굴림" panose="020B0600000101010101" pitchFamily="50" charset="-127"/>
+                <a:ea typeface="굴림" panose="020B0600000101010101" pitchFamily="50" charset="-127"/>
+              </a:rPr>
+              <a:t>      "radius": 0.31999999284744263,</a:t>
+            </a:r>
+          </a:p>
+          <a:p>
+            <a:r>
+              <a:rPr lang="en-US" altLang="ko-KR" sz="1100" dirty="0">
+                <a:latin typeface="굴림" panose="020B0600000101010101" pitchFamily="50" charset="-127"/>
+                <a:ea typeface="굴림" panose="020B0600000101010101" pitchFamily="50" charset="-127"/>
+              </a:rPr>
+              <a:t>      "</a:t>
+            </a:r>
+            <a:r>
+              <a:rPr lang="en-US" altLang="ko-KR" sz="1100" dirty="0" err="1">
+                <a:latin typeface="굴림" panose="020B0600000101010101" pitchFamily="50" charset="-127"/>
+                <a:ea typeface="굴림" panose="020B0600000101010101" pitchFamily="50" charset="-127"/>
+              </a:rPr>
+              <a:t>suspensionDistance</a:t>
+            </a:r>
+            <a:r>
+              <a:rPr lang="en-US" altLang="ko-KR" sz="1100" dirty="0">
+                <a:latin typeface="굴림" panose="020B0600000101010101" pitchFamily="50" charset="-127"/>
+                <a:ea typeface="굴림" panose="020B0600000101010101" pitchFamily="50" charset="-127"/>
+              </a:rPr>
+              <a:t>": 0.15000000596046448,</a:t>
+            </a:r>
+          </a:p>
+          <a:p>
+            <a:r>
+              <a:rPr lang="en-US" altLang="ko-KR" sz="1100" dirty="0">
+                <a:latin typeface="굴림" panose="020B0600000101010101" pitchFamily="50" charset="-127"/>
+                <a:ea typeface="굴림" panose="020B0600000101010101" pitchFamily="50" charset="-127"/>
+              </a:rPr>
+              <a:t>      "</a:t>
+            </a:r>
+            <a:r>
+              <a:rPr lang="en-US" altLang="ko-KR" sz="1100" dirty="0" err="1">
+                <a:latin typeface="굴림" panose="020B0600000101010101" pitchFamily="50" charset="-127"/>
+                <a:ea typeface="굴림" panose="020B0600000101010101" pitchFamily="50" charset="-127"/>
+              </a:rPr>
+              <a:t>suspensionAnchor</a:t>
+            </a:r>
+            <a:r>
+              <a:rPr lang="en-US" altLang="ko-KR" sz="1100" dirty="0">
+                <a:latin typeface="굴림" panose="020B0600000101010101" pitchFamily="50" charset="-127"/>
+                <a:ea typeface="굴림" panose="020B0600000101010101" pitchFamily="50" charset="-127"/>
+              </a:rPr>
+              <a:t>": 0.34999999403953552,</a:t>
+            </a:r>
+          </a:p>
+          <a:p>
+            <a:r>
+              <a:rPr lang="en-US" altLang="ko-KR" sz="1100" dirty="0">
+                <a:latin typeface="굴림" panose="020B0600000101010101" pitchFamily="50" charset="-127"/>
+                <a:ea typeface="굴림" panose="020B0600000101010101" pitchFamily="50" charset="-127"/>
+              </a:rPr>
+              <a:t>      "</a:t>
+            </a:r>
+            <a:r>
+              <a:rPr lang="en-US" altLang="ko-KR" sz="1100" dirty="0" err="1">
+                <a:latin typeface="굴림" panose="020B0600000101010101" pitchFamily="50" charset="-127"/>
+                <a:ea typeface="굴림" panose="020B0600000101010101" pitchFamily="50" charset="-127"/>
+              </a:rPr>
+              <a:t>springRate</a:t>
+            </a:r>
+            <a:r>
+              <a:rPr lang="en-US" altLang="ko-KR" sz="1100" dirty="0">
+                <a:latin typeface="굴림" panose="020B0600000101010101" pitchFamily="50" charset="-127"/>
+                <a:ea typeface="굴림" panose="020B0600000101010101" pitchFamily="50" charset="-127"/>
+              </a:rPr>
+              <a:t>": 80000.0,</a:t>
+            </a:r>
+          </a:p>
+          <a:p>
+            <a:r>
+              <a:rPr lang="en-US" altLang="ko-KR" sz="1100" dirty="0">
+                <a:latin typeface="굴림" panose="020B0600000101010101" pitchFamily="50" charset="-127"/>
+                <a:ea typeface="굴림" panose="020B0600000101010101" pitchFamily="50" charset="-127"/>
+              </a:rPr>
+              <a:t>      "</a:t>
+            </a:r>
+            <a:r>
+              <a:rPr lang="en-US" altLang="ko-KR" sz="1100" dirty="0" err="1">
+                <a:latin typeface="굴림" panose="020B0600000101010101" pitchFamily="50" charset="-127"/>
+                <a:ea typeface="굴림" panose="020B0600000101010101" pitchFamily="50" charset="-127"/>
+              </a:rPr>
+              <a:t>damperRate</a:t>
+            </a:r>
+            <a:r>
+              <a:rPr lang="en-US" altLang="ko-KR" sz="1100" dirty="0">
+                <a:latin typeface="굴림" panose="020B0600000101010101" pitchFamily="50" charset="-127"/>
+                <a:ea typeface="굴림" panose="020B0600000101010101" pitchFamily="50" charset="-127"/>
+              </a:rPr>
+              <a:t>": 5000.0</a:t>
+            </a:r>
+          </a:p>
+          <a:p>
+            <a:r>
+              <a:rPr lang="ko-KR" altLang="en-US" sz="1100" dirty="0">
+                <a:latin typeface="굴림" panose="020B0600000101010101" pitchFamily="50" charset="-127"/>
+                <a:ea typeface="굴림" panose="020B0600000101010101" pitchFamily="50" charset="-127"/>
+              </a:rPr>
+              <a:t>    </a:t>
+            </a:r>
+            <a:r>
+              <a:rPr lang="en-US" altLang="ko-KR" sz="1100" dirty="0">
+                <a:latin typeface="굴림" panose="020B0600000101010101" pitchFamily="50" charset="-127"/>
+                <a:ea typeface="굴림" panose="020B0600000101010101" pitchFamily="50" charset="-127"/>
+              </a:rPr>
+              <a:t>},</a:t>
+            </a:r>
+          </a:p>
+          <a:p>
+            <a:r>
+              <a:rPr lang="ko-KR" altLang="en-US" sz="1100" dirty="0">
+                <a:latin typeface="굴림" panose="020B0600000101010101" pitchFamily="50" charset="-127"/>
+                <a:ea typeface="굴림" panose="020B0600000101010101" pitchFamily="50" charset="-127"/>
+              </a:rPr>
+              <a:t>    </a:t>
+            </a:r>
+            <a:r>
+              <a:rPr lang="en-US" altLang="ko-KR" sz="1100" dirty="0">
+                <a:latin typeface="굴림" panose="020B0600000101010101" pitchFamily="50" charset="-127"/>
+                <a:ea typeface="굴림" panose="020B0600000101010101" pitchFamily="50" charset="-127"/>
+              </a:rPr>
+              <a:t>{</a:t>
+            </a:r>
+          </a:p>
+          <a:p>
+            <a:r>
+              <a:rPr lang="en-US" altLang="ko-KR" sz="1100" dirty="0">
+                <a:latin typeface="굴림" panose="020B0600000101010101" pitchFamily="50" charset="-127"/>
+                <a:ea typeface="굴림" panose="020B0600000101010101" pitchFamily="50" charset="-127"/>
+              </a:rPr>
+              <a:t>      "name": "Wheel_R1L",</a:t>
+            </a:r>
+          </a:p>
+          <a:p>
+            <a:r>
+              <a:rPr lang="en-US" altLang="ko-KR" sz="1100" dirty="0">
+                <a:latin typeface="굴림" panose="020B0600000101010101" pitchFamily="50" charset="-127"/>
+                <a:ea typeface="굴림" panose="020B0600000101010101" pitchFamily="50" charset="-127"/>
+              </a:rPr>
+              <a:t>      "mass": 20.0,</a:t>
+            </a:r>
+          </a:p>
+          <a:p>
+            <a:r>
+              <a:rPr lang="en-US" altLang="ko-KR" sz="1100" dirty="0">
+                <a:latin typeface="굴림" panose="020B0600000101010101" pitchFamily="50" charset="-127"/>
+                <a:ea typeface="굴림" panose="020B0600000101010101" pitchFamily="50" charset="-127"/>
+              </a:rPr>
+              <a:t>      "radius": 0.31999999284744263,</a:t>
+            </a:r>
+          </a:p>
+          <a:p>
+            <a:r>
+              <a:rPr lang="en-US" altLang="ko-KR" sz="1100" dirty="0">
+                <a:latin typeface="굴림" panose="020B0600000101010101" pitchFamily="50" charset="-127"/>
+                <a:ea typeface="굴림" panose="020B0600000101010101" pitchFamily="50" charset="-127"/>
+              </a:rPr>
+              <a:t>      "</a:t>
+            </a:r>
+            <a:r>
+              <a:rPr lang="en-US" altLang="ko-KR" sz="1100" dirty="0" err="1">
+                <a:latin typeface="굴림" panose="020B0600000101010101" pitchFamily="50" charset="-127"/>
+                <a:ea typeface="굴림" panose="020B0600000101010101" pitchFamily="50" charset="-127"/>
+              </a:rPr>
+              <a:t>suspensionDistance</a:t>
+            </a:r>
+            <a:r>
+              <a:rPr lang="en-US" altLang="ko-KR" sz="1100" dirty="0">
+                <a:latin typeface="굴림" panose="020B0600000101010101" pitchFamily="50" charset="-127"/>
+                <a:ea typeface="굴림" panose="020B0600000101010101" pitchFamily="50" charset="-127"/>
+              </a:rPr>
+              <a:t>": 0.15000000596046448,</a:t>
+            </a:r>
+          </a:p>
+          <a:p>
+            <a:r>
+              <a:rPr lang="en-US" altLang="ko-KR" sz="1100" dirty="0">
+                <a:latin typeface="굴림" panose="020B0600000101010101" pitchFamily="50" charset="-127"/>
+                <a:ea typeface="굴림" panose="020B0600000101010101" pitchFamily="50" charset="-127"/>
+              </a:rPr>
+              <a:t>      "</a:t>
+            </a:r>
+            <a:r>
+              <a:rPr lang="en-US" altLang="ko-KR" sz="1100" dirty="0" err="1">
+                <a:latin typeface="굴림" panose="020B0600000101010101" pitchFamily="50" charset="-127"/>
+                <a:ea typeface="굴림" panose="020B0600000101010101" pitchFamily="50" charset="-127"/>
+              </a:rPr>
+              <a:t>suspensionAnchor</a:t>
+            </a:r>
+            <a:r>
+              <a:rPr lang="en-US" altLang="ko-KR" sz="1100" dirty="0">
+                <a:latin typeface="굴림" panose="020B0600000101010101" pitchFamily="50" charset="-127"/>
+                <a:ea typeface="굴림" panose="020B0600000101010101" pitchFamily="50" charset="-127"/>
+              </a:rPr>
+              <a:t>": 0.34999999403953552,</a:t>
+            </a:r>
+          </a:p>
+          <a:p>
+            <a:r>
+              <a:rPr lang="en-US" altLang="ko-KR" sz="1100" dirty="0">
+                <a:latin typeface="굴림" panose="020B0600000101010101" pitchFamily="50" charset="-127"/>
+                <a:ea typeface="굴림" panose="020B0600000101010101" pitchFamily="50" charset="-127"/>
+              </a:rPr>
+              <a:t>      "</a:t>
+            </a:r>
+            <a:r>
+              <a:rPr lang="en-US" altLang="ko-KR" sz="1100" dirty="0" err="1">
+                <a:latin typeface="굴림" panose="020B0600000101010101" pitchFamily="50" charset="-127"/>
+                <a:ea typeface="굴림" panose="020B0600000101010101" pitchFamily="50" charset="-127"/>
+              </a:rPr>
+              <a:t>springRate</a:t>
+            </a:r>
+            <a:r>
+              <a:rPr lang="en-US" altLang="ko-KR" sz="1100" dirty="0">
+                <a:latin typeface="굴림" panose="020B0600000101010101" pitchFamily="50" charset="-127"/>
+                <a:ea typeface="굴림" panose="020B0600000101010101" pitchFamily="50" charset="-127"/>
+              </a:rPr>
+              <a:t>": 80000.0,</a:t>
+            </a:r>
+          </a:p>
+          <a:p>
+            <a:r>
+              <a:rPr lang="en-US" altLang="ko-KR" sz="1100" dirty="0">
+                <a:latin typeface="굴림" panose="020B0600000101010101" pitchFamily="50" charset="-127"/>
+                <a:ea typeface="굴림" panose="020B0600000101010101" pitchFamily="50" charset="-127"/>
+              </a:rPr>
+              <a:t>      "</a:t>
+            </a:r>
+            <a:r>
+              <a:rPr lang="en-US" altLang="ko-KR" sz="1100" dirty="0" err="1">
+                <a:latin typeface="굴림" panose="020B0600000101010101" pitchFamily="50" charset="-127"/>
+                <a:ea typeface="굴림" panose="020B0600000101010101" pitchFamily="50" charset="-127"/>
+              </a:rPr>
+              <a:t>damperRate</a:t>
+            </a:r>
+            <a:r>
+              <a:rPr lang="en-US" altLang="ko-KR" sz="1100" dirty="0">
+                <a:latin typeface="굴림" panose="020B0600000101010101" pitchFamily="50" charset="-127"/>
+                <a:ea typeface="굴림" panose="020B0600000101010101" pitchFamily="50" charset="-127"/>
+              </a:rPr>
+              <a:t>": 5000.0</a:t>
+            </a:r>
+          </a:p>
+          <a:p>
+            <a:r>
+              <a:rPr lang="ko-KR" altLang="en-US" sz="1100" dirty="0">
+                <a:latin typeface="굴림" panose="020B0600000101010101" pitchFamily="50" charset="-127"/>
+                <a:ea typeface="굴림" panose="020B0600000101010101" pitchFamily="50" charset="-127"/>
+              </a:rPr>
+              <a:t>    </a:t>
+            </a:r>
+            <a:r>
+              <a:rPr lang="en-US" altLang="ko-KR" sz="1100" dirty="0">
+                <a:latin typeface="굴림" panose="020B0600000101010101" pitchFamily="50" charset="-127"/>
+                <a:ea typeface="굴림" panose="020B0600000101010101" pitchFamily="50" charset="-127"/>
+              </a:rPr>
+              <a:t>},</a:t>
+            </a:r>
+          </a:p>
+          <a:p>
+            <a:r>
+              <a:rPr lang="ko-KR" altLang="en-US" sz="1100" dirty="0">
+                <a:latin typeface="굴림" panose="020B0600000101010101" pitchFamily="50" charset="-127"/>
+                <a:ea typeface="굴림" panose="020B0600000101010101" pitchFamily="50" charset="-127"/>
+              </a:rPr>
+              <a:t>    </a:t>
+            </a:r>
+            <a:r>
+              <a:rPr lang="en-US" altLang="ko-KR" sz="1100" dirty="0">
+                <a:latin typeface="굴림" panose="020B0600000101010101" pitchFamily="50" charset="-127"/>
+                <a:ea typeface="굴림" panose="020B0600000101010101" pitchFamily="50" charset="-127"/>
+              </a:rPr>
+              <a:t>{</a:t>
+            </a:r>
+          </a:p>
+          <a:p>
+            <a:r>
+              <a:rPr lang="en-US" altLang="ko-KR" sz="1100" dirty="0">
+                <a:latin typeface="굴림" panose="020B0600000101010101" pitchFamily="50" charset="-127"/>
+                <a:ea typeface="굴림" panose="020B0600000101010101" pitchFamily="50" charset="-127"/>
+              </a:rPr>
+              <a:t>      "name": "Wheel_R1R",</a:t>
+            </a:r>
+          </a:p>
+          <a:p>
+            <a:r>
+              <a:rPr lang="en-US" altLang="ko-KR" sz="1100" dirty="0">
+                <a:latin typeface="굴림" panose="020B0600000101010101" pitchFamily="50" charset="-127"/>
+                <a:ea typeface="굴림" panose="020B0600000101010101" pitchFamily="50" charset="-127"/>
+              </a:rPr>
+              <a:t>      "mass": 20.0,</a:t>
+            </a:r>
+          </a:p>
+          <a:p>
+            <a:r>
+              <a:rPr lang="en-US" altLang="ko-KR" sz="1100" dirty="0">
+                <a:latin typeface="굴림" panose="020B0600000101010101" pitchFamily="50" charset="-127"/>
+                <a:ea typeface="굴림" panose="020B0600000101010101" pitchFamily="50" charset="-127"/>
+              </a:rPr>
+              <a:t>      "radius": 0.31999999284744263,</a:t>
+            </a:r>
+          </a:p>
+          <a:p>
+            <a:r>
+              <a:rPr lang="en-US" altLang="ko-KR" sz="1100" dirty="0">
+                <a:latin typeface="굴림" panose="020B0600000101010101" pitchFamily="50" charset="-127"/>
+                <a:ea typeface="굴림" panose="020B0600000101010101" pitchFamily="50" charset="-127"/>
+              </a:rPr>
+              <a:t>      "</a:t>
+            </a:r>
+            <a:r>
+              <a:rPr lang="en-US" altLang="ko-KR" sz="1100" dirty="0" err="1">
+                <a:latin typeface="굴림" panose="020B0600000101010101" pitchFamily="50" charset="-127"/>
+                <a:ea typeface="굴림" panose="020B0600000101010101" pitchFamily="50" charset="-127"/>
+              </a:rPr>
+              <a:t>suspensionDistance</a:t>
+            </a:r>
+            <a:r>
+              <a:rPr lang="en-US" altLang="ko-KR" sz="1100" dirty="0">
+                <a:latin typeface="굴림" panose="020B0600000101010101" pitchFamily="50" charset="-127"/>
+                <a:ea typeface="굴림" panose="020B0600000101010101" pitchFamily="50" charset="-127"/>
+              </a:rPr>
+              <a:t>": 0.15000000596046448,</a:t>
+            </a:r>
+          </a:p>
+          <a:p>
+            <a:r>
+              <a:rPr lang="en-US" altLang="ko-KR" sz="1100" dirty="0">
+                <a:latin typeface="굴림" panose="020B0600000101010101" pitchFamily="50" charset="-127"/>
+                <a:ea typeface="굴림" panose="020B0600000101010101" pitchFamily="50" charset="-127"/>
+              </a:rPr>
+              <a:t>      "</a:t>
+            </a:r>
+            <a:r>
+              <a:rPr lang="en-US" altLang="ko-KR" sz="1100" dirty="0" err="1">
+                <a:latin typeface="굴림" panose="020B0600000101010101" pitchFamily="50" charset="-127"/>
+                <a:ea typeface="굴림" panose="020B0600000101010101" pitchFamily="50" charset="-127"/>
+              </a:rPr>
+              <a:t>suspensionAnchor</a:t>
+            </a:r>
+            <a:r>
+              <a:rPr lang="en-US" altLang="ko-KR" sz="1100" dirty="0">
+                <a:latin typeface="굴림" panose="020B0600000101010101" pitchFamily="50" charset="-127"/>
+                <a:ea typeface="굴림" panose="020B0600000101010101" pitchFamily="50" charset="-127"/>
+              </a:rPr>
+              <a:t>": 0.34999999403953552,</a:t>
+            </a:r>
+          </a:p>
+          <a:p>
+            <a:r>
+              <a:rPr lang="en-US" altLang="ko-KR" sz="1100" dirty="0">
+                <a:latin typeface="굴림" panose="020B0600000101010101" pitchFamily="50" charset="-127"/>
+                <a:ea typeface="굴림" panose="020B0600000101010101" pitchFamily="50" charset="-127"/>
+              </a:rPr>
+              <a:t>      "</a:t>
+            </a:r>
+            <a:r>
+              <a:rPr lang="en-US" altLang="ko-KR" sz="1100" dirty="0" err="1">
+                <a:latin typeface="굴림" panose="020B0600000101010101" pitchFamily="50" charset="-127"/>
+                <a:ea typeface="굴림" panose="020B0600000101010101" pitchFamily="50" charset="-127"/>
+              </a:rPr>
+              <a:t>springRate</a:t>
+            </a:r>
+            <a:r>
+              <a:rPr lang="en-US" altLang="ko-KR" sz="1100" dirty="0">
+                <a:latin typeface="굴림" panose="020B0600000101010101" pitchFamily="50" charset="-127"/>
+                <a:ea typeface="굴림" panose="020B0600000101010101" pitchFamily="50" charset="-127"/>
+              </a:rPr>
+              <a:t>": 80000.0,</a:t>
+            </a:r>
+          </a:p>
+          <a:p>
+            <a:r>
+              <a:rPr lang="en-US" altLang="ko-KR" sz="1100" dirty="0">
+                <a:latin typeface="굴림" panose="020B0600000101010101" pitchFamily="50" charset="-127"/>
+                <a:ea typeface="굴림" panose="020B0600000101010101" pitchFamily="50" charset="-127"/>
+              </a:rPr>
+              <a:t>      "</a:t>
+            </a:r>
+            <a:r>
+              <a:rPr lang="en-US" altLang="ko-KR" sz="1100" dirty="0" err="1">
+                <a:latin typeface="굴림" panose="020B0600000101010101" pitchFamily="50" charset="-127"/>
+                <a:ea typeface="굴림" panose="020B0600000101010101" pitchFamily="50" charset="-127"/>
+              </a:rPr>
+              <a:t>damperRate</a:t>
+            </a:r>
+            <a:r>
+              <a:rPr lang="en-US" altLang="ko-KR" sz="1100" dirty="0">
+                <a:latin typeface="굴림" panose="020B0600000101010101" pitchFamily="50" charset="-127"/>
+                <a:ea typeface="굴림" panose="020B0600000101010101" pitchFamily="50" charset="-127"/>
+              </a:rPr>
+              <a:t>": 5000.0</a:t>
+            </a:r>
+          </a:p>
+          <a:p>
+            <a:r>
+              <a:rPr lang="ko-KR" altLang="en-US" sz="1100" dirty="0">
+                <a:latin typeface="굴림" panose="020B0600000101010101" pitchFamily="50" charset="-127"/>
+                <a:ea typeface="굴림" panose="020B0600000101010101" pitchFamily="50" charset="-127"/>
+              </a:rPr>
+              <a:t>    </a:t>
+            </a:r>
+            <a:r>
+              <a:rPr lang="en-US" altLang="ko-KR" sz="1100" dirty="0">
+                <a:latin typeface="굴림" panose="020B0600000101010101" pitchFamily="50" charset="-127"/>
+                <a:ea typeface="굴림" panose="020B0600000101010101" pitchFamily="50" charset="-127"/>
+              </a:rPr>
+              <a:t>}</a:t>
+            </a:r>
+          </a:p>
+          <a:p>
+            <a:r>
+              <a:rPr lang="ko-KR" altLang="en-US" sz="1100" dirty="0">
+                <a:latin typeface="굴림" panose="020B0600000101010101" pitchFamily="50" charset="-127"/>
+                <a:ea typeface="굴림" panose="020B0600000101010101" pitchFamily="50" charset="-127"/>
+              </a:rPr>
+              <a:t>  </a:t>
+            </a:r>
+            <a:r>
+              <a:rPr lang="en-US" altLang="ko-KR" sz="1100" dirty="0">
+                <a:latin typeface="굴림" panose="020B0600000101010101" pitchFamily="50" charset="-127"/>
+                <a:ea typeface="굴림" panose="020B0600000101010101" pitchFamily="50" charset="-127"/>
+              </a:rPr>
+              <a:t>],</a:t>
+            </a:r>
+          </a:p>
+        </p:txBody>
+      </p:sp>
+      <p:sp>
+        <p:nvSpPr>
+          <p:cNvPr id="9" name="TextBox 8">
+            <a:extLst>
+              <a:ext uri="{FF2B5EF4-FFF2-40B4-BE49-F238E27FC236}">
+                <a16:creationId xmlns:a16="http://schemas.microsoft.com/office/drawing/2014/main" id="{D6B3139B-8328-3440-CCCE-F521D6AC7263}"/>
+              </a:ext>
+            </a:extLst>
+          </p:cNvPr>
+          <p:cNvSpPr txBox="1"/>
+          <p:nvPr/>
+        </p:nvSpPr>
+        <p:spPr>
+          <a:xfrm>
+            <a:off x="8681156" y="0"/>
+            <a:ext cx="3510844" cy="4832092"/>
+          </a:xfrm>
+          <a:prstGeom prst="rect">
+            <a:avLst/>
+          </a:prstGeom>
+          <a:noFill/>
+        </p:spPr>
+        <p:txBody>
+          <a:bodyPr wrap="square">
+            <a:spAutoFit/>
+          </a:bodyPr>
+          <a:lstStyle/>
+          <a:p>
+            <a:r>
+              <a:rPr lang="en-US" altLang="ko-KR" sz="1100" dirty="0">
+                <a:latin typeface="굴림" panose="020B0600000101010101" pitchFamily="50" charset="-127"/>
+                <a:ea typeface="굴림" panose="020B0600000101010101" pitchFamily="50" charset="-127"/>
+              </a:rPr>
+              <a:t>  </a:t>
+            </a:r>
+            <a:r>
+              <a:rPr lang="en-US" altLang="ko-KR" sz="1100" dirty="0">
+                <a:highlight>
+                  <a:srgbClr val="FFFF00"/>
+                </a:highlight>
+                <a:latin typeface="굴림" panose="020B0600000101010101" pitchFamily="50" charset="-127"/>
+                <a:ea typeface="굴림" panose="020B0600000101010101" pitchFamily="50" charset="-127"/>
+              </a:rPr>
+              <a:t>"</a:t>
+            </a:r>
+            <a:r>
+              <a:rPr lang="en-US" altLang="ko-KR" sz="1100" dirty="0" err="1">
+                <a:highlight>
+                  <a:srgbClr val="FFFF00"/>
+                </a:highlight>
+                <a:latin typeface="굴림" panose="020B0600000101010101" pitchFamily="50" charset="-127"/>
+                <a:ea typeface="굴림" panose="020B0600000101010101" pitchFamily="50" charset="-127"/>
+              </a:rPr>
+              <a:t>idleRpm</a:t>
+            </a:r>
+            <a:r>
+              <a:rPr lang="en-US" altLang="ko-KR" sz="1100" dirty="0">
+                <a:highlight>
+                  <a:srgbClr val="FFFF00"/>
+                </a:highlight>
+                <a:latin typeface="굴림" panose="020B0600000101010101" pitchFamily="50" charset="-127"/>
+                <a:ea typeface="굴림" panose="020B0600000101010101" pitchFamily="50" charset="-127"/>
+              </a:rPr>
+              <a:t>": 750.0,</a:t>
+            </a:r>
+          </a:p>
+          <a:p>
+            <a:r>
+              <a:rPr lang="en-US" altLang="ko-KR" sz="1100" dirty="0">
+                <a:highlight>
+                  <a:srgbClr val="FFFF00"/>
+                </a:highlight>
+                <a:latin typeface="굴림" panose="020B0600000101010101" pitchFamily="50" charset="-127"/>
+                <a:ea typeface="굴림" panose="020B0600000101010101" pitchFamily="50" charset="-127"/>
+              </a:rPr>
+              <a:t>  "</a:t>
+            </a:r>
+            <a:r>
+              <a:rPr lang="en-US" altLang="ko-KR" sz="1100" dirty="0" err="1">
+                <a:highlight>
+                  <a:srgbClr val="FFFF00"/>
+                </a:highlight>
+                <a:latin typeface="굴림" panose="020B0600000101010101" pitchFamily="50" charset="-127"/>
+                <a:ea typeface="굴림" panose="020B0600000101010101" pitchFamily="50" charset="-127"/>
+              </a:rPr>
+              <a:t>peakRpm</a:t>
+            </a:r>
+            <a:r>
+              <a:rPr lang="en-US" altLang="ko-KR" sz="1100" dirty="0">
+                <a:highlight>
+                  <a:srgbClr val="FFFF00"/>
+                </a:highlight>
+                <a:latin typeface="굴림" panose="020B0600000101010101" pitchFamily="50" charset="-127"/>
+                <a:ea typeface="굴림" panose="020B0600000101010101" pitchFamily="50" charset="-127"/>
+              </a:rPr>
+              <a:t>": 4500.0,</a:t>
+            </a:r>
+          </a:p>
+          <a:p>
+            <a:r>
+              <a:rPr lang="en-US" altLang="ko-KR" sz="1100" dirty="0">
+                <a:highlight>
+                  <a:srgbClr val="FFFF00"/>
+                </a:highlight>
+                <a:latin typeface="굴림" panose="020B0600000101010101" pitchFamily="50" charset="-127"/>
+                <a:ea typeface="굴림" panose="020B0600000101010101" pitchFamily="50" charset="-127"/>
+              </a:rPr>
+              <a:t>  "</a:t>
+            </a:r>
+            <a:r>
+              <a:rPr lang="en-US" altLang="ko-KR" sz="1100" dirty="0" err="1">
+                <a:highlight>
+                  <a:srgbClr val="FFFF00"/>
+                </a:highlight>
+                <a:latin typeface="굴림" panose="020B0600000101010101" pitchFamily="50" charset="-127"/>
+                <a:ea typeface="굴림" panose="020B0600000101010101" pitchFamily="50" charset="-127"/>
+              </a:rPr>
+              <a:t>maxRpm</a:t>
+            </a:r>
+            <a:r>
+              <a:rPr lang="en-US" altLang="ko-KR" sz="1100" dirty="0">
+                <a:highlight>
+                  <a:srgbClr val="FFFF00"/>
+                </a:highlight>
+                <a:latin typeface="굴림" panose="020B0600000101010101" pitchFamily="50" charset="-127"/>
+                <a:ea typeface="굴림" panose="020B0600000101010101" pitchFamily="50" charset="-127"/>
+              </a:rPr>
+              <a:t>": 8000.0,</a:t>
+            </a:r>
+          </a:p>
+          <a:p>
+            <a:r>
+              <a:rPr lang="en-US" altLang="ko-KR" sz="1100" dirty="0">
+                <a:highlight>
+                  <a:srgbClr val="FFFF00"/>
+                </a:highlight>
+                <a:latin typeface="굴림" panose="020B0600000101010101" pitchFamily="50" charset="-127"/>
+                <a:ea typeface="굴림" panose="020B0600000101010101" pitchFamily="50" charset="-127"/>
+              </a:rPr>
+              <a:t>  "</a:t>
+            </a:r>
+            <a:r>
+              <a:rPr lang="en-US" altLang="ko-KR" sz="1100" dirty="0" err="1">
+                <a:highlight>
+                  <a:srgbClr val="FFFF00"/>
+                </a:highlight>
+                <a:latin typeface="굴림" panose="020B0600000101010101" pitchFamily="50" charset="-127"/>
+                <a:ea typeface="굴림" panose="020B0600000101010101" pitchFamily="50" charset="-127"/>
+              </a:rPr>
+              <a:t>idleRpmTorque</a:t>
+            </a:r>
+            <a:r>
+              <a:rPr lang="en-US" altLang="ko-KR" sz="1100" dirty="0">
+                <a:highlight>
+                  <a:srgbClr val="FFFF00"/>
+                </a:highlight>
+                <a:latin typeface="굴림" panose="020B0600000101010101" pitchFamily="50" charset="-127"/>
+                <a:ea typeface="굴림" panose="020B0600000101010101" pitchFamily="50" charset="-127"/>
+              </a:rPr>
+              <a:t>": 160.0,</a:t>
+            </a:r>
+          </a:p>
+          <a:p>
+            <a:r>
+              <a:rPr lang="en-US" altLang="ko-KR" sz="1100" dirty="0">
+                <a:highlight>
+                  <a:srgbClr val="FFFF00"/>
+                </a:highlight>
+                <a:latin typeface="굴림" panose="020B0600000101010101" pitchFamily="50" charset="-127"/>
+                <a:ea typeface="굴림" panose="020B0600000101010101" pitchFamily="50" charset="-127"/>
+              </a:rPr>
+              <a:t>  "</a:t>
+            </a:r>
+            <a:r>
+              <a:rPr lang="en-US" altLang="ko-KR" sz="1100" dirty="0" err="1">
+                <a:highlight>
+                  <a:srgbClr val="FFFF00"/>
+                </a:highlight>
+                <a:latin typeface="굴림" panose="020B0600000101010101" pitchFamily="50" charset="-127"/>
+                <a:ea typeface="굴림" panose="020B0600000101010101" pitchFamily="50" charset="-127"/>
+              </a:rPr>
+              <a:t>peakRpmTorque</a:t>
+            </a:r>
+            <a:r>
+              <a:rPr lang="en-US" altLang="ko-KR" sz="1100" dirty="0">
+                <a:highlight>
+                  <a:srgbClr val="FFFF00"/>
+                </a:highlight>
+                <a:latin typeface="굴림" panose="020B0600000101010101" pitchFamily="50" charset="-127"/>
+                <a:ea typeface="굴림" panose="020B0600000101010101" pitchFamily="50" charset="-127"/>
+              </a:rPr>
+              <a:t>": 265.0</a:t>
+            </a:r>
+            <a:r>
+              <a:rPr lang="en-US" altLang="ko-KR" sz="1100" dirty="0">
+                <a:latin typeface="굴림" panose="020B0600000101010101" pitchFamily="50" charset="-127"/>
+                <a:ea typeface="굴림" panose="020B0600000101010101" pitchFamily="50" charset="-127"/>
+              </a:rPr>
+              <a:t>,</a:t>
+            </a:r>
+          </a:p>
+          <a:p>
+            <a:r>
+              <a:rPr lang="en-US" altLang="ko-KR" sz="1100" dirty="0">
+                <a:latin typeface="굴림" panose="020B0600000101010101" pitchFamily="50" charset="-127"/>
+                <a:ea typeface="굴림" panose="020B0600000101010101" pitchFamily="50" charset="-127"/>
+              </a:rPr>
+              <a:t>  "</a:t>
+            </a:r>
+            <a:r>
+              <a:rPr lang="en-US" altLang="ko-KR" sz="1100" dirty="0" err="1">
+                <a:latin typeface="굴림" panose="020B0600000101010101" pitchFamily="50" charset="-127"/>
+                <a:ea typeface="굴림" panose="020B0600000101010101" pitchFamily="50" charset="-127"/>
+              </a:rPr>
+              <a:t>idleRpmCurveBias</a:t>
+            </a:r>
+            <a:r>
+              <a:rPr lang="en-US" altLang="ko-KR" sz="1100" dirty="0">
+                <a:latin typeface="굴림" panose="020B0600000101010101" pitchFamily="50" charset="-127"/>
+                <a:ea typeface="굴림" panose="020B0600000101010101" pitchFamily="50" charset="-127"/>
+              </a:rPr>
+              <a:t>": 1.0,</a:t>
+            </a:r>
+          </a:p>
+          <a:p>
+            <a:r>
+              <a:rPr lang="en-US" altLang="ko-KR" sz="1100" dirty="0">
+                <a:latin typeface="굴림" panose="020B0600000101010101" pitchFamily="50" charset="-127"/>
+                <a:ea typeface="굴림" panose="020B0600000101010101" pitchFamily="50" charset="-127"/>
+              </a:rPr>
+              <a:t>  "</a:t>
+            </a:r>
+            <a:r>
+              <a:rPr lang="en-US" altLang="ko-KR" sz="1100" dirty="0" err="1">
+                <a:latin typeface="굴림" panose="020B0600000101010101" pitchFamily="50" charset="-127"/>
+                <a:ea typeface="굴림" panose="020B0600000101010101" pitchFamily="50" charset="-127"/>
+              </a:rPr>
+              <a:t>peakRpmCurveBias</a:t>
+            </a:r>
+            <a:r>
+              <a:rPr lang="en-US" altLang="ko-KR" sz="1100" dirty="0">
+                <a:latin typeface="굴림" panose="020B0600000101010101" pitchFamily="50" charset="-127"/>
+                <a:ea typeface="굴림" panose="020B0600000101010101" pitchFamily="50" charset="-127"/>
+              </a:rPr>
+              <a:t>": 1.0,</a:t>
+            </a:r>
+          </a:p>
+          <a:p>
+            <a:r>
+              <a:rPr lang="en-US" altLang="ko-KR" sz="1100" dirty="0">
+                <a:latin typeface="굴림" panose="020B0600000101010101" pitchFamily="50" charset="-127"/>
+                <a:ea typeface="굴림" panose="020B0600000101010101" pitchFamily="50" charset="-127"/>
+              </a:rPr>
+              <a:t>  "inertia": 0.5,</a:t>
+            </a:r>
+          </a:p>
+          <a:p>
+            <a:r>
+              <a:rPr lang="en-US" altLang="ko-KR" sz="1100" dirty="0">
+                <a:latin typeface="굴림" panose="020B0600000101010101" pitchFamily="50" charset="-127"/>
+                <a:ea typeface="굴림" panose="020B0600000101010101" pitchFamily="50" charset="-127"/>
+              </a:rPr>
+              <a:t>  "</a:t>
+            </a:r>
+            <a:r>
+              <a:rPr lang="en-US" altLang="ko-KR" sz="1100" dirty="0" err="1">
+                <a:latin typeface="굴림" panose="020B0600000101010101" pitchFamily="50" charset="-127"/>
+                <a:ea typeface="굴림" panose="020B0600000101010101" pitchFamily="50" charset="-127"/>
+              </a:rPr>
+              <a:t>frictionTorque</a:t>
+            </a:r>
+            <a:r>
+              <a:rPr lang="en-US" altLang="ko-KR" sz="1100" dirty="0">
+                <a:latin typeface="굴림" panose="020B0600000101010101" pitchFamily="50" charset="-127"/>
+                <a:ea typeface="굴림" panose="020B0600000101010101" pitchFamily="50" charset="-127"/>
+              </a:rPr>
+              <a:t>": 20.0,</a:t>
+            </a:r>
+          </a:p>
+          <a:p>
+            <a:r>
+              <a:rPr lang="en-US" altLang="ko-KR" sz="1100" dirty="0">
+                <a:latin typeface="굴림" panose="020B0600000101010101" pitchFamily="50" charset="-127"/>
+                <a:ea typeface="굴림" panose="020B0600000101010101" pitchFamily="50" charset="-127"/>
+              </a:rPr>
+              <a:t>  "</a:t>
+            </a:r>
+            <a:r>
+              <a:rPr lang="en-US" altLang="ko-KR" sz="1100" dirty="0" err="1">
+                <a:latin typeface="굴림" panose="020B0600000101010101" pitchFamily="50" charset="-127"/>
+                <a:ea typeface="굴림" panose="020B0600000101010101" pitchFamily="50" charset="-127"/>
+              </a:rPr>
+              <a:t>rotationalFriction</a:t>
+            </a:r>
+            <a:r>
+              <a:rPr lang="en-US" altLang="ko-KR" sz="1100" dirty="0">
+                <a:latin typeface="굴림" panose="020B0600000101010101" pitchFamily="50" charset="-127"/>
+                <a:ea typeface="굴림" panose="020B0600000101010101" pitchFamily="50" charset="-127"/>
+              </a:rPr>
+              <a:t>": 0.10000000149011612,</a:t>
+            </a:r>
+          </a:p>
+          <a:p>
+            <a:r>
+              <a:rPr lang="en-US" altLang="ko-KR" sz="1100" dirty="0">
+                <a:latin typeface="굴림" panose="020B0600000101010101" pitchFamily="50" charset="-127"/>
+                <a:ea typeface="굴림" panose="020B0600000101010101" pitchFamily="50" charset="-127"/>
+              </a:rPr>
+              <a:t>  "</a:t>
+            </a:r>
+            <a:r>
+              <a:rPr lang="en-US" altLang="ko-KR" sz="1100" dirty="0" err="1">
+                <a:latin typeface="굴림" panose="020B0600000101010101" pitchFamily="50" charset="-127"/>
+                <a:ea typeface="굴림" panose="020B0600000101010101" pitchFamily="50" charset="-127"/>
+              </a:rPr>
+              <a:t>viscousFriction</a:t>
+            </a:r>
+            <a:r>
+              <a:rPr lang="en-US" altLang="ko-KR" sz="1100" dirty="0">
+                <a:latin typeface="굴림" panose="020B0600000101010101" pitchFamily="50" charset="-127"/>
+                <a:ea typeface="굴림" panose="020B0600000101010101" pitchFamily="50" charset="-127"/>
+              </a:rPr>
+              <a:t>": 0.0099999997764825821,</a:t>
+            </a:r>
+          </a:p>
+          <a:p>
+            <a:r>
+              <a:rPr lang="en-US" altLang="ko-KR" sz="1100" dirty="0">
+                <a:latin typeface="굴림" panose="020B0600000101010101" pitchFamily="50" charset="-127"/>
+                <a:ea typeface="굴림" panose="020B0600000101010101" pitchFamily="50" charset="-127"/>
+              </a:rPr>
+              <a:t>  "</a:t>
+            </a:r>
+            <a:r>
+              <a:rPr lang="en-US" altLang="ko-KR" sz="1100" dirty="0" err="1">
+                <a:latin typeface="굴림" panose="020B0600000101010101" pitchFamily="50" charset="-127"/>
+                <a:ea typeface="굴림" panose="020B0600000101010101" pitchFamily="50" charset="-127"/>
+              </a:rPr>
+              <a:t>torqueCap</a:t>
+            </a:r>
+            <a:r>
+              <a:rPr lang="en-US" altLang="ko-KR" sz="1100" dirty="0">
+                <a:latin typeface="굴림" panose="020B0600000101010101" pitchFamily="50" charset="-127"/>
+                <a:ea typeface="굴림" panose="020B0600000101010101" pitchFamily="50" charset="-127"/>
+              </a:rPr>
+              <a:t>": true,</a:t>
+            </a:r>
+          </a:p>
+          <a:p>
+            <a:r>
+              <a:rPr lang="en-US" altLang="ko-KR" sz="1100" dirty="0">
+                <a:latin typeface="굴림" panose="020B0600000101010101" pitchFamily="50" charset="-127"/>
+                <a:ea typeface="굴림" panose="020B0600000101010101" pitchFamily="50" charset="-127"/>
+              </a:rPr>
+              <a:t>  "</a:t>
+            </a:r>
+            <a:r>
+              <a:rPr lang="en-US" altLang="ko-KR" sz="1100" dirty="0" err="1">
+                <a:latin typeface="굴림" panose="020B0600000101010101" pitchFamily="50" charset="-127"/>
+                <a:ea typeface="굴림" panose="020B0600000101010101" pitchFamily="50" charset="-127"/>
+              </a:rPr>
+              <a:t>torqueCapLimit</a:t>
+            </a:r>
+            <a:r>
+              <a:rPr lang="en-US" altLang="ko-KR" sz="1100" dirty="0">
+                <a:latin typeface="굴림" panose="020B0600000101010101" pitchFamily="50" charset="-127"/>
+                <a:ea typeface="굴림" panose="020B0600000101010101" pitchFamily="50" charset="-127"/>
+              </a:rPr>
+              <a:t>": 235.0,</a:t>
+            </a:r>
+          </a:p>
+          <a:p>
+            <a:r>
+              <a:rPr lang="en-US" altLang="ko-KR" sz="1100" dirty="0">
+                <a:latin typeface="굴림" panose="020B0600000101010101" pitchFamily="50" charset="-127"/>
+                <a:ea typeface="굴림" panose="020B0600000101010101" pitchFamily="50" charset="-127"/>
+              </a:rPr>
+              <a:t>  "</a:t>
+            </a:r>
+            <a:r>
+              <a:rPr lang="en-US" altLang="ko-KR" sz="1100" dirty="0" err="1">
+                <a:latin typeface="굴림" panose="020B0600000101010101" pitchFamily="50" charset="-127"/>
+                <a:ea typeface="굴림" panose="020B0600000101010101" pitchFamily="50" charset="-127"/>
+              </a:rPr>
+              <a:t>rpmLimiter</a:t>
+            </a:r>
+            <a:r>
+              <a:rPr lang="en-US" altLang="ko-KR" sz="1100" dirty="0">
+                <a:latin typeface="굴림" panose="020B0600000101010101" pitchFamily="50" charset="-127"/>
+                <a:ea typeface="굴림" panose="020B0600000101010101" pitchFamily="50" charset="-127"/>
+              </a:rPr>
+              <a:t>": true,</a:t>
+            </a:r>
+          </a:p>
+          <a:p>
+            <a:r>
+              <a:rPr lang="en-US" altLang="ko-KR" sz="1100" dirty="0">
+                <a:latin typeface="굴림" panose="020B0600000101010101" pitchFamily="50" charset="-127"/>
+                <a:ea typeface="굴림" panose="020B0600000101010101" pitchFamily="50" charset="-127"/>
+              </a:rPr>
+              <a:t>  "</a:t>
+            </a:r>
+            <a:r>
+              <a:rPr lang="en-US" altLang="ko-KR" sz="1100" dirty="0" err="1">
+                <a:latin typeface="굴림" panose="020B0600000101010101" pitchFamily="50" charset="-127"/>
+                <a:ea typeface="굴림" panose="020B0600000101010101" pitchFamily="50" charset="-127"/>
+              </a:rPr>
+              <a:t>rpmLimiterMax</a:t>
+            </a:r>
+            <a:r>
+              <a:rPr lang="en-US" altLang="ko-KR" sz="1100" dirty="0">
+                <a:latin typeface="굴림" panose="020B0600000101010101" pitchFamily="50" charset="-127"/>
+                <a:ea typeface="굴림" panose="020B0600000101010101" pitchFamily="50" charset="-127"/>
+              </a:rPr>
+              <a:t>": 6000.0,</a:t>
+            </a:r>
+          </a:p>
+          <a:p>
+            <a:r>
+              <a:rPr lang="en-US" altLang="ko-KR" sz="1100" dirty="0">
+                <a:latin typeface="굴림" panose="020B0600000101010101" pitchFamily="50" charset="-127"/>
+                <a:ea typeface="굴림" panose="020B0600000101010101" pitchFamily="50" charset="-127"/>
+              </a:rPr>
+              <a:t>  "</a:t>
+            </a:r>
+            <a:r>
+              <a:rPr lang="en-US" altLang="ko-KR" sz="1100" dirty="0" err="1">
+                <a:latin typeface="굴림" panose="020B0600000101010101" pitchFamily="50" charset="-127"/>
+                <a:ea typeface="굴림" panose="020B0600000101010101" pitchFamily="50" charset="-127"/>
+              </a:rPr>
+              <a:t>rpmLimiterCutoffTime</a:t>
+            </a:r>
+            <a:r>
+              <a:rPr lang="en-US" altLang="ko-KR" sz="1100" dirty="0">
+                <a:latin typeface="굴림" panose="020B0600000101010101" pitchFamily="50" charset="-127"/>
+                <a:ea typeface="굴림" panose="020B0600000101010101" pitchFamily="50" charset="-127"/>
+              </a:rPr>
+              <a:t>": 0.075000002980232239,</a:t>
+            </a:r>
+          </a:p>
+          <a:p>
+            <a:r>
+              <a:rPr lang="en-US" altLang="ko-KR" sz="1100" dirty="0">
+                <a:latin typeface="굴림" panose="020B0600000101010101" pitchFamily="50" charset="-127"/>
+                <a:ea typeface="굴림" panose="020B0600000101010101" pitchFamily="50" charset="-127"/>
+              </a:rPr>
+              <a:t>  "</a:t>
+            </a:r>
+            <a:r>
+              <a:rPr lang="en-US" altLang="ko-KR" sz="1100" dirty="0" err="1">
+                <a:latin typeface="굴림" panose="020B0600000101010101" pitchFamily="50" charset="-127"/>
+                <a:ea typeface="굴림" panose="020B0600000101010101" pitchFamily="50" charset="-127"/>
+              </a:rPr>
+              <a:t>maxIdleThrottle</a:t>
+            </a:r>
+            <a:r>
+              <a:rPr lang="en-US" altLang="ko-KR" sz="1100" dirty="0">
+                <a:latin typeface="굴림" panose="020B0600000101010101" pitchFamily="50" charset="-127"/>
+                <a:ea typeface="굴림" panose="020B0600000101010101" pitchFamily="50" charset="-127"/>
+              </a:rPr>
+              <a:t>": 1.0,</a:t>
+            </a:r>
+          </a:p>
+          <a:p>
+            <a:r>
+              <a:rPr lang="en-US" altLang="ko-KR" sz="1100" dirty="0">
+                <a:latin typeface="굴림" panose="020B0600000101010101" pitchFamily="50" charset="-127"/>
+                <a:ea typeface="굴림" panose="020B0600000101010101" pitchFamily="50" charset="-127"/>
+              </a:rPr>
+              <a:t>  "</a:t>
+            </a:r>
+            <a:r>
+              <a:rPr lang="en-US" altLang="ko-KR" sz="1100" dirty="0" err="1">
+                <a:latin typeface="굴림" panose="020B0600000101010101" pitchFamily="50" charset="-127"/>
+                <a:ea typeface="굴림" panose="020B0600000101010101" pitchFamily="50" charset="-127"/>
+              </a:rPr>
+              <a:t>activeIdleRange</a:t>
+            </a:r>
+            <a:r>
+              <a:rPr lang="en-US" altLang="ko-KR" sz="1100" dirty="0">
+                <a:latin typeface="굴림" panose="020B0600000101010101" pitchFamily="50" charset="-127"/>
+                <a:ea typeface="굴림" panose="020B0600000101010101" pitchFamily="50" charset="-127"/>
+              </a:rPr>
+              <a:t>": 0.89499998092651367,</a:t>
+            </a:r>
+          </a:p>
+          <a:p>
+            <a:r>
+              <a:rPr lang="en-US" altLang="ko-KR" sz="1100" dirty="0">
+                <a:latin typeface="굴림" panose="020B0600000101010101" pitchFamily="50" charset="-127"/>
+                <a:ea typeface="굴림" panose="020B0600000101010101" pitchFamily="50" charset="-127"/>
+              </a:rPr>
+              <a:t>  "</a:t>
+            </a:r>
+            <a:r>
+              <a:rPr lang="en-US" altLang="ko-KR" sz="1100" dirty="0" err="1">
+                <a:latin typeface="굴림" panose="020B0600000101010101" pitchFamily="50" charset="-127"/>
+                <a:ea typeface="굴림" panose="020B0600000101010101" pitchFamily="50" charset="-127"/>
+              </a:rPr>
+              <a:t>activeIdleBias</a:t>
+            </a:r>
+            <a:r>
+              <a:rPr lang="en-US" altLang="ko-KR" sz="1100" dirty="0">
+                <a:latin typeface="굴림" panose="020B0600000101010101" pitchFamily="50" charset="-127"/>
+                <a:ea typeface="굴림" panose="020B0600000101010101" pitchFamily="50" charset="-127"/>
+              </a:rPr>
+              <a:t>": 0.25,</a:t>
+            </a:r>
+          </a:p>
+          <a:p>
+            <a:r>
+              <a:rPr lang="en-US" altLang="ko-KR" sz="1100" dirty="0">
+                <a:latin typeface="굴림" panose="020B0600000101010101" pitchFamily="50" charset="-127"/>
+                <a:ea typeface="굴림" panose="020B0600000101010101" pitchFamily="50" charset="-127"/>
+              </a:rPr>
+              <a:t>  "</a:t>
+            </a:r>
+            <a:r>
+              <a:rPr lang="en-US" altLang="ko-KR" sz="1100" dirty="0" err="1">
+                <a:latin typeface="굴림" panose="020B0600000101010101" pitchFamily="50" charset="-127"/>
+                <a:ea typeface="굴림" panose="020B0600000101010101" pitchFamily="50" charset="-127"/>
+              </a:rPr>
+              <a:t>forwardGearRatios</a:t>
+            </a:r>
+            <a:r>
+              <a:rPr lang="en-US" altLang="ko-KR" sz="1100" dirty="0">
+                <a:latin typeface="굴림" panose="020B0600000101010101" pitchFamily="50" charset="-127"/>
+                <a:ea typeface="굴림" panose="020B0600000101010101" pitchFamily="50" charset="-127"/>
+              </a:rPr>
+              <a:t>": [</a:t>
+            </a:r>
+          </a:p>
+          <a:p>
+            <a:r>
+              <a:rPr lang="ko-KR" altLang="en-US" sz="1100" dirty="0">
+                <a:latin typeface="굴림" panose="020B0600000101010101" pitchFamily="50" charset="-127"/>
+                <a:ea typeface="굴림" panose="020B0600000101010101" pitchFamily="50" charset="-127"/>
+              </a:rPr>
+              <a:t>    </a:t>
+            </a:r>
+            <a:r>
+              <a:rPr lang="en-US" altLang="ko-KR" sz="1100" dirty="0">
+                <a:latin typeface="굴림" panose="020B0600000101010101" pitchFamily="50" charset="-127"/>
+                <a:ea typeface="굴림" panose="020B0600000101010101" pitchFamily="50" charset="-127"/>
+              </a:rPr>
+              <a:t>3.8670001029968262,</a:t>
+            </a:r>
+          </a:p>
+          <a:p>
+            <a:r>
+              <a:rPr lang="ko-KR" altLang="en-US" sz="1100" dirty="0">
+                <a:latin typeface="굴림" panose="020B0600000101010101" pitchFamily="50" charset="-127"/>
+                <a:ea typeface="굴림" panose="020B0600000101010101" pitchFamily="50" charset="-127"/>
+              </a:rPr>
+              <a:t>    </a:t>
+            </a:r>
+            <a:r>
+              <a:rPr lang="en-US" altLang="ko-KR" sz="1100" dirty="0">
+                <a:latin typeface="굴림" panose="020B0600000101010101" pitchFamily="50" charset="-127"/>
+                <a:ea typeface="굴림" panose="020B0600000101010101" pitchFamily="50" charset="-127"/>
+              </a:rPr>
+              <a:t>2.2170000076293945,</a:t>
+            </a:r>
+          </a:p>
+          <a:p>
+            <a:r>
+              <a:rPr lang="ko-KR" altLang="en-US" sz="1100" dirty="0">
+                <a:latin typeface="굴림" panose="020B0600000101010101" pitchFamily="50" charset="-127"/>
+                <a:ea typeface="굴림" panose="020B0600000101010101" pitchFamily="50" charset="-127"/>
+              </a:rPr>
+              <a:t>    </a:t>
+            </a:r>
+            <a:r>
+              <a:rPr lang="en-US" altLang="ko-KR" sz="1100" dirty="0">
+                <a:latin typeface="굴림" panose="020B0600000101010101" pitchFamily="50" charset="-127"/>
+                <a:ea typeface="굴림" panose="020B0600000101010101" pitchFamily="50" charset="-127"/>
+              </a:rPr>
+              <a:t>1.3710000514984131,</a:t>
+            </a:r>
+          </a:p>
+          <a:p>
+            <a:r>
+              <a:rPr lang="ko-KR" altLang="en-US" sz="1100" dirty="0">
+                <a:latin typeface="굴림" panose="020B0600000101010101" pitchFamily="50" charset="-127"/>
+                <a:ea typeface="굴림" panose="020B0600000101010101" pitchFamily="50" charset="-127"/>
+              </a:rPr>
+              <a:t>    </a:t>
+            </a:r>
+            <a:r>
+              <a:rPr lang="en-US" altLang="ko-KR" sz="1100" dirty="0">
+                <a:latin typeface="굴림" panose="020B0600000101010101" pitchFamily="50" charset="-127"/>
+                <a:ea typeface="굴림" panose="020B0600000101010101" pitchFamily="50" charset="-127"/>
+              </a:rPr>
+              <a:t>0.93000000715255737,</a:t>
+            </a:r>
+          </a:p>
+          <a:p>
+            <a:r>
+              <a:rPr lang="ko-KR" altLang="en-US" sz="1100" dirty="0">
+                <a:latin typeface="굴림" panose="020B0600000101010101" pitchFamily="50" charset="-127"/>
+                <a:ea typeface="굴림" panose="020B0600000101010101" pitchFamily="50" charset="-127"/>
+              </a:rPr>
+              <a:t>    </a:t>
+            </a:r>
+            <a:r>
+              <a:rPr lang="en-US" altLang="ko-KR" sz="1100" dirty="0">
+                <a:latin typeface="굴림" panose="020B0600000101010101" pitchFamily="50" charset="-127"/>
+                <a:ea typeface="굴림" panose="020B0600000101010101" pitchFamily="50" charset="-127"/>
+              </a:rPr>
+              <a:t>0.84899997711181641,</a:t>
+            </a:r>
+          </a:p>
+          <a:p>
+            <a:r>
+              <a:rPr lang="ko-KR" altLang="en-US" sz="1100" dirty="0">
+                <a:latin typeface="굴림" panose="020B0600000101010101" pitchFamily="50" charset="-127"/>
+                <a:ea typeface="굴림" panose="020B0600000101010101" pitchFamily="50" charset="-127"/>
+              </a:rPr>
+              <a:t>    </a:t>
+            </a:r>
+            <a:r>
+              <a:rPr lang="en-US" altLang="ko-KR" sz="1100" dirty="0">
+                <a:latin typeface="굴림" panose="020B0600000101010101" pitchFamily="50" charset="-127"/>
+                <a:ea typeface="굴림" panose="020B0600000101010101" pitchFamily="50" charset="-127"/>
+              </a:rPr>
+              <a:t>0.76700001955032349</a:t>
+            </a:r>
+          </a:p>
+          <a:p>
+            <a:r>
+              <a:rPr lang="ko-KR" altLang="en-US" sz="1100" dirty="0">
+                <a:latin typeface="굴림" panose="020B0600000101010101" pitchFamily="50" charset="-127"/>
+                <a:ea typeface="굴림" panose="020B0600000101010101" pitchFamily="50" charset="-127"/>
+              </a:rPr>
+              <a:t>  </a:t>
+            </a:r>
+            <a:r>
+              <a:rPr lang="en-US" altLang="ko-KR" sz="1100" dirty="0">
+                <a:latin typeface="굴림" panose="020B0600000101010101" pitchFamily="50" charset="-127"/>
+                <a:ea typeface="굴림" panose="020B0600000101010101" pitchFamily="50" charset="-127"/>
+              </a:rPr>
+              <a:t>]</a:t>
+            </a:r>
+          </a:p>
+          <a:p>
+            <a:r>
+              <a:rPr lang="en-US" altLang="ko-KR" sz="1100" dirty="0">
+                <a:latin typeface="굴림" panose="020B0600000101010101" pitchFamily="50" charset="-127"/>
+                <a:ea typeface="굴림" panose="020B0600000101010101" pitchFamily="50" charset="-127"/>
+              </a:rPr>
+              <a:t>}</a:t>
+            </a:r>
+          </a:p>
+        </p:txBody>
+      </p:sp>
+    </p:spTree>
+    <p:extLst>
+      <p:ext uri="{BB962C8B-B14F-4D97-AF65-F5344CB8AC3E}">
+        <p14:creationId xmlns:p14="http://schemas.microsoft.com/office/powerpoint/2010/main" val="4152982810"/>
+      </p:ext>
+    </p:extLst>
+  </p:cSld>
+  <p:clrMapOvr>
+    <a:masterClrMapping/>
+  </p:clrMapOvr>
+</p:sld>
+</file>
+
+<file path=ppt/slides/slide2.xml><?xml version="1.0" encoding="utf-8"?>
+<p:sld xmlns:a="http://schemas.openxmlformats.org/drawingml/2006/main" xmlns:r="http://schemas.openxmlformats.org/officeDocument/2006/relationships" xmlns:p="http://schemas.openxmlformats.org/presentationml/2006/main">
+  <p:cSld>
+    <p:spTree>
+      <p:nvGrpSpPr>
+        <p:cNvPr id="1" name="">
+          <a:extLst>
+            <a:ext uri="{FF2B5EF4-FFF2-40B4-BE49-F238E27FC236}">
+              <a16:creationId xmlns:a16="http://schemas.microsoft.com/office/drawing/2014/main" id="{C09F7818-F539-7C03-0A7D-F0C5BF53B1FA}"/>
+            </a:ext>
+          </a:extLst>
+        </p:cNvPr>
+        <p:cNvGrpSpPr/>
+        <p:nvPr/>
+      </p:nvGrpSpPr>
+      <p:grpSpPr>
+        <a:xfrm>
+          <a:off x="0" y="0"/>
+          <a:ext cx="0" cy="0"/>
+          <a:chOff x="0" y="0"/>
+          <a:chExt cx="0" cy="0"/>
+        </a:xfrm>
+      </p:grpSpPr>
+      <p:sp>
+        <p:nvSpPr>
           <p:cNvPr id="4" name="직사각형 3">
             <a:extLst>
               <a:ext uri="{FF2B5EF4-FFF2-40B4-BE49-F238E27FC236}">
-                <a16:creationId xmlns:a16="http://schemas.microsoft.com/office/drawing/2014/main" id="{FECF4F4C-D774-FAB6-40BA-D011702B186B}"/>
+                <a16:creationId xmlns:a16="http://schemas.microsoft.com/office/drawing/2014/main" id="{FD579DE5-6471-E8A7-4142-C983884FC64F}"/>
               </a:ext>
             </a:extLst>
           </p:cNvPr>
@@ -3335,8 +5133,8 @@
         </p:nvSpPr>
         <p:spPr>
           <a:xfrm>
-            <a:off x="5849029" y="4559884"/>
-            <a:ext cx="3122579" cy="464806"/>
+            <a:off x="4229203" y="3579618"/>
+            <a:ext cx="3122579" cy="641195"/>
           </a:xfrm>
           <a:prstGeom prst="rect">
             <a:avLst/>
@@ -3459,796 +5257,7237 @@
             <a:pPr algn="ctr"/>
             <a:r>
               <a:rPr lang="en-US" altLang="ko-KR" dirty="0"/>
-              <a:t>LSTM</a:t>
+              <a:t>VPP</a:t>
             </a:r>
             <a:endParaRPr lang="ko-KR" altLang="en-US" dirty="0"/>
           </a:p>
         </p:txBody>
       </p:sp>
-      <mc:AlternateContent xmlns:mc="http://schemas.openxmlformats.org/markup-compatibility/2006">
-        <mc:Choice xmlns:a14="http://schemas.microsoft.com/office/drawing/2010/main" Requires="a14">
-          <p:sp>
-            <p:nvSpPr>
-              <p:cNvPr id="5" name="TextBox 4">
+      <mc:AlternateContent xmlns:mc="http://schemas.openxmlformats.org/markup-compatibility/2006" xmlns:a14="http://schemas.microsoft.com/office/drawing/2010/main">
+        <mc:Choice Requires="a14">
+          <p:graphicFrame>
+            <p:nvGraphicFramePr>
+              <p:cNvPr id="2" name="표 1">
                 <a:extLst>
                   <a:ext uri="{FF2B5EF4-FFF2-40B4-BE49-F238E27FC236}">
-                    <a16:creationId xmlns:a16="http://schemas.microsoft.com/office/drawing/2014/main" id="{AF7C2712-FBCE-52F6-ADBF-9C460B142E02}"/>
+                    <a16:creationId xmlns:a16="http://schemas.microsoft.com/office/drawing/2014/main" id="{A70D621A-8485-D7AD-DBA3-6E80C9A22738}"/>
                   </a:ext>
                 </a:extLst>
               </p:cNvPr>
-              <p:cNvSpPr txBox="1"/>
-              <p:nvPr/>
-            </p:nvSpPr>
-            <p:spPr>
-              <a:xfrm>
-                <a:off x="3220392" y="2224008"/>
-                <a:ext cx="4581575" cy="276999"/>
-              </a:xfrm>
-              <a:prstGeom prst="rect">
-                <a:avLst/>
-              </a:prstGeom>
-              <a:noFill/>
-            </p:spPr>
-            <p:txBody>
-              <a:bodyPr wrap="none" lIns="0" tIns="0" rIns="0" bIns="0" rtlCol="0">
-                <a:spAutoFit/>
-              </a:bodyPr>
-              <a:lstStyle>
-                <a:defPPr>
-                  <a:defRPr lang="ko-KR"/>
-                </a:defPPr>
-                <a:lvl1pPr marL="0" algn="l" defTabSz="914400" rtl="0" eaLnBrk="1" latinLnBrk="1" hangingPunct="1">
-                  <a:defRPr sz="1800" kern="1200">
-                    <a:solidFill>
-                      <a:schemeClr val="tx1"/>
-                    </a:solidFill>
-                    <a:latin typeface="+mn-lt"/>
-                    <a:ea typeface="+mn-ea"/>
-                    <a:cs typeface="+mn-cs"/>
-                  </a:defRPr>
-                </a:lvl1pPr>
-                <a:lvl2pPr marL="457200" algn="l" defTabSz="914400" rtl="0" eaLnBrk="1" latinLnBrk="1" hangingPunct="1">
-                  <a:defRPr sz="1800" kern="1200">
-                    <a:solidFill>
-                      <a:schemeClr val="tx1"/>
-                    </a:solidFill>
-                    <a:latin typeface="+mn-lt"/>
-                    <a:ea typeface="+mn-ea"/>
-                    <a:cs typeface="+mn-cs"/>
-                  </a:defRPr>
-                </a:lvl2pPr>
-                <a:lvl3pPr marL="914400" algn="l" defTabSz="914400" rtl="0" eaLnBrk="1" latinLnBrk="1" hangingPunct="1">
-                  <a:defRPr sz="1800" kern="1200">
-                    <a:solidFill>
-                      <a:schemeClr val="tx1"/>
-                    </a:solidFill>
-                    <a:latin typeface="+mn-lt"/>
-                    <a:ea typeface="+mn-ea"/>
-                    <a:cs typeface="+mn-cs"/>
-                  </a:defRPr>
-                </a:lvl3pPr>
-                <a:lvl4pPr marL="1371600" algn="l" defTabSz="914400" rtl="0" eaLnBrk="1" latinLnBrk="1" hangingPunct="1">
-                  <a:defRPr sz="1800" kern="1200">
-                    <a:solidFill>
-                      <a:schemeClr val="tx1"/>
-                    </a:solidFill>
-                    <a:latin typeface="+mn-lt"/>
-                    <a:ea typeface="+mn-ea"/>
-                    <a:cs typeface="+mn-cs"/>
-                  </a:defRPr>
-                </a:lvl4pPr>
-                <a:lvl5pPr marL="1828800" algn="l" defTabSz="914400" rtl="0" eaLnBrk="1" latinLnBrk="1" hangingPunct="1">
-                  <a:defRPr sz="1800" kern="1200">
-                    <a:solidFill>
-                      <a:schemeClr val="tx1"/>
-                    </a:solidFill>
-                    <a:latin typeface="+mn-lt"/>
-                    <a:ea typeface="+mn-ea"/>
-                    <a:cs typeface="+mn-cs"/>
-                  </a:defRPr>
-                </a:lvl5pPr>
-                <a:lvl6pPr marL="2286000" algn="l" defTabSz="914400" rtl="0" eaLnBrk="1" latinLnBrk="1" hangingPunct="1">
-                  <a:defRPr sz="1800" kern="1200">
-                    <a:solidFill>
-                      <a:schemeClr val="tx1"/>
-                    </a:solidFill>
-                    <a:latin typeface="+mn-lt"/>
-                    <a:ea typeface="+mn-ea"/>
-                    <a:cs typeface="+mn-cs"/>
-                  </a:defRPr>
-                </a:lvl6pPr>
-                <a:lvl7pPr marL="2743200" algn="l" defTabSz="914400" rtl="0" eaLnBrk="1" latinLnBrk="1" hangingPunct="1">
-                  <a:defRPr sz="1800" kern="1200">
-                    <a:solidFill>
-                      <a:schemeClr val="tx1"/>
-                    </a:solidFill>
-                    <a:latin typeface="+mn-lt"/>
-                    <a:ea typeface="+mn-ea"/>
-                    <a:cs typeface="+mn-cs"/>
-                  </a:defRPr>
-                </a:lvl7pPr>
-                <a:lvl8pPr marL="3200400" algn="l" defTabSz="914400" rtl="0" eaLnBrk="1" latinLnBrk="1" hangingPunct="1">
-                  <a:defRPr sz="1800" kern="1200">
-                    <a:solidFill>
-                      <a:schemeClr val="tx1"/>
-                    </a:solidFill>
-                    <a:latin typeface="+mn-lt"/>
-                    <a:ea typeface="+mn-ea"/>
-                    <a:cs typeface="+mn-cs"/>
-                  </a:defRPr>
-                </a:lvl8pPr>
-                <a:lvl9pPr marL="3657600" algn="l" defTabSz="914400" rtl="0" eaLnBrk="1" latinLnBrk="1" hangingPunct="1">
-                  <a:defRPr sz="1800" kern="1200">
-                    <a:solidFill>
-                      <a:schemeClr val="tx1"/>
-                    </a:solidFill>
-                    <a:latin typeface="+mn-lt"/>
-                    <a:ea typeface="+mn-ea"/>
-                    <a:cs typeface="+mn-cs"/>
-                  </a:defRPr>
-                </a:lvl9pPr>
-              </a:lstStyle>
-              <a:p>
-                <a14:m>
-                  <m:oMath xmlns:m="http://schemas.openxmlformats.org/officeDocument/2006/math">
-                    <m:sSub>
-                      <m:sSubPr>
-                        <m:ctrlPr>
-                          <a:rPr lang="en-US" altLang="ko-KR" b="0" i="1" smtClean="0">
-                            <a:latin typeface="Cambria Math" panose="02040503050406030204" pitchFamily="18" charset="0"/>
-                          </a:rPr>
-                        </m:ctrlPr>
-                      </m:sSubPr>
-                      <m:e>
-                        <m:r>
-                          <a:rPr lang="en-US" altLang="ko-KR" b="0" i="1" smtClean="0">
-                            <a:latin typeface="Cambria Math" panose="02040503050406030204" pitchFamily="18" charset="0"/>
-                          </a:rPr>
-                          <m:t>𝑥</m:t>
-                        </m:r>
-                      </m:e>
-                      <m:sub>
-                        <m:r>
-                          <a:rPr lang="en-US" altLang="ko-KR" b="0" i="1" smtClean="0">
-                            <a:latin typeface="Cambria Math" panose="02040503050406030204" pitchFamily="18" charset="0"/>
-                          </a:rPr>
-                          <m:t>𝑡</m:t>
-                        </m:r>
-                      </m:sub>
-                    </m:sSub>
-                    <m:r>
-                      <a:rPr lang="en-US" altLang="ko-KR" b="0" i="1" smtClean="0">
-                        <a:latin typeface="Cambria Math" panose="02040503050406030204" pitchFamily="18" charset="0"/>
-                      </a:rPr>
-                      <m:t>=</m:t>
-                    </m:r>
-                    <m:d>
-                      <m:dPr>
-                        <m:begChr m:val="{"/>
-                        <m:endChr m:val="}"/>
-                        <m:ctrlPr>
-                          <a:rPr lang="en-US" altLang="ko-KR" b="0" i="1" smtClean="0">
-                            <a:latin typeface="Cambria Math" panose="02040503050406030204" pitchFamily="18" charset="0"/>
-                          </a:rPr>
-                        </m:ctrlPr>
-                      </m:dPr>
-                      <m:e>
-                        <m:m>
-                          <m:mPr>
-                            <m:mcs>
-                              <m:mc>
-                                <m:mcPr>
-                                  <m:count m:val="2"/>
-                                  <m:mcJc m:val="center"/>
-                                </m:mcPr>
-                              </m:mc>
-                            </m:mcs>
-                            <m:ctrlPr>
-                              <a:rPr lang="en-US" altLang="ko-KR" b="0" i="1" smtClean="0">
-                                <a:latin typeface="Cambria Math" panose="02040503050406030204" pitchFamily="18" charset="0"/>
-                              </a:rPr>
-                            </m:ctrlPr>
-                          </m:mPr>
-                          <m:mr>
-                            <m:e>
+              <p:cNvGraphicFramePr>
+                <a:graphicFrameLocks noGrp="1"/>
+              </p:cNvGraphicFramePr>
+              <p:nvPr>
+                <p:extLst>
+                  <p:ext uri="{D42A27DB-BD31-4B8C-83A1-F6EECF244321}">
+                    <p14:modId xmlns:p14="http://schemas.microsoft.com/office/powerpoint/2010/main" val="4161103341"/>
+                  </p:ext>
+                </p:extLst>
+              </p:nvPr>
+            </p:nvGraphicFramePr>
+            <p:xfrm>
+              <a:off x="146756" y="595488"/>
+              <a:ext cx="11842044" cy="1618107"/>
+            </p:xfrm>
+            <a:graphic>
+              <a:graphicData uri="http://schemas.openxmlformats.org/drawingml/2006/table">
+                <a:tbl>
+                  <a:tblPr firstRow="1" bandRow="1">
+                    <a:tableStyleId>{5C22544A-7EE6-4342-B048-85BDC9FD1C3A}</a:tableStyleId>
+                  </a:tblPr>
+                  <a:tblGrid>
+                    <a:gridCol w="1659466">
+                      <a:extLst>
+                        <a:ext uri="{9D8B030D-6E8A-4147-A177-3AD203B41FA5}">
+                          <a16:colId xmlns:a16="http://schemas.microsoft.com/office/drawing/2014/main" val="1907333451"/>
+                        </a:ext>
+                      </a:extLst>
+                    </a:gridCol>
+                    <a:gridCol w="2370667">
+                      <a:extLst>
+                        <a:ext uri="{9D8B030D-6E8A-4147-A177-3AD203B41FA5}">
+                          <a16:colId xmlns:a16="http://schemas.microsoft.com/office/drawing/2014/main" val="5855098"/>
+                        </a:ext>
+                      </a:extLst>
+                    </a:gridCol>
+                    <a:gridCol w="699911">
+                      <a:extLst>
+                        <a:ext uri="{9D8B030D-6E8A-4147-A177-3AD203B41FA5}">
+                          <a16:colId xmlns:a16="http://schemas.microsoft.com/office/drawing/2014/main" val="4109619438"/>
+                        </a:ext>
+                      </a:extLst>
+                    </a:gridCol>
+                    <a:gridCol w="1952978">
+                      <a:extLst>
+                        <a:ext uri="{9D8B030D-6E8A-4147-A177-3AD203B41FA5}">
+                          <a16:colId xmlns:a16="http://schemas.microsoft.com/office/drawing/2014/main" val="676969810"/>
+                        </a:ext>
+                      </a:extLst>
+                    </a:gridCol>
+                    <a:gridCol w="5159022">
+                      <a:extLst>
+                        <a:ext uri="{9D8B030D-6E8A-4147-A177-3AD203B41FA5}">
+                          <a16:colId xmlns:a16="http://schemas.microsoft.com/office/drawing/2014/main" val="3212473839"/>
+                        </a:ext>
+                      </a:extLst>
+                    </a:gridCol>
+                  </a:tblGrid>
+                  <a:tr h="370840">
+                    <a:tc rowSpan="2">
+                      <a:txBody>
+                        <a:bodyPr/>
+                        <a:lstStyle/>
+                        <a:p>
+                          <a:pPr algn="ctr" latinLnBrk="1"/>
+                          <a:r>
+                            <a:rPr lang="en-US" altLang="ko-KR" sz="1200" b="0" dirty="0">
+                              <a:solidFill>
+                                <a:schemeClr val="tx1"/>
+                              </a:solidFill>
+                            </a:rPr>
+                            <a:t>Measurable</a:t>
+                          </a:r>
+                        </a:p>
+                        <a:p>
+                          <a:pPr algn="ctr" latinLnBrk="1"/>
+                          <a:r>
+                            <a:rPr lang="en-US" altLang="ko-KR" sz="1200" b="0" dirty="0">
+                              <a:solidFill>
+                                <a:schemeClr val="tx1"/>
+                              </a:solidFill>
+                            </a:rPr>
+                            <a:t>Parameters</a:t>
+                          </a:r>
+                          <a:endParaRPr lang="ko-KR" altLang="en-US" sz="1200" b="0" dirty="0">
+                            <a:solidFill>
+                              <a:schemeClr val="tx1"/>
+                            </a:solidFill>
+                          </a:endParaRPr>
+                        </a:p>
+                      </a:txBody>
+                      <a:tcPr anchor="ctr">
+                        <a:lnL w="12700" cap="flat" cmpd="sng" algn="ctr">
+                          <a:noFill/>
+                          <a:prstDash val="solid"/>
+                          <a:round/>
+                          <a:headEnd type="none" w="med" len="med"/>
+                          <a:tailEnd type="none" w="med" len="med"/>
+                        </a:lnL>
+                        <a:lnR w="3175" cap="flat" cmpd="sng" algn="ctr">
+                          <a:solidFill>
+                            <a:schemeClr val="tx1"/>
+                          </a:solidFill>
+                          <a:prstDash val="dot"/>
+                          <a:round/>
+                          <a:headEnd type="none" w="med" len="med"/>
+                          <a:tailEnd type="none" w="med" len="med"/>
+                        </a:lnR>
+                        <a:lnT w="12700" cap="flat" cmpd="sng" algn="ctr">
+                          <a:solidFill>
+                            <a:schemeClr val="tx1"/>
+                          </a:solidFill>
+                          <a:prstDash val="solid"/>
+                          <a:round/>
+                          <a:headEnd type="none" w="med" len="med"/>
+                          <a:tailEnd type="none" w="med" len="med"/>
+                        </a:lnT>
+                        <a:lnB w="12700" cap="flat" cmpd="sng" algn="ctr">
+                          <a:solidFill>
+                            <a:schemeClr val="tx1"/>
+                          </a:solidFill>
+                          <a:prstDash val="solid"/>
+                          <a:round/>
+                          <a:headEnd type="none" w="med" len="med"/>
+                          <a:tailEnd type="none" w="med" len="med"/>
+                        </a:lnB>
+                        <a:lnTlToBr w="12700" cmpd="sng">
+                          <a:noFill/>
+                          <a:prstDash val="solid"/>
+                        </a:lnTlToBr>
+                        <a:lnBlToTr w="12700" cmpd="sng">
+                          <a:noFill/>
+                          <a:prstDash val="solid"/>
+                        </a:lnBlToTr>
+                        <a:solidFill>
+                          <a:schemeClr val="bg1"/>
+                        </a:solidFill>
+                      </a:tcPr>
+                    </a:tc>
+                    <a:tc>
+                      <a:txBody>
+                        <a:bodyPr/>
+                        <a:lstStyle/>
+                        <a:p>
+                          <a:pPr algn="ctr" latinLnBrk="1"/>
+                          <a:r>
+                            <a:rPr lang="en-US" altLang="ko-KR" sz="1200" b="0" dirty="0">
+                              <a:solidFill>
+                                <a:schemeClr val="tx1"/>
+                              </a:solidFill>
+                            </a:rPr>
+                            <a:t>Rotational Vehicle Body Status</a:t>
+                          </a:r>
+                          <a:endParaRPr lang="ko-KR" altLang="en-US" sz="1200" b="0" dirty="0">
+                            <a:solidFill>
+                              <a:schemeClr val="tx1"/>
+                            </a:solidFill>
+                          </a:endParaRPr>
+                        </a:p>
+                      </a:txBody>
+                      <a:tcPr anchor="ctr">
+                        <a:lnL w="3175" cap="flat" cmpd="sng" algn="ctr">
+                          <a:solidFill>
+                            <a:schemeClr val="tx1"/>
+                          </a:solidFill>
+                          <a:prstDash val="dot"/>
+                          <a:round/>
+                          <a:headEnd type="none" w="med" len="med"/>
+                          <a:tailEnd type="none" w="med" len="med"/>
+                        </a:lnL>
+                        <a:lnR w="3175" cap="flat" cmpd="sng" algn="ctr">
+                          <a:solidFill>
+                            <a:schemeClr val="tx1"/>
+                          </a:solidFill>
+                          <a:prstDash val="dot"/>
+                          <a:round/>
+                          <a:headEnd type="none" w="med" len="med"/>
+                          <a:tailEnd type="none" w="med" len="med"/>
+                        </a:lnR>
+                        <a:lnT w="12700" cap="flat" cmpd="sng" algn="ctr">
+                          <a:solidFill>
+                            <a:schemeClr val="tx1"/>
+                          </a:solidFill>
+                          <a:prstDash val="solid"/>
+                          <a:round/>
+                          <a:headEnd type="none" w="med" len="med"/>
+                          <a:tailEnd type="none" w="med" len="med"/>
+                        </a:lnT>
+                        <a:lnB w="12700" cap="flat" cmpd="sng" algn="ctr">
+                          <a:noFill/>
+                          <a:prstDash val="solid"/>
+                          <a:round/>
+                          <a:headEnd type="none" w="med" len="med"/>
+                          <a:tailEnd type="none" w="med" len="med"/>
+                        </a:lnB>
+                        <a:lnTlToBr w="12700" cmpd="sng">
+                          <a:noFill/>
+                          <a:prstDash val="solid"/>
+                        </a:lnTlToBr>
+                        <a:lnBlToTr w="12700" cmpd="sng">
+                          <a:noFill/>
+                          <a:prstDash val="solid"/>
+                        </a:lnBlToTr>
+                        <a:solidFill>
+                          <a:schemeClr val="bg1"/>
+                        </a:solidFill>
+                      </a:tcPr>
+                    </a:tc>
+                    <a:tc>
+                      <a:txBody>
+                        <a:bodyPr/>
+                        <a:lstStyle/>
+                        <a:p>
+                          <a:pPr algn="ctr" latinLnBrk="1"/>
+                          <a14:m>
+                            <m:oMathPara xmlns:m="http://schemas.openxmlformats.org/officeDocument/2006/math">
+                              <m:oMathParaPr>
+                                <m:jc m:val="centerGroup"/>
+                              </m:oMathParaPr>
+                              <m:oMath xmlns:m="http://schemas.openxmlformats.org/officeDocument/2006/math">
+                                <m:sSubSup>
+                                  <m:sSubSupPr>
+                                    <m:ctrlPr>
+                                      <a:rPr lang="en-US" altLang="ko-KR" sz="1200" b="0" i="1" smtClean="0">
+                                        <a:solidFill>
+                                          <a:schemeClr val="tx1"/>
+                                        </a:solidFill>
+                                        <a:latin typeface="Cambria Math" panose="02040503050406030204" pitchFamily="18" charset="0"/>
+                                      </a:rPr>
+                                    </m:ctrlPr>
+                                  </m:sSubSupPr>
+                                  <m:e>
+                                    <m:r>
+                                      <a:rPr lang="en-US" altLang="ko-KR" sz="1200" b="0" i="1" smtClean="0">
+                                        <a:solidFill>
+                                          <a:schemeClr val="tx1"/>
+                                        </a:solidFill>
+                                        <a:latin typeface="Cambria Math" panose="02040503050406030204" pitchFamily="18" charset="0"/>
+                                      </a:rPr>
+                                      <m:t>𝑠</m:t>
+                                    </m:r>
+                                  </m:e>
+                                  <m:sub>
+                                    <m:r>
+                                      <a:rPr lang="en-US" altLang="ko-KR" sz="1200" b="0" i="1" smtClean="0">
+                                        <a:solidFill>
+                                          <a:schemeClr val="tx1"/>
+                                        </a:solidFill>
+                                        <a:latin typeface="Cambria Math" panose="02040503050406030204" pitchFamily="18" charset="0"/>
+                                      </a:rPr>
+                                      <m:t>𝑡</m:t>
+                                    </m:r>
+                                  </m:sub>
+                                  <m:sup>
+                                    <m:r>
+                                      <a:rPr lang="en-US" altLang="ko-KR" sz="1200" b="0" i="1" smtClean="0">
+                                        <a:solidFill>
+                                          <a:schemeClr val="tx1"/>
+                                        </a:solidFill>
+                                        <a:latin typeface="Cambria Math" panose="02040503050406030204" pitchFamily="18" charset="0"/>
+                                      </a:rPr>
+                                      <m:t>𝑏𝑜𝑑𝑦</m:t>
+                                    </m:r>
+                                  </m:sup>
+                                </m:sSubSup>
+                              </m:oMath>
+                            </m:oMathPara>
+                          </a14:m>
+                          <a:endParaRPr lang="ko-KR" altLang="en-US" sz="1200" b="0" dirty="0">
+                            <a:solidFill>
+                              <a:schemeClr val="tx1"/>
+                            </a:solidFill>
+                          </a:endParaRPr>
+                        </a:p>
+                      </a:txBody>
+                      <a:tcPr anchor="ctr">
+                        <a:lnL w="3175" cap="flat" cmpd="sng" algn="ctr">
+                          <a:solidFill>
+                            <a:schemeClr val="tx1"/>
+                          </a:solidFill>
+                          <a:prstDash val="dot"/>
+                          <a:round/>
+                          <a:headEnd type="none" w="med" len="med"/>
+                          <a:tailEnd type="none" w="med" len="med"/>
+                        </a:lnL>
+                        <a:lnR w="3175" cap="flat" cmpd="sng" algn="ctr">
+                          <a:solidFill>
+                            <a:schemeClr val="tx1"/>
+                          </a:solidFill>
+                          <a:prstDash val="dot"/>
+                          <a:round/>
+                          <a:headEnd type="none" w="med" len="med"/>
+                          <a:tailEnd type="none" w="med" len="med"/>
+                        </a:lnR>
+                        <a:lnT w="12700" cap="flat" cmpd="sng" algn="ctr">
+                          <a:solidFill>
+                            <a:schemeClr val="tx1"/>
+                          </a:solidFill>
+                          <a:prstDash val="solid"/>
+                          <a:round/>
+                          <a:headEnd type="none" w="med" len="med"/>
+                          <a:tailEnd type="none" w="med" len="med"/>
+                        </a:lnT>
+                        <a:lnB w="12700" cap="flat" cmpd="sng" algn="ctr">
+                          <a:noFill/>
+                          <a:prstDash val="solid"/>
+                          <a:round/>
+                          <a:headEnd type="none" w="med" len="med"/>
+                          <a:tailEnd type="none" w="med" len="med"/>
+                        </a:lnB>
+                        <a:lnTlToBr w="12700" cmpd="sng">
+                          <a:noFill/>
+                          <a:prstDash val="solid"/>
+                        </a:lnTlToBr>
+                        <a:lnBlToTr w="12700" cmpd="sng">
+                          <a:noFill/>
+                          <a:prstDash val="solid"/>
+                        </a:lnBlToTr>
+                        <a:solidFill>
+                          <a:schemeClr val="bg1"/>
+                        </a:solidFill>
+                      </a:tcPr>
+                    </a:tc>
+                    <a:tc>
+                      <a:txBody>
+                        <a:bodyPr/>
+                        <a:lstStyle/>
+                        <a:p>
+                          <a:pPr algn="ctr" latinLnBrk="1"/>
+                          <a14:m>
+                            <m:oMathPara xmlns:m="http://schemas.openxmlformats.org/officeDocument/2006/math">
+                              <m:oMathParaPr>
+                                <m:jc m:val="centerGroup"/>
+                              </m:oMathParaPr>
+                              <m:oMath xmlns:m="http://schemas.openxmlformats.org/officeDocument/2006/math">
+                                <m:d>
+                                  <m:dPr>
+                                    <m:begChr m:val="{"/>
+                                    <m:endChr m:val="}"/>
+                                    <m:ctrlPr>
+                                      <a:rPr lang="en-US" altLang="ko-KR" sz="1200" b="0" i="1" smtClean="0">
+                                        <a:solidFill>
+                                          <a:schemeClr val="tx1"/>
+                                        </a:solidFill>
+                                        <a:latin typeface="Cambria Math" panose="02040503050406030204" pitchFamily="18" charset="0"/>
+                                      </a:rPr>
+                                    </m:ctrlPr>
+                                  </m:dPr>
+                                  <m:e>
+                                    <m:m>
+                                      <m:mPr>
+                                        <m:mcs>
+                                          <m:mc>
+                                            <m:mcPr>
+                                              <m:count m:val="2"/>
+                                              <m:mcJc m:val="center"/>
+                                            </m:mcPr>
+                                          </m:mc>
+                                        </m:mcs>
+                                        <m:ctrlPr>
+                                          <a:rPr lang="en-US" altLang="ko-KR" sz="1200" b="0" i="1" smtClean="0">
+                                            <a:solidFill>
+                                              <a:schemeClr val="tx1"/>
+                                            </a:solidFill>
+                                            <a:latin typeface="Cambria Math" panose="02040503050406030204" pitchFamily="18" charset="0"/>
+                                          </a:rPr>
+                                        </m:ctrlPr>
+                                      </m:mPr>
+                                      <m:mr>
+                                        <m:e>
+                                          <m:sSubSup>
+                                            <m:sSubSupPr>
+                                              <m:ctrlPr>
+                                                <a:rPr lang="en-US" altLang="ko-KR" sz="1200" b="0" i="1" smtClean="0">
+                                                  <a:solidFill>
+                                                    <a:schemeClr val="tx1"/>
+                                                  </a:solidFill>
+                                                  <a:latin typeface="Cambria Math" panose="02040503050406030204" pitchFamily="18" charset="0"/>
+                                                </a:rPr>
+                                              </m:ctrlPr>
+                                            </m:sSubSupPr>
+                                            <m:e>
+                                              <m:r>
+                                                <m:rPr>
+                                                  <m:brk m:alnAt="7"/>
+                                                </m:rPr>
+                                                <a:rPr lang="en-US" altLang="ko-KR" sz="1200" b="0" i="1" smtClean="0">
+                                                  <a:solidFill>
+                                                    <a:schemeClr val="tx1"/>
+                                                  </a:solidFill>
+                                                  <a:latin typeface="Cambria Math" panose="02040503050406030204" pitchFamily="18" charset="0"/>
+                                                </a:rPr>
+                                                <m:t>𝑟</m:t>
+                                              </m:r>
+                                            </m:e>
+                                            <m:sub>
+                                              <m:r>
+                                                <m:rPr>
+                                                  <m:brk m:alnAt="7"/>
+                                                </m:rPr>
+                                                <a:rPr lang="en-US" altLang="ko-KR" sz="1200" b="0" i="1" smtClean="0">
+                                                  <a:solidFill>
+                                                    <a:schemeClr val="tx1"/>
+                                                  </a:solidFill>
+                                                  <a:latin typeface="Cambria Math" panose="02040503050406030204" pitchFamily="18" charset="0"/>
+                                                </a:rPr>
+                                                <m:t>𝑡</m:t>
+                                              </m:r>
+                                            </m:sub>
+                                            <m:sup>
+                                              <m:r>
+                                                <a:rPr lang="en-US" altLang="ko-KR" sz="1200" b="0" i="1" smtClean="0">
+                                                  <a:solidFill>
+                                                    <a:schemeClr val="tx1"/>
+                                                  </a:solidFill>
+                                                  <a:latin typeface="Cambria Math" panose="02040503050406030204" pitchFamily="18" charset="0"/>
+                                                </a:rPr>
+                                                <m:t>𝑏𝑜𝑑𝑦</m:t>
+                                              </m:r>
+                                            </m:sup>
+                                          </m:sSubSup>
+                                        </m:e>
+                                        <m:e>
+                                          <m:sSubSup>
+                                            <m:sSubSupPr>
+                                              <m:ctrlPr>
+                                                <a:rPr lang="en-US" altLang="ko-KR" sz="1200" b="0" i="1" smtClean="0">
+                                                  <a:solidFill>
+                                                    <a:schemeClr val="tx1"/>
+                                                  </a:solidFill>
+                                                  <a:latin typeface="Cambria Math" panose="02040503050406030204" pitchFamily="18" charset="0"/>
+                                                </a:rPr>
+                                              </m:ctrlPr>
+                                            </m:sSubSupPr>
+                                            <m:e>
+                                              <m:r>
+                                                <a:rPr lang="en-US" altLang="ko-KR" sz="1200" b="0" i="1" smtClean="0">
+                                                  <a:solidFill>
+                                                    <a:schemeClr val="tx1"/>
+                                                  </a:solidFill>
+                                                  <a:latin typeface="Cambria Math" panose="02040503050406030204" pitchFamily="18" charset="0"/>
+                                                </a:rPr>
+                                                <m:t>𝑝</m:t>
+                                              </m:r>
+                                            </m:e>
+                                            <m:sub>
+                                              <m:r>
+                                                <a:rPr lang="en-US" altLang="ko-KR" sz="1200" b="0" i="1" smtClean="0">
+                                                  <a:solidFill>
+                                                    <a:schemeClr val="tx1"/>
+                                                  </a:solidFill>
+                                                  <a:latin typeface="Cambria Math" panose="02040503050406030204" pitchFamily="18" charset="0"/>
+                                                </a:rPr>
+                                                <m:t>𝑡</m:t>
+                                              </m:r>
+                                            </m:sub>
+                                            <m:sup>
+                                              <m:r>
+                                                <a:rPr lang="en-US" altLang="ko-KR" sz="1200" b="0" i="1" smtClean="0">
+                                                  <a:solidFill>
+                                                    <a:schemeClr val="tx1"/>
+                                                  </a:solidFill>
+                                                  <a:latin typeface="Cambria Math" panose="02040503050406030204" pitchFamily="18" charset="0"/>
+                                                </a:rPr>
+                                                <m:t>𝑏𝑜𝑑𝑦</m:t>
+                                              </m:r>
+                                            </m:sup>
+                                          </m:sSubSup>
+                                        </m:e>
+                                      </m:mr>
+                                    </m:m>
+                                  </m:e>
+                                </m:d>
+                              </m:oMath>
+                            </m:oMathPara>
+                          </a14:m>
+                          <a:endParaRPr lang="ko-KR" altLang="en-US" sz="1200" b="0" dirty="0">
+                            <a:solidFill>
+                              <a:schemeClr val="tx1"/>
+                            </a:solidFill>
+                          </a:endParaRPr>
+                        </a:p>
+                      </a:txBody>
+                      <a:tcPr anchor="ctr">
+                        <a:lnL w="3175" cap="flat" cmpd="sng" algn="ctr">
+                          <a:solidFill>
+                            <a:schemeClr val="tx1"/>
+                          </a:solidFill>
+                          <a:prstDash val="dot"/>
+                          <a:round/>
+                          <a:headEnd type="none" w="med" len="med"/>
+                          <a:tailEnd type="none" w="med" len="med"/>
+                        </a:lnL>
+                        <a:lnR w="3175" cap="flat" cmpd="sng" algn="ctr">
+                          <a:solidFill>
+                            <a:schemeClr val="tx1"/>
+                          </a:solidFill>
+                          <a:prstDash val="dot"/>
+                          <a:round/>
+                          <a:headEnd type="none" w="med" len="med"/>
+                          <a:tailEnd type="none" w="med" len="med"/>
+                        </a:lnR>
+                        <a:lnT w="12700" cap="flat" cmpd="sng" algn="ctr">
+                          <a:solidFill>
+                            <a:schemeClr val="tx1"/>
+                          </a:solidFill>
+                          <a:prstDash val="solid"/>
+                          <a:round/>
+                          <a:headEnd type="none" w="med" len="med"/>
+                          <a:tailEnd type="none" w="med" len="med"/>
+                        </a:lnT>
+                        <a:lnB w="12700" cap="flat" cmpd="sng" algn="ctr">
+                          <a:noFill/>
+                          <a:prstDash val="solid"/>
+                          <a:round/>
+                          <a:headEnd type="none" w="med" len="med"/>
+                          <a:tailEnd type="none" w="med" len="med"/>
+                        </a:lnB>
+                        <a:lnTlToBr w="12700" cmpd="sng">
+                          <a:noFill/>
+                          <a:prstDash val="solid"/>
+                        </a:lnTlToBr>
+                        <a:lnBlToTr w="12700" cmpd="sng">
+                          <a:noFill/>
+                          <a:prstDash val="solid"/>
+                        </a:lnBlToTr>
+                        <a:solidFill>
+                          <a:schemeClr val="bg1"/>
+                        </a:solidFill>
+                      </a:tcPr>
+                    </a:tc>
+                    <a:tc>
+                      <a:txBody>
+                        <a:bodyPr/>
+                        <a:lstStyle/>
+                        <a:p>
+                          <a:pPr algn="ctr" latinLnBrk="1"/>
+                          <a:r>
+                            <a:rPr lang="en-US" altLang="ko-KR" sz="1200" b="0" dirty="0">
+                              <a:solidFill>
+                                <a:schemeClr val="tx1"/>
+                              </a:solidFill>
+                            </a:rPr>
+                            <a:t>Roll and Pitch angle of the vehicle body at time </a:t>
+                          </a:r>
+                          <a14:m>
+                            <m:oMath xmlns:m="http://schemas.openxmlformats.org/officeDocument/2006/math">
                               <m:r>
-                                <m:rPr>
-                                  <m:brk m:alnAt="7"/>
-                                </m:rPr>
-                                <a:rPr lang="en-US" altLang="ko-KR" b="0" i="1" smtClean="0">
+                                <a:rPr lang="en-US" altLang="ko-KR" sz="1200" b="0" i="1" smtClean="0">
+                                  <a:solidFill>
+                                    <a:schemeClr val="tx1"/>
+                                  </a:solidFill>
                                   <a:latin typeface="Cambria Math" panose="02040503050406030204" pitchFamily="18" charset="0"/>
                                 </a:rPr>
-                                <m:t>𝑎</m:t>
+                                <m:t>𝑡</m:t>
                               </m:r>
+                            </m:oMath>
+                          </a14:m>
+                          <a:endParaRPr lang="ko-KR" altLang="en-US" sz="1200" b="0" dirty="0">
+                            <a:solidFill>
+                              <a:schemeClr val="tx1"/>
+                            </a:solidFill>
+                          </a:endParaRPr>
+                        </a:p>
+                      </a:txBody>
+                      <a:tcPr anchor="ctr">
+                        <a:lnL w="3175" cap="flat" cmpd="sng" algn="ctr">
+                          <a:solidFill>
+                            <a:schemeClr val="tx1"/>
+                          </a:solidFill>
+                          <a:prstDash val="dot"/>
+                          <a:round/>
+                          <a:headEnd type="none" w="med" len="med"/>
+                          <a:tailEnd type="none" w="med" len="med"/>
+                        </a:lnL>
+                        <a:lnR w="12700" cap="flat" cmpd="sng" algn="ctr">
+                          <a:noFill/>
+                          <a:prstDash val="solid"/>
+                          <a:round/>
+                          <a:headEnd type="none" w="med" len="med"/>
+                          <a:tailEnd type="none" w="med" len="med"/>
+                        </a:lnR>
+                        <a:lnT w="12700" cap="flat" cmpd="sng" algn="ctr">
+                          <a:solidFill>
+                            <a:schemeClr val="tx1"/>
+                          </a:solidFill>
+                          <a:prstDash val="solid"/>
+                          <a:round/>
+                          <a:headEnd type="none" w="med" len="med"/>
+                          <a:tailEnd type="none" w="med" len="med"/>
+                        </a:lnT>
+                        <a:lnB w="12700" cap="flat" cmpd="sng" algn="ctr">
+                          <a:noFill/>
+                          <a:prstDash val="solid"/>
+                          <a:round/>
+                          <a:headEnd type="none" w="med" len="med"/>
+                          <a:tailEnd type="none" w="med" len="med"/>
+                        </a:lnB>
+                        <a:lnTlToBr w="12700" cmpd="sng">
+                          <a:noFill/>
+                          <a:prstDash val="solid"/>
+                        </a:lnTlToBr>
+                        <a:lnBlToTr w="12700" cmpd="sng">
+                          <a:noFill/>
+                          <a:prstDash val="solid"/>
+                        </a:lnBlToTr>
+                        <a:solidFill>
+                          <a:schemeClr val="bg1"/>
+                        </a:solidFill>
+                      </a:tcPr>
+                    </a:tc>
+                    <a:extLst>
+                      <a:ext uri="{0D108BD9-81ED-4DB2-BD59-A6C34878D82A}">
+                        <a16:rowId xmlns:a16="http://schemas.microsoft.com/office/drawing/2014/main" val="2428149563"/>
+                      </a:ext>
+                    </a:extLst>
+                  </a:tr>
+                  <a:tr h="370840">
+                    <a:tc vMerge="1">
+                      <a:txBody>
+                        <a:bodyPr/>
+                        <a:lstStyle/>
+                        <a:p>
+                          <a:pPr algn="ctr" latinLnBrk="1"/>
+                          <a:endParaRPr lang="ko-KR" altLang="en-US" sz="1200" dirty="0"/>
+                        </a:p>
+                      </a:txBody>
+                      <a:tcPr>
+                        <a:lnL w="12700" cap="flat" cmpd="sng" algn="ctr">
+                          <a:noFill/>
+                          <a:prstDash val="solid"/>
+                          <a:round/>
+                          <a:headEnd type="none" w="med" len="med"/>
+                          <a:tailEnd type="none" w="med" len="med"/>
+                        </a:lnL>
+                        <a:lnR w="3175" cap="flat" cmpd="sng" algn="ctr">
+                          <a:solidFill>
+                            <a:schemeClr val="tx1"/>
+                          </a:solidFill>
+                          <a:prstDash val="dot"/>
+                          <a:round/>
+                          <a:headEnd type="none" w="med" len="med"/>
+                          <a:tailEnd type="none" w="med" len="med"/>
+                        </a:lnR>
+                        <a:lnT w="12700" cap="flat" cmpd="sng" algn="ctr">
+                          <a:noFill/>
+                          <a:prstDash val="solid"/>
+                          <a:round/>
+                          <a:headEnd type="none" w="med" len="med"/>
+                          <a:tailEnd type="none" w="med" len="med"/>
+                        </a:lnT>
+                        <a:lnB w="12700" cap="flat" cmpd="sng" algn="ctr">
+                          <a:noFill/>
+                          <a:prstDash val="solid"/>
+                          <a:round/>
+                          <a:headEnd type="none" w="med" len="med"/>
+                          <a:tailEnd type="none" w="med" len="med"/>
+                        </a:lnB>
+                        <a:lnTlToBr w="12700" cmpd="sng">
+                          <a:noFill/>
+                          <a:prstDash val="solid"/>
+                        </a:lnTlToBr>
+                        <a:lnBlToTr w="12700" cmpd="sng">
+                          <a:noFill/>
+                          <a:prstDash val="solid"/>
+                        </a:lnBlToTr>
+                        <a:solidFill>
+                          <a:schemeClr val="bg1"/>
+                        </a:solidFill>
+                      </a:tcPr>
+                    </a:tc>
+                    <a:tc>
+                      <a:txBody>
+                        <a:bodyPr/>
+                        <a:lstStyle/>
+                        <a:p>
+                          <a:pPr algn="ctr" latinLnBrk="1"/>
+                          <a:r>
+                            <a:rPr lang="en-US" altLang="ko-KR" sz="1200" b="0" dirty="0">
+                              <a:solidFill>
+                                <a:schemeClr val="tx1"/>
+                              </a:solidFill>
+                            </a:rPr>
+                            <a:t>Vehicle Status</a:t>
+                          </a:r>
+                          <a:endParaRPr lang="ko-KR" altLang="en-US" sz="1200" b="0" dirty="0">
+                            <a:solidFill>
+                              <a:schemeClr val="tx1"/>
+                            </a:solidFill>
+                          </a:endParaRPr>
+                        </a:p>
+                      </a:txBody>
+                      <a:tcPr anchor="ctr">
+                        <a:lnL w="3175" cap="flat" cmpd="sng" algn="ctr">
+                          <a:solidFill>
+                            <a:schemeClr val="tx1"/>
+                          </a:solidFill>
+                          <a:prstDash val="dot"/>
+                          <a:round/>
+                          <a:headEnd type="none" w="med" len="med"/>
+                          <a:tailEnd type="none" w="med" len="med"/>
+                        </a:lnL>
+                        <a:lnR w="3175" cap="flat" cmpd="sng" algn="ctr">
+                          <a:solidFill>
+                            <a:schemeClr val="tx1"/>
+                          </a:solidFill>
+                          <a:prstDash val="dot"/>
+                          <a:round/>
+                          <a:headEnd type="none" w="med" len="med"/>
+                          <a:tailEnd type="none" w="med" len="med"/>
+                        </a:lnR>
+                        <a:lnT w="12700" cap="flat" cmpd="sng" algn="ctr">
+                          <a:noFill/>
+                          <a:prstDash val="solid"/>
+                          <a:round/>
+                          <a:headEnd type="none" w="med" len="med"/>
+                          <a:tailEnd type="none" w="med" len="med"/>
+                        </a:lnT>
+                        <a:lnB w="12700" cap="flat" cmpd="sng" algn="ctr">
+                          <a:solidFill>
+                            <a:schemeClr val="tx1"/>
+                          </a:solidFill>
+                          <a:prstDash val="solid"/>
+                          <a:round/>
+                          <a:headEnd type="none" w="med" len="med"/>
+                          <a:tailEnd type="none" w="med" len="med"/>
+                        </a:lnB>
+                        <a:lnTlToBr w="12700" cmpd="sng">
+                          <a:noFill/>
+                          <a:prstDash val="solid"/>
+                        </a:lnTlToBr>
+                        <a:lnBlToTr w="12700" cmpd="sng">
+                          <a:noFill/>
+                          <a:prstDash val="solid"/>
+                        </a:lnBlToTr>
+                        <a:solidFill>
+                          <a:schemeClr val="bg1"/>
+                        </a:solidFill>
+                      </a:tcPr>
+                    </a:tc>
+                    <a:tc>
+                      <a:txBody>
+                        <a:bodyPr/>
+                        <a:lstStyle/>
+                        <a:p>
+                          <a:pPr marL="0" marR="0" lvl="0" indent="0" algn="ctr" defTabSz="914400" rtl="0" eaLnBrk="1" fontAlgn="auto" latinLnBrk="1" hangingPunct="1">
+                            <a:lnSpc>
+                              <a:spcPct val="100000"/>
+                            </a:lnSpc>
+                            <a:spcBef>
+                              <a:spcPts val="0"/>
+                            </a:spcBef>
+                            <a:spcAft>
+                              <a:spcPts val="0"/>
+                            </a:spcAft>
+                            <a:buClrTx/>
+                            <a:buSzTx/>
+                            <a:buFontTx/>
+                            <a:buNone/>
+                            <a:tabLst/>
+                            <a:defRPr/>
+                          </a:pPr>
+                          <a14:m>
+                            <m:oMathPara xmlns:m="http://schemas.openxmlformats.org/officeDocument/2006/math">
+                              <m:oMathParaPr>
+                                <m:jc m:val="centerGroup"/>
+                              </m:oMathParaPr>
+                              <m:oMath xmlns:m="http://schemas.openxmlformats.org/officeDocument/2006/math">
+                                <m:sSubSup>
+                                  <m:sSubSupPr>
+                                    <m:ctrlPr>
+                                      <a:rPr lang="en-US" altLang="ko-KR" sz="1200" b="0" i="1" smtClean="0">
+                                        <a:solidFill>
+                                          <a:schemeClr val="tx1"/>
+                                        </a:solidFill>
+                                        <a:latin typeface="Cambria Math" panose="02040503050406030204" pitchFamily="18" charset="0"/>
+                                      </a:rPr>
+                                    </m:ctrlPr>
+                                  </m:sSubSupPr>
+                                  <m:e>
+                                    <m:r>
+                                      <a:rPr lang="en-US" altLang="ko-KR" sz="1200" b="0" i="1" smtClean="0">
+                                        <a:solidFill>
+                                          <a:schemeClr val="tx1"/>
+                                        </a:solidFill>
+                                        <a:latin typeface="Cambria Math" panose="02040503050406030204" pitchFamily="18" charset="0"/>
+                                      </a:rPr>
+                                      <m:t>𝑠</m:t>
+                                    </m:r>
+                                  </m:e>
+                                  <m:sub>
+                                    <m:r>
+                                      <a:rPr lang="en-US" altLang="ko-KR" sz="1200" b="0" i="1" smtClean="0">
+                                        <a:solidFill>
+                                          <a:schemeClr val="tx1"/>
+                                        </a:solidFill>
+                                        <a:latin typeface="Cambria Math" panose="02040503050406030204" pitchFamily="18" charset="0"/>
+                                      </a:rPr>
+                                      <m:t>𝑡</m:t>
+                                    </m:r>
+                                  </m:sub>
+                                  <m:sup>
+                                    <m:r>
+                                      <a:rPr lang="en-US" altLang="ko-KR" sz="1200" b="0" i="1" smtClean="0">
+                                        <a:solidFill>
+                                          <a:schemeClr val="tx1"/>
+                                        </a:solidFill>
+                                        <a:latin typeface="Cambria Math" panose="02040503050406030204" pitchFamily="18" charset="0"/>
+                                      </a:rPr>
+                                      <m:t>𝑣𝑒h</m:t>
+                                    </m:r>
+                                  </m:sup>
+                                </m:sSubSup>
+                              </m:oMath>
+                            </m:oMathPara>
+                          </a14:m>
+                          <a:endParaRPr lang="ko-KR" altLang="en-US" sz="1200" b="0" dirty="0">
+                            <a:solidFill>
+                              <a:schemeClr val="tx1"/>
+                            </a:solidFill>
+                          </a:endParaRPr>
+                        </a:p>
+                      </a:txBody>
+                      <a:tcPr anchor="ctr">
+                        <a:lnL w="3175" cap="flat" cmpd="sng" algn="ctr">
+                          <a:solidFill>
+                            <a:schemeClr val="tx1"/>
+                          </a:solidFill>
+                          <a:prstDash val="dot"/>
+                          <a:round/>
+                          <a:headEnd type="none" w="med" len="med"/>
+                          <a:tailEnd type="none" w="med" len="med"/>
+                        </a:lnL>
+                        <a:lnR w="3175" cap="flat" cmpd="sng" algn="ctr">
+                          <a:solidFill>
+                            <a:schemeClr val="tx1"/>
+                          </a:solidFill>
+                          <a:prstDash val="dot"/>
+                          <a:round/>
+                          <a:headEnd type="none" w="med" len="med"/>
+                          <a:tailEnd type="none" w="med" len="med"/>
+                        </a:lnR>
+                        <a:lnT w="12700" cap="flat" cmpd="sng" algn="ctr">
+                          <a:noFill/>
+                          <a:prstDash val="solid"/>
+                          <a:round/>
+                          <a:headEnd type="none" w="med" len="med"/>
+                          <a:tailEnd type="none" w="med" len="med"/>
+                        </a:lnT>
+                        <a:lnB w="12700" cap="flat" cmpd="sng" algn="ctr">
+                          <a:solidFill>
+                            <a:schemeClr val="tx1"/>
+                          </a:solidFill>
+                          <a:prstDash val="solid"/>
+                          <a:round/>
+                          <a:headEnd type="none" w="med" len="med"/>
+                          <a:tailEnd type="none" w="med" len="med"/>
+                        </a:lnB>
+                        <a:lnTlToBr w="12700" cmpd="sng">
+                          <a:noFill/>
+                          <a:prstDash val="solid"/>
+                        </a:lnTlToBr>
+                        <a:lnBlToTr w="12700" cmpd="sng">
+                          <a:noFill/>
+                          <a:prstDash val="solid"/>
+                        </a:lnBlToTr>
+                        <a:solidFill>
+                          <a:schemeClr val="bg1"/>
+                        </a:solidFill>
+                      </a:tcPr>
+                    </a:tc>
+                    <a:tc>
+                      <a:txBody>
+                        <a:bodyPr/>
+                        <a:lstStyle/>
+                        <a:p>
+                          <a:pPr algn="ctr" latinLnBrk="1"/>
+                          <a14:m>
+                            <m:oMathPara xmlns:m="http://schemas.openxmlformats.org/officeDocument/2006/math">
+                              <m:oMathParaPr>
+                                <m:jc m:val="centerGroup"/>
+                              </m:oMathParaPr>
+                              <m:oMath xmlns:m="http://schemas.openxmlformats.org/officeDocument/2006/math">
+                                <m:d>
+                                  <m:dPr>
+                                    <m:begChr m:val="{"/>
+                                    <m:endChr m:val="}"/>
+                                    <m:ctrlPr>
+                                      <a:rPr lang="en-US" altLang="ko-KR" sz="1200" b="0" i="1" smtClean="0">
+                                        <a:solidFill>
+                                          <a:schemeClr val="tx1"/>
+                                        </a:solidFill>
+                                        <a:latin typeface="Cambria Math" panose="02040503050406030204" pitchFamily="18" charset="0"/>
+                                      </a:rPr>
+                                    </m:ctrlPr>
+                                  </m:dPr>
+                                  <m:e>
+                                    <m:m>
+                                      <m:mPr>
+                                        <m:mcs>
+                                          <m:mc>
+                                            <m:mcPr>
+                                              <m:count m:val="3"/>
+                                              <m:mcJc m:val="center"/>
+                                            </m:mcPr>
+                                          </m:mc>
+                                        </m:mcs>
+                                        <m:ctrlPr>
+                                          <a:rPr lang="en-US" altLang="ko-KR" sz="1200" b="0" i="1" smtClean="0">
+                                            <a:solidFill>
+                                              <a:schemeClr val="tx1"/>
+                                            </a:solidFill>
+                                            <a:latin typeface="Cambria Math" panose="02040503050406030204" pitchFamily="18" charset="0"/>
+                                          </a:rPr>
+                                        </m:ctrlPr>
+                                      </m:mPr>
+                                      <m:mr>
+                                        <m:e>
+                                          <m:r>
+                                            <m:rPr>
+                                              <m:brk m:alnAt="7"/>
+                                            </m:rPr>
+                                            <a:rPr lang="en-US" altLang="ko-KR" sz="1200" b="0" i="1" smtClean="0">
+                                              <a:solidFill>
+                                                <a:schemeClr val="tx1"/>
+                                              </a:solidFill>
+                                              <a:latin typeface="Cambria Math" panose="02040503050406030204" pitchFamily="18" charset="0"/>
+                                            </a:rPr>
+                                            <m:t>𝑣</m:t>
+                                          </m:r>
+                                          <m:sSubSup>
+                                            <m:sSubSupPr>
+                                              <m:ctrlPr>
+                                                <a:rPr lang="en-US" altLang="ko-KR" sz="1200" b="0" i="1" smtClean="0">
+                                                  <a:solidFill>
+                                                    <a:schemeClr val="tx1"/>
+                                                  </a:solidFill>
+                                                  <a:latin typeface="Cambria Math" panose="02040503050406030204" pitchFamily="18" charset="0"/>
+                                                </a:rPr>
+                                              </m:ctrlPr>
+                                            </m:sSubSupPr>
+                                            <m:e>
+                                              <m:r>
+                                                <m:rPr>
+                                                  <m:brk m:alnAt="7"/>
+                                                </m:rPr>
+                                                <a:rPr lang="en-US" altLang="ko-KR" sz="1200" b="0" i="1" smtClean="0">
+                                                  <a:solidFill>
+                                                    <a:schemeClr val="tx1"/>
+                                                  </a:solidFill>
+                                                  <a:latin typeface="Cambria Math" panose="02040503050406030204" pitchFamily="18" charset="0"/>
+                                                </a:rPr>
+                                                <m:t>𝑥</m:t>
+                                              </m:r>
+                                            </m:e>
+                                            <m:sub>
+                                              <m:r>
+                                                <m:rPr>
+                                                  <m:brk m:alnAt="7"/>
+                                                </m:rPr>
+                                                <a:rPr lang="en-US" altLang="ko-KR" sz="1200" b="0" i="1" smtClean="0">
+                                                  <a:solidFill>
+                                                    <a:schemeClr val="tx1"/>
+                                                  </a:solidFill>
+                                                  <a:latin typeface="Cambria Math" panose="02040503050406030204" pitchFamily="18" charset="0"/>
+                                                </a:rPr>
+                                                <m:t>𝑡</m:t>
+                                              </m:r>
+                                            </m:sub>
+                                            <m:sup>
+                                              <m:r>
+                                                <a:rPr lang="en-US" altLang="ko-KR" sz="1200" b="0" i="1" smtClean="0">
+                                                  <a:solidFill>
+                                                    <a:schemeClr val="tx1"/>
+                                                  </a:solidFill>
+                                                  <a:latin typeface="Cambria Math" panose="02040503050406030204" pitchFamily="18" charset="0"/>
+                                                </a:rPr>
+                                                <m:t>𝑣𝑒h</m:t>
+                                              </m:r>
+                                            </m:sup>
+                                          </m:sSubSup>
+                                        </m:e>
+                                        <m:e>
+                                          <m:r>
+                                            <a:rPr lang="en-US" altLang="ko-KR" sz="1200" b="0" i="1" smtClean="0">
+                                              <a:solidFill>
+                                                <a:schemeClr val="tx1"/>
+                                              </a:solidFill>
+                                              <a:latin typeface="Cambria Math" panose="02040503050406030204" pitchFamily="18" charset="0"/>
+                                            </a:rPr>
+                                            <m:t>𝑣</m:t>
+                                          </m:r>
+                                          <m:sSubSup>
+                                            <m:sSubSupPr>
+                                              <m:ctrlPr>
+                                                <a:rPr lang="en-US" altLang="ko-KR" sz="1200" b="0" i="1" smtClean="0">
+                                                  <a:solidFill>
+                                                    <a:schemeClr val="tx1"/>
+                                                  </a:solidFill>
+                                                  <a:latin typeface="Cambria Math" panose="02040503050406030204" pitchFamily="18" charset="0"/>
+                                                </a:rPr>
+                                              </m:ctrlPr>
+                                            </m:sSubSupPr>
+                                            <m:e>
+                                              <m:r>
+                                                <a:rPr lang="en-US" altLang="ko-KR" sz="1200" b="0" i="1" smtClean="0">
+                                                  <a:solidFill>
+                                                    <a:schemeClr val="tx1"/>
+                                                  </a:solidFill>
+                                                  <a:latin typeface="Cambria Math" panose="02040503050406030204" pitchFamily="18" charset="0"/>
+                                                </a:rPr>
+                                                <m:t>𝑦</m:t>
+                                              </m:r>
+                                            </m:e>
+                                            <m:sub>
+                                              <m:r>
+                                                <a:rPr lang="en-US" altLang="ko-KR" sz="1200" b="0" i="1" smtClean="0">
+                                                  <a:solidFill>
+                                                    <a:schemeClr val="tx1"/>
+                                                  </a:solidFill>
+                                                  <a:latin typeface="Cambria Math" panose="02040503050406030204" pitchFamily="18" charset="0"/>
+                                                </a:rPr>
+                                                <m:t>𝑡</m:t>
+                                              </m:r>
+                                            </m:sub>
+                                            <m:sup>
+                                              <m:r>
+                                                <a:rPr lang="en-US" altLang="ko-KR" sz="1200" b="0" i="1" smtClean="0">
+                                                  <a:solidFill>
+                                                    <a:schemeClr val="tx1"/>
+                                                  </a:solidFill>
+                                                  <a:latin typeface="Cambria Math" panose="02040503050406030204" pitchFamily="18" charset="0"/>
+                                                </a:rPr>
+                                                <m:t>𝑣𝑒h</m:t>
+                                              </m:r>
+                                            </m:sup>
+                                          </m:sSubSup>
+                                        </m:e>
+                                        <m:e>
+                                          <m:sSubSup>
+                                            <m:sSubSupPr>
+                                              <m:ctrlPr>
+                                                <a:rPr lang="en-US" altLang="ko-KR" sz="1200" b="0" i="1" smtClean="0">
+                                                  <a:solidFill>
+                                                    <a:schemeClr val="tx1"/>
+                                                  </a:solidFill>
+                                                  <a:latin typeface="Cambria Math" panose="02040503050406030204" pitchFamily="18" charset="0"/>
+                                                </a:rPr>
+                                              </m:ctrlPr>
+                                            </m:sSubSupPr>
+                                            <m:e>
+                                              <m:r>
+                                                <a:rPr lang="ko-KR" altLang="en-US" sz="1200" b="0" i="1" smtClean="0">
+                                                  <a:solidFill>
+                                                    <a:schemeClr val="tx1"/>
+                                                  </a:solidFill>
+                                                  <a:latin typeface="Cambria Math" panose="02040503050406030204" pitchFamily="18" charset="0"/>
+                                                </a:rPr>
+                                                <m:t>𝜔</m:t>
+                                              </m:r>
+                                            </m:e>
+                                            <m:sub>
+                                              <m:r>
+                                                <a:rPr lang="en-US" altLang="ko-KR" sz="1200" b="0" i="1" smtClean="0">
+                                                  <a:solidFill>
+                                                    <a:schemeClr val="tx1"/>
+                                                  </a:solidFill>
+                                                  <a:latin typeface="Cambria Math" panose="02040503050406030204" pitchFamily="18" charset="0"/>
+                                                </a:rPr>
+                                                <m:t>𝑡</m:t>
+                                              </m:r>
+                                            </m:sub>
+                                            <m:sup>
+                                              <m:r>
+                                                <a:rPr lang="en-US" altLang="ko-KR" sz="1200" b="0" i="1" smtClean="0">
+                                                  <a:solidFill>
+                                                    <a:schemeClr val="tx1"/>
+                                                  </a:solidFill>
+                                                  <a:latin typeface="Cambria Math" panose="02040503050406030204" pitchFamily="18" charset="0"/>
+                                                </a:rPr>
+                                                <m:t>𝑣𝑒h</m:t>
+                                              </m:r>
+                                            </m:sup>
+                                          </m:sSubSup>
+                                        </m:e>
+                                      </m:mr>
+                                    </m:m>
+                                  </m:e>
+                                </m:d>
+                              </m:oMath>
+                            </m:oMathPara>
+                          </a14:m>
+                          <a:endParaRPr lang="ko-KR" altLang="en-US" sz="1200" b="0" dirty="0">
+                            <a:solidFill>
+                              <a:schemeClr val="tx1"/>
+                            </a:solidFill>
+                          </a:endParaRPr>
+                        </a:p>
+                      </a:txBody>
+                      <a:tcPr anchor="ctr">
+                        <a:lnL w="3175" cap="flat" cmpd="sng" algn="ctr">
+                          <a:solidFill>
+                            <a:schemeClr val="tx1"/>
+                          </a:solidFill>
+                          <a:prstDash val="dot"/>
+                          <a:round/>
+                          <a:headEnd type="none" w="med" len="med"/>
+                          <a:tailEnd type="none" w="med" len="med"/>
+                        </a:lnL>
+                        <a:lnR w="3175" cap="flat" cmpd="sng" algn="ctr">
+                          <a:solidFill>
+                            <a:schemeClr val="tx1"/>
+                          </a:solidFill>
+                          <a:prstDash val="dot"/>
+                          <a:round/>
+                          <a:headEnd type="none" w="med" len="med"/>
+                          <a:tailEnd type="none" w="med" len="med"/>
+                        </a:lnR>
+                        <a:lnT w="12700" cap="flat" cmpd="sng" algn="ctr">
+                          <a:noFill/>
+                          <a:prstDash val="solid"/>
+                          <a:round/>
+                          <a:headEnd type="none" w="med" len="med"/>
+                          <a:tailEnd type="none" w="med" len="med"/>
+                        </a:lnT>
+                        <a:lnB w="12700" cap="flat" cmpd="sng" algn="ctr">
+                          <a:solidFill>
+                            <a:schemeClr val="tx1"/>
+                          </a:solidFill>
+                          <a:prstDash val="solid"/>
+                          <a:round/>
+                          <a:headEnd type="none" w="med" len="med"/>
+                          <a:tailEnd type="none" w="med" len="med"/>
+                        </a:lnB>
+                        <a:lnTlToBr w="12700" cmpd="sng">
+                          <a:noFill/>
+                          <a:prstDash val="solid"/>
+                        </a:lnTlToBr>
+                        <a:lnBlToTr w="12700" cmpd="sng">
+                          <a:noFill/>
+                          <a:prstDash val="solid"/>
+                        </a:lnBlToTr>
+                        <a:solidFill>
+                          <a:schemeClr val="bg1"/>
+                        </a:solidFill>
+                      </a:tcPr>
+                    </a:tc>
+                    <a:tc>
+                      <a:txBody>
+                        <a:bodyPr/>
+                        <a:lstStyle/>
+                        <a:p>
+                          <a:pPr algn="ctr" latinLnBrk="1"/>
+                          <a:r>
+                            <a:rPr lang="en-US" altLang="ko-KR" sz="1200" b="0" dirty="0">
+                              <a:solidFill>
+                                <a:schemeClr val="tx1"/>
+                              </a:solidFill>
+                            </a:rPr>
+                            <a:t>Longitudinal, Lateral and rotational speed of the vehicle at time </a:t>
+                          </a:r>
+                          <a14:m>
+                            <m:oMath xmlns:m="http://schemas.openxmlformats.org/officeDocument/2006/math">
                               <m:r>
-                                <a:rPr lang="en-US" altLang="ko-KR" b="0" i="1" smtClean="0">
+                                <a:rPr lang="en-US" altLang="ko-KR" sz="1200" b="0" i="1" smtClean="0">
+                                  <a:solidFill>
+                                    <a:schemeClr val="tx1"/>
+                                  </a:solidFill>
                                   <a:latin typeface="Cambria Math" panose="02040503050406030204" pitchFamily="18" charset="0"/>
                                 </a:rPr>
-                                <m:t>𝑐𝑐𝑒</m:t>
+                                <m:t>𝑡</m:t>
                               </m:r>
-                              <m:sSub>
-                                <m:sSubPr>
+                            </m:oMath>
+                          </a14:m>
+                          <a:endParaRPr lang="ko-KR" altLang="en-US" sz="1200" b="0" dirty="0">
+                            <a:solidFill>
+                              <a:schemeClr val="tx1"/>
+                            </a:solidFill>
+                          </a:endParaRPr>
+                        </a:p>
+                      </a:txBody>
+                      <a:tcPr anchor="ctr">
+                        <a:lnL w="3175" cap="flat" cmpd="sng" algn="ctr">
+                          <a:solidFill>
+                            <a:schemeClr val="tx1"/>
+                          </a:solidFill>
+                          <a:prstDash val="dot"/>
+                          <a:round/>
+                          <a:headEnd type="none" w="med" len="med"/>
+                          <a:tailEnd type="none" w="med" len="med"/>
+                        </a:lnL>
+                        <a:lnR w="12700" cap="flat" cmpd="sng" algn="ctr">
+                          <a:noFill/>
+                          <a:prstDash val="solid"/>
+                          <a:round/>
+                          <a:headEnd type="none" w="med" len="med"/>
+                          <a:tailEnd type="none" w="med" len="med"/>
+                        </a:lnR>
+                        <a:lnT w="12700" cap="flat" cmpd="sng" algn="ctr">
+                          <a:noFill/>
+                          <a:prstDash val="solid"/>
+                          <a:round/>
+                          <a:headEnd type="none" w="med" len="med"/>
+                          <a:tailEnd type="none" w="med" len="med"/>
+                        </a:lnT>
+                        <a:lnB w="12700" cap="flat" cmpd="sng" algn="ctr">
+                          <a:solidFill>
+                            <a:schemeClr val="tx1"/>
+                          </a:solidFill>
+                          <a:prstDash val="solid"/>
+                          <a:round/>
+                          <a:headEnd type="none" w="med" len="med"/>
+                          <a:tailEnd type="none" w="med" len="med"/>
+                        </a:lnB>
+                        <a:lnTlToBr w="12700" cmpd="sng">
+                          <a:noFill/>
+                          <a:prstDash val="solid"/>
+                        </a:lnTlToBr>
+                        <a:lnBlToTr w="12700" cmpd="sng">
+                          <a:noFill/>
+                          <a:prstDash val="solid"/>
+                        </a:lnBlToTr>
+                        <a:solidFill>
+                          <a:schemeClr val="bg1"/>
+                        </a:solidFill>
+                      </a:tcPr>
+                    </a:tc>
+                    <a:extLst>
+                      <a:ext uri="{0D108BD9-81ED-4DB2-BD59-A6C34878D82A}">
+                        <a16:rowId xmlns:a16="http://schemas.microsoft.com/office/drawing/2014/main" val="691107330"/>
+                      </a:ext>
+                    </a:extLst>
+                  </a:tr>
+                  <a:tr h="370840">
+                    <a:tc>
+                      <a:txBody>
+                        <a:bodyPr/>
+                        <a:lstStyle/>
+                        <a:p>
+                          <a:pPr algn="ctr" latinLnBrk="1"/>
+                          <a:r>
+                            <a:rPr lang="en-US" altLang="ko-KR" sz="1200" b="0" dirty="0">
+                              <a:solidFill>
+                                <a:schemeClr val="tx1"/>
+                              </a:solidFill>
+                            </a:rPr>
+                            <a:t>Input Parameters</a:t>
+                          </a:r>
+                          <a:endParaRPr lang="ko-KR" altLang="en-US" sz="1200" b="0" dirty="0">
+                            <a:solidFill>
+                              <a:schemeClr val="tx1"/>
+                            </a:solidFill>
+                          </a:endParaRPr>
+                        </a:p>
+                      </a:txBody>
+                      <a:tcPr anchor="ctr">
+                        <a:lnL w="12700" cap="flat" cmpd="sng" algn="ctr">
+                          <a:noFill/>
+                          <a:prstDash val="solid"/>
+                          <a:round/>
+                          <a:headEnd type="none" w="med" len="med"/>
+                          <a:tailEnd type="none" w="med" len="med"/>
+                        </a:lnL>
+                        <a:lnR w="3175" cap="flat" cmpd="sng" algn="ctr">
+                          <a:solidFill>
+                            <a:schemeClr val="tx1"/>
+                          </a:solidFill>
+                          <a:prstDash val="dot"/>
+                          <a:round/>
+                          <a:headEnd type="none" w="med" len="med"/>
+                          <a:tailEnd type="none" w="med" len="med"/>
+                        </a:lnR>
+                        <a:lnT w="12700" cap="flat" cmpd="sng" algn="ctr">
+                          <a:solidFill>
+                            <a:schemeClr val="tx1"/>
+                          </a:solidFill>
+                          <a:prstDash val="solid"/>
+                          <a:round/>
+                          <a:headEnd type="none" w="med" len="med"/>
+                          <a:tailEnd type="none" w="med" len="med"/>
+                        </a:lnT>
+                        <a:lnB w="12700" cap="flat" cmpd="sng" algn="ctr">
+                          <a:solidFill>
+                            <a:schemeClr val="tx1"/>
+                          </a:solidFill>
+                          <a:prstDash val="solid"/>
+                          <a:round/>
+                          <a:headEnd type="none" w="med" len="med"/>
+                          <a:tailEnd type="none" w="med" len="med"/>
+                        </a:lnB>
+                        <a:lnTlToBr w="12700" cmpd="sng">
+                          <a:noFill/>
+                          <a:prstDash val="solid"/>
+                        </a:lnTlToBr>
+                        <a:lnBlToTr w="12700" cmpd="sng">
+                          <a:noFill/>
+                          <a:prstDash val="solid"/>
+                        </a:lnBlToTr>
+                        <a:solidFill>
+                          <a:schemeClr val="bg1"/>
+                        </a:solidFill>
+                      </a:tcPr>
+                    </a:tc>
+                    <a:tc>
+                      <a:txBody>
+                        <a:bodyPr/>
+                        <a:lstStyle/>
+                        <a:p>
+                          <a:pPr algn="ctr" latinLnBrk="1"/>
+                          <a:r>
+                            <a:rPr lang="en-US" altLang="ko-KR" sz="1200" b="0" dirty="0">
+                              <a:solidFill>
+                                <a:schemeClr val="tx1"/>
+                              </a:solidFill>
+                            </a:rPr>
+                            <a:t>User Control Input</a:t>
+                          </a:r>
+                          <a:endParaRPr lang="ko-KR" altLang="en-US" sz="1200" b="0" dirty="0">
+                            <a:solidFill>
+                              <a:schemeClr val="tx1"/>
+                            </a:solidFill>
+                          </a:endParaRPr>
+                        </a:p>
+                      </a:txBody>
+                      <a:tcPr anchor="ctr">
+                        <a:lnL w="3175" cap="flat" cmpd="sng" algn="ctr">
+                          <a:solidFill>
+                            <a:schemeClr val="tx1"/>
+                          </a:solidFill>
+                          <a:prstDash val="dot"/>
+                          <a:round/>
+                          <a:headEnd type="none" w="med" len="med"/>
+                          <a:tailEnd type="none" w="med" len="med"/>
+                        </a:lnL>
+                        <a:lnR w="3175" cap="flat" cmpd="sng" algn="ctr">
+                          <a:solidFill>
+                            <a:schemeClr val="tx1"/>
+                          </a:solidFill>
+                          <a:prstDash val="dot"/>
+                          <a:round/>
+                          <a:headEnd type="none" w="med" len="med"/>
+                          <a:tailEnd type="none" w="med" len="med"/>
+                        </a:lnR>
+                        <a:lnT w="12700" cap="flat" cmpd="sng" algn="ctr">
+                          <a:solidFill>
+                            <a:schemeClr val="tx1"/>
+                          </a:solidFill>
+                          <a:prstDash val="solid"/>
+                          <a:round/>
+                          <a:headEnd type="none" w="med" len="med"/>
+                          <a:tailEnd type="none" w="med" len="med"/>
+                        </a:lnT>
+                        <a:lnB w="12700" cap="flat" cmpd="sng" algn="ctr">
+                          <a:solidFill>
+                            <a:schemeClr val="tx1"/>
+                          </a:solidFill>
+                          <a:prstDash val="solid"/>
+                          <a:round/>
+                          <a:headEnd type="none" w="med" len="med"/>
+                          <a:tailEnd type="none" w="med" len="med"/>
+                        </a:lnB>
+                        <a:lnTlToBr w="12700" cmpd="sng">
+                          <a:noFill/>
+                          <a:prstDash val="solid"/>
+                        </a:lnTlToBr>
+                        <a:lnBlToTr w="12700" cmpd="sng">
+                          <a:noFill/>
+                          <a:prstDash val="solid"/>
+                        </a:lnBlToTr>
+                        <a:solidFill>
+                          <a:schemeClr val="bg1"/>
+                        </a:solidFill>
+                      </a:tcPr>
+                    </a:tc>
+                    <a:tc>
+                      <a:txBody>
+                        <a:bodyPr/>
+                        <a:lstStyle/>
+                        <a:p>
+                          <a:pPr algn="ctr" latinLnBrk="1"/>
+                          <a14:m>
+                            <m:oMathPara xmlns:m="http://schemas.openxmlformats.org/officeDocument/2006/math">
+                              <m:oMathParaPr>
+                                <m:jc m:val="centerGroup"/>
+                              </m:oMathParaPr>
+                              <m:oMath xmlns:m="http://schemas.openxmlformats.org/officeDocument/2006/math">
+                                <m:sSub>
+                                  <m:sSubPr>
+                                    <m:ctrlPr>
+                                      <a:rPr lang="en-US" altLang="ko-KR" sz="1200" b="0" i="1" smtClean="0">
+                                        <a:solidFill>
+                                          <a:schemeClr val="tx1"/>
+                                        </a:solidFill>
+                                        <a:latin typeface="Cambria Math" panose="02040503050406030204" pitchFamily="18" charset="0"/>
+                                      </a:rPr>
+                                    </m:ctrlPr>
+                                  </m:sSubPr>
+                                  <m:e>
+                                    <m:r>
+                                      <a:rPr lang="en-US" altLang="ko-KR" sz="1200" b="0" i="1" smtClean="0">
+                                        <a:solidFill>
+                                          <a:schemeClr val="tx1"/>
+                                        </a:solidFill>
+                                        <a:latin typeface="Cambria Math" panose="02040503050406030204" pitchFamily="18" charset="0"/>
+                                      </a:rPr>
+                                      <m:t>𝑥</m:t>
+                                    </m:r>
+                                  </m:e>
+                                  <m:sub>
+                                    <m:r>
+                                      <a:rPr lang="en-US" altLang="ko-KR" sz="1200" b="0" i="1" smtClean="0">
+                                        <a:solidFill>
+                                          <a:schemeClr val="tx1"/>
+                                        </a:solidFill>
+                                        <a:latin typeface="Cambria Math" panose="02040503050406030204" pitchFamily="18" charset="0"/>
+                                      </a:rPr>
+                                      <m:t>𝑡</m:t>
+                                    </m:r>
+                                  </m:sub>
+                                </m:sSub>
+                              </m:oMath>
+                            </m:oMathPara>
+                          </a14:m>
+                          <a:endParaRPr lang="ko-KR" altLang="en-US" sz="1200" b="0" dirty="0">
+                            <a:solidFill>
+                              <a:schemeClr val="tx1"/>
+                            </a:solidFill>
+                          </a:endParaRPr>
+                        </a:p>
+                      </a:txBody>
+                      <a:tcPr anchor="ctr">
+                        <a:lnL w="3175" cap="flat" cmpd="sng" algn="ctr">
+                          <a:solidFill>
+                            <a:schemeClr val="tx1"/>
+                          </a:solidFill>
+                          <a:prstDash val="dot"/>
+                          <a:round/>
+                          <a:headEnd type="none" w="med" len="med"/>
+                          <a:tailEnd type="none" w="med" len="med"/>
+                        </a:lnL>
+                        <a:lnR w="3175" cap="flat" cmpd="sng" algn="ctr">
+                          <a:solidFill>
+                            <a:schemeClr val="tx1"/>
+                          </a:solidFill>
+                          <a:prstDash val="dot"/>
+                          <a:round/>
+                          <a:headEnd type="none" w="med" len="med"/>
+                          <a:tailEnd type="none" w="med" len="med"/>
+                        </a:lnR>
+                        <a:lnT w="12700" cap="flat" cmpd="sng" algn="ctr">
+                          <a:solidFill>
+                            <a:schemeClr val="tx1"/>
+                          </a:solidFill>
+                          <a:prstDash val="solid"/>
+                          <a:round/>
+                          <a:headEnd type="none" w="med" len="med"/>
+                          <a:tailEnd type="none" w="med" len="med"/>
+                        </a:lnT>
+                        <a:lnB w="12700" cap="flat" cmpd="sng" algn="ctr">
+                          <a:solidFill>
+                            <a:schemeClr val="tx1"/>
+                          </a:solidFill>
+                          <a:prstDash val="solid"/>
+                          <a:round/>
+                          <a:headEnd type="none" w="med" len="med"/>
+                          <a:tailEnd type="none" w="med" len="med"/>
+                        </a:lnB>
+                        <a:lnTlToBr w="12700" cmpd="sng">
+                          <a:noFill/>
+                          <a:prstDash val="solid"/>
+                        </a:lnTlToBr>
+                        <a:lnBlToTr w="12700" cmpd="sng">
+                          <a:noFill/>
+                          <a:prstDash val="solid"/>
+                        </a:lnBlToTr>
+                        <a:solidFill>
+                          <a:schemeClr val="bg1"/>
+                        </a:solidFill>
+                      </a:tcPr>
+                    </a:tc>
+                    <a:tc>
+                      <a:txBody>
+                        <a:bodyPr/>
+                        <a:lstStyle/>
+                        <a:p>
+                          <a:pPr algn="ctr" latinLnBrk="1"/>
+                          <a14:m>
+                            <m:oMathPara xmlns:m="http://schemas.openxmlformats.org/officeDocument/2006/math">
+                              <m:oMathParaPr>
+                                <m:jc m:val="centerGroup"/>
+                              </m:oMathParaPr>
+                              <m:oMath xmlns:m="http://schemas.openxmlformats.org/officeDocument/2006/math">
+                                <m:d>
+                                  <m:dPr>
+                                    <m:begChr m:val="{"/>
+                                    <m:endChr m:val="}"/>
+                                    <m:ctrlPr>
+                                      <a:rPr lang="en-US" altLang="ko-KR" sz="1200" b="0" i="1" smtClean="0">
+                                        <a:solidFill>
+                                          <a:schemeClr val="tx1"/>
+                                        </a:solidFill>
+                                        <a:latin typeface="Cambria Math" panose="02040503050406030204" pitchFamily="18" charset="0"/>
+                                      </a:rPr>
+                                    </m:ctrlPr>
+                                  </m:dPr>
+                                  <m:e>
+                                    <m:m>
+                                      <m:mPr>
+                                        <m:mcs>
+                                          <m:mc>
+                                            <m:mcPr>
+                                              <m:count m:val="3"/>
+                                              <m:mcJc m:val="center"/>
+                                            </m:mcPr>
+                                          </m:mc>
+                                        </m:mcs>
+                                        <m:ctrlPr>
+                                          <a:rPr lang="en-US" altLang="ko-KR" sz="1200" b="0" i="1" smtClean="0">
+                                            <a:solidFill>
+                                              <a:schemeClr val="tx1"/>
+                                            </a:solidFill>
+                                            <a:latin typeface="Cambria Math" panose="02040503050406030204" pitchFamily="18" charset="0"/>
+                                          </a:rPr>
+                                        </m:ctrlPr>
+                                      </m:mPr>
+                                      <m:mr>
+                                        <m:e>
+                                          <m:r>
+                                            <m:rPr>
+                                              <m:brk m:alnAt="7"/>
+                                            </m:rPr>
+                                            <a:rPr lang="en-US" altLang="ko-KR" sz="1200" b="0" i="1" smtClean="0">
+                                              <a:solidFill>
+                                                <a:schemeClr val="tx1"/>
+                                              </a:solidFill>
+                                              <a:latin typeface="Cambria Math" panose="02040503050406030204" pitchFamily="18" charset="0"/>
+                                            </a:rPr>
+                                            <m:t>𝑎</m:t>
+                                          </m:r>
+                                          <m:r>
+                                            <a:rPr lang="en-US" altLang="ko-KR" sz="1200" b="0" i="1" smtClean="0">
+                                              <a:solidFill>
+                                                <a:schemeClr val="tx1"/>
+                                              </a:solidFill>
+                                              <a:latin typeface="Cambria Math" panose="02040503050406030204" pitchFamily="18" charset="0"/>
+                                            </a:rPr>
+                                            <m:t>𝑐𝑐𝑒</m:t>
+                                          </m:r>
+                                          <m:sSub>
+                                            <m:sSubPr>
+                                              <m:ctrlPr>
+                                                <a:rPr lang="en-US" altLang="ko-KR" sz="1200" b="0" i="1" smtClean="0">
+                                                  <a:solidFill>
+                                                    <a:schemeClr val="tx1"/>
+                                                  </a:solidFill>
+                                                  <a:latin typeface="Cambria Math" panose="02040503050406030204" pitchFamily="18" charset="0"/>
+                                                </a:rPr>
+                                              </m:ctrlPr>
+                                            </m:sSubPr>
+                                            <m:e>
+                                              <m:r>
+                                                <m:rPr>
+                                                  <m:brk m:alnAt="7"/>
+                                                </m:rPr>
+                                                <a:rPr lang="en-US" altLang="ko-KR" sz="1200" b="0" i="1" smtClean="0">
+                                                  <a:solidFill>
+                                                    <a:schemeClr val="tx1"/>
+                                                  </a:solidFill>
+                                                  <a:latin typeface="Cambria Math" panose="02040503050406030204" pitchFamily="18" charset="0"/>
+                                                </a:rPr>
+                                                <m:t>𝑙</m:t>
+                                              </m:r>
+                                            </m:e>
+                                            <m:sub>
+                                              <m:r>
+                                                <m:rPr>
+                                                  <m:brk m:alnAt="7"/>
+                                                </m:rPr>
+                                                <a:rPr lang="en-US" altLang="ko-KR" sz="1200" b="0" i="1" smtClean="0">
+                                                  <a:solidFill>
+                                                    <a:schemeClr val="tx1"/>
+                                                  </a:solidFill>
+                                                  <a:latin typeface="Cambria Math" panose="02040503050406030204" pitchFamily="18" charset="0"/>
+                                                </a:rPr>
+                                                <m:t>𝑡</m:t>
+                                              </m:r>
+                                            </m:sub>
+                                          </m:sSub>
+                                        </m:e>
+                                        <m:e>
+                                          <m:r>
+                                            <a:rPr lang="en-US" altLang="ko-KR" sz="1200" b="0" i="1" smtClean="0">
+                                              <a:solidFill>
+                                                <a:schemeClr val="tx1"/>
+                                              </a:solidFill>
+                                              <a:latin typeface="Cambria Math" panose="02040503050406030204" pitchFamily="18" charset="0"/>
+                                            </a:rPr>
+                                            <m:t>𝑏𝑟𝑎𝑘</m:t>
+                                          </m:r>
+                                          <m:sSub>
+                                            <m:sSubPr>
+                                              <m:ctrlPr>
+                                                <a:rPr lang="en-US" altLang="ko-KR" sz="1200" b="0" i="1" smtClean="0">
+                                                  <a:solidFill>
+                                                    <a:schemeClr val="tx1"/>
+                                                  </a:solidFill>
+                                                  <a:latin typeface="Cambria Math" panose="02040503050406030204" pitchFamily="18" charset="0"/>
+                                                </a:rPr>
+                                              </m:ctrlPr>
+                                            </m:sSubPr>
+                                            <m:e>
+                                              <m:r>
+                                                <a:rPr lang="en-US" altLang="ko-KR" sz="1200" b="0" i="1" smtClean="0">
+                                                  <a:solidFill>
+                                                    <a:schemeClr val="tx1"/>
+                                                  </a:solidFill>
+                                                  <a:latin typeface="Cambria Math" panose="02040503050406030204" pitchFamily="18" charset="0"/>
+                                                </a:rPr>
+                                                <m:t>𝑒</m:t>
+                                              </m:r>
+                                            </m:e>
+                                            <m:sub>
+                                              <m:r>
+                                                <a:rPr lang="en-US" altLang="ko-KR" sz="1200" b="0" i="1" smtClean="0">
+                                                  <a:solidFill>
+                                                    <a:schemeClr val="tx1"/>
+                                                  </a:solidFill>
+                                                  <a:latin typeface="Cambria Math" panose="02040503050406030204" pitchFamily="18" charset="0"/>
+                                                </a:rPr>
+                                                <m:t>𝑡</m:t>
+                                              </m:r>
+                                            </m:sub>
+                                          </m:sSub>
+                                        </m:e>
+                                        <m:e>
+                                          <m:r>
+                                            <a:rPr lang="en-US" altLang="ko-KR" sz="1200" b="0" i="1" smtClean="0">
+                                              <a:solidFill>
+                                                <a:schemeClr val="tx1"/>
+                                              </a:solidFill>
+                                              <a:latin typeface="Cambria Math" panose="02040503050406030204" pitchFamily="18" charset="0"/>
+                                            </a:rPr>
+                                            <m:t>𝑠𝑡𝑒𝑒</m:t>
+                                          </m:r>
+                                          <m:sSub>
+                                            <m:sSubPr>
+                                              <m:ctrlPr>
+                                                <a:rPr lang="en-US" altLang="ko-KR" sz="1200" b="0" i="1" smtClean="0">
+                                                  <a:solidFill>
+                                                    <a:schemeClr val="tx1"/>
+                                                  </a:solidFill>
+                                                  <a:latin typeface="Cambria Math" panose="02040503050406030204" pitchFamily="18" charset="0"/>
+                                                </a:rPr>
+                                              </m:ctrlPr>
+                                            </m:sSubPr>
+                                            <m:e>
+                                              <m:r>
+                                                <a:rPr lang="en-US" altLang="ko-KR" sz="1200" b="0" i="1" smtClean="0">
+                                                  <a:solidFill>
+                                                    <a:schemeClr val="tx1"/>
+                                                  </a:solidFill>
+                                                  <a:latin typeface="Cambria Math" panose="02040503050406030204" pitchFamily="18" charset="0"/>
+                                                </a:rPr>
+                                                <m:t>𝑟</m:t>
+                                              </m:r>
+                                            </m:e>
+                                            <m:sub>
+                                              <m:r>
+                                                <a:rPr lang="en-US" altLang="ko-KR" sz="1200" b="0" i="1" smtClean="0">
+                                                  <a:solidFill>
+                                                    <a:schemeClr val="tx1"/>
+                                                  </a:solidFill>
+                                                  <a:latin typeface="Cambria Math" panose="02040503050406030204" pitchFamily="18" charset="0"/>
+                                                </a:rPr>
+                                                <m:t>𝑡</m:t>
+                                              </m:r>
+                                            </m:sub>
+                                          </m:sSub>
+                                        </m:e>
+                                      </m:mr>
+                                    </m:m>
+                                  </m:e>
+                                </m:d>
+                              </m:oMath>
+                            </m:oMathPara>
+                          </a14:m>
+                          <a:endParaRPr lang="ko-KR" altLang="en-US" sz="1200" b="0" dirty="0">
+                            <a:solidFill>
+                              <a:schemeClr val="tx1"/>
+                            </a:solidFill>
+                          </a:endParaRPr>
+                        </a:p>
+                      </a:txBody>
+                      <a:tcPr anchor="ctr">
+                        <a:lnL w="3175" cap="flat" cmpd="sng" algn="ctr">
+                          <a:solidFill>
+                            <a:schemeClr val="tx1"/>
+                          </a:solidFill>
+                          <a:prstDash val="dot"/>
+                          <a:round/>
+                          <a:headEnd type="none" w="med" len="med"/>
+                          <a:tailEnd type="none" w="med" len="med"/>
+                        </a:lnL>
+                        <a:lnR w="3175" cap="flat" cmpd="sng" algn="ctr">
+                          <a:solidFill>
+                            <a:schemeClr val="tx1"/>
+                          </a:solidFill>
+                          <a:prstDash val="dot"/>
+                          <a:round/>
+                          <a:headEnd type="none" w="med" len="med"/>
+                          <a:tailEnd type="none" w="med" len="med"/>
+                        </a:lnR>
+                        <a:lnT w="12700" cap="flat" cmpd="sng" algn="ctr">
+                          <a:solidFill>
+                            <a:schemeClr val="tx1"/>
+                          </a:solidFill>
+                          <a:prstDash val="solid"/>
+                          <a:round/>
+                          <a:headEnd type="none" w="med" len="med"/>
+                          <a:tailEnd type="none" w="med" len="med"/>
+                        </a:lnT>
+                        <a:lnB w="12700" cap="flat" cmpd="sng" algn="ctr">
+                          <a:solidFill>
+                            <a:schemeClr val="tx1"/>
+                          </a:solidFill>
+                          <a:prstDash val="solid"/>
+                          <a:round/>
+                          <a:headEnd type="none" w="med" len="med"/>
+                          <a:tailEnd type="none" w="med" len="med"/>
+                        </a:lnB>
+                        <a:lnTlToBr w="12700" cmpd="sng">
+                          <a:noFill/>
+                          <a:prstDash val="solid"/>
+                        </a:lnTlToBr>
+                        <a:lnBlToTr w="12700" cmpd="sng">
+                          <a:noFill/>
+                          <a:prstDash val="solid"/>
+                        </a:lnBlToTr>
+                        <a:solidFill>
+                          <a:schemeClr val="bg1"/>
+                        </a:solidFill>
+                      </a:tcPr>
+                    </a:tc>
+                    <a:tc>
+                      <a:txBody>
+                        <a:bodyPr/>
+                        <a:lstStyle/>
+                        <a:p>
+                          <a:pPr algn="ctr" latinLnBrk="1"/>
+                          <a:r>
+                            <a:rPr lang="en-US" altLang="ko-KR" sz="1200" b="0" dirty="0">
+                              <a:solidFill>
+                                <a:schemeClr val="tx1"/>
+                              </a:solidFill>
+                            </a:rPr>
+                            <a:t>Control input from driver at time </a:t>
+                          </a:r>
+                          <a14:m>
+                            <m:oMath xmlns:m="http://schemas.openxmlformats.org/officeDocument/2006/math">
+                              <m:r>
+                                <a:rPr lang="en-US" altLang="ko-KR" sz="1200" b="0" i="1" smtClean="0">
+                                  <a:solidFill>
+                                    <a:schemeClr val="tx1"/>
+                                  </a:solidFill>
+                                  <a:latin typeface="Cambria Math" panose="02040503050406030204" pitchFamily="18" charset="0"/>
+                                </a:rPr>
+                                <m:t>𝑡</m:t>
+                              </m:r>
+                            </m:oMath>
+                          </a14:m>
+                          <a:endParaRPr lang="ko-KR" altLang="en-US" sz="1200" b="0" dirty="0">
+                            <a:solidFill>
+                              <a:schemeClr val="tx1"/>
+                            </a:solidFill>
+                          </a:endParaRPr>
+                        </a:p>
+                      </a:txBody>
+                      <a:tcPr anchor="ctr">
+                        <a:lnL w="3175" cap="flat" cmpd="sng" algn="ctr">
+                          <a:solidFill>
+                            <a:schemeClr val="tx1"/>
+                          </a:solidFill>
+                          <a:prstDash val="dot"/>
+                          <a:round/>
+                          <a:headEnd type="none" w="med" len="med"/>
+                          <a:tailEnd type="none" w="med" len="med"/>
+                        </a:lnL>
+                        <a:lnR w="12700" cap="flat" cmpd="sng" algn="ctr">
+                          <a:noFill/>
+                          <a:prstDash val="solid"/>
+                          <a:round/>
+                          <a:headEnd type="none" w="med" len="med"/>
+                          <a:tailEnd type="none" w="med" len="med"/>
+                        </a:lnR>
+                        <a:lnT w="12700" cap="flat" cmpd="sng" algn="ctr">
+                          <a:solidFill>
+                            <a:schemeClr val="tx1"/>
+                          </a:solidFill>
+                          <a:prstDash val="solid"/>
+                          <a:round/>
+                          <a:headEnd type="none" w="med" len="med"/>
+                          <a:tailEnd type="none" w="med" len="med"/>
+                        </a:lnT>
+                        <a:lnB w="12700" cap="flat" cmpd="sng" algn="ctr">
+                          <a:solidFill>
+                            <a:schemeClr val="tx1"/>
+                          </a:solidFill>
+                          <a:prstDash val="solid"/>
+                          <a:round/>
+                          <a:headEnd type="none" w="med" len="med"/>
+                          <a:tailEnd type="none" w="med" len="med"/>
+                        </a:lnB>
+                        <a:lnTlToBr w="12700" cmpd="sng">
+                          <a:noFill/>
+                          <a:prstDash val="solid"/>
+                        </a:lnTlToBr>
+                        <a:lnBlToTr w="12700" cmpd="sng">
+                          <a:noFill/>
+                          <a:prstDash val="solid"/>
+                        </a:lnBlToTr>
+                        <a:solidFill>
+                          <a:schemeClr val="bg1"/>
+                        </a:solidFill>
+                      </a:tcPr>
+                    </a:tc>
+                    <a:extLst>
+                      <a:ext uri="{0D108BD9-81ED-4DB2-BD59-A6C34878D82A}">
+                        <a16:rowId xmlns:a16="http://schemas.microsoft.com/office/drawing/2014/main" val="262709076"/>
+                      </a:ext>
+                    </a:extLst>
+                  </a:tr>
+                  <a:tr h="370840">
+                    <a:tc>
+                      <a:txBody>
+                        <a:bodyPr/>
+                        <a:lstStyle/>
+                        <a:p>
+                          <a:pPr algn="ctr" latinLnBrk="1"/>
+                          <a:r>
+                            <a:rPr lang="en-US" altLang="ko-KR" sz="1200" b="0" dirty="0">
+                              <a:solidFill>
+                                <a:schemeClr val="tx1"/>
+                              </a:solidFill>
+                            </a:rPr>
+                            <a:t>Unknown Parameters</a:t>
+                          </a:r>
+                          <a:endParaRPr lang="ko-KR" altLang="en-US" sz="1200" b="0" dirty="0">
+                            <a:solidFill>
+                              <a:schemeClr val="tx1"/>
+                            </a:solidFill>
+                          </a:endParaRPr>
+                        </a:p>
+                      </a:txBody>
+                      <a:tcPr anchor="ctr">
+                        <a:lnL w="12700" cap="flat" cmpd="sng" algn="ctr">
+                          <a:noFill/>
+                          <a:prstDash val="solid"/>
+                          <a:round/>
+                          <a:headEnd type="none" w="med" len="med"/>
+                          <a:tailEnd type="none" w="med" len="med"/>
+                        </a:lnL>
+                        <a:lnR w="3175" cap="flat" cmpd="sng" algn="ctr">
+                          <a:solidFill>
+                            <a:schemeClr val="tx1"/>
+                          </a:solidFill>
+                          <a:prstDash val="dot"/>
+                          <a:round/>
+                          <a:headEnd type="none" w="med" len="med"/>
+                          <a:tailEnd type="none" w="med" len="med"/>
+                        </a:lnR>
+                        <a:lnT w="12700" cap="flat" cmpd="sng" algn="ctr">
+                          <a:solidFill>
+                            <a:schemeClr val="tx1"/>
+                          </a:solidFill>
+                          <a:prstDash val="solid"/>
+                          <a:round/>
+                          <a:headEnd type="none" w="med" len="med"/>
+                          <a:tailEnd type="none" w="med" len="med"/>
+                        </a:lnT>
+                        <a:lnB w="12700" cap="flat" cmpd="sng" algn="ctr">
+                          <a:solidFill>
+                            <a:schemeClr val="tx1"/>
+                          </a:solidFill>
+                          <a:prstDash val="solid"/>
+                          <a:round/>
+                          <a:headEnd type="none" w="med" len="med"/>
+                          <a:tailEnd type="none" w="med" len="med"/>
+                        </a:lnB>
+                        <a:lnTlToBr w="12700" cmpd="sng">
+                          <a:noFill/>
+                          <a:prstDash val="solid"/>
+                        </a:lnTlToBr>
+                        <a:lnBlToTr w="12700" cmpd="sng">
+                          <a:noFill/>
+                          <a:prstDash val="solid"/>
+                        </a:lnBlToTr>
+                        <a:solidFill>
+                          <a:schemeClr val="bg1"/>
+                        </a:solidFill>
+                      </a:tcPr>
+                    </a:tc>
+                    <a:tc>
+                      <a:txBody>
+                        <a:bodyPr/>
+                        <a:lstStyle/>
+                        <a:p>
+                          <a:pPr algn="ctr" latinLnBrk="1"/>
+                          <a:r>
+                            <a:rPr lang="en-US" altLang="ko-KR" sz="1200" b="0" dirty="0">
+                              <a:solidFill>
+                                <a:schemeClr val="tx1"/>
+                              </a:solidFill>
+                            </a:rPr>
+                            <a:t>Chassis status</a:t>
+                          </a:r>
+                          <a:endParaRPr lang="ko-KR" altLang="en-US" sz="1200" b="0" dirty="0">
+                            <a:solidFill>
+                              <a:schemeClr val="tx1"/>
+                            </a:solidFill>
+                          </a:endParaRPr>
+                        </a:p>
+                      </a:txBody>
+                      <a:tcPr anchor="ctr">
+                        <a:lnL w="3175" cap="flat" cmpd="sng" algn="ctr">
+                          <a:solidFill>
+                            <a:schemeClr val="tx1"/>
+                          </a:solidFill>
+                          <a:prstDash val="dot"/>
+                          <a:round/>
+                          <a:headEnd type="none" w="med" len="med"/>
+                          <a:tailEnd type="none" w="med" len="med"/>
+                        </a:lnL>
+                        <a:lnR w="3175" cap="flat" cmpd="sng" algn="ctr">
+                          <a:solidFill>
+                            <a:schemeClr val="tx1"/>
+                          </a:solidFill>
+                          <a:prstDash val="dot"/>
+                          <a:round/>
+                          <a:headEnd type="none" w="med" len="med"/>
+                          <a:tailEnd type="none" w="med" len="med"/>
+                        </a:lnR>
+                        <a:lnT w="12700" cap="flat" cmpd="sng" algn="ctr">
+                          <a:solidFill>
+                            <a:schemeClr val="tx1"/>
+                          </a:solidFill>
+                          <a:prstDash val="solid"/>
+                          <a:round/>
+                          <a:headEnd type="none" w="med" len="med"/>
+                          <a:tailEnd type="none" w="med" len="med"/>
+                        </a:lnT>
+                        <a:lnB w="12700" cap="flat" cmpd="sng" algn="ctr">
+                          <a:solidFill>
+                            <a:schemeClr val="tx1"/>
+                          </a:solidFill>
+                          <a:prstDash val="solid"/>
+                          <a:round/>
+                          <a:headEnd type="none" w="med" len="med"/>
+                          <a:tailEnd type="none" w="med" len="med"/>
+                        </a:lnB>
+                        <a:lnTlToBr w="12700" cmpd="sng">
+                          <a:noFill/>
+                          <a:prstDash val="solid"/>
+                        </a:lnTlToBr>
+                        <a:lnBlToTr w="12700" cmpd="sng">
+                          <a:noFill/>
+                          <a:prstDash val="solid"/>
+                        </a:lnBlToTr>
+                        <a:solidFill>
+                          <a:schemeClr val="bg1"/>
+                        </a:solidFill>
+                      </a:tcPr>
+                    </a:tc>
+                    <a:tc>
+                      <a:txBody>
+                        <a:bodyPr/>
+                        <a:lstStyle/>
+                        <a:p>
+                          <a:pPr algn="ctr" latinLnBrk="1"/>
+                          <a14:m>
+                            <m:oMathPara xmlns:m="http://schemas.openxmlformats.org/officeDocument/2006/math">
+                              <m:oMathParaPr>
+                                <m:jc m:val="centerGroup"/>
+                              </m:oMathParaPr>
+                              <m:oMath xmlns:m="http://schemas.openxmlformats.org/officeDocument/2006/math">
+                                <m:sSubSup>
+                                  <m:sSubSupPr>
+                                    <m:ctrlPr>
+                                      <a:rPr lang="en-US" altLang="ko-KR" sz="1200" b="0" i="1" smtClean="0">
+                                        <a:solidFill>
+                                          <a:schemeClr val="tx1"/>
+                                        </a:solidFill>
+                                        <a:latin typeface="Cambria Math" panose="02040503050406030204" pitchFamily="18" charset="0"/>
+                                      </a:rPr>
+                                    </m:ctrlPr>
+                                  </m:sSubSupPr>
+                                  <m:e>
+                                    <m:r>
+                                      <a:rPr lang="en-US" altLang="ko-KR" sz="1200" b="0" i="1" smtClean="0">
+                                        <a:solidFill>
+                                          <a:schemeClr val="tx1"/>
+                                        </a:solidFill>
+                                        <a:latin typeface="Cambria Math" panose="02040503050406030204" pitchFamily="18" charset="0"/>
+                                      </a:rPr>
+                                      <m:t>h</m:t>
+                                    </m:r>
+                                  </m:e>
+                                  <m:sub>
+                                    <m:r>
+                                      <a:rPr lang="en-US" altLang="ko-KR" sz="1200" b="0" i="1" smtClean="0">
+                                        <a:solidFill>
+                                          <a:schemeClr val="tx1"/>
+                                        </a:solidFill>
+                                        <a:latin typeface="Cambria Math" panose="02040503050406030204" pitchFamily="18" charset="0"/>
+                                      </a:rPr>
+                                      <m:t>𝑡</m:t>
+                                    </m:r>
+                                  </m:sub>
+                                  <m:sup>
+                                    <m:r>
+                                      <a:rPr lang="en-US" altLang="ko-KR" sz="1200" b="0" i="1" smtClean="0">
+                                        <a:solidFill>
+                                          <a:schemeClr val="tx1"/>
+                                        </a:solidFill>
+                                        <a:latin typeface="Cambria Math" panose="02040503050406030204" pitchFamily="18" charset="0"/>
+                                      </a:rPr>
+                                      <m:t>𝑐h</m:t>
+                                    </m:r>
+                                  </m:sup>
+                                </m:sSubSup>
+                              </m:oMath>
+                            </m:oMathPara>
+                          </a14:m>
+                          <a:endParaRPr lang="ko-KR" altLang="en-US" sz="1200" b="0" dirty="0">
+                            <a:solidFill>
+                              <a:schemeClr val="tx1"/>
+                            </a:solidFill>
+                          </a:endParaRPr>
+                        </a:p>
+                      </a:txBody>
+                      <a:tcPr anchor="ctr">
+                        <a:lnL w="3175" cap="flat" cmpd="sng" algn="ctr">
+                          <a:solidFill>
+                            <a:schemeClr val="tx1"/>
+                          </a:solidFill>
+                          <a:prstDash val="dot"/>
+                          <a:round/>
+                          <a:headEnd type="none" w="med" len="med"/>
+                          <a:tailEnd type="none" w="med" len="med"/>
+                        </a:lnL>
+                        <a:lnR w="3175" cap="flat" cmpd="sng" algn="ctr">
+                          <a:solidFill>
+                            <a:schemeClr val="tx1"/>
+                          </a:solidFill>
+                          <a:prstDash val="dot"/>
+                          <a:round/>
+                          <a:headEnd type="none" w="med" len="med"/>
+                          <a:tailEnd type="none" w="med" len="med"/>
+                        </a:lnR>
+                        <a:lnT w="12700" cap="flat" cmpd="sng" algn="ctr">
+                          <a:solidFill>
+                            <a:schemeClr val="tx1"/>
+                          </a:solidFill>
+                          <a:prstDash val="solid"/>
+                          <a:round/>
+                          <a:headEnd type="none" w="med" len="med"/>
+                          <a:tailEnd type="none" w="med" len="med"/>
+                        </a:lnT>
+                        <a:lnB w="12700" cap="flat" cmpd="sng" algn="ctr">
+                          <a:solidFill>
+                            <a:schemeClr val="tx1"/>
+                          </a:solidFill>
+                          <a:prstDash val="solid"/>
+                          <a:round/>
+                          <a:headEnd type="none" w="med" len="med"/>
+                          <a:tailEnd type="none" w="med" len="med"/>
+                        </a:lnB>
+                        <a:lnTlToBr w="12700" cmpd="sng">
+                          <a:noFill/>
+                          <a:prstDash val="solid"/>
+                        </a:lnTlToBr>
+                        <a:lnBlToTr w="12700" cmpd="sng">
+                          <a:noFill/>
+                          <a:prstDash val="solid"/>
+                        </a:lnBlToTr>
+                        <a:solidFill>
+                          <a:schemeClr val="bg1"/>
+                        </a:solidFill>
+                      </a:tcPr>
+                    </a:tc>
+                    <a:tc>
+                      <a:txBody>
+                        <a:bodyPr/>
+                        <a:lstStyle/>
+                        <a:p>
+                          <a:pPr algn="ctr" latinLnBrk="1"/>
+                          <a:r>
+                            <a:rPr lang="en-US" altLang="ko-KR" sz="1200" b="0" dirty="0">
+                              <a:solidFill>
+                                <a:schemeClr val="tx1"/>
+                              </a:solidFill>
+                            </a:rPr>
+                            <a:t>-</a:t>
+                          </a:r>
+                          <a:endParaRPr lang="ko-KR" altLang="en-US" sz="1200" b="0" dirty="0">
+                            <a:solidFill>
+                              <a:schemeClr val="tx1"/>
+                            </a:solidFill>
+                          </a:endParaRPr>
+                        </a:p>
+                      </a:txBody>
+                      <a:tcPr anchor="ctr">
+                        <a:lnL w="3175" cap="flat" cmpd="sng" algn="ctr">
+                          <a:solidFill>
+                            <a:schemeClr val="tx1"/>
+                          </a:solidFill>
+                          <a:prstDash val="dot"/>
+                          <a:round/>
+                          <a:headEnd type="none" w="med" len="med"/>
+                          <a:tailEnd type="none" w="med" len="med"/>
+                        </a:lnL>
+                        <a:lnR w="3175" cap="flat" cmpd="sng" algn="ctr">
+                          <a:solidFill>
+                            <a:schemeClr val="tx1"/>
+                          </a:solidFill>
+                          <a:prstDash val="dot"/>
+                          <a:round/>
+                          <a:headEnd type="none" w="med" len="med"/>
+                          <a:tailEnd type="none" w="med" len="med"/>
+                        </a:lnR>
+                        <a:lnT w="12700" cap="flat" cmpd="sng" algn="ctr">
+                          <a:solidFill>
+                            <a:schemeClr val="tx1"/>
+                          </a:solidFill>
+                          <a:prstDash val="solid"/>
+                          <a:round/>
+                          <a:headEnd type="none" w="med" len="med"/>
+                          <a:tailEnd type="none" w="med" len="med"/>
+                        </a:lnT>
+                        <a:lnB w="12700" cap="flat" cmpd="sng" algn="ctr">
+                          <a:solidFill>
+                            <a:schemeClr val="tx1"/>
+                          </a:solidFill>
+                          <a:prstDash val="solid"/>
+                          <a:round/>
+                          <a:headEnd type="none" w="med" len="med"/>
+                          <a:tailEnd type="none" w="med" len="med"/>
+                        </a:lnB>
+                        <a:lnTlToBr w="12700" cmpd="sng">
+                          <a:noFill/>
+                          <a:prstDash val="solid"/>
+                        </a:lnTlToBr>
+                        <a:lnBlToTr w="12700" cmpd="sng">
+                          <a:noFill/>
+                          <a:prstDash val="solid"/>
+                        </a:lnBlToTr>
+                        <a:solidFill>
+                          <a:schemeClr val="bg1"/>
+                        </a:solidFill>
+                      </a:tcPr>
+                    </a:tc>
+                    <a:tc>
+                      <a:txBody>
+                        <a:bodyPr/>
+                        <a:lstStyle/>
+                        <a:p>
+                          <a:pPr algn="ctr" latinLnBrk="1"/>
+                          <a:r>
+                            <a:rPr lang="en-US" altLang="ko-KR" sz="1200" b="0" dirty="0">
+                              <a:solidFill>
+                                <a:schemeClr val="tx1"/>
+                              </a:solidFill>
+                            </a:rPr>
+                            <a:t>Hidden status describing the chassis status at time </a:t>
+                          </a:r>
+                          <a14:m>
+                            <m:oMath xmlns:m="http://schemas.openxmlformats.org/officeDocument/2006/math">
+                              <m:r>
+                                <a:rPr lang="en-US" altLang="ko-KR" sz="1200" b="0" i="1" smtClean="0">
+                                  <a:solidFill>
+                                    <a:schemeClr val="tx1"/>
+                                  </a:solidFill>
+                                  <a:latin typeface="Cambria Math" panose="02040503050406030204" pitchFamily="18" charset="0"/>
+                                </a:rPr>
+                                <m:t>𝑡</m:t>
+                              </m:r>
+                            </m:oMath>
+                          </a14:m>
+                          <a:endParaRPr lang="en-US" altLang="ko-KR" sz="1200" b="0" dirty="0">
+                            <a:solidFill>
+                              <a:schemeClr val="tx1"/>
+                            </a:solidFill>
+                          </a:endParaRPr>
+                        </a:p>
+                        <a:p>
+                          <a:pPr algn="ctr" latinLnBrk="1"/>
+                          <a:r>
+                            <a:rPr lang="en-US" altLang="ko-KR" sz="1200" b="0" dirty="0">
+                              <a:solidFill>
+                                <a:schemeClr val="tx1"/>
+                              </a:solidFill>
+                            </a:rPr>
+                            <a:t>Expected to have information about </a:t>
+                          </a:r>
+                          <a14:m>
+                            <m:oMath xmlns:m="http://schemas.openxmlformats.org/officeDocument/2006/math">
+                              <m:d>
+                                <m:dPr>
+                                  <m:begChr m:val="{"/>
+                                  <m:endChr m:val="}"/>
                                   <m:ctrlPr>
-                                    <a:rPr lang="en-US" altLang="ko-KR" b="0" i="1" smtClean="0">
+                                    <a:rPr lang="en-US" altLang="ko-KR" sz="1200" b="0" i="1" smtClean="0">
+                                      <a:solidFill>
+                                        <a:schemeClr val="tx1"/>
+                                      </a:solidFill>
                                       <a:latin typeface="Cambria Math" panose="02040503050406030204" pitchFamily="18" charset="0"/>
                                     </a:rPr>
                                   </m:ctrlPr>
-                                </m:sSubPr>
+                                </m:dPr>
                                 <m:e>
-                                  <m:r>
-                                    <m:rPr>
-                                      <m:brk m:alnAt="7"/>
-                                    </m:rPr>
-                                    <a:rPr lang="en-US" altLang="ko-KR" b="0" i="1" smtClean="0">
-                                      <a:latin typeface="Cambria Math" panose="02040503050406030204" pitchFamily="18" charset="0"/>
-                                    </a:rPr>
-                                    <m:t>𝑙</m:t>
-                                  </m:r>
+                                  <m:m>
+                                    <m:mPr>
+                                      <m:mcs>
+                                        <m:mc>
+                                          <m:mcPr>
+                                            <m:count m:val="3"/>
+                                            <m:mcJc m:val="center"/>
+                                          </m:mcPr>
+                                        </m:mc>
+                                      </m:mcs>
+                                      <m:ctrlPr>
+                                        <a:rPr lang="en-US" altLang="ko-KR" sz="1200" b="0" i="1" smtClean="0">
+                                          <a:solidFill>
+                                            <a:schemeClr val="tx1"/>
+                                          </a:solidFill>
+                                          <a:latin typeface="Cambria Math" panose="02040503050406030204" pitchFamily="18" charset="0"/>
+                                        </a:rPr>
+                                      </m:ctrlPr>
+                                    </m:mPr>
+                                    <m:mr>
+                                      <m:e>
+                                        <m:sSubSup>
+                                          <m:sSubSupPr>
+                                            <m:ctrlPr>
+                                              <a:rPr lang="en-US" altLang="ko-KR" sz="1200" b="0" i="1" smtClean="0">
+                                                <a:solidFill>
+                                                  <a:schemeClr val="tx1"/>
+                                                </a:solidFill>
+                                                <a:latin typeface="Cambria Math" panose="02040503050406030204" pitchFamily="18" charset="0"/>
+                                              </a:rPr>
+                                            </m:ctrlPr>
+                                          </m:sSubSupPr>
+                                          <m:e>
+                                            <m:r>
+                                              <m:rPr>
+                                                <m:brk m:alnAt="7"/>
+                                              </m:rPr>
+                                              <a:rPr lang="en-US" altLang="ko-KR" sz="1200" b="0" i="1" smtClean="0">
+                                                <a:solidFill>
+                                                  <a:schemeClr val="tx1"/>
+                                                </a:solidFill>
+                                                <a:latin typeface="Cambria Math" panose="02040503050406030204" pitchFamily="18" charset="0"/>
+                                              </a:rPr>
+                                              <m:t>𝑟</m:t>
+                                            </m:r>
+                                          </m:e>
+                                          <m:sub>
+                                            <m:r>
+                                              <m:rPr>
+                                                <m:brk m:alnAt="7"/>
+                                              </m:rPr>
+                                              <a:rPr lang="en-US" altLang="ko-KR" sz="1200" b="0" i="1" smtClean="0">
+                                                <a:solidFill>
+                                                  <a:schemeClr val="tx1"/>
+                                                </a:solidFill>
+                                                <a:latin typeface="Cambria Math" panose="02040503050406030204" pitchFamily="18" charset="0"/>
+                                              </a:rPr>
+                                              <m:t>𝑡</m:t>
+                                            </m:r>
+                                          </m:sub>
+                                          <m:sup>
+                                            <m:r>
+                                              <a:rPr lang="en-US" altLang="ko-KR" sz="1200" b="0" i="1" smtClean="0">
+                                                <a:solidFill>
+                                                  <a:schemeClr val="tx1"/>
+                                                </a:solidFill>
+                                                <a:latin typeface="Cambria Math" panose="02040503050406030204" pitchFamily="18" charset="0"/>
+                                              </a:rPr>
+                                              <m:t>𝑐h</m:t>
+                                            </m:r>
+                                          </m:sup>
+                                        </m:sSubSup>
+                                      </m:e>
+                                      <m:e>
+                                        <m:sSubSup>
+                                          <m:sSubSupPr>
+                                            <m:ctrlPr>
+                                              <a:rPr lang="en-US" altLang="ko-KR" sz="1200" b="0" i="1" smtClean="0">
+                                                <a:solidFill>
+                                                  <a:schemeClr val="tx1"/>
+                                                </a:solidFill>
+                                                <a:latin typeface="Cambria Math" panose="02040503050406030204" pitchFamily="18" charset="0"/>
+                                              </a:rPr>
+                                            </m:ctrlPr>
+                                          </m:sSubSupPr>
+                                          <m:e>
+                                            <m:r>
+                                              <a:rPr lang="en-US" altLang="ko-KR" sz="1200" b="0" i="1" smtClean="0">
+                                                <a:solidFill>
+                                                  <a:schemeClr val="tx1"/>
+                                                </a:solidFill>
+                                                <a:latin typeface="Cambria Math" panose="02040503050406030204" pitchFamily="18" charset="0"/>
+                                              </a:rPr>
+                                              <m:t>𝑝</m:t>
+                                            </m:r>
+                                          </m:e>
+                                          <m:sub>
+                                            <m:r>
+                                              <a:rPr lang="en-US" altLang="ko-KR" sz="1200" b="0" i="1" smtClean="0">
+                                                <a:solidFill>
+                                                  <a:schemeClr val="tx1"/>
+                                                </a:solidFill>
+                                                <a:latin typeface="Cambria Math" panose="02040503050406030204" pitchFamily="18" charset="0"/>
+                                              </a:rPr>
+                                              <m:t>𝑡</m:t>
+                                            </m:r>
+                                          </m:sub>
+                                          <m:sup>
+                                            <m:r>
+                                              <a:rPr lang="en-US" altLang="ko-KR" sz="1200" b="0" i="1" smtClean="0">
+                                                <a:solidFill>
+                                                  <a:schemeClr val="tx1"/>
+                                                </a:solidFill>
+                                                <a:latin typeface="Cambria Math" panose="02040503050406030204" pitchFamily="18" charset="0"/>
+                                              </a:rPr>
+                                              <m:t>𝑐h</m:t>
+                                            </m:r>
+                                          </m:sup>
+                                        </m:sSubSup>
+                                      </m:e>
+                                      <m:e>
+                                        <m:sSub>
+                                          <m:sSubPr>
+                                            <m:ctrlPr>
+                                              <a:rPr lang="en-US" altLang="ko-KR" sz="1200" b="0" i="1" smtClean="0">
+                                                <a:solidFill>
+                                                  <a:schemeClr val="tx1"/>
+                                                </a:solidFill>
+                                                <a:latin typeface="Cambria Math" panose="02040503050406030204" pitchFamily="18" charset="0"/>
+                                              </a:rPr>
+                                            </m:ctrlPr>
+                                          </m:sSubPr>
+                                          <m:e>
+                                            <m:d>
+                                              <m:dPr>
+                                                <m:begChr m:val=""/>
+                                                <m:endChr m:val="|"/>
+                                                <m:ctrlPr>
+                                                  <a:rPr lang="en-US" altLang="ko-KR" sz="1200" b="0" i="1" smtClean="0">
+                                                    <a:solidFill>
+                                                      <a:schemeClr val="tx1"/>
+                                                    </a:solidFill>
+                                                    <a:latin typeface="Cambria Math" panose="02040503050406030204" pitchFamily="18" charset="0"/>
+                                                  </a:rPr>
+                                                </m:ctrlPr>
+                                              </m:dPr>
+                                              <m:e>
+                                                <m:sSubSup>
+                                                  <m:sSubSupPr>
+                                                    <m:ctrlPr>
+                                                      <a:rPr lang="en-US" altLang="ko-KR" sz="1200" b="0" i="1" smtClean="0">
+                                                        <a:solidFill>
+                                                          <a:schemeClr val="tx1"/>
+                                                        </a:solidFill>
+                                                        <a:latin typeface="Cambria Math" panose="02040503050406030204" pitchFamily="18" charset="0"/>
+                                                      </a:rPr>
+                                                    </m:ctrlPr>
+                                                  </m:sSubSupPr>
+                                                  <m:e>
+                                                    <m:r>
+                                                      <a:rPr lang="en-US" altLang="ko-KR" sz="1200" b="0" i="1" smtClean="0">
+                                                        <a:solidFill>
+                                                          <a:schemeClr val="tx1"/>
+                                                        </a:solidFill>
+                                                        <a:latin typeface="Cambria Math" panose="02040503050406030204" pitchFamily="18" charset="0"/>
+                                                      </a:rPr>
+                                                      <m:t>𝑁</m:t>
+                                                    </m:r>
+                                                  </m:e>
+                                                  <m:sub>
+                                                    <m:r>
+                                                      <a:rPr lang="en-US" altLang="ko-KR" sz="1200" b="0" i="1" smtClean="0">
+                                                        <a:solidFill>
+                                                          <a:schemeClr val="tx1"/>
+                                                        </a:solidFill>
+                                                        <a:latin typeface="Cambria Math" panose="02040503050406030204" pitchFamily="18" charset="0"/>
+                                                      </a:rPr>
+                                                      <m:t>𝑡</m:t>
+                                                    </m:r>
+                                                  </m:sub>
+                                                  <m:sup>
+                                                    <m:r>
+                                                      <a:rPr lang="en-US" altLang="ko-KR" sz="1200" b="0" i="1" smtClean="0">
+                                                        <a:solidFill>
+                                                          <a:schemeClr val="tx1"/>
+                                                        </a:solidFill>
+                                                        <a:latin typeface="Cambria Math" panose="02040503050406030204" pitchFamily="18" charset="0"/>
+                                                      </a:rPr>
+                                                      <m:t>𝑘</m:t>
+                                                    </m:r>
+                                                  </m:sup>
+                                                </m:sSubSup>
+                                              </m:e>
+                                            </m:d>
+                                          </m:e>
+                                          <m:sub>
+                                            <m:r>
+                                              <a:rPr lang="en-US" altLang="ko-KR" sz="1200" b="0" i="1" smtClean="0">
+                                                <a:solidFill>
+                                                  <a:schemeClr val="tx1"/>
+                                                </a:solidFill>
+                                                <a:latin typeface="Cambria Math" panose="02040503050406030204" pitchFamily="18" charset="0"/>
+                                              </a:rPr>
+                                              <m:t>𝑘</m:t>
+                                            </m:r>
+                                            <m:r>
+                                              <a:rPr lang="en-US" altLang="ko-KR" sz="1200" b="0" i="1" smtClean="0">
+                                                <a:solidFill>
+                                                  <a:schemeClr val="tx1"/>
+                                                </a:solidFill>
+                                                <a:latin typeface="Cambria Math" panose="02040503050406030204" pitchFamily="18" charset="0"/>
+                                              </a:rPr>
+                                              <m:t>=</m:t>
+                                            </m:r>
+                                            <m:r>
+                                              <a:rPr lang="en-US" altLang="ko-KR" sz="1200" b="0" i="1" smtClean="0">
+                                                <a:solidFill>
+                                                  <a:schemeClr val="tx1"/>
+                                                </a:solidFill>
+                                                <a:latin typeface="Cambria Math" panose="02040503050406030204" pitchFamily="18" charset="0"/>
+                                              </a:rPr>
+                                              <m:t>𝑡𝑖𝑒𝑟</m:t>
+                                            </m:r>
+                                            <m:r>
+                                              <a:rPr lang="en-US" altLang="ko-KR" sz="1200" b="0" i="1" smtClean="0">
+                                                <a:solidFill>
+                                                  <a:schemeClr val="tx1"/>
+                                                </a:solidFill>
+                                                <a:latin typeface="Cambria Math" panose="02040503050406030204" pitchFamily="18" charset="0"/>
+                                              </a:rPr>
+                                              <m:t> </m:t>
+                                            </m:r>
+                                            <m:r>
+                                              <a:rPr lang="en-US" altLang="ko-KR" sz="1200" b="0" i="1" smtClean="0">
+                                                <a:solidFill>
+                                                  <a:schemeClr val="tx1"/>
+                                                </a:solidFill>
+                                                <a:latin typeface="Cambria Math" panose="02040503050406030204" pitchFamily="18" charset="0"/>
+                                              </a:rPr>
+                                              <m:t>𝑖𝑛𝑑𝑒𝑥</m:t>
+                                            </m:r>
+                                          </m:sub>
+                                        </m:sSub>
+                                      </m:e>
+                                    </m:mr>
+                                  </m:m>
                                 </m:e>
-                                <m:sub>
-                                  <m:r>
-                                    <m:rPr>
-                                      <m:brk m:alnAt="7"/>
-                                    </m:rPr>
-                                    <a:rPr lang="en-US" altLang="ko-KR" b="0" i="1" smtClean="0">
-                                      <a:latin typeface="Cambria Math" panose="02040503050406030204" pitchFamily="18" charset="0"/>
-                                    </a:rPr>
-                                    <m:t>𝑡</m:t>
-                                  </m:r>
-                                </m:sub>
-                              </m:sSub>
-                            </m:e>
-                            <m:e>
-                              <m:r>
-                                <a:rPr lang="en-US" altLang="ko-KR" b="0" i="1" smtClean="0">
-                                  <a:latin typeface="Cambria Math" panose="02040503050406030204" pitchFamily="18" charset="0"/>
-                                </a:rPr>
-                                <m:t>𝑠𝑡</m:t>
-                              </m:r>
-                              <m:sSub>
-                                <m:sSubPr>
-                                  <m:ctrlPr>
-                                    <a:rPr lang="en-US" altLang="ko-KR" b="0" i="1" smtClean="0">
-                                      <a:latin typeface="Cambria Math" panose="02040503050406030204" pitchFamily="18" charset="0"/>
-                                    </a:rPr>
-                                  </m:ctrlPr>
-                                </m:sSubPr>
-                                <m:e>
-                                  <m:r>
-                                    <a:rPr lang="en-US" altLang="ko-KR" b="0" i="1" smtClean="0">
-                                      <a:latin typeface="Cambria Math" panose="02040503050406030204" pitchFamily="18" charset="0"/>
-                                    </a:rPr>
-                                    <m:t>𝑟</m:t>
-                                  </m:r>
-                                </m:e>
-                                <m:sub>
-                                  <m:r>
-                                    <a:rPr lang="en-US" altLang="ko-KR" b="0" i="1" smtClean="0">
-                                      <a:latin typeface="Cambria Math" panose="02040503050406030204" pitchFamily="18" charset="0"/>
-                                    </a:rPr>
-                                    <m:t>𝑡</m:t>
-                                  </m:r>
-                                </m:sub>
-                              </m:sSub>
-                            </m:e>
-                          </m:mr>
-                        </m:m>
-                      </m:e>
-                    </m:d>
-                  </m:oMath>
-                </a14:m>
-                <a:r>
-                  <a:rPr lang="en-US" altLang="ko-KR" dirty="0"/>
-                  <a:t>: Control Input at time </a:t>
-                </a:r>
-                <a14:m>
-                  <m:oMath xmlns:m="http://schemas.openxmlformats.org/officeDocument/2006/math">
-                    <m:r>
-                      <a:rPr lang="en-US" altLang="ko-KR" i="1" dirty="0" smtClean="0">
-                        <a:latin typeface="Cambria Math" panose="02040503050406030204" pitchFamily="18" charset="0"/>
-                      </a:rPr>
-                      <m:t>𝑡</m:t>
-                    </m:r>
-                  </m:oMath>
-                </a14:m>
-                <a:endParaRPr lang="ko-KR" altLang="en-US" dirty="0"/>
-              </a:p>
-            </p:txBody>
-          </p:sp>
+                              </m:d>
+                            </m:oMath>
+                          </a14:m>
+                          <a:endParaRPr lang="ko-KR" altLang="en-US" sz="1200" b="0" dirty="0">
+                            <a:solidFill>
+                              <a:schemeClr val="tx1"/>
+                            </a:solidFill>
+                          </a:endParaRPr>
+                        </a:p>
+                      </a:txBody>
+                      <a:tcPr anchor="ctr">
+                        <a:lnL w="3175" cap="flat" cmpd="sng" algn="ctr">
+                          <a:solidFill>
+                            <a:schemeClr val="tx1"/>
+                          </a:solidFill>
+                          <a:prstDash val="dot"/>
+                          <a:round/>
+                          <a:headEnd type="none" w="med" len="med"/>
+                          <a:tailEnd type="none" w="med" len="med"/>
+                        </a:lnL>
+                        <a:lnR w="12700" cap="flat" cmpd="sng" algn="ctr">
+                          <a:noFill/>
+                          <a:prstDash val="solid"/>
+                          <a:round/>
+                          <a:headEnd type="none" w="med" len="med"/>
+                          <a:tailEnd type="none" w="med" len="med"/>
+                        </a:lnR>
+                        <a:lnT w="12700" cap="flat" cmpd="sng" algn="ctr">
+                          <a:solidFill>
+                            <a:schemeClr val="tx1"/>
+                          </a:solidFill>
+                          <a:prstDash val="solid"/>
+                          <a:round/>
+                          <a:headEnd type="none" w="med" len="med"/>
+                          <a:tailEnd type="none" w="med" len="med"/>
+                        </a:lnT>
+                        <a:lnB w="12700" cap="flat" cmpd="sng" algn="ctr">
+                          <a:solidFill>
+                            <a:schemeClr val="tx1"/>
+                          </a:solidFill>
+                          <a:prstDash val="solid"/>
+                          <a:round/>
+                          <a:headEnd type="none" w="med" len="med"/>
+                          <a:tailEnd type="none" w="med" len="med"/>
+                        </a:lnB>
+                        <a:lnTlToBr w="12700" cmpd="sng">
+                          <a:noFill/>
+                          <a:prstDash val="solid"/>
+                        </a:lnTlToBr>
+                        <a:lnBlToTr w="12700" cmpd="sng">
+                          <a:noFill/>
+                          <a:prstDash val="solid"/>
+                        </a:lnBlToTr>
+                        <a:solidFill>
+                          <a:schemeClr val="bg1"/>
+                        </a:solidFill>
+                      </a:tcPr>
+                    </a:tc>
+                    <a:extLst>
+                      <a:ext uri="{0D108BD9-81ED-4DB2-BD59-A6C34878D82A}">
+                        <a16:rowId xmlns:a16="http://schemas.microsoft.com/office/drawing/2014/main" val="3931007523"/>
+                      </a:ext>
+                    </a:extLst>
+                  </a:tr>
+                </a:tbl>
+              </a:graphicData>
+            </a:graphic>
+          </p:graphicFrame>
         </mc:Choice>
-        <mc:Fallback>
-          <p:sp>
-            <p:nvSpPr>
-              <p:cNvPr id="5" name="TextBox 4">
+        <mc:Fallback xmlns="">
+          <p:graphicFrame>
+            <p:nvGraphicFramePr>
+              <p:cNvPr id="2" name="표 1">
                 <a:extLst>
                   <a:ext uri="{FF2B5EF4-FFF2-40B4-BE49-F238E27FC236}">
-                    <a16:creationId xmlns:a16="http://schemas.microsoft.com/office/drawing/2014/main" id="{AF7C2712-FBCE-52F6-ADBF-9C460B142E02}"/>
+                    <a16:creationId xmlns:a16="http://schemas.microsoft.com/office/drawing/2014/main" id="{A70D621A-8485-D7AD-DBA3-6E80C9A22738}"/>
                   </a:ext>
                 </a:extLst>
               </p:cNvPr>
-              <p:cNvSpPr txBox="1">
-                <a:spLocks noRot="1" noChangeAspect="1" noMove="1" noResize="1" noEditPoints="1" noAdjustHandles="1" noChangeArrowheads="1" noChangeShapeType="1" noTextEdit="1"/>
-              </p:cNvSpPr>
-              <p:nvPr/>
-            </p:nvSpPr>
-            <p:spPr>
-              <a:xfrm>
-                <a:off x="3220392" y="2224008"/>
-                <a:ext cx="4581575" cy="276999"/>
-              </a:xfrm>
-              <a:prstGeom prst="rect">
-                <a:avLst/>
-              </a:prstGeom>
-              <a:blipFill>
-                <a:blip r:embed="rId2"/>
-                <a:stretch>
-                  <a:fillRect l="-1330" t="-28889" b="-51111"/>
-                </a:stretch>
-              </a:blipFill>
-            </p:spPr>
-            <p:txBody>
-              <a:bodyPr/>
-              <a:lstStyle/>
-              <a:p>
-                <a:r>
-                  <a:rPr lang="ko-KR" altLang="en-US">
-                    <a:noFill/>
-                  </a:rPr>
-                  <a:t> </a:t>
-                </a:r>
-              </a:p>
-            </p:txBody>
-          </p:sp>
+              <p:cNvGraphicFramePr>
+                <a:graphicFrameLocks noGrp="1"/>
+              </p:cNvGraphicFramePr>
+              <p:nvPr>
+                <p:extLst>
+                  <p:ext uri="{D42A27DB-BD31-4B8C-83A1-F6EECF244321}">
+                    <p14:modId xmlns:p14="http://schemas.microsoft.com/office/powerpoint/2010/main" val="4161103341"/>
+                  </p:ext>
+                </p:extLst>
+              </p:nvPr>
+            </p:nvGraphicFramePr>
+            <p:xfrm>
+              <a:off x="146756" y="595488"/>
+              <a:ext cx="11842044" cy="1618107"/>
+            </p:xfrm>
+            <a:graphic>
+              <a:graphicData uri="http://schemas.openxmlformats.org/drawingml/2006/table">
+                <a:tbl>
+                  <a:tblPr firstRow="1" bandRow="1">
+                    <a:tableStyleId>{5C22544A-7EE6-4342-B048-85BDC9FD1C3A}</a:tableStyleId>
+                  </a:tblPr>
+                  <a:tblGrid>
+                    <a:gridCol w="1659466">
+                      <a:extLst>
+                        <a:ext uri="{9D8B030D-6E8A-4147-A177-3AD203B41FA5}">
+                          <a16:colId xmlns:a16="http://schemas.microsoft.com/office/drawing/2014/main" val="1907333451"/>
+                        </a:ext>
+                      </a:extLst>
+                    </a:gridCol>
+                    <a:gridCol w="2370667">
+                      <a:extLst>
+                        <a:ext uri="{9D8B030D-6E8A-4147-A177-3AD203B41FA5}">
+                          <a16:colId xmlns:a16="http://schemas.microsoft.com/office/drawing/2014/main" val="5855098"/>
+                        </a:ext>
+                      </a:extLst>
+                    </a:gridCol>
+                    <a:gridCol w="699911">
+                      <a:extLst>
+                        <a:ext uri="{9D8B030D-6E8A-4147-A177-3AD203B41FA5}">
+                          <a16:colId xmlns:a16="http://schemas.microsoft.com/office/drawing/2014/main" val="4109619438"/>
+                        </a:ext>
+                      </a:extLst>
+                    </a:gridCol>
+                    <a:gridCol w="1952978">
+                      <a:extLst>
+                        <a:ext uri="{9D8B030D-6E8A-4147-A177-3AD203B41FA5}">
+                          <a16:colId xmlns:a16="http://schemas.microsoft.com/office/drawing/2014/main" val="676969810"/>
+                        </a:ext>
+                      </a:extLst>
+                    </a:gridCol>
+                    <a:gridCol w="5159022">
+                      <a:extLst>
+                        <a:ext uri="{9D8B030D-6E8A-4147-A177-3AD203B41FA5}">
+                          <a16:colId xmlns:a16="http://schemas.microsoft.com/office/drawing/2014/main" val="3212473839"/>
+                        </a:ext>
+                      </a:extLst>
+                    </a:gridCol>
+                  </a:tblGrid>
+                  <a:tr h="370840">
+                    <a:tc rowSpan="2">
+                      <a:txBody>
+                        <a:bodyPr/>
+                        <a:lstStyle/>
+                        <a:p>
+                          <a:pPr algn="ctr" latinLnBrk="1"/>
+                          <a:r>
+                            <a:rPr lang="en-US" altLang="ko-KR" sz="1200" b="0" dirty="0">
+                              <a:solidFill>
+                                <a:schemeClr val="tx1"/>
+                              </a:solidFill>
+                            </a:rPr>
+                            <a:t>Measurable</a:t>
+                          </a:r>
+                        </a:p>
+                        <a:p>
+                          <a:pPr algn="ctr" latinLnBrk="1"/>
+                          <a:r>
+                            <a:rPr lang="en-US" altLang="ko-KR" sz="1200" b="0" dirty="0">
+                              <a:solidFill>
+                                <a:schemeClr val="tx1"/>
+                              </a:solidFill>
+                            </a:rPr>
+                            <a:t>Parameters</a:t>
+                          </a:r>
+                          <a:endParaRPr lang="ko-KR" altLang="en-US" sz="1200" b="0" dirty="0">
+                            <a:solidFill>
+                              <a:schemeClr val="tx1"/>
+                            </a:solidFill>
+                          </a:endParaRPr>
+                        </a:p>
+                      </a:txBody>
+                      <a:tcPr anchor="ctr">
+                        <a:lnL w="12700" cap="flat" cmpd="sng" algn="ctr">
+                          <a:noFill/>
+                          <a:prstDash val="solid"/>
+                          <a:round/>
+                          <a:headEnd type="none" w="med" len="med"/>
+                          <a:tailEnd type="none" w="med" len="med"/>
+                        </a:lnL>
+                        <a:lnR w="3175" cap="flat" cmpd="sng" algn="ctr">
+                          <a:solidFill>
+                            <a:schemeClr val="tx1"/>
+                          </a:solidFill>
+                          <a:prstDash val="dot"/>
+                          <a:round/>
+                          <a:headEnd type="none" w="med" len="med"/>
+                          <a:tailEnd type="none" w="med" len="med"/>
+                        </a:lnR>
+                        <a:lnT w="12700" cap="flat" cmpd="sng" algn="ctr">
+                          <a:solidFill>
+                            <a:schemeClr val="tx1"/>
+                          </a:solidFill>
+                          <a:prstDash val="solid"/>
+                          <a:round/>
+                          <a:headEnd type="none" w="med" len="med"/>
+                          <a:tailEnd type="none" w="med" len="med"/>
+                        </a:lnT>
+                        <a:lnB w="12700" cap="flat" cmpd="sng" algn="ctr">
+                          <a:solidFill>
+                            <a:schemeClr val="tx1"/>
+                          </a:solidFill>
+                          <a:prstDash val="solid"/>
+                          <a:round/>
+                          <a:headEnd type="none" w="med" len="med"/>
+                          <a:tailEnd type="none" w="med" len="med"/>
+                        </a:lnB>
+                        <a:lnTlToBr w="12700" cmpd="sng">
+                          <a:noFill/>
+                          <a:prstDash val="solid"/>
+                        </a:lnTlToBr>
+                        <a:lnBlToTr w="12700" cmpd="sng">
+                          <a:noFill/>
+                          <a:prstDash val="solid"/>
+                        </a:lnBlToTr>
+                        <a:solidFill>
+                          <a:schemeClr val="bg1"/>
+                        </a:solidFill>
+                      </a:tcPr>
+                    </a:tc>
+                    <a:tc>
+                      <a:txBody>
+                        <a:bodyPr/>
+                        <a:lstStyle/>
+                        <a:p>
+                          <a:pPr algn="ctr" latinLnBrk="1"/>
+                          <a:r>
+                            <a:rPr lang="en-US" altLang="ko-KR" sz="1200" b="0" dirty="0">
+                              <a:solidFill>
+                                <a:schemeClr val="tx1"/>
+                              </a:solidFill>
+                            </a:rPr>
+                            <a:t>Rotational Vehicle Body Status</a:t>
+                          </a:r>
+                          <a:endParaRPr lang="ko-KR" altLang="en-US" sz="1200" b="0" dirty="0">
+                            <a:solidFill>
+                              <a:schemeClr val="tx1"/>
+                            </a:solidFill>
+                          </a:endParaRPr>
+                        </a:p>
+                      </a:txBody>
+                      <a:tcPr anchor="ctr">
+                        <a:lnL w="3175" cap="flat" cmpd="sng" algn="ctr">
+                          <a:solidFill>
+                            <a:schemeClr val="tx1"/>
+                          </a:solidFill>
+                          <a:prstDash val="dot"/>
+                          <a:round/>
+                          <a:headEnd type="none" w="med" len="med"/>
+                          <a:tailEnd type="none" w="med" len="med"/>
+                        </a:lnL>
+                        <a:lnR w="3175" cap="flat" cmpd="sng" algn="ctr">
+                          <a:solidFill>
+                            <a:schemeClr val="tx1"/>
+                          </a:solidFill>
+                          <a:prstDash val="dot"/>
+                          <a:round/>
+                          <a:headEnd type="none" w="med" len="med"/>
+                          <a:tailEnd type="none" w="med" len="med"/>
+                        </a:lnR>
+                        <a:lnT w="12700" cap="flat" cmpd="sng" algn="ctr">
+                          <a:solidFill>
+                            <a:schemeClr val="tx1"/>
+                          </a:solidFill>
+                          <a:prstDash val="solid"/>
+                          <a:round/>
+                          <a:headEnd type="none" w="med" len="med"/>
+                          <a:tailEnd type="none" w="med" len="med"/>
+                        </a:lnT>
+                        <a:lnB w="12700" cap="flat" cmpd="sng" algn="ctr">
+                          <a:noFill/>
+                          <a:prstDash val="solid"/>
+                          <a:round/>
+                          <a:headEnd type="none" w="med" len="med"/>
+                          <a:tailEnd type="none" w="med" len="med"/>
+                        </a:lnB>
+                        <a:lnTlToBr w="12700" cmpd="sng">
+                          <a:noFill/>
+                          <a:prstDash val="solid"/>
+                        </a:lnTlToBr>
+                        <a:lnBlToTr w="12700" cmpd="sng">
+                          <a:noFill/>
+                          <a:prstDash val="solid"/>
+                        </a:lnBlToTr>
+                        <a:solidFill>
+                          <a:schemeClr val="bg1"/>
+                        </a:solidFill>
+                      </a:tcPr>
+                    </a:tc>
+                    <a:tc>
+                      <a:txBody>
+                        <a:bodyPr/>
+                        <a:lstStyle/>
+                        <a:p>
+                          <a:endParaRPr lang="ko-KR"/>
+                        </a:p>
+                      </a:txBody>
+                      <a:tcPr anchor="ctr">
+                        <a:lnL w="3175" cap="flat" cmpd="sng" algn="ctr">
+                          <a:solidFill>
+                            <a:schemeClr val="tx1"/>
+                          </a:solidFill>
+                          <a:prstDash val="dot"/>
+                          <a:round/>
+                          <a:headEnd type="none" w="med" len="med"/>
+                          <a:tailEnd type="none" w="med" len="med"/>
+                        </a:lnL>
+                        <a:lnR w="3175" cap="flat" cmpd="sng" algn="ctr">
+                          <a:solidFill>
+                            <a:schemeClr val="tx1"/>
+                          </a:solidFill>
+                          <a:prstDash val="dot"/>
+                          <a:round/>
+                          <a:headEnd type="none" w="med" len="med"/>
+                          <a:tailEnd type="none" w="med" len="med"/>
+                        </a:lnR>
+                        <a:lnT w="12700" cap="flat" cmpd="sng" algn="ctr">
+                          <a:solidFill>
+                            <a:schemeClr val="tx1"/>
+                          </a:solidFill>
+                          <a:prstDash val="solid"/>
+                          <a:round/>
+                          <a:headEnd type="none" w="med" len="med"/>
+                          <a:tailEnd type="none" w="med" len="med"/>
+                        </a:lnT>
+                        <a:lnB w="12700" cap="flat" cmpd="sng" algn="ctr">
+                          <a:noFill/>
+                          <a:prstDash val="solid"/>
+                          <a:round/>
+                          <a:headEnd type="none" w="med" len="med"/>
+                          <a:tailEnd type="none" w="med" len="med"/>
+                        </a:lnB>
+                        <a:lnTlToBr w="12700" cmpd="sng">
+                          <a:noFill/>
+                          <a:prstDash val="solid"/>
+                        </a:lnTlToBr>
+                        <a:lnBlToTr w="12700" cmpd="sng">
+                          <a:noFill/>
+                          <a:prstDash val="solid"/>
+                        </a:lnBlToTr>
+                        <a:blipFill>
+                          <a:blip r:embed="rId2"/>
+                          <a:stretch>
+                            <a:fillRect l="-574783" t="-1639" r="-1015652" b="-490164"/>
+                          </a:stretch>
+                        </a:blipFill>
+                      </a:tcPr>
+                    </a:tc>
+                    <a:tc>
+                      <a:txBody>
+                        <a:bodyPr/>
+                        <a:lstStyle/>
+                        <a:p>
+                          <a:endParaRPr lang="ko-KR"/>
+                        </a:p>
+                      </a:txBody>
+                      <a:tcPr anchor="ctr">
+                        <a:lnL w="3175" cap="flat" cmpd="sng" algn="ctr">
+                          <a:solidFill>
+                            <a:schemeClr val="tx1"/>
+                          </a:solidFill>
+                          <a:prstDash val="dot"/>
+                          <a:round/>
+                          <a:headEnd type="none" w="med" len="med"/>
+                          <a:tailEnd type="none" w="med" len="med"/>
+                        </a:lnL>
+                        <a:lnR w="3175" cap="flat" cmpd="sng" algn="ctr">
+                          <a:solidFill>
+                            <a:schemeClr val="tx1"/>
+                          </a:solidFill>
+                          <a:prstDash val="dot"/>
+                          <a:round/>
+                          <a:headEnd type="none" w="med" len="med"/>
+                          <a:tailEnd type="none" w="med" len="med"/>
+                        </a:lnR>
+                        <a:lnT w="12700" cap="flat" cmpd="sng" algn="ctr">
+                          <a:solidFill>
+                            <a:schemeClr val="tx1"/>
+                          </a:solidFill>
+                          <a:prstDash val="solid"/>
+                          <a:round/>
+                          <a:headEnd type="none" w="med" len="med"/>
+                          <a:tailEnd type="none" w="med" len="med"/>
+                        </a:lnT>
+                        <a:lnB w="12700" cap="flat" cmpd="sng" algn="ctr">
+                          <a:noFill/>
+                          <a:prstDash val="solid"/>
+                          <a:round/>
+                          <a:headEnd type="none" w="med" len="med"/>
+                          <a:tailEnd type="none" w="med" len="med"/>
+                        </a:lnB>
+                        <a:lnTlToBr w="12700" cmpd="sng">
+                          <a:noFill/>
+                          <a:prstDash val="solid"/>
+                        </a:lnTlToBr>
+                        <a:lnBlToTr w="12700" cmpd="sng">
+                          <a:noFill/>
+                          <a:prstDash val="solid"/>
+                        </a:lnBlToTr>
+                        <a:blipFill>
+                          <a:blip r:embed="rId2"/>
+                          <a:stretch>
+                            <a:fillRect l="-241745" t="-1639" r="-263863" b="-490164"/>
+                          </a:stretch>
+                        </a:blipFill>
+                      </a:tcPr>
+                    </a:tc>
+                    <a:tc>
+                      <a:txBody>
+                        <a:bodyPr/>
+                        <a:lstStyle/>
+                        <a:p>
+                          <a:endParaRPr lang="ko-KR"/>
+                        </a:p>
+                      </a:txBody>
+                      <a:tcPr anchor="ctr">
+                        <a:lnL w="3175" cap="flat" cmpd="sng" algn="ctr">
+                          <a:solidFill>
+                            <a:schemeClr val="tx1"/>
+                          </a:solidFill>
+                          <a:prstDash val="dot"/>
+                          <a:round/>
+                          <a:headEnd type="none" w="med" len="med"/>
+                          <a:tailEnd type="none" w="med" len="med"/>
+                        </a:lnL>
+                        <a:lnR w="12700" cap="flat" cmpd="sng" algn="ctr">
+                          <a:noFill/>
+                          <a:prstDash val="solid"/>
+                          <a:round/>
+                          <a:headEnd type="none" w="med" len="med"/>
+                          <a:tailEnd type="none" w="med" len="med"/>
+                        </a:lnR>
+                        <a:lnT w="12700" cap="flat" cmpd="sng" algn="ctr">
+                          <a:solidFill>
+                            <a:schemeClr val="tx1"/>
+                          </a:solidFill>
+                          <a:prstDash val="solid"/>
+                          <a:round/>
+                          <a:headEnd type="none" w="med" len="med"/>
+                          <a:tailEnd type="none" w="med" len="med"/>
+                        </a:lnT>
+                        <a:lnB w="12700" cap="flat" cmpd="sng" algn="ctr">
+                          <a:noFill/>
+                          <a:prstDash val="solid"/>
+                          <a:round/>
+                          <a:headEnd type="none" w="med" len="med"/>
+                          <a:tailEnd type="none" w="med" len="med"/>
+                        </a:lnB>
+                        <a:lnTlToBr w="12700" cmpd="sng">
+                          <a:noFill/>
+                          <a:prstDash val="solid"/>
+                        </a:lnTlToBr>
+                        <a:lnBlToTr w="12700" cmpd="sng">
+                          <a:noFill/>
+                          <a:prstDash val="solid"/>
+                        </a:lnBlToTr>
+                        <a:blipFill>
+                          <a:blip r:embed="rId2"/>
+                          <a:stretch>
+                            <a:fillRect l="-129669" t="-1639" r="-118" b="-490164"/>
+                          </a:stretch>
+                        </a:blipFill>
+                      </a:tcPr>
+                    </a:tc>
+                    <a:extLst>
+                      <a:ext uri="{0D108BD9-81ED-4DB2-BD59-A6C34878D82A}">
+                        <a16:rowId xmlns:a16="http://schemas.microsoft.com/office/drawing/2014/main" val="2428149563"/>
+                      </a:ext>
+                    </a:extLst>
+                  </a:tr>
+                  <a:tr h="370840">
+                    <a:tc vMerge="1">
+                      <a:txBody>
+                        <a:bodyPr/>
+                        <a:lstStyle/>
+                        <a:p>
+                          <a:pPr algn="ctr" latinLnBrk="1"/>
+                          <a:endParaRPr lang="ko-KR" altLang="en-US" sz="1200" dirty="0"/>
+                        </a:p>
+                      </a:txBody>
+                      <a:tcPr>
+                        <a:lnL w="12700" cap="flat" cmpd="sng" algn="ctr">
+                          <a:noFill/>
+                          <a:prstDash val="solid"/>
+                          <a:round/>
+                          <a:headEnd type="none" w="med" len="med"/>
+                          <a:tailEnd type="none" w="med" len="med"/>
+                        </a:lnL>
+                        <a:lnR w="3175" cap="flat" cmpd="sng" algn="ctr">
+                          <a:solidFill>
+                            <a:schemeClr val="tx1"/>
+                          </a:solidFill>
+                          <a:prstDash val="dot"/>
+                          <a:round/>
+                          <a:headEnd type="none" w="med" len="med"/>
+                          <a:tailEnd type="none" w="med" len="med"/>
+                        </a:lnR>
+                        <a:lnT w="12700" cap="flat" cmpd="sng" algn="ctr">
+                          <a:noFill/>
+                          <a:prstDash val="solid"/>
+                          <a:round/>
+                          <a:headEnd type="none" w="med" len="med"/>
+                          <a:tailEnd type="none" w="med" len="med"/>
+                        </a:lnT>
+                        <a:lnB w="12700" cap="flat" cmpd="sng" algn="ctr">
+                          <a:noFill/>
+                          <a:prstDash val="solid"/>
+                          <a:round/>
+                          <a:headEnd type="none" w="med" len="med"/>
+                          <a:tailEnd type="none" w="med" len="med"/>
+                        </a:lnB>
+                        <a:lnTlToBr w="12700" cmpd="sng">
+                          <a:noFill/>
+                          <a:prstDash val="solid"/>
+                        </a:lnTlToBr>
+                        <a:lnBlToTr w="12700" cmpd="sng">
+                          <a:noFill/>
+                          <a:prstDash val="solid"/>
+                        </a:lnBlToTr>
+                        <a:solidFill>
+                          <a:schemeClr val="bg1"/>
+                        </a:solidFill>
+                      </a:tcPr>
+                    </a:tc>
+                    <a:tc>
+                      <a:txBody>
+                        <a:bodyPr/>
+                        <a:lstStyle/>
+                        <a:p>
+                          <a:pPr algn="ctr" latinLnBrk="1"/>
+                          <a:r>
+                            <a:rPr lang="en-US" altLang="ko-KR" sz="1200" b="0" dirty="0">
+                              <a:solidFill>
+                                <a:schemeClr val="tx1"/>
+                              </a:solidFill>
+                            </a:rPr>
+                            <a:t>Vehicle Status</a:t>
+                          </a:r>
+                          <a:endParaRPr lang="ko-KR" altLang="en-US" sz="1200" b="0" dirty="0">
+                            <a:solidFill>
+                              <a:schemeClr val="tx1"/>
+                            </a:solidFill>
+                          </a:endParaRPr>
+                        </a:p>
+                      </a:txBody>
+                      <a:tcPr anchor="ctr">
+                        <a:lnL w="3175" cap="flat" cmpd="sng" algn="ctr">
+                          <a:solidFill>
+                            <a:schemeClr val="tx1"/>
+                          </a:solidFill>
+                          <a:prstDash val="dot"/>
+                          <a:round/>
+                          <a:headEnd type="none" w="med" len="med"/>
+                          <a:tailEnd type="none" w="med" len="med"/>
+                        </a:lnL>
+                        <a:lnR w="3175" cap="flat" cmpd="sng" algn="ctr">
+                          <a:solidFill>
+                            <a:schemeClr val="tx1"/>
+                          </a:solidFill>
+                          <a:prstDash val="dot"/>
+                          <a:round/>
+                          <a:headEnd type="none" w="med" len="med"/>
+                          <a:tailEnd type="none" w="med" len="med"/>
+                        </a:lnR>
+                        <a:lnT w="12700" cap="flat" cmpd="sng" algn="ctr">
+                          <a:noFill/>
+                          <a:prstDash val="solid"/>
+                          <a:round/>
+                          <a:headEnd type="none" w="med" len="med"/>
+                          <a:tailEnd type="none" w="med" len="med"/>
+                        </a:lnT>
+                        <a:lnB w="12700" cap="flat" cmpd="sng" algn="ctr">
+                          <a:solidFill>
+                            <a:schemeClr val="tx1"/>
+                          </a:solidFill>
+                          <a:prstDash val="solid"/>
+                          <a:round/>
+                          <a:headEnd type="none" w="med" len="med"/>
+                          <a:tailEnd type="none" w="med" len="med"/>
+                        </a:lnB>
+                        <a:lnTlToBr w="12700" cmpd="sng">
+                          <a:noFill/>
+                          <a:prstDash val="solid"/>
+                        </a:lnTlToBr>
+                        <a:lnBlToTr w="12700" cmpd="sng">
+                          <a:noFill/>
+                          <a:prstDash val="solid"/>
+                        </a:lnBlToTr>
+                        <a:solidFill>
+                          <a:schemeClr val="bg1"/>
+                        </a:solidFill>
+                      </a:tcPr>
+                    </a:tc>
+                    <a:tc>
+                      <a:txBody>
+                        <a:bodyPr/>
+                        <a:lstStyle/>
+                        <a:p>
+                          <a:endParaRPr lang="ko-KR"/>
+                        </a:p>
+                      </a:txBody>
+                      <a:tcPr anchor="ctr">
+                        <a:lnL w="3175" cap="flat" cmpd="sng" algn="ctr">
+                          <a:solidFill>
+                            <a:schemeClr val="tx1"/>
+                          </a:solidFill>
+                          <a:prstDash val="dot"/>
+                          <a:round/>
+                          <a:headEnd type="none" w="med" len="med"/>
+                          <a:tailEnd type="none" w="med" len="med"/>
+                        </a:lnL>
+                        <a:lnR w="3175" cap="flat" cmpd="sng" algn="ctr">
+                          <a:solidFill>
+                            <a:schemeClr val="tx1"/>
+                          </a:solidFill>
+                          <a:prstDash val="dot"/>
+                          <a:round/>
+                          <a:headEnd type="none" w="med" len="med"/>
+                          <a:tailEnd type="none" w="med" len="med"/>
+                        </a:lnR>
+                        <a:lnT w="12700" cap="flat" cmpd="sng" algn="ctr">
+                          <a:noFill/>
+                          <a:prstDash val="solid"/>
+                          <a:round/>
+                          <a:headEnd type="none" w="med" len="med"/>
+                          <a:tailEnd type="none" w="med" len="med"/>
+                        </a:lnT>
+                        <a:lnB w="12700" cap="flat" cmpd="sng" algn="ctr">
+                          <a:solidFill>
+                            <a:schemeClr val="tx1"/>
+                          </a:solidFill>
+                          <a:prstDash val="solid"/>
+                          <a:round/>
+                          <a:headEnd type="none" w="med" len="med"/>
+                          <a:tailEnd type="none" w="med" len="med"/>
+                        </a:lnB>
+                        <a:lnTlToBr w="12700" cmpd="sng">
+                          <a:noFill/>
+                          <a:prstDash val="solid"/>
+                        </a:lnTlToBr>
+                        <a:lnBlToTr w="12700" cmpd="sng">
+                          <a:noFill/>
+                          <a:prstDash val="solid"/>
+                        </a:lnBlToTr>
+                        <a:blipFill>
+                          <a:blip r:embed="rId2"/>
+                          <a:stretch>
+                            <a:fillRect l="-574783" t="-101639" r="-1015652" b="-390164"/>
+                          </a:stretch>
+                        </a:blipFill>
+                      </a:tcPr>
+                    </a:tc>
+                    <a:tc>
+                      <a:txBody>
+                        <a:bodyPr/>
+                        <a:lstStyle/>
+                        <a:p>
+                          <a:endParaRPr lang="ko-KR"/>
+                        </a:p>
+                      </a:txBody>
+                      <a:tcPr anchor="ctr">
+                        <a:lnL w="3175" cap="flat" cmpd="sng" algn="ctr">
+                          <a:solidFill>
+                            <a:schemeClr val="tx1"/>
+                          </a:solidFill>
+                          <a:prstDash val="dot"/>
+                          <a:round/>
+                          <a:headEnd type="none" w="med" len="med"/>
+                          <a:tailEnd type="none" w="med" len="med"/>
+                        </a:lnL>
+                        <a:lnR w="3175" cap="flat" cmpd="sng" algn="ctr">
+                          <a:solidFill>
+                            <a:schemeClr val="tx1"/>
+                          </a:solidFill>
+                          <a:prstDash val="dot"/>
+                          <a:round/>
+                          <a:headEnd type="none" w="med" len="med"/>
+                          <a:tailEnd type="none" w="med" len="med"/>
+                        </a:lnR>
+                        <a:lnT w="12700" cap="flat" cmpd="sng" algn="ctr">
+                          <a:noFill/>
+                          <a:prstDash val="solid"/>
+                          <a:round/>
+                          <a:headEnd type="none" w="med" len="med"/>
+                          <a:tailEnd type="none" w="med" len="med"/>
+                        </a:lnT>
+                        <a:lnB w="12700" cap="flat" cmpd="sng" algn="ctr">
+                          <a:solidFill>
+                            <a:schemeClr val="tx1"/>
+                          </a:solidFill>
+                          <a:prstDash val="solid"/>
+                          <a:round/>
+                          <a:headEnd type="none" w="med" len="med"/>
+                          <a:tailEnd type="none" w="med" len="med"/>
+                        </a:lnB>
+                        <a:lnTlToBr w="12700" cmpd="sng">
+                          <a:noFill/>
+                          <a:prstDash val="solid"/>
+                        </a:lnTlToBr>
+                        <a:lnBlToTr w="12700" cmpd="sng">
+                          <a:noFill/>
+                          <a:prstDash val="solid"/>
+                        </a:lnBlToTr>
+                        <a:blipFill>
+                          <a:blip r:embed="rId2"/>
+                          <a:stretch>
+                            <a:fillRect l="-241745" t="-101639" r="-263863" b="-390164"/>
+                          </a:stretch>
+                        </a:blipFill>
+                      </a:tcPr>
+                    </a:tc>
+                    <a:tc>
+                      <a:txBody>
+                        <a:bodyPr/>
+                        <a:lstStyle/>
+                        <a:p>
+                          <a:endParaRPr lang="ko-KR"/>
+                        </a:p>
+                      </a:txBody>
+                      <a:tcPr anchor="ctr">
+                        <a:lnL w="3175" cap="flat" cmpd="sng" algn="ctr">
+                          <a:solidFill>
+                            <a:schemeClr val="tx1"/>
+                          </a:solidFill>
+                          <a:prstDash val="dot"/>
+                          <a:round/>
+                          <a:headEnd type="none" w="med" len="med"/>
+                          <a:tailEnd type="none" w="med" len="med"/>
+                        </a:lnL>
+                        <a:lnR w="12700" cap="flat" cmpd="sng" algn="ctr">
+                          <a:noFill/>
+                          <a:prstDash val="solid"/>
+                          <a:round/>
+                          <a:headEnd type="none" w="med" len="med"/>
+                          <a:tailEnd type="none" w="med" len="med"/>
+                        </a:lnR>
+                        <a:lnT w="12700" cap="flat" cmpd="sng" algn="ctr">
+                          <a:noFill/>
+                          <a:prstDash val="solid"/>
+                          <a:round/>
+                          <a:headEnd type="none" w="med" len="med"/>
+                          <a:tailEnd type="none" w="med" len="med"/>
+                        </a:lnT>
+                        <a:lnB w="12700" cap="flat" cmpd="sng" algn="ctr">
+                          <a:solidFill>
+                            <a:schemeClr val="tx1"/>
+                          </a:solidFill>
+                          <a:prstDash val="solid"/>
+                          <a:round/>
+                          <a:headEnd type="none" w="med" len="med"/>
+                          <a:tailEnd type="none" w="med" len="med"/>
+                        </a:lnB>
+                        <a:lnTlToBr w="12700" cmpd="sng">
+                          <a:noFill/>
+                          <a:prstDash val="solid"/>
+                        </a:lnTlToBr>
+                        <a:lnBlToTr w="12700" cmpd="sng">
+                          <a:noFill/>
+                          <a:prstDash val="solid"/>
+                        </a:lnBlToTr>
+                        <a:blipFill>
+                          <a:blip r:embed="rId2"/>
+                          <a:stretch>
+                            <a:fillRect l="-129669" t="-101639" r="-118" b="-390164"/>
+                          </a:stretch>
+                        </a:blipFill>
+                      </a:tcPr>
+                    </a:tc>
+                    <a:extLst>
+                      <a:ext uri="{0D108BD9-81ED-4DB2-BD59-A6C34878D82A}">
+                        <a16:rowId xmlns:a16="http://schemas.microsoft.com/office/drawing/2014/main" val="691107330"/>
+                      </a:ext>
+                    </a:extLst>
+                  </a:tr>
+                  <a:tr h="370840">
+                    <a:tc>
+                      <a:txBody>
+                        <a:bodyPr/>
+                        <a:lstStyle/>
+                        <a:p>
+                          <a:pPr algn="ctr" latinLnBrk="1"/>
+                          <a:r>
+                            <a:rPr lang="en-US" altLang="ko-KR" sz="1200" b="0" dirty="0">
+                              <a:solidFill>
+                                <a:schemeClr val="tx1"/>
+                              </a:solidFill>
+                            </a:rPr>
+                            <a:t>Input Parameters</a:t>
+                          </a:r>
+                          <a:endParaRPr lang="ko-KR" altLang="en-US" sz="1200" b="0" dirty="0">
+                            <a:solidFill>
+                              <a:schemeClr val="tx1"/>
+                            </a:solidFill>
+                          </a:endParaRPr>
+                        </a:p>
+                      </a:txBody>
+                      <a:tcPr anchor="ctr">
+                        <a:lnL w="12700" cap="flat" cmpd="sng" algn="ctr">
+                          <a:noFill/>
+                          <a:prstDash val="solid"/>
+                          <a:round/>
+                          <a:headEnd type="none" w="med" len="med"/>
+                          <a:tailEnd type="none" w="med" len="med"/>
+                        </a:lnL>
+                        <a:lnR w="3175" cap="flat" cmpd="sng" algn="ctr">
+                          <a:solidFill>
+                            <a:schemeClr val="tx1"/>
+                          </a:solidFill>
+                          <a:prstDash val="dot"/>
+                          <a:round/>
+                          <a:headEnd type="none" w="med" len="med"/>
+                          <a:tailEnd type="none" w="med" len="med"/>
+                        </a:lnR>
+                        <a:lnT w="12700" cap="flat" cmpd="sng" algn="ctr">
+                          <a:solidFill>
+                            <a:schemeClr val="tx1"/>
+                          </a:solidFill>
+                          <a:prstDash val="solid"/>
+                          <a:round/>
+                          <a:headEnd type="none" w="med" len="med"/>
+                          <a:tailEnd type="none" w="med" len="med"/>
+                        </a:lnT>
+                        <a:lnB w="12700" cap="flat" cmpd="sng" algn="ctr">
+                          <a:solidFill>
+                            <a:schemeClr val="tx1"/>
+                          </a:solidFill>
+                          <a:prstDash val="solid"/>
+                          <a:round/>
+                          <a:headEnd type="none" w="med" len="med"/>
+                          <a:tailEnd type="none" w="med" len="med"/>
+                        </a:lnB>
+                        <a:lnTlToBr w="12700" cmpd="sng">
+                          <a:noFill/>
+                          <a:prstDash val="solid"/>
+                        </a:lnTlToBr>
+                        <a:lnBlToTr w="12700" cmpd="sng">
+                          <a:noFill/>
+                          <a:prstDash val="solid"/>
+                        </a:lnBlToTr>
+                        <a:solidFill>
+                          <a:schemeClr val="bg1"/>
+                        </a:solidFill>
+                      </a:tcPr>
+                    </a:tc>
+                    <a:tc>
+                      <a:txBody>
+                        <a:bodyPr/>
+                        <a:lstStyle/>
+                        <a:p>
+                          <a:pPr algn="ctr" latinLnBrk="1"/>
+                          <a:r>
+                            <a:rPr lang="en-US" altLang="ko-KR" sz="1200" b="0" dirty="0">
+                              <a:solidFill>
+                                <a:schemeClr val="tx1"/>
+                              </a:solidFill>
+                            </a:rPr>
+                            <a:t>User Control Input</a:t>
+                          </a:r>
+                          <a:endParaRPr lang="ko-KR" altLang="en-US" sz="1200" b="0" dirty="0">
+                            <a:solidFill>
+                              <a:schemeClr val="tx1"/>
+                            </a:solidFill>
+                          </a:endParaRPr>
+                        </a:p>
+                      </a:txBody>
+                      <a:tcPr anchor="ctr">
+                        <a:lnL w="3175" cap="flat" cmpd="sng" algn="ctr">
+                          <a:solidFill>
+                            <a:schemeClr val="tx1"/>
+                          </a:solidFill>
+                          <a:prstDash val="dot"/>
+                          <a:round/>
+                          <a:headEnd type="none" w="med" len="med"/>
+                          <a:tailEnd type="none" w="med" len="med"/>
+                        </a:lnL>
+                        <a:lnR w="3175" cap="flat" cmpd="sng" algn="ctr">
+                          <a:solidFill>
+                            <a:schemeClr val="tx1"/>
+                          </a:solidFill>
+                          <a:prstDash val="dot"/>
+                          <a:round/>
+                          <a:headEnd type="none" w="med" len="med"/>
+                          <a:tailEnd type="none" w="med" len="med"/>
+                        </a:lnR>
+                        <a:lnT w="12700" cap="flat" cmpd="sng" algn="ctr">
+                          <a:solidFill>
+                            <a:schemeClr val="tx1"/>
+                          </a:solidFill>
+                          <a:prstDash val="solid"/>
+                          <a:round/>
+                          <a:headEnd type="none" w="med" len="med"/>
+                          <a:tailEnd type="none" w="med" len="med"/>
+                        </a:lnT>
+                        <a:lnB w="12700" cap="flat" cmpd="sng" algn="ctr">
+                          <a:solidFill>
+                            <a:schemeClr val="tx1"/>
+                          </a:solidFill>
+                          <a:prstDash val="solid"/>
+                          <a:round/>
+                          <a:headEnd type="none" w="med" len="med"/>
+                          <a:tailEnd type="none" w="med" len="med"/>
+                        </a:lnB>
+                        <a:lnTlToBr w="12700" cmpd="sng">
+                          <a:noFill/>
+                          <a:prstDash val="solid"/>
+                        </a:lnTlToBr>
+                        <a:lnBlToTr w="12700" cmpd="sng">
+                          <a:noFill/>
+                          <a:prstDash val="solid"/>
+                        </a:lnBlToTr>
+                        <a:solidFill>
+                          <a:schemeClr val="bg1"/>
+                        </a:solidFill>
+                      </a:tcPr>
+                    </a:tc>
+                    <a:tc>
+                      <a:txBody>
+                        <a:bodyPr/>
+                        <a:lstStyle/>
+                        <a:p>
+                          <a:endParaRPr lang="ko-KR"/>
+                        </a:p>
+                      </a:txBody>
+                      <a:tcPr anchor="ctr">
+                        <a:lnL w="3175" cap="flat" cmpd="sng" algn="ctr">
+                          <a:solidFill>
+                            <a:schemeClr val="tx1"/>
+                          </a:solidFill>
+                          <a:prstDash val="dot"/>
+                          <a:round/>
+                          <a:headEnd type="none" w="med" len="med"/>
+                          <a:tailEnd type="none" w="med" len="med"/>
+                        </a:lnL>
+                        <a:lnR w="3175" cap="flat" cmpd="sng" algn="ctr">
+                          <a:solidFill>
+                            <a:schemeClr val="tx1"/>
+                          </a:solidFill>
+                          <a:prstDash val="dot"/>
+                          <a:round/>
+                          <a:headEnd type="none" w="med" len="med"/>
+                          <a:tailEnd type="none" w="med" len="med"/>
+                        </a:lnR>
+                        <a:lnT w="12700" cap="flat" cmpd="sng" algn="ctr">
+                          <a:solidFill>
+                            <a:schemeClr val="tx1"/>
+                          </a:solidFill>
+                          <a:prstDash val="solid"/>
+                          <a:round/>
+                          <a:headEnd type="none" w="med" len="med"/>
+                          <a:tailEnd type="none" w="med" len="med"/>
+                        </a:lnT>
+                        <a:lnB w="12700" cap="flat" cmpd="sng" algn="ctr">
+                          <a:solidFill>
+                            <a:schemeClr val="tx1"/>
+                          </a:solidFill>
+                          <a:prstDash val="solid"/>
+                          <a:round/>
+                          <a:headEnd type="none" w="med" len="med"/>
+                          <a:tailEnd type="none" w="med" len="med"/>
+                        </a:lnB>
+                        <a:lnTlToBr w="12700" cmpd="sng">
+                          <a:noFill/>
+                          <a:prstDash val="solid"/>
+                        </a:lnTlToBr>
+                        <a:lnBlToTr w="12700" cmpd="sng">
+                          <a:noFill/>
+                          <a:prstDash val="solid"/>
+                        </a:lnBlToTr>
+                        <a:blipFill>
+                          <a:blip r:embed="rId2"/>
+                          <a:stretch>
+                            <a:fillRect l="-574783" t="-198387" r="-1015652" b="-283871"/>
+                          </a:stretch>
+                        </a:blipFill>
+                      </a:tcPr>
+                    </a:tc>
+                    <a:tc>
+                      <a:txBody>
+                        <a:bodyPr/>
+                        <a:lstStyle/>
+                        <a:p>
+                          <a:endParaRPr lang="ko-KR"/>
+                        </a:p>
+                      </a:txBody>
+                      <a:tcPr anchor="ctr">
+                        <a:lnL w="3175" cap="flat" cmpd="sng" algn="ctr">
+                          <a:solidFill>
+                            <a:schemeClr val="tx1"/>
+                          </a:solidFill>
+                          <a:prstDash val="dot"/>
+                          <a:round/>
+                          <a:headEnd type="none" w="med" len="med"/>
+                          <a:tailEnd type="none" w="med" len="med"/>
+                        </a:lnL>
+                        <a:lnR w="3175" cap="flat" cmpd="sng" algn="ctr">
+                          <a:solidFill>
+                            <a:schemeClr val="tx1"/>
+                          </a:solidFill>
+                          <a:prstDash val="dot"/>
+                          <a:round/>
+                          <a:headEnd type="none" w="med" len="med"/>
+                          <a:tailEnd type="none" w="med" len="med"/>
+                        </a:lnR>
+                        <a:lnT w="12700" cap="flat" cmpd="sng" algn="ctr">
+                          <a:solidFill>
+                            <a:schemeClr val="tx1"/>
+                          </a:solidFill>
+                          <a:prstDash val="solid"/>
+                          <a:round/>
+                          <a:headEnd type="none" w="med" len="med"/>
+                          <a:tailEnd type="none" w="med" len="med"/>
+                        </a:lnT>
+                        <a:lnB w="12700" cap="flat" cmpd="sng" algn="ctr">
+                          <a:solidFill>
+                            <a:schemeClr val="tx1"/>
+                          </a:solidFill>
+                          <a:prstDash val="solid"/>
+                          <a:round/>
+                          <a:headEnd type="none" w="med" len="med"/>
+                          <a:tailEnd type="none" w="med" len="med"/>
+                        </a:lnB>
+                        <a:lnTlToBr w="12700" cmpd="sng">
+                          <a:noFill/>
+                          <a:prstDash val="solid"/>
+                        </a:lnTlToBr>
+                        <a:lnBlToTr w="12700" cmpd="sng">
+                          <a:noFill/>
+                          <a:prstDash val="solid"/>
+                        </a:lnBlToTr>
+                        <a:blipFill>
+                          <a:blip r:embed="rId2"/>
+                          <a:stretch>
+                            <a:fillRect l="-241745" t="-198387" r="-263863" b="-283871"/>
+                          </a:stretch>
+                        </a:blipFill>
+                      </a:tcPr>
+                    </a:tc>
+                    <a:tc>
+                      <a:txBody>
+                        <a:bodyPr/>
+                        <a:lstStyle/>
+                        <a:p>
+                          <a:endParaRPr lang="ko-KR"/>
+                        </a:p>
+                      </a:txBody>
+                      <a:tcPr anchor="ctr">
+                        <a:lnL w="3175" cap="flat" cmpd="sng" algn="ctr">
+                          <a:solidFill>
+                            <a:schemeClr val="tx1"/>
+                          </a:solidFill>
+                          <a:prstDash val="dot"/>
+                          <a:round/>
+                          <a:headEnd type="none" w="med" len="med"/>
+                          <a:tailEnd type="none" w="med" len="med"/>
+                        </a:lnL>
+                        <a:lnR w="12700" cap="flat" cmpd="sng" algn="ctr">
+                          <a:noFill/>
+                          <a:prstDash val="solid"/>
+                          <a:round/>
+                          <a:headEnd type="none" w="med" len="med"/>
+                          <a:tailEnd type="none" w="med" len="med"/>
+                        </a:lnR>
+                        <a:lnT w="12700" cap="flat" cmpd="sng" algn="ctr">
+                          <a:solidFill>
+                            <a:schemeClr val="tx1"/>
+                          </a:solidFill>
+                          <a:prstDash val="solid"/>
+                          <a:round/>
+                          <a:headEnd type="none" w="med" len="med"/>
+                          <a:tailEnd type="none" w="med" len="med"/>
+                        </a:lnT>
+                        <a:lnB w="12700" cap="flat" cmpd="sng" algn="ctr">
+                          <a:solidFill>
+                            <a:schemeClr val="tx1"/>
+                          </a:solidFill>
+                          <a:prstDash val="solid"/>
+                          <a:round/>
+                          <a:headEnd type="none" w="med" len="med"/>
+                          <a:tailEnd type="none" w="med" len="med"/>
+                        </a:lnB>
+                        <a:lnTlToBr w="12700" cmpd="sng">
+                          <a:noFill/>
+                          <a:prstDash val="solid"/>
+                        </a:lnTlToBr>
+                        <a:lnBlToTr w="12700" cmpd="sng">
+                          <a:noFill/>
+                          <a:prstDash val="solid"/>
+                        </a:lnBlToTr>
+                        <a:blipFill>
+                          <a:blip r:embed="rId2"/>
+                          <a:stretch>
+                            <a:fillRect l="-129669" t="-198387" r="-118" b="-283871"/>
+                          </a:stretch>
+                        </a:blipFill>
+                      </a:tcPr>
+                    </a:tc>
+                    <a:extLst>
+                      <a:ext uri="{0D108BD9-81ED-4DB2-BD59-A6C34878D82A}">
+                        <a16:rowId xmlns:a16="http://schemas.microsoft.com/office/drawing/2014/main" val="262709076"/>
+                      </a:ext>
+                    </a:extLst>
+                  </a:tr>
+                  <a:tr h="505587">
+                    <a:tc>
+                      <a:txBody>
+                        <a:bodyPr/>
+                        <a:lstStyle/>
+                        <a:p>
+                          <a:pPr algn="ctr" latinLnBrk="1"/>
+                          <a:r>
+                            <a:rPr lang="en-US" altLang="ko-KR" sz="1200" b="0" dirty="0">
+                              <a:solidFill>
+                                <a:schemeClr val="tx1"/>
+                              </a:solidFill>
+                            </a:rPr>
+                            <a:t>Unknown Parameters</a:t>
+                          </a:r>
+                          <a:endParaRPr lang="ko-KR" altLang="en-US" sz="1200" b="0" dirty="0">
+                            <a:solidFill>
+                              <a:schemeClr val="tx1"/>
+                            </a:solidFill>
+                          </a:endParaRPr>
+                        </a:p>
+                      </a:txBody>
+                      <a:tcPr anchor="ctr">
+                        <a:lnL w="12700" cap="flat" cmpd="sng" algn="ctr">
+                          <a:noFill/>
+                          <a:prstDash val="solid"/>
+                          <a:round/>
+                          <a:headEnd type="none" w="med" len="med"/>
+                          <a:tailEnd type="none" w="med" len="med"/>
+                        </a:lnL>
+                        <a:lnR w="3175" cap="flat" cmpd="sng" algn="ctr">
+                          <a:solidFill>
+                            <a:schemeClr val="tx1"/>
+                          </a:solidFill>
+                          <a:prstDash val="dot"/>
+                          <a:round/>
+                          <a:headEnd type="none" w="med" len="med"/>
+                          <a:tailEnd type="none" w="med" len="med"/>
+                        </a:lnR>
+                        <a:lnT w="12700" cap="flat" cmpd="sng" algn="ctr">
+                          <a:solidFill>
+                            <a:schemeClr val="tx1"/>
+                          </a:solidFill>
+                          <a:prstDash val="solid"/>
+                          <a:round/>
+                          <a:headEnd type="none" w="med" len="med"/>
+                          <a:tailEnd type="none" w="med" len="med"/>
+                        </a:lnT>
+                        <a:lnB w="12700" cap="flat" cmpd="sng" algn="ctr">
+                          <a:solidFill>
+                            <a:schemeClr val="tx1"/>
+                          </a:solidFill>
+                          <a:prstDash val="solid"/>
+                          <a:round/>
+                          <a:headEnd type="none" w="med" len="med"/>
+                          <a:tailEnd type="none" w="med" len="med"/>
+                        </a:lnB>
+                        <a:lnTlToBr w="12700" cmpd="sng">
+                          <a:noFill/>
+                          <a:prstDash val="solid"/>
+                        </a:lnTlToBr>
+                        <a:lnBlToTr w="12700" cmpd="sng">
+                          <a:noFill/>
+                          <a:prstDash val="solid"/>
+                        </a:lnBlToTr>
+                        <a:solidFill>
+                          <a:schemeClr val="bg1"/>
+                        </a:solidFill>
+                      </a:tcPr>
+                    </a:tc>
+                    <a:tc>
+                      <a:txBody>
+                        <a:bodyPr/>
+                        <a:lstStyle/>
+                        <a:p>
+                          <a:pPr algn="ctr" latinLnBrk="1"/>
+                          <a:r>
+                            <a:rPr lang="en-US" altLang="ko-KR" sz="1200" b="0" dirty="0">
+                              <a:solidFill>
+                                <a:schemeClr val="tx1"/>
+                              </a:solidFill>
+                            </a:rPr>
+                            <a:t>Chassis status</a:t>
+                          </a:r>
+                          <a:endParaRPr lang="ko-KR" altLang="en-US" sz="1200" b="0" dirty="0">
+                            <a:solidFill>
+                              <a:schemeClr val="tx1"/>
+                            </a:solidFill>
+                          </a:endParaRPr>
+                        </a:p>
+                      </a:txBody>
+                      <a:tcPr anchor="ctr">
+                        <a:lnL w="3175" cap="flat" cmpd="sng" algn="ctr">
+                          <a:solidFill>
+                            <a:schemeClr val="tx1"/>
+                          </a:solidFill>
+                          <a:prstDash val="dot"/>
+                          <a:round/>
+                          <a:headEnd type="none" w="med" len="med"/>
+                          <a:tailEnd type="none" w="med" len="med"/>
+                        </a:lnL>
+                        <a:lnR w="3175" cap="flat" cmpd="sng" algn="ctr">
+                          <a:solidFill>
+                            <a:schemeClr val="tx1"/>
+                          </a:solidFill>
+                          <a:prstDash val="dot"/>
+                          <a:round/>
+                          <a:headEnd type="none" w="med" len="med"/>
+                          <a:tailEnd type="none" w="med" len="med"/>
+                        </a:lnR>
+                        <a:lnT w="12700" cap="flat" cmpd="sng" algn="ctr">
+                          <a:solidFill>
+                            <a:schemeClr val="tx1"/>
+                          </a:solidFill>
+                          <a:prstDash val="solid"/>
+                          <a:round/>
+                          <a:headEnd type="none" w="med" len="med"/>
+                          <a:tailEnd type="none" w="med" len="med"/>
+                        </a:lnT>
+                        <a:lnB w="12700" cap="flat" cmpd="sng" algn="ctr">
+                          <a:solidFill>
+                            <a:schemeClr val="tx1"/>
+                          </a:solidFill>
+                          <a:prstDash val="solid"/>
+                          <a:round/>
+                          <a:headEnd type="none" w="med" len="med"/>
+                          <a:tailEnd type="none" w="med" len="med"/>
+                        </a:lnB>
+                        <a:lnTlToBr w="12700" cmpd="sng">
+                          <a:noFill/>
+                          <a:prstDash val="solid"/>
+                        </a:lnTlToBr>
+                        <a:lnBlToTr w="12700" cmpd="sng">
+                          <a:noFill/>
+                          <a:prstDash val="solid"/>
+                        </a:lnBlToTr>
+                        <a:solidFill>
+                          <a:schemeClr val="bg1"/>
+                        </a:solidFill>
+                      </a:tcPr>
+                    </a:tc>
+                    <a:tc>
+                      <a:txBody>
+                        <a:bodyPr/>
+                        <a:lstStyle/>
+                        <a:p>
+                          <a:endParaRPr lang="ko-KR"/>
+                        </a:p>
+                      </a:txBody>
+                      <a:tcPr anchor="ctr">
+                        <a:lnL w="3175" cap="flat" cmpd="sng" algn="ctr">
+                          <a:solidFill>
+                            <a:schemeClr val="tx1"/>
+                          </a:solidFill>
+                          <a:prstDash val="dot"/>
+                          <a:round/>
+                          <a:headEnd type="none" w="med" len="med"/>
+                          <a:tailEnd type="none" w="med" len="med"/>
+                        </a:lnL>
+                        <a:lnR w="3175" cap="flat" cmpd="sng" algn="ctr">
+                          <a:solidFill>
+                            <a:schemeClr val="tx1"/>
+                          </a:solidFill>
+                          <a:prstDash val="dot"/>
+                          <a:round/>
+                          <a:headEnd type="none" w="med" len="med"/>
+                          <a:tailEnd type="none" w="med" len="med"/>
+                        </a:lnR>
+                        <a:lnT w="12700" cap="flat" cmpd="sng" algn="ctr">
+                          <a:solidFill>
+                            <a:schemeClr val="tx1"/>
+                          </a:solidFill>
+                          <a:prstDash val="solid"/>
+                          <a:round/>
+                          <a:headEnd type="none" w="med" len="med"/>
+                          <a:tailEnd type="none" w="med" len="med"/>
+                        </a:lnT>
+                        <a:lnB w="12700" cap="flat" cmpd="sng" algn="ctr">
+                          <a:solidFill>
+                            <a:schemeClr val="tx1"/>
+                          </a:solidFill>
+                          <a:prstDash val="solid"/>
+                          <a:round/>
+                          <a:headEnd type="none" w="med" len="med"/>
+                          <a:tailEnd type="none" w="med" len="med"/>
+                        </a:lnB>
+                        <a:lnTlToBr w="12700" cmpd="sng">
+                          <a:noFill/>
+                          <a:prstDash val="solid"/>
+                        </a:lnTlToBr>
+                        <a:lnBlToTr w="12700" cmpd="sng">
+                          <a:noFill/>
+                          <a:prstDash val="solid"/>
+                        </a:lnBlToTr>
+                        <a:blipFill>
+                          <a:blip r:embed="rId2"/>
+                          <a:stretch>
+                            <a:fillRect l="-574783" t="-222892" r="-1015652" b="-112048"/>
+                          </a:stretch>
+                        </a:blipFill>
+                      </a:tcPr>
+                    </a:tc>
+                    <a:tc>
+                      <a:txBody>
+                        <a:bodyPr/>
+                        <a:lstStyle/>
+                        <a:p>
+                          <a:pPr algn="ctr" latinLnBrk="1"/>
+                          <a:r>
+                            <a:rPr lang="en-US" altLang="ko-KR" sz="1200" b="0" dirty="0">
+                              <a:solidFill>
+                                <a:schemeClr val="tx1"/>
+                              </a:solidFill>
+                            </a:rPr>
+                            <a:t>-</a:t>
+                          </a:r>
+                          <a:endParaRPr lang="ko-KR" altLang="en-US" sz="1200" b="0" dirty="0">
+                            <a:solidFill>
+                              <a:schemeClr val="tx1"/>
+                            </a:solidFill>
+                          </a:endParaRPr>
+                        </a:p>
+                      </a:txBody>
+                      <a:tcPr anchor="ctr">
+                        <a:lnL w="3175" cap="flat" cmpd="sng" algn="ctr">
+                          <a:solidFill>
+                            <a:schemeClr val="tx1"/>
+                          </a:solidFill>
+                          <a:prstDash val="dot"/>
+                          <a:round/>
+                          <a:headEnd type="none" w="med" len="med"/>
+                          <a:tailEnd type="none" w="med" len="med"/>
+                        </a:lnL>
+                        <a:lnR w="3175" cap="flat" cmpd="sng" algn="ctr">
+                          <a:solidFill>
+                            <a:schemeClr val="tx1"/>
+                          </a:solidFill>
+                          <a:prstDash val="dot"/>
+                          <a:round/>
+                          <a:headEnd type="none" w="med" len="med"/>
+                          <a:tailEnd type="none" w="med" len="med"/>
+                        </a:lnR>
+                        <a:lnT w="12700" cap="flat" cmpd="sng" algn="ctr">
+                          <a:solidFill>
+                            <a:schemeClr val="tx1"/>
+                          </a:solidFill>
+                          <a:prstDash val="solid"/>
+                          <a:round/>
+                          <a:headEnd type="none" w="med" len="med"/>
+                          <a:tailEnd type="none" w="med" len="med"/>
+                        </a:lnT>
+                        <a:lnB w="12700" cap="flat" cmpd="sng" algn="ctr">
+                          <a:solidFill>
+                            <a:schemeClr val="tx1"/>
+                          </a:solidFill>
+                          <a:prstDash val="solid"/>
+                          <a:round/>
+                          <a:headEnd type="none" w="med" len="med"/>
+                          <a:tailEnd type="none" w="med" len="med"/>
+                        </a:lnB>
+                        <a:lnTlToBr w="12700" cmpd="sng">
+                          <a:noFill/>
+                          <a:prstDash val="solid"/>
+                        </a:lnTlToBr>
+                        <a:lnBlToTr w="12700" cmpd="sng">
+                          <a:noFill/>
+                          <a:prstDash val="solid"/>
+                        </a:lnBlToTr>
+                        <a:solidFill>
+                          <a:schemeClr val="bg1"/>
+                        </a:solidFill>
+                      </a:tcPr>
+                    </a:tc>
+                    <a:tc>
+                      <a:txBody>
+                        <a:bodyPr/>
+                        <a:lstStyle/>
+                        <a:p>
+                          <a:endParaRPr lang="ko-KR"/>
+                        </a:p>
+                      </a:txBody>
+                      <a:tcPr anchor="ctr">
+                        <a:lnL w="3175" cap="flat" cmpd="sng" algn="ctr">
+                          <a:solidFill>
+                            <a:schemeClr val="tx1"/>
+                          </a:solidFill>
+                          <a:prstDash val="dot"/>
+                          <a:round/>
+                          <a:headEnd type="none" w="med" len="med"/>
+                          <a:tailEnd type="none" w="med" len="med"/>
+                        </a:lnL>
+                        <a:lnR w="12700" cap="flat" cmpd="sng" algn="ctr">
+                          <a:noFill/>
+                          <a:prstDash val="solid"/>
+                          <a:round/>
+                          <a:headEnd type="none" w="med" len="med"/>
+                          <a:tailEnd type="none" w="med" len="med"/>
+                        </a:lnR>
+                        <a:lnT w="12700" cap="flat" cmpd="sng" algn="ctr">
+                          <a:solidFill>
+                            <a:schemeClr val="tx1"/>
+                          </a:solidFill>
+                          <a:prstDash val="solid"/>
+                          <a:round/>
+                          <a:headEnd type="none" w="med" len="med"/>
+                          <a:tailEnd type="none" w="med" len="med"/>
+                        </a:lnT>
+                        <a:lnB w="12700" cap="flat" cmpd="sng" algn="ctr">
+                          <a:solidFill>
+                            <a:schemeClr val="tx1"/>
+                          </a:solidFill>
+                          <a:prstDash val="solid"/>
+                          <a:round/>
+                          <a:headEnd type="none" w="med" len="med"/>
+                          <a:tailEnd type="none" w="med" len="med"/>
+                        </a:lnB>
+                        <a:lnTlToBr w="12700" cmpd="sng">
+                          <a:noFill/>
+                          <a:prstDash val="solid"/>
+                        </a:lnTlToBr>
+                        <a:lnBlToTr w="12700" cmpd="sng">
+                          <a:noFill/>
+                          <a:prstDash val="solid"/>
+                        </a:lnBlToTr>
+                        <a:blipFill>
+                          <a:blip r:embed="rId2"/>
+                          <a:stretch>
+                            <a:fillRect l="-129669" t="-222892" r="-118" b="-112048"/>
+                          </a:stretch>
+                        </a:blipFill>
+                      </a:tcPr>
+                    </a:tc>
+                    <a:extLst>
+                      <a:ext uri="{0D108BD9-81ED-4DB2-BD59-A6C34878D82A}">
+                        <a16:rowId xmlns:a16="http://schemas.microsoft.com/office/drawing/2014/main" val="3931007523"/>
+                      </a:ext>
+                    </a:extLst>
+                  </a:tr>
+                </a:tbl>
+              </a:graphicData>
+            </a:graphic>
+          </p:graphicFrame>
         </mc:Fallback>
       </mc:AlternateContent>
-      <mc:AlternateContent xmlns:mc="http://schemas.openxmlformats.org/markup-compatibility/2006">
-        <mc:Choice xmlns:a14="http://schemas.microsoft.com/office/drawing/2010/main" Requires="a14">
-          <p:sp>
-            <p:nvSpPr>
-              <p:cNvPr id="6" name="TextBox 5">
-                <a:extLst>
-                  <a:ext uri="{FF2B5EF4-FFF2-40B4-BE49-F238E27FC236}">
-                    <a16:creationId xmlns:a16="http://schemas.microsoft.com/office/drawing/2014/main" id="{91AE6A0A-AC06-4B9C-CEA2-125C0911BFB6}"/>
-                  </a:ext>
-                </a:extLst>
-              </p:cNvPr>
-              <p:cNvSpPr txBox="1"/>
-              <p:nvPr/>
-            </p:nvSpPr>
-            <p:spPr>
-              <a:xfrm>
-                <a:off x="3220392" y="1833310"/>
-                <a:ext cx="5257273" cy="276999"/>
-              </a:xfrm>
-              <a:prstGeom prst="rect">
-                <a:avLst/>
-              </a:prstGeom>
-              <a:noFill/>
-            </p:spPr>
-            <p:txBody>
-              <a:bodyPr wrap="none" lIns="0" tIns="0" rIns="0" bIns="0" rtlCol="0">
-                <a:spAutoFit/>
-              </a:bodyPr>
-              <a:lstStyle>
-                <a:defPPr>
-                  <a:defRPr lang="ko-KR"/>
-                </a:defPPr>
-                <a:lvl1pPr marL="0" algn="l" defTabSz="914400" rtl="0" eaLnBrk="1" latinLnBrk="1" hangingPunct="1">
-                  <a:defRPr sz="1800" kern="1200">
-                    <a:solidFill>
-                      <a:schemeClr val="tx1"/>
-                    </a:solidFill>
-                    <a:latin typeface="+mn-lt"/>
-                    <a:ea typeface="+mn-ea"/>
-                    <a:cs typeface="+mn-cs"/>
-                  </a:defRPr>
-                </a:lvl1pPr>
-                <a:lvl2pPr marL="457200" algn="l" defTabSz="914400" rtl="0" eaLnBrk="1" latinLnBrk="1" hangingPunct="1">
-                  <a:defRPr sz="1800" kern="1200">
-                    <a:solidFill>
-                      <a:schemeClr val="tx1"/>
-                    </a:solidFill>
-                    <a:latin typeface="+mn-lt"/>
-                    <a:ea typeface="+mn-ea"/>
-                    <a:cs typeface="+mn-cs"/>
-                  </a:defRPr>
-                </a:lvl2pPr>
-                <a:lvl3pPr marL="914400" algn="l" defTabSz="914400" rtl="0" eaLnBrk="1" latinLnBrk="1" hangingPunct="1">
-                  <a:defRPr sz="1800" kern="1200">
-                    <a:solidFill>
-                      <a:schemeClr val="tx1"/>
-                    </a:solidFill>
-                    <a:latin typeface="+mn-lt"/>
-                    <a:ea typeface="+mn-ea"/>
-                    <a:cs typeface="+mn-cs"/>
-                  </a:defRPr>
-                </a:lvl3pPr>
-                <a:lvl4pPr marL="1371600" algn="l" defTabSz="914400" rtl="0" eaLnBrk="1" latinLnBrk="1" hangingPunct="1">
-                  <a:defRPr sz="1800" kern="1200">
-                    <a:solidFill>
-                      <a:schemeClr val="tx1"/>
-                    </a:solidFill>
-                    <a:latin typeface="+mn-lt"/>
-                    <a:ea typeface="+mn-ea"/>
-                    <a:cs typeface="+mn-cs"/>
-                  </a:defRPr>
-                </a:lvl4pPr>
-                <a:lvl5pPr marL="1828800" algn="l" defTabSz="914400" rtl="0" eaLnBrk="1" latinLnBrk="1" hangingPunct="1">
-                  <a:defRPr sz="1800" kern="1200">
-                    <a:solidFill>
-                      <a:schemeClr val="tx1"/>
-                    </a:solidFill>
-                    <a:latin typeface="+mn-lt"/>
-                    <a:ea typeface="+mn-ea"/>
-                    <a:cs typeface="+mn-cs"/>
-                  </a:defRPr>
-                </a:lvl5pPr>
-                <a:lvl6pPr marL="2286000" algn="l" defTabSz="914400" rtl="0" eaLnBrk="1" latinLnBrk="1" hangingPunct="1">
-                  <a:defRPr sz="1800" kern="1200">
-                    <a:solidFill>
-                      <a:schemeClr val="tx1"/>
-                    </a:solidFill>
-                    <a:latin typeface="+mn-lt"/>
-                    <a:ea typeface="+mn-ea"/>
-                    <a:cs typeface="+mn-cs"/>
-                  </a:defRPr>
-                </a:lvl6pPr>
-                <a:lvl7pPr marL="2743200" algn="l" defTabSz="914400" rtl="0" eaLnBrk="1" latinLnBrk="1" hangingPunct="1">
-                  <a:defRPr sz="1800" kern="1200">
-                    <a:solidFill>
-                      <a:schemeClr val="tx1"/>
-                    </a:solidFill>
-                    <a:latin typeface="+mn-lt"/>
-                    <a:ea typeface="+mn-ea"/>
-                    <a:cs typeface="+mn-cs"/>
-                  </a:defRPr>
-                </a:lvl7pPr>
-                <a:lvl8pPr marL="3200400" algn="l" defTabSz="914400" rtl="0" eaLnBrk="1" latinLnBrk="1" hangingPunct="1">
-                  <a:defRPr sz="1800" kern="1200">
-                    <a:solidFill>
-                      <a:schemeClr val="tx1"/>
-                    </a:solidFill>
-                    <a:latin typeface="+mn-lt"/>
-                    <a:ea typeface="+mn-ea"/>
-                    <a:cs typeface="+mn-cs"/>
-                  </a:defRPr>
-                </a:lvl8pPr>
-                <a:lvl9pPr marL="3657600" algn="l" defTabSz="914400" rtl="0" eaLnBrk="1" latinLnBrk="1" hangingPunct="1">
-                  <a:defRPr sz="1800" kern="1200">
-                    <a:solidFill>
-                      <a:schemeClr val="tx1"/>
-                    </a:solidFill>
-                    <a:latin typeface="+mn-lt"/>
-                    <a:ea typeface="+mn-ea"/>
-                    <a:cs typeface="+mn-cs"/>
-                  </a:defRPr>
-                </a:lvl9pPr>
-              </a:lstStyle>
-              <a:p>
-                <a14:m>
-                  <m:oMath xmlns:m="http://schemas.openxmlformats.org/officeDocument/2006/math">
-                    <m:sSub>
-                      <m:sSubPr>
-                        <m:ctrlPr>
-                          <a:rPr lang="en-US" altLang="ko-KR" b="0" i="1" smtClean="0">
-                            <a:latin typeface="Cambria Math" panose="02040503050406030204" pitchFamily="18" charset="0"/>
-                          </a:rPr>
-                        </m:ctrlPr>
-                      </m:sSubPr>
-                      <m:e>
-                        <m:r>
-                          <a:rPr lang="en-US" altLang="ko-KR" b="0" i="1" smtClean="0">
-                            <a:latin typeface="Cambria Math" panose="02040503050406030204" pitchFamily="18" charset="0"/>
-                          </a:rPr>
-                          <m:t>𝑠</m:t>
-                        </m:r>
-                      </m:e>
-                      <m:sub>
-                        <m:r>
-                          <a:rPr lang="en-US" altLang="ko-KR" b="0" i="1" smtClean="0">
-                            <a:latin typeface="Cambria Math" panose="02040503050406030204" pitchFamily="18" charset="0"/>
-                          </a:rPr>
-                          <m:t>𝑡</m:t>
-                        </m:r>
-                      </m:sub>
-                    </m:sSub>
-                    <m:r>
-                      <a:rPr lang="en-US" altLang="ko-KR" b="0" i="1" smtClean="0">
-                        <a:latin typeface="Cambria Math" panose="02040503050406030204" pitchFamily="18" charset="0"/>
-                      </a:rPr>
-                      <m:t>=</m:t>
-                    </m:r>
-                    <m:d>
-                      <m:dPr>
-                        <m:begChr m:val="{"/>
-                        <m:endChr m:val="}"/>
-                        <m:ctrlPr>
-                          <a:rPr lang="en-US" altLang="ko-KR" b="0" i="1" smtClean="0">
-                            <a:latin typeface="Cambria Math" panose="02040503050406030204" pitchFamily="18" charset="0"/>
-                          </a:rPr>
-                        </m:ctrlPr>
-                      </m:dPr>
-                      <m:e>
-                        <m:m>
-                          <m:mPr>
-                            <m:mcs>
-                              <m:mc>
-                                <m:mcPr>
-                                  <m:count m:val="2"/>
-                                  <m:mcJc m:val="center"/>
-                                </m:mcPr>
-                              </m:mc>
-                            </m:mcs>
-                            <m:ctrlPr>
-                              <a:rPr lang="en-US" altLang="ko-KR" b="0" i="1" smtClean="0">
-                                <a:latin typeface="Cambria Math" panose="02040503050406030204" pitchFamily="18" charset="0"/>
-                              </a:rPr>
-                            </m:ctrlPr>
-                          </m:mPr>
-                          <m:mr>
-                            <m:e>
-                              <m:m>
-                                <m:mPr>
-                                  <m:mcs>
-                                    <m:mc>
-                                      <m:mcPr>
-                                        <m:count m:val="2"/>
-                                        <m:mcJc m:val="center"/>
-                                      </m:mcPr>
-                                    </m:mc>
-                                  </m:mcs>
-                                  <m:ctrlPr>
-                                    <a:rPr lang="en-US" altLang="ko-KR" b="0" i="1" smtClean="0">
-                                      <a:latin typeface="Cambria Math" panose="02040503050406030204" pitchFamily="18" charset="0"/>
-                                    </a:rPr>
-                                  </m:ctrlPr>
-                                </m:mPr>
-                                <m:mr>
-                                  <m:e>
-                                    <m:sSub>
-                                      <m:sSubPr>
-                                        <m:ctrlPr>
-                                          <a:rPr lang="en-US" altLang="ko-KR" b="0" i="1" smtClean="0">
-                                            <a:latin typeface="Cambria Math" panose="02040503050406030204" pitchFamily="18" charset="0"/>
-                                          </a:rPr>
-                                        </m:ctrlPr>
-                                      </m:sSubPr>
-                                      <m:e>
-                                        <m:r>
-                                          <m:rPr>
-                                            <m:brk m:alnAt="7"/>
-                                          </m:rPr>
-                                          <a:rPr lang="en-US" altLang="ko-KR" b="0" i="1" smtClean="0">
-                                            <a:latin typeface="Cambria Math" panose="02040503050406030204" pitchFamily="18" charset="0"/>
-                                          </a:rPr>
-                                          <m:t>𝑣</m:t>
-                                        </m:r>
-                                      </m:e>
-                                      <m:sub>
-                                        <m:r>
-                                          <m:rPr>
-                                            <m:brk m:alnAt="7"/>
-                                          </m:rPr>
-                                          <a:rPr lang="en-US" altLang="ko-KR" b="0" i="1" smtClean="0">
-                                            <a:latin typeface="Cambria Math" panose="02040503050406030204" pitchFamily="18" charset="0"/>
-                                          </a:rPr>
-                                          <m:t>𝑡</m:t>
-                                        </m:r>
-                                      </m:sub>
-                                    </m:sSub>
-                                  </m:e>
-                                  <m:e>
-                                    <m:sSub>
-                                      <m:sSubPr>
-                                        <m:ctrlPr>
-                                          <a:rPr lang="en-US" altLang="ko-KR" b="0" i="1" smtClean="0">
-                                            <a:latin typeface="Cambria Math" panose="02040503050406030204" pitchFamily="18" charset="0"/>
-                                          </a:rPr>
-                                        </m:ctrlPr>
-                                      </m:sSubPr>
-                                      <m:e>
-                                        <m:r>
-                                          <a:rPr lang="ko-KR" altLang="en-US" b="0" i="1" smtClean="0">
-                                            <a:latin typeface="Cambria Math" panose="02040503050406030204" pitchFamily="18" charset="0"/>
-                                          </a:rPr>
-                                          <m:t>𝜔</m:t>
-                                        </m:r>
-                                      </m:e>
-                                      <m:sub>
-                                        <m:r>
-                                          <a:rPr lang="en-US" altLang="ko-KR" b="0" i="1" smtClean="0">
-                                            <a:latin typeface="Cambria Math" panose="02040503050406030204" pitchFamily="18" charset="0"/>
-                                          </a:rPr>
-                                          <m:t>𝑡</m:t>
-                                        </m:r>
-                                      </m:sub>
-                                    </m:sSub>
-                                  </m:e>
-                                </m:mr>
-                              </m:m>
-                            </m:e>
-                            <m:e>
-                              <m:m>
-                                <m:mPr>
-                                  <m:mcs>
-                                    <m:mc>
-                                      <m:mcPr>
-                                        <m:count m:val="3"/>
-                                        <m:mcJc m:val="center"/>
-                                      </m:mcPr>
-                                    </m:mc>
-                                  </m:mcs>
-                                  <m:ctrlPr>
-                                    <a:rPr lang="en-US" altLang="ko-KR" b="0" i="1" smtClean="0">
-                                      <a:latin typeface="Cambria Math" panose="02040503050406030204" pitchFamily="18" charset="0"/>
-                                    </a:rPr>
-                                  </m:ctrlPr>
-                                </m:mPr>
-                                <m:mr>
-                                  <m:e>
-                                    <m:sSub>
-                                      <m:sSubPr>
-                                        <m:ctrlPr>
-                                          <a:rPr lang="en-US" altLang="ko-KR" b="0" i="1" smtClean="0">
-                                            <a:latin typeface="Cambria Math" panose="02040503050406030204" pitchFamily="18" charset="0"/>
-                                          </a:rPr>
-                                        </m:ctrlPr>
-                                      </m:sSubPr>
-                                      <m:e>
-                                        <m:r>
-                                          <m:rPr>
-                                            <m:brk m:alnAt="7"/>
-                                          </m:rPr>
-                                          <a:rPr lang="en-US" altLang="ko-KR" b="0" i="1" smtClean="0">
-                                            <a:latin typeface="Cambria Math" panose="02040503050406030204" pitchFamily="18" charset="0"/>
-                                          </a:rPr>
-                                          <m:t>𝑟</m:t>
-                                        </m:r>
-                                      </m:e>
-                                      <m:sub>
-                                        <m:r>
-                                          <m:rPr>
-                                            <m:brk m:alnAt="7"/>
-                                          </m:rPr>
-                                          <a:rPr lang="en-US" altLang="ko-KR" b="0" i="1" smtClean="0">
-                                            <a:latin typeface="Cambria Math" panose="02040503050406030204" pitchFamily="18" charset="0"/>
-                                          </a:rPr>
-                                          <m:t>𝑡</m:t>
-                                        </m:r>
-                                      </m:sub>
-                                    </m:sSub>
-                                  </m:e>
-                                  <m:e>
-                                    <m:sSub>
-                                      <m:sSubPr>
-                                        <m:ctrlPr>
-                                          <a:rPr lang="en-US" altLang="ko-KR" b="0" i="1" smtClean="0">
-                                            <a:latin typeface="Cambria Math" panose="02040503050406030204" pitchFamily="18" charset="0"/>
-                                          </a:rPr>
-                                        </m:ctrlPr>
-                                      </m:sSubPr>
-                                      <m:e>
-                                        <m:r>
-                                          <a:rPr lang="en-US" altLang="ko-KR" b="0" i="1" smtClean="0">
-                                            <a:latin typeface="Cambria Math" panose="02040503050406030204" pitchFamily="18" charset="0"/>
-                                          </a:rPr>
-                                          <m:t>𝑝</m:t>
-                                        </m:r>
-                                      </m:e>
-                                      <m:sub>
-                                        <m:r>
-                                          <a:rPr lang="en-US" altLang="ko-KR" b="0" i="1" smtClean="0">
-                                            <a:latin typeface="Cambria Math" panose="02040503050406030204" pitchFamily="18" charset="0"/>
-                                          </a:rPr>
-                                          <m:t>𝑡</m:t>
-                                        </m:r>
-                                      </m:sub>
-                                    </m:sSub>
-                                  </m:e>
-                                  <m:e>
-                                    <m:sSub>
-                                      <m:sSubPr>
-                                        <m:ctrlPr>
-                                          <a:rPr lang="en-US" altLang="ko-KR" b="0" i="1" smtClean="0">
-                                            <a:latin typeface="Cambria Math" panose="02040503050406030204" pitchFamily="18" charset="0"/>
-                                          </a:rPr>
-                                        </m:ctrlPr>
-                                      </m:sSubPr>
-                                      <m:e>
-                                        <m:r>
-                                          <a:rPr lang="en-US" altLang="ko-KR" b="0" i="1" smtClean="0">
-                                            <a:latin typeface="Cambria Math" panose="02040503050406030204" pitchFamily="18" charset="0"/>
-                                          </a:rPr>
-                                          <m:t>𝑦</m:t>
-                                        </m:r>
-                                      </m:e>
-                                      <m:sub>
-                                        <m:r>
-                                          <a:rPr lang="en-US" altLang="ko-KR" b="0" i="1" smtClean="0">
-                                            <a:latin typeface="Cambria Math" panose="02040503050406030204" pitchFamily="18" charset="0"/>
-                                          </a:rPr>
-                                          <m:t>𝑡</m:t>
-                                        </m:r>
-                                      </m:sub>
-                                    </m:sSub>
-                                  </m:e>
-                                </m:mr>
-                              </m:m>
-                            </m:e>
-                          </m:mr>
-                        </m:m>
-                      </m:e>
-                    </m:d>
-                  </m:oMath>
-                </a14:m>
-                <a:r>
-                  <a:rPr lang="en-US" altLang="ko-KR" dirty="0"/>
-                  <a:t>: Vehicle Status at time </a:t>
-                </a:r>
-                <a14:m>
-                  <m:oMath xmlns:m="http://schemas.openxmlformats.org/officeDocument/2006/math">
-                    <m:r>
-                      <a:rPr lang="en-US" altLang="ko-KR" i="1" dirty="0" smtClean="0">
-                        <a:latin typeface="Cambria Math" panose="02040503050406030204" pitchFamily="18" charset="0"/>
-                      </a:rPr>
-                      <m:t>𝑡</m:t>
-                    </m:r>
-                  </m:oMath>
-                </a14:m>
-                <a:endParaRPr lang="ko-KR" altLang="en-US" dirty="0"/>
-              </a:p>
-            </p:txBody>
-          </p:sp>
-        </mc:Choice>
-        <mc:Fallback>
-          <p:sp>
-            <p:nvSpPr>
-              <p:cNvPr id="6" name="TextBox 5">
-                <a:extLst>
-                  <a:ext uri="{FF2B5EF4-FFF2-40B4-BE49-F238E27FC236}">
-                    <a16:creationId xmlns:a16="http://schemas.microsoft.com/office/drawing/2014/main" id="{91AE6A0A-AC06-4B9C-CEA2-125C0911BFB6}"/>
-                  </a:ext>
-                </a:extLst>
-              </p:cNvPr>
-              <p:cNvSpPr txBox="1">
-                <a:spLocks noRot="1" noChangeAspect="1" noMove="1" noResize="1" noEditPoints="1" noAdjustHandles="1" noChangeArrowheads="1" noChangeShapeType="1" noTextEdit="1"/>
-              </p:cNvSpPr>
-              <p:nvPr/>
-            </p:nvSpPr>
-            <p:spPr>
-              <a:xfrm>
-                <a:off x="3220392" y="1833310"/>
-                <a:ext cx="5257273" cy="276999"/>
-              </a:xfrm>
-              <a:prstGeom prst="rect">
-                <a:avLst/>
-              </a:prstGeom>
-              <a:blipFill>
-                <a:blip r:embed="rId3"/>
-                <a:stretch>
-                  <a:fillRect l="-1159" t="-28889" b="-51111"/>
-                </a:stretch>
-              </a:blipFill>
-            </p:spPr>
-            <p:txBody>
-              <a:bodyPr/>
-              <a:lstStyle/>
-              <a:p>
-                <a:r>
-                  <a:rPr lang="ko-KR" altLang="en-US">
-                    <a:noFill/>
-                  </a:rPr>
-                  <a:t> </a:t>
-                </a:r>
-              </a:p>
-            </p:txBody>
-          </p:sp>
-        </mc:Fallback>
-      </mc:AlternateContent>
+      <p:sp>
+        <p:nvSpPr>
+          <p:cNvPr id="3" name="직사각형 2">
+            <a:extLst>
+              <a:ext uri="{FF2B5EF4-FFF2-40B4-BE49-F238E27FC236}">
+                <a16:creationId xmlns:a16="http://schemas.microsoft.com/office/drawing/2014/main" id="{7BD98169-8185-A38A-F0BB-F72D78B0FD46}"/>
+              </a:ext>
+            </a:extLst>
+          </p:cNvPr>
+          <p:cNvSpPr/>
+          <p:nvPr/>
+        </p:nvSpPr>
+        <p:spPr>
+          <a:xfrm>
+            <a:off x="568712" y="4862008"/>
+            <a:ext cx="2442117" cy="641195"/>
+          </a:xfrm>
+          <a:prstGeom prst="rect">
+            <a:avLst/>
+          </a:prstGeom>
+        </p:spPr>
+        <p:style>
+          <a:lnRef idx="2">
+            <a:schemeClr val="accent1">
+              <a:shade val="15000"/>
+            </a:schemeClr>
+          </a:lnRef>
+          <a:fillRef idx="1">
+            <a:schemeClr val="accent1"/>
+          </a:fillRef>
+          <a:effectRef idx="0">
+            <a:schemeClr val="accent1"/>
+          </a:effectRef>
+          <a:fontRef idx="minor">
+            <a:schemeClr val="lt1"/>
+          </a:fontRef>
+        </p:style>
+        <p:txBody>
+          <a:bodyPr rtlCol="0" anchor="ctr"/>
+          <a:lstStyle>
+            <a:defPPr>
+              <a:defRPr lang="ko-KR"/>
+            </a:defPPr>
+            <a:lvl1pPr marL="0" algn="l" defTabSz="914400" rtl="0" eaLnBrk="1" latinLnBrk="1" hangingPunct="1">
+              <a:defRPr sz="1800" kern="1200">
+                <a:solidFill>
+                  <a:schemeClr val="lt1"/>
+                </a:solidFill>
+                <a:latin typeface="+mn-lt"/>
+                <a:ea typeface="+mn-ea"/>
+                <a:cs typeface="+mn-cs"/>
+              </a:defRPr>
+            </a:lvl1pPr>
+            <a:lvl2pPr marL="457200" algn="l" defTabSz="914400" rtl="0" eaLnBrk="1" latinLnBrk="1" hangingPunct="1">
+              <a:defRPr sz="1800" kern="1200">
+                <a:solidFill>
+                  <a:schemeClr val="lt1"/>
+                </a:solidFill>
+                <a:latin typeface="+mn-lt"/>
+                <a:ea typeface="+mn-ea"/>
+                <a:cs typeface="+mn-cs"/>
+              </a:defRPr>
+            </a:lvl2pPr>
+            <a:lvl3pPr marL="914400" algn="l" defTabSz="914400" rtl="0" eaLnBrk="1" latinLnBrk="1" hangingPunct="1">
+              <a:defRPr sz="1800" kern="1200">
+                <a:solidFill>
+                  <a:schemeClr val="lt1"/>
+                </a:solidFill>
+                <a:latin typeface="+mn-lt"/>
+                <a:ea typeface="+mn-ea"/>
+                <a:cs typeface="+mn-cs"/>
+              </a:defRPr>
+            </a:lvl3pPr>
+            <a:lvl4pPr marL="1371600" algn="l" defTabSz="914400" rtl="0" eaLnBrk="1" latinLnBrk="1" hangingPunct="1">
+              <a:defRPr sz="1800" kern="1200">
+                <a:solidFill>
+                  <a:schemeClr val="lt1"/>
+                </a:solidFill>
+                <a:latin typeface="+mn-lt"/>
+                <a:ea typeface="+mn-ea"/>
+                <a:cs typeface="+mn-cs"/>
+              </a:defRPr>
+            </a:lvl4pPr>
+            <a:lvl5pPr marL="1828800" algn="l" defTabSz="914400" rtl="0" eaLnBrk="1" latinLnBrk="1" hangingPunct="1">
+              <a:defRPr sz="1800" kern="1200">
+                <a:solidFill>
+                  <a:schemeClr val="lt1"/>
+                </a:solidFill>
+                <a:latin typeface="+mn-lt"/>
+                <a:ea typeface="+mn-ea"/>
+                <a:cs typeface="+mn-cs"/>
+              </a:defRPr>
+            </a:lvl5pPr>
+            <a:lvl6pPr marL="2286000" algn="l" defTabSz="914400" rtl="0" eaLnBrk="1" latinLnBrk="1" hangingPunct="1">
+              <a:defRPr sz="1800" kern="1200">
+                <a:solidFill>
+                  <a:schemeClr val="lt1"/>
+                </a:solidFill>
+                <a:latin typeface="+mn-lt"/>
+                <a:ea typeface="+mn-ea"/>
+                <a:cs typeface="+mn-cs"/>
+              </a:defRPr>
+            </a:lvl6pPr>
+            <a:lvl7pPr marL="2743200" algn="l" defTabSz="914400" rtl="0" eaLnBrk="1" latinLnBrk="1" hangingPunct="1">
+              <a:defRPr sz="1800" kern="1200">
+                <a:solidFill>
+                  <a:schemeClr val="lt1"/>
+                </a:solidFill>
+                <a:latin typeface="+mn-lt"/>
+                <a:ea typeface="+mn-ea"/>
+                <a:cs typeface="+mn-cs"/>
+              </a:defRPr>
+            </a:lvl7pPr>
+            <a:lvl8pPr marL="3200400" algn="l" defTabSz="914400" rtl="0" eaLnBrk="1" latinLnBrk="1" hangingPunct="1">
+              <a:defRPr sz="1800" kern="1200">
+                <a:solidFill>
+                  <a:schemeClr val="lt1"/>
+                </a:solidFill>
+                <a:latin typeface="+mn-lt"/>
+                <a:ea typeface="+mn-ea"/>
+                <a:cs typeface="+mn-cs"/>
+              </a:defRPr>
+            </a:lvl8pPr>
+            <a:lvl9pPr marL="3657600" algn="l" defTabSz="914400" rtl="0" eaLnBrk="1" latinLnBrk="1" hangingPunct="1">
+              <a:defRPr sz="1800" kern="1200">
+                <a:solidFill>
+                  <a:schemeClr val="lt1"/>
+                </a:solidFill>
+                <a:latin typeface="+mn-lt"/>
+                <a:ea typeface="+mn-ea"/>
+                <a:cs typeface="+mn-cs"/>
+              </a:defRPr>
+            </a:lvl9pPr>
+          </a:lstStyle>
+          <a:p>
+            <a:pPr algn="ctr"/>
+            <a:r>
+              <a:rPr lang="en-US" altLang="ko-KR" dirty="0"/>
+              <a:t>Foundation Model</a:t>
+            </a:r>
+            <a:endParaRPr lang="ko-KR" altLang="en-US" dirty="0"/>
+          </a:p>
+        </p:txBody>
+      </p:sp>
+      <p:sp>
+        <p:nvSpPr>
+          <p:cNvPr id="5" name="직사각형 4">
+            <a:extLst>
+              <a:ext uri="{FF2B5EF4-FFF2-40B4-BE49-F238E27FC236}">
+                <a16:creationId xmlns:a16="http://schemas.microsoft.com/office/drawing/2014/main" id="{BD142A15-73DA-25A2-5151-210E30A8DAC5}"/>
+              </a:ext>
+            </a:extLst>
+          </p:cNvPr>
+          <p:cNvSpPr/>
+          <p:nvPr/>
+        </p:nvSpPr>
+        <p:spPr>
+          <a:xfrm>
+            <a:off x="4229203" y="4862008"/>
+            <a:ext cx="3122579" cy="641195"/>
+          </a:xfrm>
+          <a:prstGeom prst="rect">
+            <a:avLst/>
+          </a:prstGeom>
+        </p:spPr>
+        <p:style>
+          <a:lnRef idx="2">
+            <a:schemeClr val="accent1">
+              <a:shade val="15000"/>
+            </a:schemeClr>
+          </a:lnRef>
+          <a:fillRef idx="1">
+            <a:schemeClr val="accent1"/>
+          </a:fillRef>
+          <a:effectRef idx="0">
+            <a:schemeClr val="accent1"/>
+          </a:effectRef>
+          <a:fontRef idx="minor">
+            <a:schemeClr val="lt1"/>
+          </a:fontRef>
+        </p:style>
+        <p:txBody>
+          <a:bodyPr rtlCol="0" anchor="ctr"/>
+          <a:lstStyle>
+            <a:defPPr>
+              <a:defRPr lang="ko-KR"/>
+            </a:defPPr>
+            <a:lvl1pPr marL="0" algn="l" defTabSz="914400" rtl="0" eaLnBrk="1" latinLnBrk="1" hangingPunct="1">
+              <a:defRPr sz="1800" kern="1200">
+                <a:solidFill>
+                  <a:schemeClr val="lt1"/>
+                </a:solidFill>
+                <a:latin typeface="+mn-lt"/>
+                <a:ea typeface="+mn-ea"/>
+                <a:cs typeface="+mn-cs"/>
+              </a:defRPr>
+            </a:lvl1pPr>
+            <a:lvl2pPr marL="457200" algn="l" defTabSz="914400" rtl="0" eaLnBrk="1" latinLnBrk="1" hangingPunct="1">
+              <a:defRPr sz="1800" kern="1200">
+                <a:solidFill>
+                  <a:schemeClr val="lt1"/>
+                </a:solidFill>
+                <a:latin typeface="+mn-lt"/>
+                <a:ea typeface="+mn-ea"/>
+                <a:cs typeface="+mn-cs"/>
+              </a:defRPr>
+            </a:lvl2pPr>
+            <a:lvl3pPr marL="914400" algn="l" defTabSz="914400" rtl="0" eaLnBrk="1" latinLnBrk="1" hangingPunct="1">
+              <a:defRPr sz="1800" kern="1200">
+                <a:solidFill>
+                  <a:schemeClr val="lt1"/>
+                </a:solidFill>
+                <a:latin typeface="+mn-lt"/>
+                <a:ea typeface="+mn-ea"/>
+                <a:cs typeface="+mn-cs"/>
+              </a:defRPr>
+            </a:lvl3pPr>
+            <a:lvl4pPr marL="1371600" algn="l" defTabSz="914400" rtl="0" eaLnBrk="1" latinLnBrk="1" hangingPunct="1">
+              <a:defRPr sz="1800" kern="1200">
+                <a:solidFill>
+                  <a:schemeClr val="lt1"/>
+                </a:solidFill>
+                <a:latin typeface="+mn-lt"/>
+                <a:ea typeface="+mn-ea"/>
+                <a:cs typeface="+mn-cs"/>
+              </a:defRPr>
+            </a:lvl4pPr>
+            <a:lvl5pPr marL="1828800" algn="l" defTabSz="914400" rtl="0" eaLnBrk="1" latinLnBrk="1" hangingPunct="1">
+              <a:defRPr sz="1800" kern="1200">
+                <a:solidFill>
+                  <a:schemeClr val="lt1"/>
+                </a:solidFill>
+                <a:latin typeface="+mn-lt"/>
+                <a:ea typeface="+mn-ea"/>
+                <a:cs typeface="+mn-cs"/>
+              </a:defRPr>
+            </a:lvl5pPr>
+            <a:lvl6pPr marL="2286000" algn="l" defTabSz="914400" rtl="0" eaLnBrk="1" latinLnBrk="1" hangingPunct="1">
+              <a:defRPr sz="1800" kern="1200">
+                <a:solidFill>
+                  <a:schemeClr val="lt1"/>
+                </a:solidFill>
+                <a:latin typeface="+mn-lt"/>
+                <a:ea typeface="+mn-ea"/>
+                <a:cs typeface="+mn-cs"/>
+              </a:defRPr>
+            </a:lvl6pPr>
+            <a:lvl7pPr marL="2743200" algn="l" defTabSz="914400" rtl="0" eaLnBrk="1" latinLnBrk="1" hangingPunct="1">
+              <a:defRPr sz="1800" kern="1200">
+                <a:solidFill>
+                  <a:schemeClr val="lt1"/>
+                </a:solidFill>
+                <a:latin typeface="+mn-lt"/>
+                <a:ea typeface="+mn-ea"/>
+                <a:cs typeface="+mn-cs"/>
+              </a:defRPr>
+            </a:lvl7pPr>
+            <a:lvl8pPr marL="3200400" algn="l" defTabSz="914400" rtl="0" eaLnBrk="1" latinLnBrk="1" hangingPunct="1">
+              <a:defRPr sz="1800" kern="1200">
+                <a:solidFill>
+                  <a:schemeClr val="lt1"/>
+                </a:solidFill>
+                <a:latin typeface="+mn-lt"/>
+                <a:ea typeface="+mn-ea"/>
+                <a:cs typeface="+mn-cs"/>
+              </a:defRPr>
+            </a:lvl8pPr>
+            <a:lvl9pPr marL="3657600" algn="l" defTabSz="914400" rtl="0" eaLnBrk="1" latinLnBrk="1" hangingPunct="1">
+              <a:defRPr sz="1800" kern="1200">
+                <a:solidFill>
+                  <a:schemeClr val="lt1"/>
+                </a:solidFill>
+                <a:latin typeface="+mn-lt"/>
+                <a:ea typeface="+mn-ea"/>
+                <a:cs typeface="+mn-cs"/>
+              </a:defRPr>
+            </a:lvl9pPr>
+          </a:lstStyle>
+          <a:p>
+            <a:pPr algn="ctr"/>
+            <a:r>
+              <a:rPr lang="en-US" altLang="ko-KR" dirty="0"/>
+              <a:t>Bicycle model</a:t>
+            </a:r>
+            <a:endParaRPr lang="ko-KR" altLang="en-US" dirty="0"/>
+          </a:p>
+        </p:txBody>
+      </p:sp>
+      <p:sp>
+        <p:nvSpPr>
+          <p:cNvPr id="6" name="직사각형 5">
+            <a:extLst>
+              <a:ext uri="{FF2B5EF4-FFF2-40B4-BE49-F238E27FC236}">
+                <a16:creationId xmlns:a16="http://schemas.microsoft.com/office/drawing/2014/main" id="{FD56B8CF-EE9D-0D3A-B368-397AEF195D87}"/>
+              </a:ext>
+            </a:extLst>
+          </p:cNvPr>
+          <p:cNvSpPr/>
+          <p:nvPr/>
+        </p:nvSpPr>
+        <p:spPr>
+          <a:xfrm>
+            <a:off x="4229203" y="2415691"/>
+            <a:ext cx="3122579" cy="641195"/>
+          </a:xfrm>
+          <a:prstGeom prst="rect">
+            <a:avLst/>
+          </a:prstGeom>
+        </p:spPr>
+        <p:style>
+          <a:lnRef idx="2">
+            <a:schemeClr val="accent1">
+              <a:shade val="15000"/>
+            </a:schemeClr>
+          </a:lnRef>
+          <a:fillRef idx="1">
+            <a:schemeClr val="accent1"/>
+          </a:fillRef>
+          <a:effectRef idx="0">
+            <a:schemeClr val="accent1"/>
+          </a:effectRef>
+          <a:fontRef idx="minor">
+            <a:schemeClr val="lt1"/>
+          </a:fontRef>
+        </p:style>
+        <p:txBody>
+          <a:bodyPr rtlCol="0" anchor="ctr"/>
+          <a:lstStyle>
+            <a:defPPr>
+              <a:defRPr lang="ko-KR"/>
+            </a:defPPr>
+            <a:lvl1pPr marL="0" algn="l" defTabSz="914400" rtl="0" eaLnBrk="1" latinLnBrk="1" hangingPunct="1">
+              <a:defRPr sz="1800" kern="1200">
+                <a:solidFill>
+                  <a:schemeClr val="lt1"/>
+                </a:solidFill>
+                <a:latin typeface="+mn-lt"/>
+                <a:ea typeface="+mn-ea"/>
+                <a:cs typeface="+mn-cs"/>
+              </a:defRPr>
+            </a:lvl1pPr>
+            <a:lvl2pPr marL="457200" algn="l" defTabSz="914400" rtl="0" eaLnBrk="1" latinLnBrk="1" hangingPunct="1">
+              <a:defRPr sz="1800" kern="1200">
+                <a:solidFill>
+                  <a:schemeClr val="lt1"/>
+                </a:solidFill>
+                <a:latin typeface="+mn-lt"/>
+                <a:ea typeface="+mn-ea"/>
+                <a:cs typeface="+mn-cs"/>
+              </a:defRPr>
+            </a:lvl2pPr>
+            <a:lvl3pPr marL="914400" algn="l" defTabSz="914400" rtl="0" eaLnBrk="1" latinLnBrk="1" hangingPunct="1">
+              <a:defRPr sz="1800" kern="1200">
+                <a:solidFill>
+                  <a:schemeClr val="lt1"/>
+                </a:solidFill>
+                <a:latin typeface="+mn-lt"/>
+                <a:ea typeface="+mn-ea"/>
+                <a:cs typeface="+mn-cs"/>
+              </a:defRPr>
+            </a:lvl3pPr>
+            <a:lvl4pPr marL="1371600" algn="l" defTabSz="914400" rtl="0" eaLnBrk="1" latinLnBrk="1" hangingPunct="1">
+              <a:defRPr sz="1800" kern="1200">
+                <a:solidFill>
+                  <a:schemeClr val="lt1"/>
+                </a:solidFill>
+                <a:latin typeface="+mn-lt"/>
+                <a:ea typeface="+mn-ea"/>
+                <a:cs typeface="+mn-cs"/>
+              </a:defRPr>
+            </a:lvl4pPr>
+            <a:lvl5pPr marL="1828800" algn="l" defTabSz="914400" rtl="0" eaLnBrk="1" latinLnBrk="1" hangingPunct="1">
+              <a:defRPr sz="1800" kern="1200">
+                <a:solidFill>
+                  <a:schemeClr val="lt1"/>
+                </a:solidFill>
+                <a:latin typeface="+mn-lt"/>
+                <a:ea typeface="+mn-ea"/>
+                <a:cs typeface="+mn-cs"/>
+              </a:defRPr>
+            </a:lvl5pPr>
+            <a:lvl6pPr marL="2286000" algn="l" defTabSz="914400" rtl="0" eaLnBrk="1" latinLnBrk="1" hangingPunct="1">
+              <a:defRPr sz="1800" kern="1200">
+                <a:solidFill>
+                  <a:schemeClr val="lt1"/>
+                </a:solidFill>
+                <a:latin typeface="+mn-lt"/>
+                <a:ea typeface="+mn-ea"/>
+                <a:cs typeface="+mn-cs"/>
+              </a:defRPr>
+            </a:lvl6pPr>
+            <a:lvl7pPr marL="2743200" algn="l" defTabSz="914400" rtl="0" eaLnBrk="1" latinLnBrk="1" hangingPunct="1">
+              <a:defRPr sz="1800" kern="1200">
+                <a:solidFill>
+                  <a:schemeClr val="lt1"/>
+                </a:solidFill>
+                <a:latin typeface="+mn-lt"/>
+                <a:ea typeface="+mn-ea"/>
+                <a:cs typeface="+mn-cs"/>
+              </a:defRPr>
+            </a:lvl7pPr>
+            <a:lvl8pPr marL="3200400" algn="l" defTabSz="914400" rtl="0" eaLnBrk="1" latinLnBrk="1" hangingPunct="1">
+              <a:defRPr sz="1800" kern="1200">
+                <a:solidFill>
+                  <a:schemeClr val="lt1"/>
+                </a:solidFill>
+                <a:latin typeface="+mn-lt"/>
+                <a:ea typeface="+mn-ea"/>
+                <a:cs typeface="+mn-cs"/>
+              </a:defRPr>
+            </a:lvl8pPr>
+            <a:lvl9pPr marL="3657600" algn="l" defTabSz="914400" rtl="0" eaLnBrk="1" latinLnBrk="1" hangingPunct="1">
+              <a:defRPr sz="1800" kern="1200">
+                <a:solidFill>
+                  <a:schemeClr val="lt1"/>
+                </a:solidFill>
+                <a:latin typeface="+mn-lt"/>
+                <a:ea typeface="+mn-ea"/>
+                <a:cs typeface="+mn-cs"/>
+              </a:defRPr>
+            </a:lvl9pPr>
+          </a:lstStyle>
+          <a:p>
+            <a:pPr algn="ctr"/>
+            <a:r>
+              <a:rPr lang="en-US" altLang="ko-KR" dirty="0"/>
+              <a:t>GT</a:t>
+            </a:r>
+            <a:endParaRPr lang="ko-KR" altLang="en-US" dirty="0"/>
+          </a:p>
+        </p:txBody>
+      </p:sp>
+      <p:sp>
+        <p:nvSpPr>
+          <p:cNvPr id="9" name="직사각형 8">
+            <a:extLst>
+              <a:ext uri="{FF2B5EF4-FFF2-40B4-BE49-F238E27FC236}">
+                <a16:creationId xmlns:a16="http://schemas.microsoft.com/office/drawing/2014/main" id="{D70E8C97-F7FB-0449-CE0C-7761A1D884F4}"/>
+              </a:ext>
+            </a:extLst>
+          </p:cNvPr>
+          <p:cNvSpPr/>
+          <p:nvPr/>
+        </p:nvSpPr>
+        <p:spPr>
+          <a:xfrm>
+            <a:off x="8409533" y="2980202"/>
+            <a:ext cx="3122579" cy="641195"/>
+          </a:xfrm>
+          <a:prstGeom prst="rect">
+            <a:avLst/>
+          </a:prstGeom>
+        </p:spPr>
+        <p:style>
+          <a:lnRef idx="2">
+            <a:schemeClr val="accent1">
+              <a:shade val="15000"/>
+            </a:schemeClr>
+          </a:lnRef>
+          <a:fillRef idx="1">
+            <a:schemeClr val="accent1"/>
+          </a:fillRef>
+          <a:effectRef idx="0">
+            <a:schemeClr val="accent1"/>
+          </a:effectRef>
+          <a:fontRef idx="minor">
+            <a:schemeClr val="lt1"/>
+          </a:fontRef>
+        </p:style>
+        <p:txBody>
+          <a:bodyPr rtlCol="0" anchor="ctr"/>
+          <a:lstStyle>
+            <a:defPPr>
+              <a:defRPr lang="ko-KR"/>
+            </a:defPPr>
+            <a:lvl1pPr marL="0" algn="l" defTabSz="914400" rtl="0" eaLnBrk="1" latinLnBrk="1" hangingPunct="1">
+              <a:defRPr sz="1800" kern="1200">
+                <a:solidFill>
+                  <a:schemeClr val="lt1"/>
+                </a:solidFill>
+                <a:latin typeface="+mn-lt"/>
+                <a:ea typeface="+mn-ea"/>
+                <a:cs typeface="+mn-cs"/>
+              </a:defRPr>
+            </a:lvl1pPr>
+            <a:lvl2pPr marL="457200" algn="l" defTabSz="914400" rtl="0" eaLnBrk="1" latinLnBrk="1" hangingPunct="1">
+              <a:defRPr sz="1800" kern="1200">
+                <a:solidFill>
+                  <a:schemeClr val="lt1"/>
+                </a:solidFill>
+                <a:latin typeface="+mn-lt"/>
+                <a:ea typeface="+mn-ea"/>
+                <a:cs typeface="+mn-cs"/>
+              </a:defRPr>
+            </a:lvl2pPr>
+            <a:lvl3pPr marL="914400" algn="l" defTabSz="914400" rtl="0" eaLnBrk="1" latinLnBrk="1" hangingPunct="1">
+              <a:defRPr sz="1800" kern="1200">
+                <a:solidFill>
+                  <a:schemeClr val="lt1"/>
+                </a:solidFill>
+                <a:latin typeface="+mn-lt"/>
+                <a:ea typeface="+mn-ea"/>
+                <a:cs typeface="+mn-cs"/>
+              </a:defRPr>
+            </a:lvl3pPr>
+            <a:lvl4pPr marL="1371600" algn="l" defTabSz="914400" rtl="0" eaLnBrk="1" latinLnBrk="1" hangingPunct="1">
+              <a:defRPr sz="1800" kern="1200">
+                <a:solidFill>
+                  <a:schemeClr val="lt1"/>
+                </a:solidFill>
+                <a:latin typeface="+mn-lt"/>
+                <a:ea typeface="+mn-ea"/>
+                <a:cs typeface="+mn-cs"/>
+              </a:defRPr>
+            </a:lvl4pPr>
+            <a:lvl5pPr marL="1828800" algn="l" defTabSz="914400" rtl="0" eaLnBrk="1" latinLnBrk="1" hangingPunct="1">
+              <a:defRPr sz="1800" kern="1200">
+                <a:solidFill>
+                  <a:schemeClr val="lt1"/>
+                </a:solidFill>
+                <a:latin typeface="+mn-lt"/>
+                <a:ea typeface="+mn-ea"/>
+                <a:cs typeface="+mn-cs"/>
+              </a:defRPr>
+            </a:lvl5pPr>
+            <a:lvl6pPr marL="2286000" algn="l" defTabSz="914400" rtl="0" eaLnBrk="1" latinLnBrk="1" hangingPunct="1">
+              <a:defRPr sz="1800" kern="1200">
+                <a:solidFill>
+                  <a:schemeClr val="lt1"/>
+                </a:solidFill>
+                <a:latin typeface="+mn-lt"/>
+                <a:ea typeface="+mn-ea"/>
+                <a:cs typeface="+mn-cs"/>
+              </a:defRPr>
+            </a:lvl6pPr>
+            <a:lvl7pPr marL="2743200" algn="l" defTabSz="914400" rtl="0" eaLnBrk="1" latinLnBrk="1" hangingPunct="1">
+              <a:defRPr sz="1800" kern="1200">
+                <a:solidFill>
+                  <a:schemeClr val="lt1"/>
+                </a:solidFill>
+                <a:latin typeface="+mn-lt"/>
+                <a:ea typeface="+mn-ea"/>
+                <a:cs typeface="+mn-cs"/>
+              </a:defRPr>
+            </a:lvl7pPr>
+            <a:lvl8pPr marL="3200400" algn="l" defTabSz="914400" rtl="0" eaLnBrk="1" latinLnBrk="1" hangingPunct="1">
+              <a:defRPr sz="1800" kern="1200">
+                <a:solidFill>
+                  <a:schemeClr val="lt1"/>
+                </a:solidFill>
+                <a:latin typeface="+mn-lt"/>
+                <a:ea typeface="+mn-ea"/>
+                <a:cs typeface="+mn-cs"/>
+              </a:defRPr>
+            </a:lvl8pPr>
+            <a:lvl9pPr marL="3657600" algn="l" defTabSz="914400" rtl="0" eaLnBrk="1" latinLnBrk="1" hangingPunct="1">
+              <a:defRPr sz="1800" kern="1200">
+                <a:solidFill>
+                  <a:schemeClr val="lt1"/>
+                </a:solidFill>
+                <a:latin typeface="+mn-lt"/>
+                <a:ea typeface="+mn-ea"/>
+                <a:cs typeface="+mn-cs"/>
+              </a:defRPr>
+            </a:lvl9pPr>
+          </a:lstStyle>
+          <a:p>
+            <a:pPr algn="ctr"/>
+            <a:r>
+              <a:rPr lang="en-US" altLang="ko-KR" dirty="0"/>
+              <a:t>Loss</a:t>
+            </a:r>
+            <a:endParaRPr lang="ko-KR" altLang="en-US" dirty="0"/>
+          </a:p>
+        </p:txBody>
+      </p:sp>
+      <p:cxnSp>
+        <p:nvCxnSpPr>
+          <p:cNvPr id="11" name="연결선: 꺾임 10">
+            <a:extLst>
+              <a:ext uri="{FF2B5EF4-FFF2-40B4-BE49-F238E27FC236}">
+                <a16:creationId xmlns:a16="http://schemas.microsoft.com/office/drawing/2014/main" id="{D769D4DE-FC14-6E00-8AE4-848F1DACAE07}"/>
+              </a:ext>
+            </a:extLst>
+          </p:cNvPr>
+          <p:cNvCxnSpPr>
+            <a:stCxn id="6" idx="3"/>
+            <a:endCxn id="9" idx="0"/>
+          </p:cNvCxnSpPr>
+          <p:nvPr/>
+        </p:nvCxnSpPr>
+        <p:spPr>
+          <a:xfrm>
+            <a:off x="7351782" y="2736289"/>
+            <a:ext cx="2619041" cy="243913"/>
+          </a:xfrm>
+          <a:prstGeom prst="bentConnector2">
+            <a:avLst/>
+          </a:prstGeom>
+          <a:ln>
+            <a:tailEnd type="triangle"/>
+          </a:ln>
+        </p:spPr>
+        <p:style>
+          <a:lnRef idx="2">
+            <a:schemeClr val="accent1"/>
+          </a:lnRef>
+          <a:fillRef idx="0">
+            <a:schemeClr val="accent1"/>
+          </a:fillRef>
+          <a:effectRef idx="1">
+            <a:schemeClr val="accent1"/>
+          </a:effectRef>
+          <a:fontRef idx="minor">
+            <a:schemeClr val="tx1"/>
+          </a:fontRef>
+        </p:style>
+      </p:cxnSp>
+      <p:cxnSp>
+        <p:nvCxnSpPr>
+          <p:cNvPr id="14" name="연결선: 꺾임 13">
+            <a:extLst>
+              <a:ext uri="{FF2B5EF4-FFF2-40B4-BE49-F238E27FC236}">
+                <a16:creationId xmlns:a16="http://schemas.microsoft.com/office/drawing/2014/main" id="{C6D761B3-D634-6D7D-1145-A0E57DBDD54E}"/>
+              </a:ext>
+            </a:extLst>
+          </p:cNvPr>
+          <p:cNvCxnSpPr>
+            <a:stCxn id="4" idx="3"/>
+            <a:endCxn id="9" idx="2"/>
+          </p:cNvCxnSpPr>
+          <p:nvPr/>
+        </p:nvCxnSpPr>
+        <p:spPr>
+          <a:xfrm flipV="1">
+            <a:off x="7351782" y="3621397"/>
+            <a:ext cx="2619041" cy="278819"/>
+          </a:xfrm>
+          <a:prstGeom prst="bentConnector2">
+            <a:avLst/>
+          </a:prstGeom>
+          <a:ln>
+            <a:tailEnd type="triangle"/>
+          </a:ln>
+        </p:spPr>
+        <p:style>
+          <a:lnRef idx="2">
+            <a:schemeClr val="accent1"/>
+          </a:lnRef>
+          <a:fillRef idx="0">
+            <a:schemeClr val="accent1"/>
+          </a:fillRef>
+          <a:effectRef idx="1">
+            <a:schemeClr val="accent1"/>
+          </a:effectRef>
+          <a:fontRef idx="minor">
+            <a:schemeClr val="tx1"/>
+          </a:fontRef>
+        </p:style>
+      </p:cxnSp>
+      <p:cxnSp>
+        <p:nvCxnSpPr>
+          <p:cNvPr id="17" name="연결선: 꺾임 16">
+            <a:extLst>
+              <a:ext uri="{FF2B5EF4-FFF2-40B4-BE49-F238E27FC236}">
+                <a16:creationId xmlns:a16="http://schemas.microsoft.com/office/drawing/2014/main" id="{6A3A3922-D87F-D4B8-CD75-352075CC2A63}"/>
+              </a:ext>
+            </a:extLst>
+          </p:cNvPr>
+          <p:cNvCxnSpPr>
+            <a:stCxn id="9" idx="3"/>
+            <a:endCxn id="5" idx="3"/>
+          </p:cNvCxnSpPr>
+          <p:nvPr/>
+        </p:nvCxnSpPr>
+        <p:spPr>
+          <a:xfrm flipH="1">
+            <a:off x="7351782" y="3300800"/>
+            <a:ext cx="4180330" cy="1881806"/>
+          </a:xfrm>
+          <a:prstGeom prst="bentConnector3">
+            <a:avLst>
+              <a:gd name="adj1" fmla="val -5468"/>
+            </a:avLst>
+          </a:prstGeom>
+          <a:ln>
+            <a:tailEnd type="triangle"/>
+          </a:ln>
+        </p:spPr>
+        <p:style>
+          <a:lnRef idx="2">
+            <a:schemeClr val="accent1"/>
+          </a:lnRef>
+          <a:fillRef idx="0">
+            <a:schemeClr val="accent1"/>
+          </a:fillRef>
+          <a:effectRef idx="1">
+            <a:schemeClr val="accent1"/>
+          </a:effectRef>
+          <a:fontRef idx="minor">
+            <a:schemeClr val="tx1"/>
+          </a:fontRef>
+        </p:style>
+      </p:cxnSp>
+      <p:sp>
+        <p:nvSpPr>
+          <p:cNvPr id="18" name="TextBox 17">
+            <a:extLst>
+              <a:ext uri="{FF2B5EF4-FFF2-40B4-BE49-F238E27FC236}">
+                <a16:creationId xmlns:a16="http://schemas.microsoft.com/office/drawing/2014/main" id="{3D155F34-5870-37D9-7BDE-31830F9E4D1B}"/>
+              </a:ext>
+            </a:extLst>
+          </p:cNvPr>
+          <p:cNvSpPr txBox="1"/>
+          <p:nvPr/>
+        </p:nvSpPr>
+        <p:spPr>
+          <a:xfrm>
+            <a:off x="10181064" y="5182605"/>
+            <a:ext cx="1239378" cy="369332"/>
+          </a:xfrm>
+          <a:prstGeom prst="rect">
+            <a:avLst/>
+          </a:prstGeom>
+          <a:noFill/>
+        </p:spPr>
+        <p:txBody>
+          <a:bodyPr wrap="none" rtlCol="0">
+            <a:spAutoFit/>
+          </a:bodyPr>
+          <a:lstStyle/>
+          <a:p>
+            <a:r>
+              <a:rPr lang="en-US" altLang="ko-KR" dirty="0"/>
+              <a:t>Back prop</a:t>
+            </a:r>
+            <a:endParaRPr lang="ko-KR" altLang="en-US" dirty="0"/>
+          </a:p>
+        </p:txBody>
+      </p:sp>
+      <p:cxnSp>
+        <p:nvCxnSpPr>
+          <p:cNvPr id="20" name="직선 화살표 연결선 19">
+            <a:extLst>
+              <a:ext uri="{FF2B5EF4-FFF2-40B4-BE49-F238E27FC236}">
+                <a16:creationId xmlns:a16="http://schemas.microsoft.com/office/drawing/2014/main" id="{AF9B1082-7552-D06E-E163-BE5E55B7EC6B}"/>
+              </a:ext>
+            </a:extLst>
+          </p:cNvPr>
+          <p:cNvCxnSpPr>
+            <a:stCxn id="3" idx="3"/>
+            <a:endCxn id="5" idx="1"/>
+          </p:cNvCxnSpPr>
+          <p:nvPr/>
+        </p:nvCxnSpPr>
+        <p:spPr>
+          <a:xfrm>
+            <a:off x="3010829" y="5182606"/>
+            <a:ext cx="1218374" cy="0"/>
+          </a:xfrm>
+          <a:prstGeom prst="straightConnector1">
+            <a:avLst/>
+          </a:prstGeom>
+          <a:ln>
+            <a:tailEnd type="triangle"/>
+          </a:ln>
+        </p:spPr>
+        <p:style>
+          <a:lnRef idx="2">
+            <a:schemeClr val="accent1"/>
+          </a:lnRef>
+          <a:fillRef idx="0">
+            <a:schemeClr val="accent1"/>
+          </a:fillRef>
+          <a:effectRef idx="1">
+            <a:schemeClr val="accent1"/>
+          </a:effectRef>
+          <a:fontRef idx="minor">
+            <a:schemeClr val="tx1"/>
+          </a:fontRef>
+        </p:style>
+      </p:cxnSp>
+      <p:sp>
+        <p:nvSpPr>
+          <p:cNvPr id="22" name="TextBox 21">
+            <a:extLst>
+              <a:ext uri="{FF2B5EF4-FFF2-40B4-BE49-F238E27FC236}">
+                <a16:creationId xmlns:a16="http://schemas.microsoft.com/office/drawing/2014/main" id="{3F648B07-3063-3363-7AD9-682D399DE191}"/>
+              </a:ext>
+            </a:extLst>
+          </p:cNvPr>
+          <p:cNvSpPr txBox="1"/>
+          <p:nvPr/>
+        </p:nvSpPr>
+        <p:spPr>
+          <a:xfrm>
+            <a:off x="3157910" y="5182605"/>
+            <a:ext cx="845040" cy="369332"/>
+          </a:xfrm>
+          <a:prstGeom prst="rect">
+            <a:avLst/>
+          </a:prstGeom>
+          <a:noFill/>
+        </p:spPr>
+        <p:txBody>
+          <a:bodyPr wrap="none" rtlCol="0">
+            <a:spAutoFit/>
+          </a:bodyPr>
+          <a:lstStyle/>
+          <a:p>
+            <a:r>
+              <a:rPr lang="en-US" altLang="ko-KR" dirty="0"/>
+              <a:t>param</a:t>
+            </a:r>
+            <a:endParaRPr lang="ko-KR" altLang="en-US" dirty="0"/>
+          </a:p>
+        </p:txBody>
+      </p:sp>
     </p:spTree>
     <p:extLst>
       <p:ext uri="{BB962C8B-B14F-4D97-AF65-F5344CB8AC3E}">
-        <p14:creationId xmlns:p14="http://schemas.microsoft.com/office/powerpoint/2010/main" val="4152982810"/>
+        <p14:creationId xmlns:p14="http://schemas.microsoft.com/office/powerpoint/2010/main" val="4041694460"/>
+      </p:ext>
+    </p:extLst>
+  </p:cSld>
+  <p:clrMapOvr>
+    <a:masterClrMapping/>
+  </p:clrMapOvr>
+</p:sld>
+</file>
+
+<file path=ppt/slides/slide3.xml><?xml version="1.0" encoding="utf-8"?>
+<p:sld xmlns:a="http://schemas.openxmlformats.org/drawingml/2006/main" xmlns:r="http://schemas.openxmlformats.org/officeDocument/2006/relationships" xmlns:p="http://schemas.openxmlformats.org/presentationml/2006/main">
+  <p:cSld>
+    <p:spTree>
+      <p:nvGrpSpPr>
+        <p:cNvPr id="1" name="">
+          <a:extLst>
+            <a:ext uri="{FF2B5EF4-FFF2-40B4-BE49-F238E27FC236}">
+              <a16:creationId xmlns:a16="http://schemas.microsoft.com/office/drawing/2014/main" id="{9106D6A0-2F5B-0516-6CF0-6F7F01E36135}"/>
+            </a:ext>
+          </a:extLst>
+        </p:cNvPr>
+        <p:cNvGrpSpPr/>
+        <p:nvPr/>
+      </p:nvGrpSpPr>
+      <p:grpSpPr>
+        <a:xfrm>
+          <a:off x="0" y="0"/>
+          <a:ext cx="0" cy="0"/>
+          <a:chOff x="0" y="0"/>
+          <a:chExt cx="0" cy="0"/>
+        </a:xfrm>
+      </p:grpSpPr>
+      <p:sp>
+        <p:nvSpPr>
+          <p:cNvPr id="3" name="직사각형 2">
+            <a:extLst>
+              <a:ext uri="{FF2B5EF4-FFF2-40B4-BE49-F238E27FC236}">
+                <a16:creationId xmlns:a16="http://schemas.microsoft.com/office/drawing/2014/main" id="{B7D05092-34DF-665F-9CF7-B879E0C28FCA}"/>
+              </a:ext>
+            </a:extLst>
+          </p:cNvPr>
+          <p:cNvSpPr/>
+          <p:nvPr/>
+        </p:nvSpPr>
+        <p:spPr>
+          <a:xfrm>
+            <a:off x="568712" y="1572398"/>
+            <a:ext cx="2442117" cy="641195"/>
+          </a:xfrm>
+          <a:prstGeom prst="rect">
+            <a:avLst/>
+          </a:prstGeom>
+        </p:spPr>
+        <p:style>
+          <a:lnRef idx="2">
+            <a:schemeClr val="accent1">
+              <a:shade val="15000"/>
+            </a:schemeClr>
+          </a:lnRef>
+          <a:fillRef idx="1">
+            <a:schemeClr val="accent1"/>
+          </a:fillRef>
+          <a:effectRef idx="0">
+            <a:schemeClr val="accent1"/>
+          </a:effectRef>
+          <a:fontRef idx="minor">
+            <a:schemeClr val="lt1"/>
+          </a:fontRef>
+        </p:style>
+        <p:txBody>
+          <a:bodyPr rtlCol="0" anchor="ctr"/>
+          <a:lstStyle>
+            <a:defPPr>
+              <a:defRPr lang="ko-KR"/>
+            </a:defPPr>
+            <a:lvl1pPr marL="0" algn="l" defTabSz="914400" rtl="0" eaLnBrk="1" latinLnBrk="1" hangingPunct="1">
+              <a:defRPr sz="1800" kern="1200">
+                <a:solidFill>
+                  <a:schemeClr val="lt1"/>
+                </a:solidFill>
+                <a:latin typeface="+mn-lt"/>
+                <a:ea typeface="+mn-ea"/>
+                <a:cs typeface="+mn-cs"/>
+              </a:defRPr>
+            </a:lvl1pPr>
+            <a:lvl2pPr marL="457200" algn="l" defTabSz="914400" rtl="0" eaLnBrk="1" latinLnBrk="1" hangingPunct="1">
+              <a:defRPr sz="1800" kern="1200">
+                <a:solidFill>
+                  <a:schemeClr val="lt1"/>
+                </a:solidFill>
+                <a:latin typeface="+mn-lt"/>
+                <a:ea typeface="+mn-ea"/>
+                <a:cs typeface="+mn-cs"/>
+              </a:defRPr>
+            </a:lvl2pPr>
+            <a:lvl3pPr marL="914400" algn="l" defTabSz="914400" rtl="0" eaLnBrk="1" latinLnBrk="1" hangingPunct="1">
+              <a:defRPr sz="1800" kern="1200">
+                <a:solidFill>
+                  <a:schemeClr val="lt1"/>
+                </a:solidFill>
+                <a:latin typeface="+mn-lt"/>
+                <a:ea typeface="+mn-ea"/>
+                <a:cs typeface="+mn-cs"/>
+              </a:defRPr>
+            </a:lvl3pPr>
+            <a:lvl4pPr marL="1371600" algn="l" defTabSz="914400" rtl="0" eaLnBrk="1" latinLnBrk="1" hangingPunct="1">
+              <a:defRPr sz="1800" kern="1200">
+                <a:solidFill>
+                  <a:schemeClr val="lt1"/>
+                </a:solidFill>
+                <a:latin typeface="+mn-lt"/>
+                <a:ea typeface="+mn-ea"/>
+                <a:cs typeface="+mn-cs"/>
+              </a:defRPr>
+            </a:lvl4pPr>
+            <a:lvl5pPr marL="1828800" algn="l" defTabSz="914400" rtl="0" eaLnBrk="1" latinLnBrk="1" hangingPunct="1">
+              <a:defRPr sz="1800" kern="1200">
+                <a:solidFill>
+                  <a:schemeClr val="lt1"/>
+                </a:solidFill>
+                <a:latin typeface="+mn-lt"/>
+                <a:ea typeface="+mn-ea"/>
+                <a:cs typeface="+mn-cs"/>
+              </a:defRPr>
+            </a:lvl5pPr>
+            <a:lvl6pPr marL="2286000" algn="l" defTabSz="914400" rtl="0" eaLnBrk="1" latinLnBrk="1" hangingPunct="1">
+              <a:defRPr sz="1800" kern="1200">
+                <a:solidFill>
+                  <a:schemeClr val="lt1"/>
+                </a:solidFill>
+                <a:latin typeface="+mn-lt"/>
+                <a:ea typeface="+mn-ea"/>
+                <a:cs typeface="+mn-cs"/>
+              </a:defRPr>
+            </a:lvl6pPr>
+            <a:lvl7pPr marL="2743200" algn="l" defTabSz="914400" rtl="0" eaLnBrk="1" latinLnBrk="1" hangingPunct="1">
+              <a:defRPr sz="1800" kern="1200">
+                <a:solidFill>
+                  <a:schemeClr val="lt1"/>
+                </a:solidFill>
+                <a:latin typeface="+mn-lt"/>
+                <a:ea typeface="+mn-ea"/>
+                <a:cs typeface="+mn-cs"/>
+              </a:defRPr>
+            </a:lvl7pPr>
+            <a:lvl8pPr marL="3200400" algn="l" defTabSz="914400" rtl="0" eaLnBrk="1" latinLnBrk="1" hangingPunct="1">
+              <a:defRPr sz="1800" kern="1200">
+                <a:solidFill>
+                  <a:schemeClr val="lt1"/>
+                </a:solidFill>
+                <a:latin typeface="+mn-lt"/>
+                <a:ea typeface="+mn-ea"/>
+                <a:cs typeface="+mn-cs"/>
+              </a:defRPr>
+            </a:lvl8pPr>
+            <a:lvl9pPr marL="3657600" algn="l" defTabSz="914400" rtl="0" eaLnBrk="1" latinLnBrk="1" hangingPunct="1">
+              <a:defRPr sz="1800" kern="1200">
+                <a:solidFill>
+                  <a:schemeClr val="lt1"/>
+                </a:solidFill>
+                <a:latin typeface="+mn-lt"/>
+                <a:ea typeface="+mn-ea"/>
+                <a:cs typeface="+mn-cs"/>
+              </a:defRPr>
+            </a:lvl9pPr>
+          </a:lstStyle>
+          <a:p>
+            <a:pPr algn="ctr"/>
+            <a:r>
+              <a:rPr lang="en-US" altLang="ko-KR" dirty="0"/>
+              <a:t>Foundation Model</a:t>
+            </a:r>
+            <a:endParaRPr lang="ko-KR" altLang="en-US" dirty="0"/>
+          </a:p>
+        </p:txBody>
+      </p:sp>
+      <p:sp>
+        <p:nvSpPr>
+          <p:cNvPr id="5" name="직사각형 4">
+            <a:extLst>
+              <a:ext uri="{FF2B5EF4-FFF2-40B4-BE49-F238E27FC236}">
+                <a16:creationId xmlns:a16="http://schemas.microsoft.com/office/drawing/2014/main" id="{27F7A7E5-0A32-5CDA-4536-AC36AF628B5E}"/>
+              </a:ext>
+            </a:extLst>
+          </p:cNvPr>
+          <p:cNvSpPr/>
+          <p:nvPr/>
+        </p:nvSpPr>
+        <p:spPr>
+          <a:xfrm>
+            <a:off x="4229203" y="1572398"/>
+            <a:ext cx="3122579" cy="641195"/>
+          </a:xfrm>
+          <a:prstGeom prst="rect">
+            <a:avLst/>
+          </a:prstGeom>
+        </p:spPr>
+        <p:style>
+          <a:lnRef idx="2">
+            <a:schemeClr val="accent1">
+              <a:shade val="15000"/>
+            </a:schemeClr>
+          </a:lnRef>
+          <a:fillRef idx="1">
+            <a:schemeClr val="accent1"/>
+          </a:fillRef>
+          <a:effectRef idx="0">
+            <a:schemeClr val="accent1"/>
+          </a:effectRef>
+          <a:fontRef idx="minor">
+            <a:schemeClr val="lt1"/>
+          </a:fontRef>
+        </p:style>
+        <p:txBody>
+          <a:bodyPr rtlCol="0" anchor="ctr"/>
+          <a:lstStyle>
+            <a:defPPr>
+              <a:defRPr lang="ko-KR"/>
+            </a:defPPr>
+            <a:lvl1pPr marL="0" algn="l" defTabSz="914400" rtl="0" eaLnBrk="1" latinLnBrk="1" hangingPunct="1">
+              <a:defRPr sz="1800" kern="1200">
+                <a:solidFill>
+                  <a:schemeClr val="lt1"/>
+                </a:solidFill>
+                <a:latin typeface="+mn-lt"/>
+                <a:ea typeface="+mn-ea"/>
+                <a:cs typeface="+mn-cs"/>
+              </a:defRPr>
+            </a:lvl1pPr>
+            <a:lvl2pPr marL="457200" algn="l" defTabSz="914400" rtl="0" eaLnBrk="1" latinLnBrk="1" hangingPunct="1">
+              <a:defRPr sz="1800" kern="1200">
+                <a:solidFill>
+                  <a:schemeClr val="lt1"/>
+                </a:solidFill>
+                <a:latin typeface="+mn-lt"/>
+                <a:ea typeface="+mn-ea"/>
+                <a:cs typeface="+mn-cs"/>
+              </a:defRPr>
+            </a:lvl2pPr>
+            <a:lvl3pPr marL="914400" algn="l" defTabSz="914400" rtl="0" eaLnBrk="1" latinLnBrk="1" hangingPunct="1">
+              <a:defRPr sz="1800" kern="1200">
+                <a:solidFill>
+                  <a:schemeClr val="lt1"/>
+                </a:solidFill>
+                <a:latin typeface="+mn-lt"/>
+                <a:ea typeface="+mn-ea"/>
+                <a:cs typeface="+mn-cs"/>
+              </a:defRPr>
+            </a:lvl3pPr>
+            <a:lvl4pPr marL="1371600" algn="l" defTabSz="914400" rtl="0" eaLnBrk="1" latinLnBrk="1" hangingPunct="1">
+              <a:defRPr sz="1800" kern="1200">
+                <a:solidFill>
+                  <a:schemeClr val="lt1"/>
+                </a:solidFill>
+                <a:latin typeface="+mn-lt"/>
+                <a:ea typeface="+mn-ea"/>
+                <a:cs typeface="+mn-cs"/>
+              </a:defRPr>
+            </a:lvl4pPr>
+            <a:lvl5pPr marL="1828800" algn="l" defTabSz="914400" rtl="0" eaLnBrk="1" latinLnBrk="1" hangingPunct="1">
+              <a:defRPr sz="1800" kern="1200">
+                <a:solidFill>
+                  <a:schemeClr val="lt1"/>
+                </a:solidFill>
+                <a:latin typeface="+mn-lt"/>
+                <a:ea typeface="+mn-ea"/>
+                <a:cs typeface="+mn-cs"/>
+              </a:defRPr>
+            </a:lvl5pPr>
+            <a:lvl6pPr marL="2286000" algn="l" defTabSz="914400" rtl="0" eaLnBrk="1" latinLnBrk="1" hangingPunct="1">
+              <a:defRPr sz="1800" kern="1200">
+                <a:solidFill>
+                  <a:schemeClr val="lt1"/>
+                </a:solidFill>
+                <a:latin typeface="+mn-lt"/>
+                <a:ea typeface="+mn-ea"/>
+                <a:cs typeface="+mn-cs"/>
+              </a:defRPr>
+            </a:lvl6pPr>
+            <a:lvl7pPr marL="2743200" algn="l" defTabSz="914400" rtl="0" eaLnBrk="1" latinLnBrk="1" hangingPunct="1">
+              <a:defRPr sz="1800" kern="1200">
+                <a:solidFill>
+                  <a:schemeClr val="lt1"/>
+                </a:solidFill>
+                <a:latin typeface="+mn-lt"/>
+                <a:ea typeface="+mn-ea"/>
+                <a:cs typeface="+mn-cs"/>
+              </a:defRPr>
+            </a:lvl7pPr>
+            <a:lvl8pPr marL="3200400" algn="l" defTabSz="914400" rtl="0" eaLnBrk="1" latinLnBrk="1" hangingPunct="1">
+              <a:defRPr sz="1800" kern="1200">
+                <a:solidFill>
+                  <a:schemeClr val="lt1"/>
+                </a:solidFill>
+                <a:latin typeface="+mn-lt"/>
+                <a:ea typeface="+mn-ea"/>
+                <a:cs typeface="+mn-cs"/>
+              </a:defRPr>
+            </a:lvl8pPr>
+            <a:lvl9pPr marL="3657600" algn="l" defTabSz="914400" rtl="0" eaLnBrk="1" latinLnBrk="1" hangingPunct="1">
+              <a:defRPr sz="1800" kern="1200">
+                <a:solidFill>
+                  <a:schemeClr val="lt1"/>
+                </a:solidFill>
+                <a:latin typeface="+mn-lt"/>
+                <a:ea typeface="+mn-ea"/>
+                <a:cs typeface="+mn-cs"/>
+              </a:defRPr>
+            </a:lvl9pPr>
+          </a:lstStyle>
+          <a:p>
+            <a:pPr algn="ctr"/>
+            <a:r>
+              <a:rPr lang="en-US" altLang="ko-KR" dirty="0"/>
+              <a:t>Bicycle model</a:t>
+            </a:r>
+            <a:endParaRPr lang="ko-KR" altLang="en-US" dirty="0"/>
+          </a:p>
+        </p:txBody>
+      </p:sp>
+      <p:sp>
+        <p:nvSpPr>
+          <p:cNvPr id="6" name="직사각형 5">
+            <a:extLst>
+              <a:ext uri="{FF2B5EF4-FFF2-40B4-BE49-F238E27FC236}">
+                <a16:creationId xmlns:a16="http://schemas.microsoft.com/office/drawing/2014/main" id="{53328E9B-B785-7B9A-D7FD-DF66D1782BBE}"/>
+              </a:ext>
+            </a:extLst>
+          </p:cNvPr>
+          <p:cNvSpPr/>
+          <p:nvPr/>
+        </p:nvSpPr>
+        <p:spPr>
+          <a:xfrm>
+            <a:off x="4229203" y="244734"/>
+            <a:ext cx="3122579" cy="641195"/>
+          </a:xfrm>
+          <a:prstGeom prst="rect">
+            <a:avLst/>
+          </a:prstGeom>
+        </p:spPr>
+        <p:style>
+          <a:lnRef idx="2">
+            <a:schemeClr val="accent1">
+              <a:shade val="15000"/>
+            </a:schemeClr>
+          </a:lnRef>
+          <a:fillRef idx="1">
+            <a:schemeClr val="accent1"/>
+          </a:fillRef>
+          <a:effectRef idx="0">
+            <a:schemeClr val="accent1"/>
+          </a:effectRef>
+          <a:fontRef idx="minor">
+            <a:schemeClr val="lt1"/>
+          </a:fontRef>
+        </p:style>
+        <p:txBody>
+          <a:bodyPr rtlCol="0" anchor="ctr"/>
+          <a:lstStyle>
+            <a:defPPr>
+              <a:defRPr lang="ko-KR"/>
+            </a:defPPr>
+            <a:lvl1pPr marL="0" algn="l" defTabSz="914400" rtl="0" eaLnBrk="1" latinLnBrk="1" hangingPunct="1">
+              <a:defRPr sz="1800" kern="1200">
+                <a:solidFill>
+                  <a:schemeClr val="lt1"/>
+                </a:solidFill>
+                <a:latin typeface="+mn-lt"/>
+                <a:ea typeface="+mn-ea"/>
+                <a:cs typeface="+mn-cs"/>
+              </a:defRPr>
+            </a:lvl1pPr>
+            <a:lvl2pPr marL="457200" algn="l" defTabSz="914400" rtl="0" eaLnBrk="1" latinLnBrk="1" hangingPunct="1">
+              <a:defRPr sz="1800" kern="1200">
+                <a:solidFill>
+                  <a:schemeClr val="lt1"/>
+                </a:solidFill>
+                <a:latin typeface="+mn-lt"/>
+                <a:ea typeface="+mn-ea"/>
+                <a:cs typeface="+mn-cs"/>
+              </a:defRPr>
+            </a:lvl2pPr>
+            <a:lvl3pPr marL="914400" algn="l" defTabSz="914400" rtl="0" eaLnBrk="1" latinLnBrk="1" hangingPunct="1">
+              <a:defRPr sz="1800" kern="1200">
+                <a:solidFill>
+                  <a:schemeClr val="lt1"/>
+                </a:solidFill>
+                <a:latin typeface="+mn-lt"/>
+                <a:ea typeface="+mn-ea"/>
+                <a:cs typeface="+mn-cs"/>
+              </a:defRPr>
+            </a:lvl3pPr>
+            <a:lvl4pPr marL="1371600" algn="l" defTabSz="914400" rtl="0" eaLnBrk="1" latinLnBrk="1" hangingPunct="1">
+              <a:defRPr sz="1800" kern="1200">
+                <a:solidFill>
+                  <a:schemeClr val="lt1"/>
+                </a:solidFill>
+                <a:latin typeface="+mn-lt"/>
+                <a:ea typeface="+mn-ea"/>
+                <a:cs typeface="+mn-cs"/>
+              </a:defRPr>
+            </a:lvl4pPr>
+            <a:lvl5pPr marL="1828800" algn="l" defTabSz="914400" rtl="0" eaLnBrk="1" latinLnBrk="1" hangingPunct="1">
+              <a:defRPr sz="1800" kern="1200">
+                <a:solidFill>
+                  <a:schemeClr val="lt1"/>
+                </a:solidFill>
+                <a:latin typeface="+mn-lt"/>
+                <a:ea typeface="+mn-ea"/>
+                <a:cs typeface="+mn-cs"/>
+              </a:defRPr>
+            </a:lvl5pPr>
+            <a:lvl6pPr marL="2286000" algn="l" defTabSz="914400" rtl="0" eaLnBrk="1" latinLnBrk="1" hangingPunct="1">
+              <a:defRPr sz="1800" kern="1200">
+                <a:solidFill>
+                  <a:schemeClr val="lt1"/>
+                </a:solidFill>
+                <a:latin typeface="+mn-lt"/>
+                <a:ea typeface="+mn-ea"/>
+                <a:cs typeface="+mn-cs"/>
+              </a:defRPr>
+            </a:lvl6pPr>
+            <a:lvl7pPr marL="2743200" algn="l" defTabSz="914400" rtl="0" eaLnBrk="1" latinLnBrk="1" hangingPunct="1">
+              <a:defRPr sz="1800" kern="1200">
+                <a:solidFill>
+                  <a:schemeClr val="lt1"/>
+                </a:solidFill>
+                <a:latin typeface="+mn-lt"/>
+                <a:ea typeface="+mn-ea"/>
+                <a:cs typeface="+mn-cs"/>
+              </a:defRPr>
+            </a:lvl7pPr>
+            <a:lvl8pPr marL="3200400" algn="l" defTabSz="914400" rtl="0" eaLnBrk="1" latinLnBrk="1" hangingPunct="1">
+              <a:defRPr sz="1800" kern="1200">
+                <a:solidFill>
+                  <a:schemeClr val="lt1"/>
+                </a:solidFill>
+                <a:latin typeface="+mn-lt"/>
+                <a:ea typeface="+mn-ea"/>
+                <a:cs typeface="+mn-cs"/>
+              </a:defRPr>
+            </a:lvl8pPr>
+            <a:lvl9pPr marL="3657600" algn="l" defTabSz="914400" rtl="0" eaLnBrk="1" latinLnBrk="1" hangingPunct="1">
+              <a:defRPr sz="1800" kern="1200">
+                <a:solidFill>
+                  <a:schemeClr val="lt1"/>
+                </a:solidFill>
+                <a:latin typeface="+mn-lt"/>
+                <a:ea typeface="+mn-ea"/>
+                <a:cs typeface="+mn-cs"/>
+              </a:defRPr>
+            </a:lvl9pPr>
+          </a:lstStyle>
+          <a:p>
+            <a:pPr algn="ctr"/>
+            <a:r>
+              <a:rPr lang="en-US" altLang="ko-KR" dirty="0"/>
+              <a:t>GT</a:t>
+            </a:r>
+            <a:endParaRPr lang="ko-KR" altLang="en-US" dirty="0"/>
+          </a:p>
+        </p:txBody>
+      </p:sp>
+      <p:sp>
+        <p:nvSpPr>
+          <p:cNvPr id="9" name="직사각형 8">
+            <a:extLst>
+              <a:ext uri="{FF2B5EF4-FFF2-40B4-BE49-F238E27FC236}">
+                <a16:creationId xmlns:a16="http://schemas.microsoft.com/office/drawing/2014/main" id="{2DC3C730-2AFB-12D1-CAEA-EF215A9C3799}"/>
+              </a:ext>
+            </a:extLst>
+          </p:cNvPr>
+          <p:cNvSpPr/>
+          <p:nvPr/>
+        </p:nvSpPr>
+        <p:spPr>
+          <a:xfrm>
+            <a:off x="8409533" y="809245"/>
+            <a:ext cx="3122579" cy="641195"/>
+          </a:xfrm>
+          <a:prstGeom prst="rect">
+            <a:avLst/>
+          </a:prstGeom>
+        </p:spPr>
+        <p:style>
+          <a:lnRef idx="2">
+            <a:schemeClr val="accent1">
+              <a:shade val="15000"/>
+            </a:schemeClr>
+          </a:lnRef>
+          <a:fillRef idx="1">
+            <a:schemeClr val="accent1"/>
+          </a:fillRef>
+          <a:effectRef idx="0">
+            <a:schemeClr val="accent1"/>
+          </a:effectRef>
+          <a:fontRef idx="minor">
+            <a:schemeClr val="lt1"/>
+          </a:fontRef>
+        </p:style>
+        <p:txBody>
+          <a:bodyPr rtlCol="0" anchor="ctr"/>
+          <a:lstStyle>
+            <a:defPPr>
+              <a:defRPr lang="ko-KR"/>
+            </a:defPPr>
+            <a:lvl1pPr marL="0" algn="l" defTabSz="914400" rtl="0" eaLnBrk="1" latinLnBrk="1" hangingPunct="1">
+              <a:defRPr sz="1800" kern="1200">
+                <a:solidFill>
+                  <a:schemeClr val="lt1"/>
+                </a:solidFill>
+                <a:latin typeface="+mn-lt"/>
+                <a:ea typeface="+mn-ea"/>
+                <a:cs typeface="+mn-cs"/>
+              </a:defRPr>
+            </a:lvl1pPr>
+            <a:lvl2pPr marL="457200" algn="l" defTabSz="914400" rtl="0" eaLnBrk="1" latinLnBrk="1" hangingPunct="1">
+              <a:defRPr sz="1800" kern="1200">
+                <a:solidFill>
+                  <a:schemeClr val="lt1"/>
+                </a:solidFill>
+                <a:latin typeface="+mn-lt"/>
+                <a:ea typeface="+mn-ea"/>
+                <a:cs typeface="+mn-cs"/>
+              </a:defRPr>
+            </a:lvl2pPr>
+            <a:lvl3pPr marL="914400" algn="l" defTabSz="914400" rtl="0" eaLnBrk="1" latinLnBrk="1" hangingPunct="1">
+              <a:defRPr sz="1800" kern="1200">
+                <a:solidFill>
+                  <a:schemeClr val="lt1"/>
+                </a:solidFill>
+                <a:latin typeface="+mn-lt"/>
+                <a:ea typeface="+mn-ea"/>
+                <a:cs typeface="+mn-cs"/>
+              </a:defRPr>
+            </a:lvl3pPr>
+            <a:lvl4pPr marL="1371600" algn="l" defTabSz="914400" rtl="0" eaLnBrk="1" latinLnBrk="1" hangingPunct="1">
+              <a:defRPr sz="1800" kern="1200">
+                <a:solidFill>
+                  <a:schemeClr val="lt1"/>
+                </a:solidFill>
+                <a:latin typeface="+mn-lt"/>
+                <a:ea typeface="+mn-ea"/>
+                <a:cs typeface="+mn-cs"/>
+              </a:defRPr>
+            </a:lvl4pPr>
+            <a:lvl5pPr marL="1828800" algn="l" defTabSz="914400" rtl="0" eaLnBrk="1" latinLnBrk="1" hangingPunct="1">
+              <a:defRPr sz="1800" kern="1200">
+                <a:solidFill>
+                  <a:schemeClr val="lt1"/>
+                </a:solidFill>
+                <a:latin typeface="+mn-lt"/>
+                <a:ea typeface="+mn-ea"/>
+                <a:cs typeface="+mn-cs"/>
+              </a:defRPr>
+            </a:lvl5pPr>
+            <a:lvl6pPr marL="2286000" algn="l" defTabSz="914400" rtl="0" eaLnBrk="1" latinLnBrk="1" hangingPunct="1">
+              <a:defRPr sz="1800" kern="1200">
+                <a:solidFill>
+                  <a:schemeClr val="lt1"/>
+                </a:solidFill>
+                <a:latin typeface="+mn-lt"/>
+                <a:ea typeface="+mn-ea"/>
+                <a:cs typeface="+mn-cs"/>
+              </a:defRPr>
+            </a:lvl6pPr>
+            <a:lvl7pPr marL="2743200" algn="l" defTabSz="914400" rtl="0" eaLnBrk="1" latinLnBrk="1" hangingPunct="1">
+              <a:defRPr sz="1800" kern="1200">
+                <a:solidFill>
+                  <a:schemeClr val="lt1"/>
+                </a:solidFill>
+                <a:latin typeface="+mn-lt"/>
+                <a:ea typeface="+mn-ea"/>
+                <a:cs typeface="+mn-cs"/>
+              </a:defRPr>
+            </a:lvl7pPr>
+            <a:lvl8pPr marL="3200400" algn="l" defTabSz="914400" rtl="0" eaLnBrk="1" latinLnBrk="1" hangingPunct="1">
+              <a:defRPr sz="1800" kern="1200">
+                <a:solidFill>
+                  <a:schemeClr val="lt1"/>
+                </a:solidFill>
+                <a:latin typeface="+mn-lt"/>
+                <a:ea typeface="+mn-ea"/>
+                <a:cs typeface="+mn-cs"/>
+              </a:defRPr>
+            </a:lvl8pPr>
+            <a:lvl9pPr marL="3657600" algn="l" defTabSz="914400" rtl="0" eaLnBrk="1" latinLnBrk="1" hangingPunct="1">
+              <a:defRPr sz="1800" kern="1200">
+                <a:solidFill>
+                  <a:schemeClr val="lt1"/>
+                </a:solidFill>
+                <a:latin typeface="+mn-lt"/>
+                <a:ea typeface="+mn-ea"/>
+                <a:cs typeface="+mn-cs"/>
+              </a:defRPr>
+            </a:lvl9pPr>
+          </a:lstStyle>
+          <a:p>
+            <a:pPr algn="ctr"/>
+            <a:r>
+              <a:rPr lang="en-US" altLang="ko-KR" dirty="0"/>
+              <a:t>Loss</a:t>
+            </a:r>
+            <a:endParaRPr lang="ko-KR" altLang="en-US" dirty="0"/>
+          </a:p>
+        </p:txBody>
+      </p:sp>
+      <p:cxnSp>
+        <p:nvCxnSpPr>
+          <p:cNvPr id="11" name="연결선: 꺾임 10">
+            <a:extLst>
+              <a:ext uri="{FF2B5EF4-FFF2-40B4-BE49-F238E27FC236}">
+                <a16:creationId xmlns:a16="http://schemas.microsoft.com/office/drawing/2014/main" id="{E6CC3B86-39C7-6BA8-A8E3-BF4285302865}"/>
+              </a:ext>
+            </a:extLst>
+          </p:cNvPr>
+          <p:cNvCxnSpPr>
+            <a:stCxn id="6" idx="3"/>
+            <a:endCxn id="9" idx="0"/>
+          </p:cNvCxnSpPr>
+          <p:nvPr/>
+        </p:nvCxnSpPr>
+        <p:spPr>
+          <a:xfrm>
+            <a:off x="7351782" y="565332"/>
+            <a:ext cx="2619041" cy="243913"/>
+          </a:xfrm>
+          <a:prstGeom prst="bentConnector2">
+            <a:avLst/>
+          </a:prstGeom>
+          <a:ln>
+            <a:tailEnd type="triangle"/>
+          </a:ln>
+        </p:spPr>
+        <p:style>
+          <a:lnRef idx="2">
+            <a:schemeClr val="accent1"/>
+          </a:lnRef>
+          <a:fillRef idx="0">
+            <a:schemeClr val="accent1"/>
+          </a:fillRef>
+          <a:effectRef idx="1">
+            <a:schemeClr val="accent1"/>
+          </a:effectRef>
+          <a:fontRef idx="minor">
+            <a:schemeClr val="tx1"/>
+          </a:fontRef>
+        </p:style>
+      </p:cxnSp>
+      <p:cxnSp>
+        <p:nvCxnSpPr>
+          <p:cNvPr id="20" name="직선 화살표 연결선 19">
+            <a:extLst>
+              <a:ext uri="{FF2B5EF4-FFF2-40B4-BE49-F238E27FC236}">
+                <a16:creationId xmlns:a16="http://schemas.microsoft.com/office/drawing/2014/main" id="{E044B101-055E-73BC-5C9D-7FF58D7152A6}"/>
+              </a:ext>
+            </a:extLst>
+          </p:cNvPr>
+          <p:cNvCxnSpPr>
+            <a:stCxn id="3" idx="3"/>
+            <a:endCxn id="5" idx="1"/>
+          </p:cNvCxnSpPr>
+          <p:nvPr/>
+        </p:nvCxnSpPr>
+        <p:spPr>
+          <a:xfrm>
+            <a:off x="3010829" y="1892996"/>
+            <a:ext cx="1218374" cy="0"/>
+          </a:xfrm>
+          <a:prstGeom prst="straightConnector1">
+            <a:avLst/>
+          </a:prstGeom>
+          <a:ln>
+            <a:tailEnd type="triangle"/>
+          </a:ln>
+        </p:spPr>
+        <p:style>
+          <a:lnRef idx="2">
+            <a:schemeClr val="accent1"/>
+          </a:lnRef>
+          <a:fillRef idx="0">
+            <a:schemeClr val="accent1"/>
+          </a:fillRef>
+          <a:effectRef idx="1">
+            <a:schemeClr val="accent1"/>
+          </a:effectRef>
+          <a:fontRef idx="minor">
+            <a:schemeClr val="tx1"/>
+          </a:fontRef>
+        </p:style>
+      </p:cxnSp>
+      <p:sp>
+        <p:nvSpPr>
+          <p:cNvPr id="22" name="TextBox 21">
+            <a:extLst>
+              <a:ext uri="{FF2B5EF4-FFF2-40B4-BE49-F238E27FC236}">
+                <a16:creationId xmlns:a16="http://schemas.microsoft.com/office/drawing/2014/main" id="{DE6DB793-7A6B-2B03-6589-1091F509A3EE}"/>
+              </a:ext>
+            </a:extLst>
+          </p:cNvPr>
+          <p:cNvSpPr txBox="1"/>
+          <p:nvPr/>
+        </p:nvSpPr>
+        <p:spPr>
+          <a:xfrm>
+            <a:off x="3157910" y="1892995"/>
+            <a:ext cx="845040" cy="369332"/>
+          </a:xfrm>
+          <a:prstGeom prst="rect">
+            <a:avLst/>
+          </a:prstGeom>
+          <a:noFill/>
+        </p:spPr>
+        <p:txBody>
+          <a:bodyPr wrap="none" rtlCol="0">
+            <a:spAutoFit/>
+          </a:bodyPr>
+          <a:lstStyle/>
+          <a:p>
+            <a:r>
+              <a:rPr lang="en-US" altLang="ko-KR" dirty="0"/>
+              <a:t>param</a:t>
+            </a:r>
+            <a:endParaRPr lang="ko-KR" altLang="en-US" dirty="0"/>
+          </a:p>
+        </p:txBody>
+      </p:sp>
+      <p:cxnSp>
+        <p:nvCxnSpPr>
+          <p:cNvPr id="12" name="연결선: 꺾임 11">
+            <a:extLst>
+              <a:ext uri="{FF2B5EF4-FFF2-40B4-BE49-F238E27FC236}">
+                <a16:creationId xmlns:a16="http://schemas.microsoft.com/office/drawing/2014/main" id="{E7DBCA3F-9CC1-7359-8B84-9DA8E7488904}"/>
+              </a:ext>
+            </a:extLst>
+          </p:cNvPr>
+          <p:cNvCxnSpPr>
+            <a:stCxn id="5" idx="3"/>
+            <a:endCxn id="9" idx="2"/>
+          </p:cNvCxnSpPr>
+          <p:nvPr/>
+        </p:nvCxnSpPr>
+        <p:spPr>
+          <a:xfrm flipV="1">
+            <a:off x="7351782" y="1450440"/>
+            <a:ext cx="2619041" cy="442556"/>
+          </a:xfrm>
+          <a:prstGeom prst="bentConnector2">
+            <a:avLst/>
+          </a:prstGeom>
+          <a:ln>
+            <a:tailEnd type="triangle"/>
+          </a:ln>
+        </p:spPr>
+        <p:style>
+          <a:lnRef idx="2">
+            <a:schemeClr val="accent1"/>
+          </a:lnRef>
+          <a:fillRef idx="0">
+            <a:schemeClr val="accent1"/>
+          </a:fillRef>
+          <a:effectRef idx="1">
+            <a:schemeClr val="accent1"/>
+          </a:effectRef>
+          <a:fontRef idx="minor">
+            <a:schemeClr val="tx1"/>
+          </a:fontRef>
+        </p:style>
+      </p:cxnSp>
+      <p:sp>
+        <p:nvSpPr>
+          <p:cNvPr id="16" name="TextBox 15">
+            <a:extLst>
+              <a:ext uri="{FF2B5EF4-FFF2-40B4-BE49-F238E27FC236}">
+                <a16:creationId xmlns:a16="http://schemas.microsoft.com/office/drawing/2014/main" id="{DCF79E2B-ED7E-19D6-7B19-4356C3E42183}"/>
+              </a:ext>
+            </a:extLst>
+          </p:cNvPr>
+          <p:cNvSpPr txBox="1"/>
+          <p:nvPr/>
+        </p:nvSpPr>
+        <p:spPr>
+          <a:xfrm>
+            <a:off x="370784" y="-45975"/>
+            <a:ext cx="1399679" cy="369332"/>
+          </a:xfrm>
+          <a:prstGeom prst="rect">
+            <a:avLst/>
+          </a:prstGeom>
+          <a:noFill/>
+        </p:spPr>
+        <p:txBody>
+          <a:bodyPr wrap="none" rtlCol="0">
+            <a:spAutoFit/>
+          </a:bodyPr>
+          <a:lstStyle/>
+          <a:p>
+            <a:r>
+              <a:rPr lang="en-US" altLang="ko-KR" dirty="0"/>
+              <a:t>Pre training</a:t>
+            </a:r>
+            <a:endParaRPr lang="ko-KR" altLang="en-US" dirty="0"/>
+          </a:p>
+        </p:txBody>
+      </p:sp>
+      <p:sp>
+        <p:nvSpPr>
+          <p:cNvPr id="30" name="TextBox 29">
+            <a:extLst>
+              <a:ext uri="{FF2B5EF4-FFF2-40B4-BE49-F238E27FC236}">
+                <a16:creationId xmlns:a16="http://schemas.microsoft.com/office/drawing/2014/main" id="{44FBFB67-D104-3B06-5314-228AF5B511A6}"/>
+              </a:ext>
+            </a:extLst>
+          </p:cNvPr>
+          <p:cNvSpPr txBox="1"/>
+          <p:nvPr/>
+        </p:nvSpPr>
+        <p:spPr>
+          <a:xfrm>
+            <a:off x="370784" y="3183119"/>
+            <a:ext cx="1369286" cy="369332"/>
+          </a:xfrm>
+          <a:prstGeom prst="rect">
+            <a:avLst/>
+          </a:prstGeom>
+          <a:noFill/>
+        </p:spPr>
+        <p:txBody>
+          <a:bodyPr wrap="none" rtlCol="0">
+            <a:spAutoFit/>
+          </a:bodyPr>
+          <a:lstStyle/>
+          <a:p>
+            <a:r>
+              <a:rPr lang="en-US" altLang="ko-KR" dirty="0"/>
+              <a:t>Fine tuning</a:t>
+            </a:r>
+            <a:endParaRPr lang="ko-KR" altLang="en-US" dirty="0"/>
+          </a:p>
+        </p:txBody>
+      </p:sp>
+      <p:sp>
+        <p:nvSpPr>
+          <p:cNvPr id="31" name="직사각형 30">
+            <a:extLst>
+              <a:ext uri="{FF2B5EF4-FFF2-40B4-BE49-F238E27FC236}">
+                <a16:creationId xmlns:a16="http://schemas.microsoft.com/office/drawing/2014/main" id="{4E7063FD-5FC4-38A4-8C19-0B9697B131D7}"/>
+              </a:ext>
+            </a:extLst>
+          </p:cNvPr>
+          <p:cNvSpPr/>
+          <p:nvPr/>
+        </p:nvSpPr>
+        <p:spPr>
+          <a:xfrm>
+            <a:off x="4229203" y="4426366"/>
+            <a:ext cx="3122579" cy="641195"/>
+          </a:xfrm>
+          <a:prstGeom prst="rect">
+            <a:avLst/>
+          </a:prstGeom>
+        </p:spPr>
+        <p:style>
+          <a:lnRef idx="2">
+            <a:schemeClr val="accent1">
+              <a:shade val="15000"/>
+            </a:schemeClr>
+          </a:lnRef>
+          <a:fillRef idx="1">
+            <a:schemeClr val="accent1"/>
+          </a:fillRef>
+          <a:effectRef idx="0">
+            <a:schemeClr val="accent1"/>
+          </a:effectRef>
+          <a:fontRef idx="minor">
+            <a:schemeClr val="lt1"/>
+          </a:fontRef>
+        </p:style>
+        <p:txBody>
+          <a:bodyPr rtlCol="0" anchor="ctr"/>
+          <a:lstStyle>
+            <a:defPPr>
+              <a:defRPr lang="ko-KR"/>
+            </a:defPPr>
+            <a:lvl1pPr marL="0" algn="l" defTabSz="914400" rtl="0" eaLnBrk="1" latinLnBrk="1" hangingPunct="1">
+              <a:defRPr sz="1800" kern="1200">
+                <a:solidFill>
+                  <a:schemeClr val="lt1"/>
+                </a:solidFill>
+                <a:latin typeface="+mn-lt"/>
+                <a:ea typeface="+mn-ea"/>
+                <a:cs typeface="+mn-cs"/>
+              </a:defRPr>
+            </a:lvl1pPr>
+            <a:lvl2pPr marL="457200" algn="l" defTabSz="914400" rtl="0" eaLnBrk="1" latinLnBrk="1" hangingPunct="1">
+              <a:defRPr sz="1800" kern="1200">
+                <a:solidFill>
+                  <a:schemeClr val="lt1"/>
+                </a:solidFill>
+                <a:latin typeface="+mn-lt"/>
+                <a:ea typeface="+mn-ea"/>
+                <a:cs typeface="+mn-cs"/>
+              </a:defRPr>
+            </a:lvl2pPr>
+            <a:lvl3pPr marL="914400" algn="l" defTabSz="914400" rtl="0" eaLnBrk="1" latinLnBrk="1" hangingPunct="1">
+              <a:defRPr sz="1800" kern="1200">
+                <a:solidFill>
+                  <a:schemeClr val="lt1"/>
+                </a:solidFill>
+                <a:latin typeface="+mn-lt"/>
+                <a:ea typeface="+mn-ea"/>
+                <a:cs typeface="+mn-cs"/>
+              </a:defRPr>
+            </a:lvl3pPr>
+            <a:lvl4pPr marL="1371600" algn="l" defTabSz="914400" rtl="0" eaLnBrk="1" latinLnBrk="1" hangingPunct="1">
+              <a:defRPr sz="1800" kern="1200">
+                <a:solidFill>
+                  <a:schemeClr val="lt1"/>
+                </a:solidFill>
+                <a:latin typeface="+mn-lt"/>
+                <a:ea typeface="+mn-ea"/>
+                <a:cs typeface="+mn-cs"/>
+              </a:defRPr>
+            </a:lvl4pPr>
+            <a:lvl5pPr marL="1828800" algn="l" defTabSz="914400" rtl="0" eaLnBrk="1" latinLnBrk="1" hangingPunct="1">
+              <a:defRPr sz="1800" kern="1200">
+                <a:solidFill>
+                  <a:schemeClr val="lt1"/>
+                </a:solidFill>
+                <a:latin typeface="+mn-lt"/>
+                <a:ea typeface="+mn-ea"/>
+                <a:cs typeface="+mn-cs"/>
+              </a:defRPr>
+            </a:lvl5pPr>
+            <a:lvl6pPr marL="2286000" algn="l" defTabSz="914400" rtl="0" eaLnBrk="1" latinLnBrk="1" hangingPunct="1">
+              <a:defRPr sz="1800" kern="1200">
+                <a:solidFill>
+                  <a:schemeClr val="lt1"/>
+                </a:solidFill>
+                <a:latin typeface="+mn-lt"/>
+                <a:ea typeface="+mn-ea"/>
+                <a:cs typeface="+mn-cs"/>
+              </a:defRPr>
+            </a:lvl6pPr>
+            <a:lvl7pPr marL="2743200" algn="l" defTabSz="914400" rtl="0" eaLnBrk="1" latinLnBrk="1" hangingPunct="1">
+              <a:defRPr sz="1800" kern="1200">
+                <a:solidFill>
+                  <a:schemeClr val="lt1"/>
+                </a:solidFill>
+                <a:latin typeface="+mn-lt"/>
+                <a:ea typeface="+mn-ea"/>
+                <a:cs typeface="+mn-cs"/>
+              </a:defRPr>
+            </a:lvl7pPr>
+            <a:lvl8pPr marL="3200400" algn="l" defTabSz="914400" rtl="0" eaLnBrk="1" latinLnBrk="1" hangingPunct="1">
+              <a:defRPr sz="1800" kern="1200">
+                <a:solidFill>
+                  <a:schemeClr val="lt1"/>
+                </a:solidFill>
+                <a:latin typeface="+mn-lt"/>
+                <a:ea typeface="+mn-ea"/>
+                <a:cs typeface="+mn-cs"/>
+              </a:defRPr>
+            </a:lvl8pPr>
+            <a:lvl9pPr marL="3657600" algn="l" defTabSz="914400" rtl="0" eaLnBrk="1" latinLnBrk="1" hangingPunct="1">
+              <a:defRPr sz="1800" kern="1200">
+                <a:solidFill>
+                  <a:schemeClr val="lt1"/>
+                </a:solidFill>
+                <a:latin typeface="+mn-lt"/>
+                <a:ea typeface="+mn-ea"/>
+                <a:cs typeface="+mn-cs"/>
+              </a:defRPr>
+            </a:lvl9pPr>
+          </a:lstStyle>
+          <a:p>
+            <a:pPr algn="ctr"/>
+            <a:r>
+              <a:rPr lang="en-US" altLang="ko-KR" dirty="0"/>
+              <a:t>VPP</a:t>
+            </a:r>
+            <a:endParaRPr lang="ko-KR" altLang="en-US" dirty="0"/>
+          </a:p>
+        </p:txBody>
+      </p:sp>
+      <p:sp>
+        <p:nvSpPr>
+          <p:cNvPr id="32" name="직사각형 31">
+            <a:extLst>
+              <a:ext uri="{FF2B5EF4-FFF2-40B4-BE49-F238E27FC236}">
+                <a16:creationId xmlns:a16="http://schemas.microsoft.com/office/drawing/2014/main" id="{8518C334-E344-C2F0-80DB-4E7BB338535F}"/>
+              </a:ext>
+            </a:extLst>
+          </p:cNvPr>
+          <p:cNvSpPr/>
+          <p:nvPr/>
+        </p:nvSpPr>
+        <p:spPr>
+          <a:xfrm>
+            <a:off x="568712" y="6220347"/>
+            <a:ext cx="2442117" cy="641195"/>
+          </a:xfrm>
+          <a:prstGeom prst="rect">
+            <a:avLst/>
+          </a:prstGeom>
+        </p:spPr>
+        <p:style>
+          <a:lnRef idx="2">
+            <a:schemeClr val="accent1">
+              <a:shade val="15000"/>
+            </a:schemeClr>
+          </a:lnRef>
+          <a:fillRef idx="1">
+            <a:schemeClr val="accent1"/>
+          </a:fillRef>
+          <a:effectRef idx="0">
+            <a:schemeClr val="accent1"/>
+          </a:effectRef>
+          <a:fontRef idx="minor">
+            <a:schemeClr val="lt1"/>
+          </a:fontRef>
+        </p:style>
+        <p:txBody>
+          <a:bodyPr rtlCol="0" anchor="ctr"/>
+          <a:lstStyle>
+            <a:defPPr>
+              <a:defRPr lang="ko-KR"/>
+            </a:defPPr>
+            <a:lvl1pPr marL="0" algn="l" defTabSz="914400" rtl="0" eaLnBrk="1" latinLnBrk="1" hangingPunct="1">
+              <a:defRPr sz="1800" kern="1200">
+                <a:solidFill>
+                  <a:schemeClr val="lt1"/>
+                </a:solidFill>
+                <a:latin typeface="+mn-lt"/>
+                <a:ea typeface="+mn-ea"/>
+                <a:cs typeface="+mn-cs"/>
+              </a:defRPr>
+            </a:lvl1pPr>
+            <a:lvl2pPr marL="457200" algn="l" defTabSz="914400" rtl="0" eaLnBrk="1" latinLnBrk="1" hangingPunct="1">
+              <a:defRPr sz="1800" kern="1200">
+                <a:solidFill>
+                  <a:schemeClr val="lt1"/>
+                </a:solidFill>
+                <a:latin typeface="+mn-lt"/>
+                <a:ea typeface="+mn-ea"/>
+                <a:cs typeface="+mn-cs"/>
+              </a:defRPr>
+            </a:lvl2pPr>
+            <a:lvl3pPr marL="914400" algn="l" defTabSz="914400" rtl="0" eaLnBrk="1" latinLnBrk="1" hangingPunct="1">
+              <a:defRPr sz="1800" kern="1200">
+                <a:solidFill>
+                  <a:schemeClr val="lt1"/>
+                </a:solidFill>
+                <a:latin typeface="+mn-lt"/>
+                <a:ea typeface="+mn-ea"/>
+                <a:cs typeface="+mn-cs"/>
+              </a:defRPr>
+            </a:lvl3pPr>
+            <a:lvl4pPr marL="1371600" algn="l" defTabSz="914400" rtl="0" eaLnBrk="1" latinLnBrk="1" hangingPunct="1">
+              <a:defRPr sz="1800" kern="1200">
+                <a:solidFill>
+                  <a:schemeClr val="lt1"/>
+                </a:solidFill>
+                <a:latin typeface="+mn-lt"/>
+                <a:ea typeface="+mn-ea"/>
+                <a:cs typeface="+mn-cs"/>
+              </a:defRPr>
+            </a:lvl4pPr>
+            <a:lvl5pPr marL="1828800" algn="l" defTabSz="914400" rtl="0" eaLnBrk="1" latinLnBrk="1" hangingPunct="1">
+              <a:defRPr sz="1800" kern="1200">
+                <a:solidFill>
+                  <a:schemeClr val="lt1"/>
+                </a:solidFill>
+                <a:latin typeface="+mn-lt"/>
+                <a:ea typeface="+mn-ea"/>
+                <a:cs typeface="+mn-cs"/>
+              </a:defRPr>
+            </a:lvl5pPr>
+            <a:lvl6pPr marL="2286000" algn="l" defTabSz="914400" rtl="0" eaLnBrk="1" latinLnBrk="1" hangingPunct="1">
+              <a:defRPr sz="1800" kern="1200">
+                <a:solidFill>
+                  <a:schemeClr val="lt1"/>
+                </a:solidFill>
+                <a:latin typeface="+mn-lt"/>
+                <a:ea typeface="+mn-ea"/>
+                <a:cs typeface="+mn-cs"/>
+              </a:defRPr>
+            </a:lvl6pPr>
+            <a:lvl7pPr marL="2743200" algn="l" defTabSz="914400" rtl="0" eaLnBrk="1" latinLnBrk="1" hangingPunct="1">
+              <a:defRPr sz="1800" kern="1200">
+                <a:solidFill>
+                  <a:schemeClr val="lt1"/>
+                </a:solidFill>
+                <a:latin typeface="+mn-lt"/>
+                <a:ea typeface="+mn-ea"/>
+                <a:cs typeface="+mn-cs"/>
+              </a:defRPr>
+            </a:lvl7pPr>
+            <a:lvl8pPr marL="3200400" algn="l" defTabSz="914400" rtl="0" eaLnBrk="1" latinLnBrk="1" hangingPunct="1">
+              <a:defRPr sz="1800" kern="1200">
+                <a:solidFill>
+                  <a:schemeClr val="lt1"/>
+                </a:solidFill>
+                <a:latin typeface="+mn-lt"/>
+                <a:ea typeface="+mn-ea"/>
+                <a:cs typeface="+mn-cs"/>
+              </a:defRPr>
+            </a:lvl8pPr>
+            <a:lvl9pPr marL="3657600" algn="l" defTabSz="914400" rtl="0" eaLnBrk="1" latinLnBrk="1" hangingPunct="1">
+              <a:defRPr sz="1800" kern="1200">
+                <a:solidFill>
+                  <a:schemeClr val="lt1"/>
+                </a:solidFill>
+                <a:latin typeface="+mn-lt"/>
+                <a:ea typeface="+mn-ea"/>
+                <a:cs typeface="+mn-cs"/>
+              </a:defRPr>
+            </a:lvl9pPr>
+          </a:lstStyle>
+          <a:p>
+            <a:pPr algn="ctr"/>
+            <a:r>
+              <a:rPr lang="en-US" altLang="ko-KR" dirty="0"/>
+              <a:t>Foundation Model</a:t>
+            </a:r>
+            <a:endParaRPr lang="ko-KR" altLang="en-US" dirty="0"/>
+          </a:p>
+        </p:txBody>
+      </p:sp>
+      <p:sp>
+        <p:nvSpPr>
+          <p:cNvPr id="33" name="직사각형 32">
+            <a:extLst>
+              <a:ext uri="{FF2B5EF4-FFF2-40B4-BE49-F238E27FC236}">
+                <a16:creationId xmlns:a16="http://schemas.microsoft.com/office/drawing/2014/main" id="{64E74FC4-A2D3-74CA-EBF4-A15767533037}"/>
+              </a:ext>
+            </a:extLst>
+          </p:cNvPr>
+          <p:cNvSpPr/>
+          <p:nvPr/>
+        </p:nvSpPr>
+        <p:spPr>
+          <a:xfrm>
+            <a:off x="4229203" y="6660851"/>
+            <a:ext cx="3122579" cy="641195"/>
+          </a:xfrm>
+          <a:prstGeom prst="rect">
+            <a:avLst/>
+          </a:prstGeom>
+        </p:spPr>
+        <p:style>
+          <a:lnRef idx="2">
+            <a:schemeClr val="accent1">
+              <a:shade val="15000"/>
+            </a:schemeClr>
+          </a:lnRef>
+          <a:fillRef idx="1">
+            <a:schemeClr val="accent1"/>
+          </a:fillRef>
+          <a:effectRef idx="0">
+            <a:schemeClr val="accent1"/>
+          </a:effectRef>
+          <a:fontRef idx="minor">
+            <a:schemeClr val="lt1"/>
+          </a:fontRef>
+        </p:style>
+        <p:txBody>
+          <a:bodyPr rtlCol="0" anchor="ctr"/>
+          <a:lstStyle>
+            <a:defPPr>
+              <a:defRPr lang="ko-KR"/>
+            </a:defPPr>
+            <a:lvl1pPr marL="0" algn="l" defTabSz="914400" rtl="0" eaLnBrk="1" latinLnBrk="1" hangingPunct="1">
+              <a:defRPr sz="1800" kern="1200">
+                <a:solidFill>
+                  <a:schemeClr val="lt1"/>
+                </a:solidFill>
+                <a:latin typeface="+mn-lt"/>
+                <a:ea typeface="+mn-ea"/>
+                <a:cs typeface="+mn-cs"/>
+              </a:defRPr>
+            </a:lvl1pPr>
+            <a:lvl2pPr marL="457200" algn="l" defTabSz="914400" rtl="0" eaLnBrk="1" latinLnBrk="1" hangingPunct="1">
+              <a:defRPr sz="1800" kern="1200">
+                <a:solidFill>
+                  <a:schemeClr val="lt1"/>
+                </a:solidFill>
+                <a:latin typeface="+mn-lt"/>
+                <a:ea typeface="+mn-ea"/>
+                <a:cs typeface="+mn-cs"/>
+              </a:defRPr>
+            </a:lvl2pPr>
+            <a:lvl3pPr marL="914400" algn="l" defTabSz="914400" rtl="0" eaLnBrk="1" latinLnBrk="1" hangingPunct="1">
+              <a:defRPr sz="1800" kern="1200">
+                <a:solidFill>
+                  <a:schemeClr val="lt1"/>
+                </a:solidFill>
+                <a:latin typeface="+mn-lt"/>
+                <a:ea typeface="+mn-ea"/>
+                <a:cs typeface="+mn-cs"/>
+              </a:defRPr>
+            </a:lvl3pPr>
+            <a:lvl4pPr marL="1371600" algn="l" defTabSz="914400" rtl="0" eaLnBrk="1" latinLnBrk="1" hangingPunct="1">
+              <a:defRPr sz="1800" kern="1200">
+                <a:solidFill>
+                  <a:schemeClr val="lt1"/>
+                </a:solidFill>
+                <a:latin typeface="+mn-lt"/>
+                <a:ea typeface="+mn-ea"/>
+                <a:cs typeface="+mn-cs"/>
+              </a:defRPr>
+            </a:lvl4pPr>
+            <a:lvl5pPr marL="1828800" algn="l" defTabSz="914400" rtl="0" eaLnBrk="1" latinLnBrk="1" hangingPunct="1">
+              <a:defRPr sz="1800" kern="1200">
+                <a:solidFill>
+                  <a:schemeClr val="lt1"/>
+                </a:solidFill>
+                <a:latin typeface="+mn-lt"/>
+                <a:ea typeface="+mn-ea"/>
+                <a:cs typeface="+mn-cs"/>
+              </a:defRPr>
+            </a:lvl5pPr>
+            <a:lvl6pPr marL="2286000" algn="l" defTabSz="914400" rtl="0" eaLnBrk="1" latinLnBrk="1" hangingPunct="1">
+              <a:defRPr sz="1800" kern="1200">
+                <a:solidFill>
+                  <a:schemeClr val="lt1"/>
+                </a:solidFill>
+                <a:latin typeface="+mn-lt"/>
+                <a:ea typeface="+mn-ea"/>
+                <a:cs typeface="+mn-cs"/>
+              </a:defRPr>
+            </a:lvl6pPr>
+            <a:lvl7pPr marL="2743200" algn="l" defTabSz="914400" rtl="0" eaLnBrk="1" latinLnBrk="1" hangingPunct="1">
+              <a:defRPr sz="1800" kern="1200">
+                <a:solidFill>
+                  <a:schemeClr val="lt1"/>
+                </a:solidFill>
+                <a:latin typeface="+mn-lt"/>
+                <a:ea typeface="+mn-ea"/>
+                <a:cs typeface="+mn-cs"/>
+              </a:defRPr>
+            </a:lvl7pPr>
+            <a:lvl8pPr marL="3200400" algn="l" defTabSz="914400" rtl="0" eaLnBrk="1" latinLnBrk="1" hangingPunct="1">
+              <a:defRPr sz="1800" kern="1200">
+                <a:solidFill>
+                  <a:schemeClr val="lt1"/>
+                </a:solidFill>
+                <a:latin typeface="+mn-lt"/>
+                <a:ea typeface="+mn-ea"/>
+                <a:cs typeface="+mn-cs"/>
+              </a:defRPr>
+            </a:lvl8pPr>
+            <a:lvl9pPr marL="3657600" algn="l" defTabSz="914400" rtl="0" eaLnBrk="1" latinLnBrk="1" hangingPunct="1">
+              <a:defRPr sz="1800" kern="1200">
+                <a:solidFill>
+                  <a:schemeClr val="lt1"/>
+                </a:solidFill>
+                <a:latin typeface="+mn-lt"/>
+                <a:ea typeface="+mn-ea"/>
+                <a:cs typeface="+mn-cs"/>
+              </a:defRPr>
+            </a:lvl9pPr>
+          </a:lstStyle>
+          <a:p>
+            <a:pPr algn="ctr"/>
+            <a:r>
+              <a:rPr lang="en-US" altLang="ko-KR" dirty="0"/>
+              <a:t>Bicycle model</a:t>
+            </a:r>
+            <a:endParaRPr lang="ko-KR" altLang="en-US" dirty="0"/>
+          </a:p>
+        </p:txBody>
+      </p:sp>
+      <p:sp>
+        <p:nvSpPr>
+          <p:cNvPr id="34" name="직사각형 33">
+            <a:extLst>
+              <a:ext uri="{FF2B5EF4-FFF2-40B4-BE49-F238E27FC236}">
+                <a16:creationId xmlns:a16="http://schemas.microsoft.com/office/drawing/2014/main" id="{06CA895F-5FBE-45AF-133A-831DF7207B79}"/>
+              </a:ext>
+            </a:extLst>
+          </p:cNvPr>
+          <p:cNvSpPr/>
+          <p:nvPr/>
+        </p:nvSpPr>
+        <p:spPr>
+          <a:xfrm>
+            <a:off x="4229203" y="3220660"/>
+            <a:ext cx="3122579" cy="641195"/>
+          </a:xfrm>
+          <a:prstGeom prst="rect">
+            <a:avLst/>
+          </a:prstGeom>
+        </p:spPr>
+        <p:style>
+          <a:lnRef idx="2">
+            <a:schemeClr val="accent1">
+              <a:shade val="15000"/>
+            </a:schemeClr>
+          </a:lnRef>
+          <a:fillRef idx="1">
+            <a:schemeClr val="accent1"/>
+          </a:fillRef>
+          <a:effectRef idx="0">
+            <a:schemeClr val="accent1"/>
+          </a:effectRef>
+          <a:fontRef idx="minor">
+            <a:schemeClr val="lt1"/>
+          </a:fontRef>
+        </p:style>
+        <p:txBody>
+          <a:bodyPr rtlCol="0" anchor="ctr"/>
+          <a:lstStyle>
+            <a:defPPr>
+              <a:defRPr lang="ko-KR"/>
+            </a:defPPr>
+            <a:lvl1pPr marL="0" algn="l" defTabSz="914400" rtl="0" eaLnBrk="1" latinLnBrk="1" hangingPunct="1">
+              <a:defRPr sz="1800" kern="1200">
+                <a:solidFill>
+                  <a:schemeClr val="lt1"/>
+                </a:solidFill>
+                <a:latin typeface="+mn-lt"/>
+                <a:ea typeface="+mn-ea"/>
+                <a:cs typeface="+mn-cs"/>
+              </a:defRPr>
+            </a:lvl1pPr>
+            <a:lvl2pPr marL="457200" algn="l" defTabSz="914400" rtl="0" eaLnBrk="1" latinLnBrk="1" hangingPunct="1">
+              <a:defRPr sz="1800" kern="1200">
+                <a:solidFill>
+                  <a:schemeClr val="lt1"/>
+                </a:solidFill>
+                <a:latin typeface="+mn-lt"/>
+                <a:ea typeface="+mn-ea"/>
+                <a:cs typeface="+mn-cs"/>
+              </a:defRPr>
+            </a:lvl2pPr>
+            <a:lvl3pPr marL="914400" algn="l" defTabSz="914400" rtl="0" eaLnBrk="1" latinLnBrk="1" hangingPunct="1">
+              <a:defRPr sz="1800" kern="1200">
+                <a:solidFill>
+                  <a:schemeClr val="lt1"/>
+                </a:solidFill>
+                <a:latin typeface="+mn-lt"/>
+                <a:ea typeface="+mn-ea"/>
+                <a:cs typeface="+mn-cs"/>
+              </a:defRPr>
+            </a:lvl3pPr>
+            <a:lvl4pPr marL="1371600" algn="l" defTabSz="914400" rtl="0" eaLnBrk="1" latinLnBrk="1" hangingPunct="1">
+              <a:defRPr sz="1800" kern="1200">
+                <a:solidFill>
+                  <a:schemeClr val="lt1"/>
+                </a:solidFill>
+                <a:latin typeface="+mn-lt"/>
+                <a:ea typeface="+mn-ea"/>
+                <a:cs typeface="+mn-cs"/>
+              </a:defRPr>
+            </a:lvl4pPr>
+            <a:lvl5pPr marL="1828800" algn="l" defTabSz="914400" rtl="0" eaLnBrk="1" latinLnBrk="1" hangingPunct="1">
+              <a:defRPr sz="1800" kern="1200">
+                <a:solidFill>
+                  <a:schemeClr val="lt1"/>
+                </a:solidFill>
+                <a:latin typeface="+mn-lt"/>
+                <a:ea typeface="+mn-ea"/>
+                <a:cs typeface="+mn-cs"/>
+              </a:defRPr>
+            </a:lvl5pPr>
+            <a:lvl6pPr marL="2286000" algn="l" defTabSz="914400" rtl="0" eaLnBrk="1" latinLnBrk="1" hangingPunct="1">
+              <a:defRPr sz="1800" kern="1200">
+                <a:solidFill>
+                  <a:schemeClr val="lt1"/>
+                </a:solidFill>
+                <a:latin typeface="+mn-lt"/>
+                <a:ea typeface="+mn-ea"/>
+                <a:cs typeface="+mn-cs"/>
+              </a:defRPr>
+            </a:lvl6pPr>
+            <a:lvl7pPr marL="2743200" algn="l" defTabSz="914400" rtl="0" eaLnBrk="1" latinLnBrk="1" hangingPunct="1">
+              <a:defRPr sz="1800" kern="1200">
+                <a:solidFill>
+                  <a:schemeClr val="lt1"/>
+                </a:solidFill>
+                <a:latin typeface="+mn-lt"/>
+                <a:ea typeface="+mn-ea"/>
+                <a:cs typeface="+mn-cs"/>
+              </a:defRPr>
+            </a:lvl7pPr>
+            <a:lvl8pPr marL="3200400" algn="l" defTabSz="914400" rtl="0" eaLnBrk="1" latinLnBrk="1" hangingPunct="1">
+              <a:defRPr sz="1800" kern="1200">
+                <a:solidFill>
+                  <a:schemeClr val="lt1"/>
+                </a:solidFill>
+                <a:latin typeface="+mn-lt"/>
+                <a:ea typeface="+mn-ea"/>
+                <a:cs typeface="+mn-cs"/>
+              </a:defRPr>
+            </a:lvl8pPr>
+            <a:lvl9pPr marL="3657600" algn="l" defTabSz="914400" rtl="0" eaLnBrk="1" latinLnBrk="1" hangingPunct="1">
+              <a:defRPr sz="1800" kern="1200">
+                <a:solidFill>
+                  <a:schemeClr val="lt1"/>
+                </a:solidFill>
+                <a:latin typeface="+mn-lt"/>
+                <a:ea typeface="+mn-ea"/>
+                <a:cs typeface="+mn-cs"/>
+              </a:defRPr>
+            </a:lvl9pPr>
+          </a:lstStyle>
+          <a:p>
+            <a:pPr algn="ctr"/>
+            <a:r>
+              <a:rPr lang="en-US" altLang="ko-KR" dirty="0"/>
+              <a:t>GT</a:t>
+            </a:r>
+            <a:endParaRPr lang="ko-KR" altLang="en-US" dirty="0"/>
+          </a:p>
+        </p:txBody>
+      </p:sp>
+      <p:sp>
+        <p:nvSpPr>
+          <p:cNvPr id="35" name="직사각형 34">
+            <a:extLst>
+              <a:ext uri="{FF2B5EF4-FFF2-40B4-BE49-F238E27FC236}">
+                <a16:creationId xmlns:a16="http://schemas.microsoft.com/office/drawing/2014/main" id="{79FD576A-6391-48DE-70DF-D12FC4D7D34F}"/>
+              </a:ext>
+            </a:extLst>
+          </p:cNvPr>
+          <p:cNvSpPr/>
+          <p:nvPr/>
+        </p:nvSpPr>
+        <p:spPr>
+          <a:xfrm>
+            <a:off x="7985718" y="3942032"/>
+            <a:ext cx="3122579" cy="641195"/>
+          </a:xfrm>
+          <a:prstGeom prst="rect">
+            <a:avLst/>
+          </a:prstGeom>
+        </p:spPr>
+        <p:style>
+          <a:lnRef idx="2">
+            <a:schemeClr val="accent1">
+              <a:shade val="15000"/>
+            </a:schemeClr>
+          </a:lnRef>
+          <a:fillRef idx="1">
+            <a:schemeClr val="accent1"/>
+          </a:fillRef>
+          <a:effectRef idx="0">
+            <a:schemeClr val="accent1"/>
+          </a:effectRef>
+          <a:fontRef idx="minor">
+            <a:schemeClr val="lt1"/>
+          </a:fontRef>
+        </p:style>
+        <p:txBody>
+          <a:bodyPr rtlCol="0" anchor="ctr"/>
+          <a:lstStyle>
+            <a:defPPr>
+              <a:defRPr lang="ko-KR"/>
+            </a:defPPr>
+            <a:lvl1pPr marL="0" algn="l" defTabSz="914400" rtl="0" eaLnBrk="1" latinLnBrk="1" hangingPunct="1">
+              <a:defRPr sz="1800" kern="1200">
+                <a:solidFill>
+                  <a:schemeClr val="lt1"/>
+                </a:solidFill>
+                <a:latin typeface="+mn-lt"/>
+                <a:ea typeface="+mn-ea"/>
+                <a:cs typeface="+mn-cs"/>
+              </a:defRPr>
+            </a:lvl1pPr>
+            <a:lvl2pPr marL="457200" algn="l" defTabSz="914400" rtl="0" eaLnBrk="1" latinLnBrk="1" hangingPunct="1">
+              <a:defRPr sz="1800" kern="1200">
+                <a:solidFill>
+                  <a:schemeClr val="lt1"/>
+                </a:solidFill>
+                <a:latin typeface="+mn-lt"/>
+                <a:ea typeface="+mn-ea"/>
+                <a:cs typeface="+mn-cs"/>
+              </a:defRPr>
+            </a:lvl2pPr>
+            <a:lvl3pPr marL="914400" algn="l" defTabSz="914400" rtl="0" eaLnBrk="1" latinLnBrk="1" hangingPunct="1">
+              <a:defRPr sz="1800" kern="1200">
+                <a:solidFill>
+                  <a:schemeClr val="lt1"/>
+                </a:solidFill>
+                <a:latin typeface="+mn-lt"/>
+                <a:ea typeface="+mn-ea"/>
+                <a:cs typeface="+mn-cs"/>
+              </a:defRPr>
+            </a:lvl3pPr>
+            <a:lvl4pPr marL="1371600" algn="l" defTabSz="914400" rtl="0" eaLnBrk="1" latinLnBrk="1" hangingPunct="1">
+              <a:defRPr sz="1800" kern="1200">
+                <a:solidFill>
+                  <a:schemeClr val="lt1"/>
+                </a:solidFill>
+                <a:latin typeface="+mn-lt"/>
+                <a:ea typeface="+mn-ea"/>
+                <a:cs typeface="+mn-cs"/>
+              </a:defRPr>
+            </a:lvl4pPr>
+            <a:lvl5pPr marL="1828800" algn="l" defTabSz="914400" rtl="0" eaLnBrk="1" latinLnBrk="1" hangingPunct="1">
+              <a:defRPr sz="1800" kern="1200">
+                <a:solidFill>
+                  <a:schemeClr val="lt1"/>
+                </a:solidFill>
+                <a:latin typeface="+mn-lt"/>
+                <a:ea typeface="+mn-ea"/>
+                <a:cs typeface="+mn-cs"/>
+              </a:defRPr>
+            </a:lvl5pPr>
+            <a:lvl6pPr marL="2286000" algn="l" defTabSz="914400" rtl="0" eaLnBrk="1" latinLnBrk="1" hangingPunct="1">
+              <a:defRPr sz="1800" kern="1200">
+                <a:solidFill>
+                  <a:schemeClr val="lt1"/>
+                </a:solidFill>
+                <a:latin typeface="+mn-lt"/>
+                <a:ea typeface="+mn-ea"/>
+                <a:cs typeface="+mn-cs"/>
+              </a:defRPr>
+            </a:lvl6pPr>
+            <a:lvl7pPr marL="2743200" algn="l" defTabSz="914400" rtl="0" eaLnBrk="1" latinLnBrk="1" hangingPunct="1">
+              <a:defRPr sz="1800" kern="1200">
+                <a:solidFill>
+                  <a:schemeClr val="lt1"/>
+                </a:solidFill>
+                <a:latin typeface="+mn-lt"/>
+                <a:ea typeface="+mn-ea"/>
+                <a:cs typeface="+mn-cs"/>
+              </a:defRPr>
+            </a:lvl7pPr>
+            <a:lvl8pPr marL="3200400" algn="l" defTabSz="914400" rtl="0" eaLnBrk="1" latinLnBrk="1" hangingPunct="1">
+              <a:defRPr sz="1800" kern="1200">
+                <a:solidFill>
+                  <a:schemeClr val="lt1"/>
+                </a:solidFill>
+                <a:latin typeface="+mn-lt"/>
+                <a:ea typeface="+mn-ea"/>
+                <a:cs typeface="+mn-cs"/>
+              </a:defRPr>
+            </a:lvl8pPr>
+            <a:lvl9pPr marL="3657600" algn="l" defTabSz="914400" rtl="0" eaLnBrk="1" latinLnBrk="1" hangingPunct="1">
+              <a:defRPr sz="1800" kern="1200">
+                <a:solidFill>
+                  <a:schemeClr val="lt1"/>
+                </a:solidFill>
+                <a:latin typeface="+mn-lt"/>
+                <a:ea typeface="+mn-ea"/>
+                <a:cs typeface="+mn-cs"/>
+              </a:defRPr>
+            </a:lvl9pPr>
+          </a:lstStyle>
+          <a:p>
+            <a:pPr algn="ctr"/>
+            <a:r>
+              <a:rPr lang="en-US" altLang="ko-KR" dirty="0"/>
+              <a:t>Loss</a:t>
+            </a:r>
+            <a:endParaRPr lang="ko-KR" altLang="en-US" dirty="0"/>
+          </a:p>
+        </p:txBody>
+      </p:sp>
+      <p:cxnSp>
+        <p:nvCxnSpPr>
+          <p:cNvPr id="36" name="연결선: 꺾임 35">
+            <a:extLst>
+              <a:ext uri="{FF2B5EF4-FFF2-40B4-BE49-F238E27FC236}">
+                <a16:creationId xmlns:a16="http://schemas.microsoft.com/office/drawing/2014/main" id="{70ED09A4-515E-0995-DD65-8034CB6E8DF9}"/>
+              </a:ext>
+            </a:extLst>
+          </p:cNvPr>
+          <p:cNvCxnSpPr>
+            <a:stCxn id="34" idx="3"/>
+            <a:endCxn id="35" idx="0"/>
+          </p:cNvCxnSpPr>
+          <p:nvPr/>
+        </p:nvCxnSpPr>
+        <p:spPr>
+          <a:xfrm>
+            <a:off x="7351782" y="3541258"/>
+            <a:ext cx="2195226" cy="400774"/>
+          </a:xfrm>
+          <a:prstGeom prst="bentConnector2">
+            <a:avLst/>
+          </a:prstGeom>
+          <a:ln>
+            <a:tailEnd type="triangle"/>
+          </a:ln>
+        </p:spPr>
+        <p:style>
+          <a:lnRef idx="2">
+            <a:schemeClr val="accent1"/>
+          </a:lnRef>
+          <a:fillRef idx="0">
+            <a:schemeClr val="accent1"/>
+          </a:fillRef>
+          <a:effectRef idx="1">
+            <a:schemeClr val="accent1"/>
+          </a:effectRef>
+          <a:fontRef idx="minor">
+            <a:schemeClr val="tx1"/>
+          </a:fontRef>
+        </p:style>
+      </p:cxnSp>
+      <p:cxnSp>
+        <p:nvCxnSpPr>
+          <p:cNvPr id="37" name="연결선: 꺾임 36">
+            <a:extLst>
+              <a:ext uri="{FF2B5EF4-FFF2-40B4-BE49-F238E27FC236}">
+                <a16:creationId xmlns:a16="http://schemas.microsoft.com/office/drawing/2014/main" id="{E3F55152-6701-9E1B-3F80-050653FF9B8D}"/>
+              </a:ext>
+            </a:extLst>
+          </p:cNvPr>
+          <p:cNvCxnSpPr>
+            <a:cxnSpLocks/>
+            <a:stCxn id="31" idx="3"/>
+            <a:endCxn id="35" idx="2"/>
+          </p:cNvCxnSpPr>
+          <p:nvPr/>
+        </p:nvCxnSpPr>
+        <p:spPr>
+          <a:xfrm flipV="1">
+            <a:off x="7351782" y="4583227"/>
+            <a:ext cx="2195226" cy="163737"/>
+          </a:xfrm>
+          <a:prstGeom prst="bentConnector2">
+            <a:avLst/>
+          </a:prstGeom>
+          <a:ln>
+            <a:tailEnd type="triangle"/>
+          </a:ln>
+        </p:spPr>
+        <p:style>
+          <a:lnRef idx="2">
+            <a:schemeClr val="accent1"/>
+          </a:lnRef>
+          <a:fillRef idx="0">
+            <a:schemeClr val="accent1"/>
+          </a:fillRef>
+          <a:effectRef idx="1">
+            <a:schemeClr val="accent1"/>
+          </a:effectRef>
+          <a:fontRef idx="minor">
+            <a:schemeClr val="tx1"/>
+          </a:fontRef>
+        </p:style>
+      </p:cxnSp>
+      <p:cxnSp>
+        <p:nvCxnSpPr>
+          <p:cNvPr id="38" name="연결선: 꺾임 37">
+            <a:extLst>
+              <a:ext uri="{FF2B5EF4-FFF2-40B4-BE49-F238E27FC236}">
+                <a16:creationId xmlns:a16="http://schemas.microsoft.com/office/drawing/2014/main" id="{7ACF603E-DF90-915D-A011-66BDB39A95DD}"/>
+              </a:ext>
+            </a:extLst>
+          </p:cNvPr>
+          <p:cNvCxnSpPr>
+            <a:cxnSpLocks/>
+            <a:stCxn id="33" idx="3"/>
+            <a:endCxn id="74" idx="1"/>
+          </p:cNvCxnSpPr>
+          <p:nvPr/>
+        </p:nvCxnSpPr>
+        <p:spPr>
+          <a:xfrm>
+            <a:off x="7351782" y="6981449"/>
+            <a:ext cx="964527" cy="1263"/>
+          </a:xfrm>
+          <a:prstGeom prst="bentConnector3">
+            <a:avLst>
+              <a:gd name="adj1" fmla="val 50000"/>
+            </a:avLst>
+          </a:prstGeom>
+          <a:ln>
+            <a:tailEnd type="triangle"/>
+          </a:ln>
+        </p:spPr>
+        <p:style>
+          <a:lnRef idx="2">
+            <a:schemeClr val="accent1"/>
+          </a:lnRef>
+          <a:fillRef idx="0">
+            <a:schemeClr val="accent1"/>
+          </a:fillRef>
+          <a:effectRef idx="1">
+            <a:schemeClr val="accent1"/>
+          </a:effectRef>
+          <a:fontRef idx="minor">
+            <a:schemeClr val="tx1"/>
+          </a:fontRef>
+        </p:style>
+      </p:cxnSp>
+      <p:cxnSp>
+        <p:nvCxnSpPr>
+          <p:cNvPr id="40" name="직선 화살표 연결선 39">
+            <a:extLst>
+              <a:ext uri="{FF2B5EF4-FFF2-40B4-BE49-F238E27FC236}">
+                <a16:creationId xmlns:a16="http://schemas.microsoft.com/office/drawing/2014/main" id="{BF99DEDC-A008-06B1-795B-E315238B4299}"/>
+              </a:ext>
+            </a:extLst>
+          </p:cNvPr>
+          <p:cNvCxnSpPr>
+            <a:cxnSpLocks/>
+            <a:stCxn id="32" idx="3"/>
+            <a:endCxn id="33" idx="1"/>
+          </p:cNvCxnSpPr>
+          <p:nvPr/>
+        </p:nvCxnSpPr>
+        <p:spPr>
+          <a:xfrm>
+            <a:off x="3010829" y="6540945"/>
+            <a:ext cx="1218374" cy="440504"/>
+          </a:xfrm>
+          <a:prstGeom prst="straightConnector1">
+            <a:avLst/>
+          </a:prstGeom>
+          <a:ln>
+            <a:tailEnd type="triangle"/>
+          </a:ln>
+        </p:spPr>
+        <p:style>
+          <a:lnRef idx="2">
+            <a:schemeClr val="accent1"/>
+          </a:lnRef>
+          <a:fillRef idx="0">
+            <a:schemeClr val="accent1"/>
+          </a:fillRef>
+          <a:effectRef idx="1">
+            <a:schemeClr val="accent1"/>
+          </a:effectRef>
+          <a:fontRef idx="minor">
+            <a:schemeClr val="tx1"/>
+          </a:fontRef>
+        </p:style>
+      </p:cxnSp>
+      <p:sp>
+        <p:nvSpPr>
+          <p:cNvPr id="41" name="TextBox 40">
+            <a:extLst>
+              <a:ext uri="{FF2B5EF4-FFF2-40B4-BE49-F238E27FC236}">
+                <a16:creationId xmlns:a16="http://schemas.microsoft.com/office/drawing/2014/main" id="{B01F6F6A-0613-7D21-1041-381F80A4B1E0}"/>
+              </a:ext>
+            </a:extLst>
+          </p:cNvPr>
+          <p:cNvSpPr txBox="1"/>
+          <p:nvPr/>
+        </p:nvSpPr>
+        <p:spPr>
+          <a:xfrm>
+            <a:off x="3755047" y="6043824"/>
+            <a:ext cx="845040" cy="369332"/>
+          </a:xfrm>
+          <a:prstGeom prst="rect">
+            <a:avLst/>
+          </a:prstGeom>
+          <a:noFill/>
+        </p:spPr>
+        <p:txBody>
+          <a:bodyPr wrap="none" rtlCol="0">
+            <a:spAutoFit/>
+          </a:bodyPr>
+          <a:lstStyle/>
+          <a:p>
+            <a:r>
+              <a:rPr lang="en-US" altLang="ko-KR" dirty="0"/>
+              <a:t>param</a:t>
+            </a:r>
+            <a:endParaRPr lang="ko-KR" altLang="en-US" dirty="0"/>
+          </a:p>
+        </p:txBody>
+      </p:sp>
+      <p:sp>
+        <p:nvSpPr>
+          <p:cNvPr id="62" name="TextBox 61">
+            <a:extLst>
+              <a:ext uri="{FF2B5EF4-FFF2-40B4-BE49-F238E27FC236}">
+                <a16:creationId xmlns:a16="http://schemas.microsoft.com/office/drawing/2014/main" id="{5DD1C7C5-2791-968D-0DDB-72BD0A4F8211}"/>
+              </a:ext>
+            </a:extLst>
+          </p:cNvPr>
+          <p:cNvSpPr txBox="1"/>
+          <p:nvPr/>
+        </p:nvSpPr>
+        <p:spPr>
+          <a:xfrm>
+            <a:off x="11742233" y="4090604"/>
+            <a:ext cx="336952" cy="369332"/>
+          </a:xfrm>
+          <a:prstGeom prst="rect">
+            <a:avLst/>
+          </a:prstGeom>
+          <a:noFill/>
+        </p:spPr>
+        <p:txBody>
+          <a:bodyPr wrap="none" rtlCol="0">
+            <a:spAutoFit/>
+          </a:bodyPr>
+          <a:lstStyle/>
+          <a:p>
+            <a:r>
+              <a:rPr lang="en-US" altLang="ko-KR" dirty="0"/>
+              <a:t>A</a:t>
+            </a:r>
+            <a:endParaRPr lang="ko-KR" altLang="en-US" dirty="0"/>
+          </a:p>
+        </p:txBody>
+      </p:sp>
+      <p:cxnSp>
+        <p:nvCxnSpPr>
+          <p:cNvPr id="64" name="직선 화살표 연결선 63">
+            <a:extLst>
+              <a:ext uri="{FF2B5EF4-FFF2-40B4-BE49-F238E27FC236}">
+                <a16:creationId xmlns:a16="http://schemas.microsoft.com/office/drawing/2014/main" id="{1C101F67-1758-0796-49A3-83B1451EFC8B}"/>
+              </a:ext>
+            </a:extLst>
+          </p:cNvPr>
+          <p:cNvCxnSpPr>
+            <a:cxnSpLocks/>
+            <a:stCxn id="35" idx="3"/>
+            <a:endCxn id="62" idx="1"/>
+          </p:cNvCxnSpPr>
+          <p:nvPr/>
+        </p:nvCxnSpPr>
+        <p:spPr>
+          <a:xfrm>
+            <a:off x="11108297" y="4262630"/>
+            <a:ext cx="633936" cy="12640"/>
+          </a:xfrm>
+          <a:prstGeom prst="straightConnector1">
+            <a:avLst/>
+          </a:prstGeom>
+          <a:ln>
+            <a:tailEnd type="triangle"/>
+          </a:ln>
+        </p:spPr>
+        <p:style>
+          <a:lnRef idx="2">
+            <a:schemeClr val="accent1"/>
+          </a:lnRef>
+          <a:fillRef idx="0">
+            <a:schemeClr val="accent1"/>
+          </a:fillRef>
+          <a:effectRef idx="1">
+            <a:schemeClr val="accent1"/>
+          </a:effectRef>
+          <a:fontRef idx="minor">
+            <a:schemeClr val="tx1"/>
+          </a:fontRef>
+        </p:style>
+      </p:cxnSp>
+      <p:sp>
+        <p:nvSpPr>
+          <p:cNvPr id="69" name="TextBox 68">
+            <a:extLst>
+              <a:ext uri="{FF2B5EF4-FFF2-40B4-BE49-F238E27FC236}">
+                <a16:creationId xmlns:a16="http://schemas.microsoft.com/office/drawing/2014/main" id="{3BEC6728-AA2F-1E0D-5115-016A5341FCEF}"/>
+              </a:ext>
+            </a:extLst>
+          </p:cNvPr>
+          <p:cNvSpPr txBox="1"/>
+          <p:nvPr/>
+        </p:nvSpPr>
+        <p:spPr>
+          <a:xfrm>
+            <a:off x="11702764" y="6345838"/>
+            <a:ext cx="336952" cy="369332"/>
+          </a:xfrm>
+          <a:prstGeom prst="rect">
+            <a:avLst/>
+          </a:prstGeom>
+          <a:noFill/>
+        </p:spPr>
+        <p:txBody>
+          <a:bodyPr wrap="none" rtlCol="0">
+            <a:spAutoFit/>
+          </a:bodyPr>
+          <a:lstStyle/>
+          <a:p>
+            <a:r>
+              <a:rPr lang="en-US" altLang="ko-KR" dirty="0"/>
+              <a:t>A</a:t>
+            </a:r>
+            <a:endParaRPr lang="ko-KR" altLang="en-US" dirty="0"/>
+          </a:p>
+        </p:txBody>
+      </p:sp>
+      <p:sp>
+        <p:nvSpPr>
+          <p:cNvPr id="74" name="직사각형 73">
+            <a:extLst>
+              <a:ext uri="{FF2B5EF4-FFF2-40B4-BE49-F238E27FC236}">
+                <a16:creationId xmlns:a16="http://schemas.microsoft.com/office/drawing/2014/main" id="{39B91B5B-CA05-1651-27F6-E43CFAFBA4DC}"/>
+              </a:ext>
+            </a:extLst>
+          </p:cNvPr>
+          <p:cNvSpPr/>
+          <p:nvPr/>
+        </p:nvSpPr>
+        <p:spPr>
+          <a:xfrm>
+            <a:off x="8316309" y="6662114"/>
+            <a:ext cx="3122579" cy="641195"/>
+          </a:xfrm>
+          <a:prstGeom prst="rect">
+            <a:avLst/>
+          </a:prstGeom>
+        </p:spPr>
+        <p:style>
+          <a:lnRef idx="2">
+            <a:schemeClr val="accent1">
+              <a:shade val="15000"/>
+            </a:schemeClr>
+          </a:lnRef>
+          <a:fillRef idx="1">
+            <a:schemeClr val="accent1"/>
+          </a:fillRef>
+          <a:effectRef idx="0">
+            <a:schemeClr val="accent1"/>
+          </a:effectRef>
+          <a:fontRef idx="minor">
+            <a:schemeClr val="lt1"/>
+          </a:fontRef>
+        </p:style>
+        <p:txBody>
+          <a:bodyPr rtlCol="0" anchor="ctr"/>
+          <a:lstStyle>
+            <a:defPPr>
+              <a:defRPr lang="ko-KR"/>
+            </a:defPPr>
+            <a:lvl1pPr marL="0" algn="l" defTabSz="914400" rtl="0" eaLnBrk="1" latinLnBrk="1" hangingPunct="1">
+              <a:defRPr sz="1800" kern="1200">
+                <a:solidFill>
+                  <a:schemeClr val="lt1"/>
+                </a:solidFill>
+                <a:latin typeface="+mn-lt"/>
+                <a:ea typeface="+mn-ea"/>
+                <a:cs typeface="+mn-cs"/>
+              </a:defRPr>
+            </a:lvl1pPr>
+            <a:lvl2pPr marL="457200" algn="l" defTabSz="914400" rtl="0" eaLnBrk="1" latinLnBrk="1" hangingPunct="1">
+              <a:defRPr sz="1800" kern="1200">
+                <a:solidFill>
+                  <a:schemeClr val="lt1"/>
+                </a:solidFill>
+                <a:latin typeface="+mn-lt"/>
+                <a:ea typeface="+mn-ea"/>
+                <a:cs typeface="+mn-cs"/>
+              </a:defRPr>
+            </a:lvl2pPr>
+            <a:lvl3pPr marL="914400" algn="l" defTabSz="914400" rtl="0" eaLnBrk="1" latinLnBrk="1" hangingPunct="1">
+              <a:defRPr sz="1800" kern="1200">
+                <a:solidFill>
+                  <a:schemeClr val="lt1"/>
+                </a:solidFill>
+                <a:latin typeface="+mn-lt"/>
+                <a:ea typeface="+mn-ea"/>
+                <a:cs typeface="+mn-cs"/>
+              </a:defRPr>
+            </a:lvl3pPr>
+            <a:lvl4pPr marL="1371600" algn="l" defTabSz="914400" rtl="0" eaLnBrk="1" latinLnBrk="1" hangingPunct="1">
+              <a:defRPr sz="1800" kern="1200">
+                <a:solidFill>
+                  <a:schemeClr val="lt1"/>
+                </a:solidFill>
+                <a:latin typeface="+mn-lt"/>
+                <a:ea typeface="+mn-ea"/>
+                <a:cs typeface="+mn-cs"/>
+              </a:defRPr>
+            </a:lvl4pPr>
+            <a:lvl5pPr marL="1828800" algn="l" defTabSz="914400" rtl="0" eaLnBrk="1" latinLnBrk="1" hangingPunct="1">
+              <a:defRPr sz="1800" kern="1200">
+                <a:solidFill>
+                  <a:schemeClr val="lt1"/>
+                </a:solidFill>
+                <a:latin typeface="+mn-lt"/>
+                <a:ea typeface="+mn-ea"/>
+                <a:cs typeface="+mn-cs"/>
+              </a:defRPr>
+            </a:lvl5pPr>
+            <a:lvl6pPr marL="2286000" algn="l" defTabSz="914400" rtl="0" eaLnBrk="1" latinLnBrk="1" hangingPunct="1">
+              <a:defRPr sz="1800" kern="1200">
+                <a:solidFill>
+                  <a:schemeClr val="lt1"/>
+                </a:solidFill>
+                <a:latin typeface="+mn-lt"/>
+                <a:ea typeface="+mn-ea"/>
+                <a:cs typeface="+mn-cs"/>
+              </a:defRPr>
+            </a:lvl6pPr>
+            <a:lvl7pPr marL="2743200" algn="l" defTabSz="914400" rtl="0" eaLnBrk="1" latinLnBrk="1" hangingPunct="1">
+              <a:defRPr sz="1800" kern="1200">
+                <a:solidFill>
+                  <a:schemeClr val="lt1"/>
+                </a:solidFill>
+                <a:latin typeface="+mn-lt"/>
+                <a:ea typeface="+mn-ea"/>
+                <a:cs typeface="+mn-cs"/>
+              </a:defRPr>
+            </a:lvl7pPr>
+            <a:lvl8pPr marL="3200400" algn="l" defTabSz="914400" rtl="0" eaLnBrk="1" latinLnBrk="1" hangingPunct="1">
+              <a:defRPr sz="1800" kern="1200">
+                <a:solidFill>
+                  <a:schemeClr val="lt1"/>
+                </a:solidFill>
+                <a:latin typeface="+mn-lt"/>
+                <a:ea typeface="+mn-ea"/>
+                <a:cs typeface="+mn-cs"/>
+              </a:defRPr>
+            </a:lvl8pPr>
+            <a:lvl9pPr marL="3657600" algn="l" defTabSz="914400" rtl="0" eaLnBrk="1" latinLnBrk="1" hangingPunct="1">
+              <a:defRPr sz="1800" kern="1200">
+                <a:solidFill>
+                  <a:schemeClr val="lt1"/>
+                </a:solidFill>
+                <a:latin typeface="+mn-lt"/>
+                <a:ea typeface="+mn-ea"/>
+                <a:cs typeface="+mn-cs"/>
+              </a:defRPr>
+            </a:lvl9pPr>
+          </a:lstStyle>
+          <a:p>
+            <a:pPr algn="ctr"/>
+            <a:r>
+              <a:rPr lang="en-US" altLang="ko-KR" dirty="0"/>
+              <a:t>Loss</a:t>
+            </a:r>
+            <a:endParaRPr lang="ko-KR" altLang="en-US" dirty="0"/>
+          </a:p>
+        </p:txBody>
+      </p:sp>
+      <p:cxnSp>
+        <p:nvCxnSpPr>
+          <p:cNvPr id="77" name="연결선: 꺾임 76">
+            <a:extLst>
+              <a:ext uri="{FF2B5EF4-FFF2-40B4-BE49-F238E27FC236}">
+                <a16:creationId xmlns:a16="http://schemas.microsoft.com/office/drawing/2014/main" id="{C4AC1F6C-FB21-5B66-A79D-82A46843DACA}"/>
+              </a:ext>
+            </a:extLst>
+          </p:cNvPr>
+          <p:cNvCxnSpPr>
+            <a:cxnSpLocks/>
+            <a:stCxn id="81" idx="1"/>
+            <a:endCxn id="74" idx="0"/>
+          </p:cNvCxnSpPr>
+          <p:nvPr/>
+        </p:nvCxnSpPr>
+        <p:spPr>
+          <a:xfrm rot="10800000" flipV="1">
+            <a:off x="9877600" y="5586178"/>
+            <a:ext cx="819521" cy="1075936"/>
+          </a:xfrm>
+          <a:prstGeom prst="bentConnector2">
+            <a:avLst/>
+          </a:prstGeom>
+          <a:ln>
+            <a:tailEnd type="triangle"/>
+          </a:ln>
+        </p:spPr>
+        <p:style>
+          <a:lnRef idx="2">
+            <a:schemeClr val="accent1"/>
+          </a:lnRef>
+          <a:fillRef idx="0">
+            <a:schemeClr val="accent1"/>
+          </a:fillRef>
+          <a:effectRef idx="1">
+            <a:schemeClr val="accent1"/>
+          </a:effectRef>
+          <a:fontRef idx="minor">
+            <a:schemeClr val="tx1"/>
+          </a:fontRef>
+        </p:style>
+      </p:cxnSp>
+      <p:sp>
+        <p:nvSpPr>
+          <p:cNvPr id="81" name="TextBox 80">
+            <a:extLst>
+              <a:ext uri="{FF2B5EF4-FFF2-40B4-BE49-F238E27FC236}">
+                <a16:creationId xmlns:a16="http://schemas.microsoft.com/office/drawing/2014/main" id="{046B9F25-CE5E-E9B3-87E3-6759FC074401}"/>
+              </a:ext>
+            </a:extLst>
+          </p:cNvPr>
+          <p:cNvSpPr txBox="1"/>
+          <p:nvPr/>
+        </p:nvSpPr>
+        <p:spPr>
+          <a:xfrm>
+            <a:off x="10697120" y="5401512"/>
+            <a:ext cx="2464585" cy="369332"/>
+          </a:xfrm>
+          <a:prstGeom prst="rect">
+            <a:avLst/>
+          </a:prstGeom>
+          <a:noFill/>
+        </p:spPr>
+        <p:txBody>
+          <a:bodyPr wrap="none" rtlCol="0">
+            <a:spAutoFit/>
+          </a:bodyPr>
+          <a:lstStyle/>
+          <a:p>
+            <a:r>
+              <a:rPr lang="en-US" altLang="ko-KR" dirty="0" err="1"/>
+              <a:t>Psuedo</a:t>
+            </a:r>
+            <a:r>
+              <a:rPr lang="en-US" altLang="ko-KR" dirty="0"/>
+              <a:t> GT = out + A</a:t>
+            </a:r>
+            <a:endParaRPr lang="ko-KR" altLang="en-US" dirty="0"/>
+          </a:p>
+        </p:txBody>
+      </p:sp>
+      <p:sp>
+        <p:nvSpPr>
+          <p:cNvPr id="84" name="TextBox 83">
+            <a:extLst>
+              <a:ext uri="{FF2B5EF4-FFF2-40B4-BE49-F238E27FC236}">
+                <a16:creationId xmlns:a16="http://schemas.microsoft.com/office/drawing/2014/main" id="{17B6EE5F-E92C-8A09-74CB-07A7C6AE0777}"/>
+              </a:ext>
+            </a:extLst>
+          </p:cNvPr>
+          <p:cNvSpPr txBox="1"/>
+          <p:nvPr/>
+        </p:nvSpPr>
+        <p:spPr>
+          <a:xfrm>
+            <a:off x="7516709" y="6558426"/>
+            <a:ext cx="535724" cy="369332"/>
+          </a:xfrm>
+          <a:prstGeom prst="rect">
+            <a:avLst/>
+          </a:prstGeom>
+          <a:noFill/>
+        </p:spPr>
+        <p:txBody>
+          <a:bodyPr wrap="none" rtlCol="0">
+            <a:spAutoFit/>
+          </a:bodyPr>
+          <a:lstStyle/>
+          <a:p>
+            <a:r>
+              <a:rPr lang="en-US" altLang="ko-KR" dirty="0"/>
+              <a:t>out</a:t>
+            </a:r>
+            <a:endParaRPr lang="ko-KR" altLang="en-US" dirty="0"/>
+          </a:p>
+        </p:txBody>
+      </p:sp>
+      <p:sp>
+        <p:nvSpPr>
+          <p:cNvPr id="87" name="화살표: 왼쪽으로 구부러짐 86">
+            <a:extLst>
+              <a:ext uri="{FF2B5EF4-FFF2-40B4-BE49-F238E27FC236}">
+                <a16:creationId xmlns:a16="http://schemas.microsoft.com/office/drawing/2014/main" id="{73BD535A-A49F-492C-9ACB-92142D91856C}"/>
+              </a:ext>
+            </a:extLst>
+          </p:cNvPr>
+          <p:cNvSpPr/>
+          <p:nvPr/>
+        </p:nvSpPr>
+        <p:spPr>
+          <a:xfrm>
+            <a:off x="13470673" y="4560205"/>
+            <a:ext cx="747880" cy="1785633"/>
+          </a:xfrm>
+          <a:prstGeom prst="curvedLeftArrow">
+            <a:avLst/>
+          </a:prstGeom>
+        </p:spPr>
+        <p:style>
+          <a:lnRef idx="2">
+            <a:schemeClr val="accent1">
+              <a:shade val="15000"/>
+            </a:schemeClr>
+          </a:lnRef>
+          <a:fillRef idx="1">
+            <a:schemeClr val="accent1"/>
+          </a:fillRef>
+          <a:effectRef idx="0">
+            <a:schemeClr val="accent1"/>
+          </a:effectRef>
+          <a:fontRef idx="minor">
+            <a:schemeClr val="lt1"/>
+          </a:fontRef>
+        </p:style>
+        <p:txBody>
+          <a:bodyPr rtlCol="0" anchor="ctr"/>
+          <a:lstStyle/>
+          <a:p>
+            <a:pPr algn="ctr"/>
+            <a:endParaRPr lang="ko-KR" altLang="en-US">
+              <a:solidFill>
+                <a:schemeClr val="tx1"/>
+              </a:solidFill>
+            </a:endParaRPr>
+          </a:p>
+        </p:txBody>
+      </p:sp>
+      <p:sp>
+        <p:nvSpPr>
+          <p:cNvPr id="88" name="화살표: 왼쪽으로 구부러짐 87">
+            <a:extLst>
+              <a:ext uri="{FF2B5EF4-FFF2-40B4-BE49-F238E27FC236}">
+                <a16:creationId xmlns:a16="http://schemas.microsoft.com/office/drawing/2014/main" id="{5D0A2E80-7D2C-AF7A-94B5-3B5EEB90D93F}"/>
+              </a:ext>
+            </a:extLst>
+          </p:cNvPr>
+          <p:cNvSpPr/>
+          <p:nvPr/>
+        </p:nvSpPr>
+        <p:spPr>
+          <a:xfrm rot="10800000">
+            <a:off x="-685046" y="4560205"/>
+            <a:ext cx="747880" cy="1785633"/>
+          </a:xfrm>
+          <a:prstGeom prst="curvedLeftArrow">
+            <a:avLst/>
+          </a:prstGeom>
+        </p:spPr>
+        <p:style>
+          <a:lnRef idx="2">
+            <a:schemeClr val="accent1">
+              <a:shade val="15000"/>
+            </a:schemeClr>
+          </a:lnRef>
+          <a:fillRef idx="1">
+            <a:schemeClr val="accent1"/>
+          </a:fillRef>
+          <a:effectRef idx="0">
+            <a:schemeClr val="accent1"/>
+          </a:effectRef>
+          <a:fontRef idx="minor">
+            <a:schemeClr val="lt1"/>
+          </a:fontRef>
+        </p:style>
+        <p:txBody>
+          <a:bodyPr rtlCol="0" anchor="ctr"/>
+          <a:lstStyle/>
+          <a:p>
+            <a:pPr algn="ctr"/>
+            <a:endParaRPr lang="ko-KR" altLang="en-US">
+              <a:solidFill>
+                <a:schemeClr val="tx1"/>
+              </a:solidFill>
+            </a:endParaRPr>
+          </a:p>
+        </p:txBody>
+      </p:sp>
+      <p:cxnSp>
+        <p:nvCxnSpPr>
+          <p:cNvPr id="90" name="연결선: 꺾임 89">
+            <a:extLst>
+              <a:ext uri="{FF2B5EF4-FFF2-40B4-BE49-F238E27FC236}">
+                <a16:creationId xmlns:a16="http://schemas.microsoft.com/office/drawing/2014/main" id="{9DF07D91-84F2-27CD-BF5B-1D75FD628A0E}"/>
+              </a:ext>
+            </a:extLst>
+          </p:cNvPr>
+          <p:cNvCxnSpPr>
+            <a:cxnSpLocks/>
+            <a:endCxn id="31" idx="1"/>
+          </p:cNvCxnSpPr>
+          <p:nvPr/>
+        </p:nvCxnSpPr>
+        <p:spPr>
+          <a:xfrm rot="5400000" flipH="1" flipV="1">
+            <a:off x="2714375" y="5652607"/>
+            <a:ext cx="2420470" cy="609185"/>
+          </a:xfrm>
+          <a:prstGeom prst="bentConnector2">
+            <a:avLst/>
+          </a:prstGeom>
+          <a:ln>
+            <a:tailEnd type="triangle"/>
+          </a:ln>
+        </p:spPr>
+        <p:style>
+          <a:lnRef idx="2">
+            <a:schemeClr val="accent1"/>
+          </a:lnRef>
+          <a:fillRef idx="0">
+            <a:schemeClr val="accent1"/>
+          </a:fillRef>
+          <a:effectRef idx="1">
+            <a:schemeClr val="accent1"/>
+          </a:effectRef>
+          <a:fontRef idx="minor">
+            <a:schemeClr val="tx1"/>
+          </a:fontRef>
+        </p:style>
+      </p:cxnSp>
+      <p:sp>
+        <p:nvSpPr>
+          <p:cNvPr id="93" name="직사각형 92">
+            <a:extLst>
+              <a:ext uri="{FF2B5EF4-FFF2-40B4-BE49-F238E27FC236}">
+                <a16:creationId xmlns:a16="http://schemas.microsoft.com/office/drawing/2014/main" id="{29235146-C4CC-A1BB-E636-BCCA548055CC}"/>
+              </a:ext>
+            </a:extLst>
+          </p:cNvPr>
+          <p:cNvSpPr/>
+          <p:nvPr/>
+        </p:nvSpPr>
+        <p:spPr>
+          <a:xfrm>
+            <a:off x="568712" y="7238607"/>
+            <a:ext cx="2442117" cy="641195"/>
+          </a:xfrm>
+          <a:prstGeom prst="rect">
+            <a:avLst/>
+          </a:prstGeom>
+        </p:spPr>
+        <p:style>
+          <a:lnRef idx="2">
+            <a:schemeClr val="accent1">
+              <a:shade val="15000"/>
+            </a:schemeClr>
+          </a:lnRef>
+          <a:fillRef idx="1">
+            <a:schemeClr val="accent1"/>
+          </a:fillRef>
+          <a:effectRef idx="0">
+            <a:schemeClr val="accent1"/>
+          </a:effectRef>
+          <a:fontRef idx="minor">
+            <a:schemeClr val="lt1"/>
+          </a:fontRef>
+        </p:style>
+        <p:txBody>
+          <a:bodyPr rtlCol="0" anchor="ctr"/>
+          <a:lstStyle>
+            <a:defPPr>
+              <a:defRPr lang="ko-KR"/>
+            </a:defPPr>
+            <a:lvl1pPr marL="0" algn="l" defTabSz="914400" rtl="0" eaLnBrk="1" latinLnBrk="1" hangingPunct="1">
+              <a:defRPr sz="1800" kern="1200">
+                <a:solidFill>
+                  <a:schemeClr val="lt1"/>
+                </a:solidFill>
+                <a:latin typeface="+mn-lt"/>
+                <a:ea typeface="+mn-ea"/>
+                <a:cs typeface="+mn-cs"/>
+              </a:defRPr>
+            </a:lvl1pPr>
+            <a:lvl2pPr marL="457200" algn="l" defTabSz="914400" rtl="0" eaLnBrk="1" latinLnBrk="1" hangingPunct="1">
+              <a:defRPr sz="1800" kern="1200">
+                <a:solidFill>
+                  <a:schemeClr val="lt1"/>
+                </a:solidFill>
+                <a:latin typeface="+mn-lt"/>
+                <a:ea typeface="+mn-ea"/>
+                <a:cs typeface="+mn-cs"/>
+              </a:defRPr>
+            </a:lvl2pPr>
+            <a:lvl3pPr marL="914400" algn="l" defTabSz="914400" rtl="0" eaLnBrk="1" latinLnBrk="1" hangingPunct="1">
+              <a:defRPr sz="1800" kern="1200">
+                <a:solidFill>
+                  <a:schemeClr val="lt1"/>
+                </a:solidFill>
+                <a:latin typeface="+mn-lt"/>
+                <a:ea typeface="+mn-ea"/>
+                <a:cs typeface="+mn-cs"/>
+              </a:defRPr>
+            </a:lvl3pPr>
+            <a:lvl4pPr marL="1371600" algn="l" defTabSz="914400" rtl="0" eaLnBrk="1" latinLnBrk="1" hangingPunct="1">
+              <a:defRPr sz="1800" kern="1200">
+                <a:solidFill>
+                  <a:schemeClr val="lt1"/>
+                </a:solidFill>
+                <a:latin typeface="+mn-lt"/>
+                <a:ea typeface="+mn-ea"/>
+                <a:cs typeface="+mn-cs"/>
+              </a:defRPr>
+            </a:lvl4pPr>
+            <a:lvl5pPr marL="1828800" algn="l" defTabSz="914400" rtl="0" eaLnBrk="1" latinLnBrk="1" hangingPunct="1">
+              <a:defRPr sz="1800" kern="1200">
+                <a:solidFill>
+                  <a:schemeClr val="lt1"/>
+                </a:solidFill>
+                <a:latin typeface="+mn-lt"/>
+                <a:ea typeface="+mn-ea"/>
+                <a:cs typeface="+mn-cs"/>
+              </a:defRPr>
+            </a:lvl5pPr>
+            <a:lvl6pPr marL="2286000" algn="l" defTabSz="914400" rtl="0" eaLnBrk="1" latinLnBrk="1" hangingPunct="1">
+              <a:defRPr sz="1800" kern="1200">
+                <a:solidFill>
+                  <a:schemeClr val="lt1"/>
+                </a:solidFill>
+                <a:latin typeface="+mn-lt"/>
+                <a:ea typeface="+mn-ea"/>
+                <a:cs typeface="+mn-cs"/>
+              </a:defRPr>
+            </a:lvl6pPr>
+            <a:lvl7pPr marL="2743200" algn="l" defTabSz="914400" rtl="0" eaLnBrk="1" latinLnBrk="1" hangingPunct="1">
+              <a:defRPr sz="1800" kern="1200">
+                <a:solidFill>
+                  <a:schemeClr val="lt1"/>
+                </a:solidFill>
+                <a:latin typeface="+mn-lt"/>
+                <a:ea typeface="+mn-ea"/>
+                <a:cs typeface="+mn-cs"/>
+              </a:defRPr>
+            </a:lvl7pPr>
+            <a:lvl8pPr marL="3200400" algn="l" defTabSz="914400" rtl="0" eaLnBrk="1" latinLnBrk="1" hangingPunct="1">
+              <a:defRPr sz="1800" kern="1200">
+                <a:solidFill>
+                  <a:schemeClr val="lt1"/>
+                </a:solidFill>
+                <a:latin typeface="+mn-lt"/>
+                <a:ea typeface="+mn-ea"/>
+                <a:cs typeface="+mn-cs"/>
+              </a:defRPr>
+            </a:lvl8pPr>
+            <a:lvl9pPr marL="3657600" algn="l" defTabSz="914400" rtl="0" eaLnBrk="1" latinLnBrk="1" hangingPunct="1">
+              <a:defRPr sz="1800" kern="1200">
+                <a:solidFill>
+                  <a:schemeClr val="lt1"/>
+                </a:solidFill>
+                <a:latin typeface="+mn-lt"/>
+                <a:ea typeface="+mn-ea"/>
+                <a:cs typeface="+mn-cs"/>
+              </a:defRPr>
+            </a:lvl9pPr>
+          </a:lstStyle>
+          <a:p>
+            <a:pPr algn="ctr"/>
+            <a:r>
+              <a:rPr lang="en-US" altLang="ko-KR" dirty="0"/>
+              <a:t>Customization model</a:t>
+            </a:r>
+            <a:endParaRPr lang="ko-KR" altLang="en-US" dirty="0"/>
+          </a:p>
+        </p:txBody>
+      </p:sp>
+      <p:cxnSp>
+        <p:nvCxnSpPr>
+          <p:cNvPr id="98" name="직선 화살표 연결선 97">
+            <a:extLst>
+              <a:ext uri="{FF2B5EF4-FFF2-40B4-BE49-F238E27FC236}">
+                <a16:creationId xmlns:a16="http://schemas.microsoft.com/office/drawing/2014/main" id="{EBD13412-210D-7D6A-8E35-3F8B17FA9CAA}"/>
+              </a:ext>
+            </a:extLst>
+          </p:cNvPr>
+          <p:cNvCxnSpPr>
+            <a:cxnSpLocks/>
+            <a:stCxn id="93" idx="3"/>
+            <a:endCxn id="33" idx="1"/>
+          </p:cNvCxnSpPr>
+          <p:nvPr/>
+        </p:nvCxnSpPr>
+        <p:spPr>
+          <a:xfrm flipV="1">
+            <a:off x="3010829" y="6981449"/>
+            <a:ext cx="1218374" cy="577756"/>
+          </a:xfrm>
+          <a:prstGeom prst="straightConnector1">
+            <a:avLst/>
+          </a:prstGeom>
+          <a:ln>
+            <a:tailEnd type="triangle"/>
+          </a:ln>
+        </p:spPr>
+        <p:style>
+          <a:lnRef idx="2">
+            <a:schemeClr val="accent1"/>
+          </a:lnRef>
+          <a:fillRef idx="0">
+            <a:schemeClr val="accent1"/>
+          </a:fillRef>
+          <a:effectRef idx="1">
+            <a:schemeClr val="accent1"/>
+          </a:effectRef>
+          <a:fontRef idx="minor">
+            <a:schemeClr val="tx1"/>
+          </a:fontRef>
+        </p:style>
+      </p:cxnSp>
+    </p:spTree>
+    <p:extLst>
+      <p:ext uri="{BB962C8B-B14F-4D97-AF65-F5344CB8AC3E}">
+        <p14:creationId xmlns:p14="http://schemas.microsoft.com/office/powerpoint/2010/main" val="2448132617"/>
       </p:ext>
     </p:extLst>
   </p:cSld>
